--- a/Presentation/BuildingTheBackend/BuildingTheBackend.pptx
+++ b/Presentation/BuildingTheBackend/BuildingTheBackend.pptx
@@ -224,7 +224,7 @@
           <a:p>
             <a:fld id="{312E7B4A-039C-48A2-9B2C-AF16AA3873D8}" type="datetimeFigureOut">
               <a:rPr lang="en-US" smtClean="0"/>
-              <a:t>07/07/2015</a:t>
+              <a:t>15/07/2015</a:t>
             </a:fld>
             <a:endParaRPr lang="en-US"/>
           </a:p>
@@ -389,7 +389,7 @@
           <a:p>
             <a:fld id="{DA005A0C-54D9-45AA-87D4-C551D08DFCE1}" type="datetimeFigureOut">
               <a:rPr lang="en-US" smtClean="0"/>
-              <a:t>07/07/2015</a:t>
+              <a:t>15/07/2015</a:t>
             </a:fld>
             <a:endParaRPr lang="en-US"/>
           </a:p>
@@ -17148,28 +17148,18 @@
           <a:p>
             <a:pPr marL="914400" indent="-914400"/>
             <a:r>
+              <a:rPr lang="en-US" sz="7200" smtClean="0"/>
+              <a:t>Building </a:t>
+            </a:r>
+            <a:r>
+              <a:rPr lang="en-US" sz="7200" smtClean="0"/>
+              <a:t>the </a:t>
+            </a:r>
+            <a:r>
               <a:rPr lang="en-US" sz="7200" dirty="0" smtClean="0"/>
-              <a:t>Building </a:t>
-            </a:r>
-            <a:r>
-              <a:rPr lang="en-US" sz="7200" dirty="0"/>
-              <a:t>a Backend </a:t>
-            </a:r>
-            <a:r>
-              <a:rPr lang="en-US" sz="7200" dirty="0" smtClean="0"/>
-              <a:t>with</a:t>
-            </a:r>
-            <a:br>
-              <a:rPr lang="en-US" sz="7200" dirty="0" smtClean="0"/>
-            </a:br>
-            <a:r>
-              <a:rPr lang="en-US" sz="7200" dirty="0" smtClean="0"/>
-              <a:t>Socket.IO </a:t>
-            </a:r>
-            <a:r>
-              <a:rPr lang="en-US" sz="7200" dirty="0"/>
-              <a:t>and Mongo</a:t>
-            </a:r>
+              <a:t>Backend</a:t>
+            </a:r>
+            <a:endParaRPr lang="en-US" sz="7200" dirty="0"/>
           </a:p>
         </p:txBody>
       </p:sp>

--- a/Presentation/BuildingTheBackend/BuildingTheBackend.pptx
+++ b/Presentation/BuildingTheBackend/BuildingTheBackend.pptx
@@ -11,10 +11,10 @@
     <p:sldMasterId id="2147483727" r:id="rId10"/>
   </p:sldMasterIdLst>
   <p:notesMasterIdLst>
-    <p:notesMasterId r:id="rId27"/>
+    <p:notesMasterId r:id="rId30"/>
   </p:notesMasterIdLst>
   <p:handoutMasterIdLst>
-    <p:handoutMasterId r:id="rId28"/>
+    <p:handoutMasterId r:id="rId31"/>
   </p:handoutMasterIdLst>
   <p:sldIdLst>
     <p:sldId id="303" r:id="rId11"/>
@@ -24,15 +24,18 @@
     <p:sldId id="293" r:id="rId15"/>
     <p:sldId id="305" r:id="rId16"/>
     <p:sldId id="295" r:id="rId17"/>
-    <p:sldId id="300" r:id="rId18"/>
-    <p:sldId id="296" r:id="rId19"/>
-    <p:sldId id="297" r:id="rId20"/>
-    <p:sldId id="298" r:id="rId21"/>
-    <p:sldId id="302" r:id="rId22"/>
-    <p:sldId id="299" r:id="rId23"/>
-    <p:sldId id="301" r:id="rId24"/>
-    <p:sldId id="288" r:id="rId25"/>
-    <p:sldId id="289" r:id="rId26"/>
+    <p:sldId id="296" r:id="rId18"/>
+    <p:sldId id="297" r:id="rId19"/>
+    <p:sldId id="298" r:id="rId20"/>
+    <p:sldId id="307" r:id="rId21"/>
+    <p:sldId id="306" r:id="rId22"/>
+    <p:sldId id="308" r:id="rId23"/>
+    <p:sldId id="310" r:id="rId24"/>
+    <p:sldId id="301" r:id="rId25"/>
+    <p:sldId id="288" r:id="rId26"/>
+    <p:sldId id="302" r:id="rId27"/>
+    <p:sldId id="299" r:id="rId28"/>
+    <p:sldId id="289" r:id="rId29"/>
   </p:sldIdLst>
   <p:sldSz cx="12192000" cy="6858000"/>
   <p:notesSz cx="6858000" cy="9144000"/>
@@ -224,7 +227,7 @@
           <a:p>
             <a:fld id="{312E7B4A-039C-48A2-9B2C-AF16AA3873D8}" type="datetimeFigureOut">
               <a:rPr lang="en-US" smtClean="0"/>
-              <a:t>15/07/2015</a:t>
+              <a:t>7/22/2015</a:t>
             </a:fld>
             <a:endParaRPr lang="en-US"/>
           </a:p>
@@ -389,7 +392,7 @@
           <a:p>
             <a:fld id="{DA005A0C-54D9-45AA-87D4-C551D08DFCE1}" type="datetimeFigureOut">
               <a:rPr lang="en-US" smtClean="0"/>
-              <a:t>15/07/2015</a:t>
+              <a:t>7/22/2015</a:t>
             </a:fld>
             <a:endParaRPr lang="en-US"/>
           </a:p>
@@ -801,7 +804,7 @@
             <a:fld id="{13F0F35F-DD44-4607-AEC1-49D7A4BC4066}" type="slidenum">
               <a:rPr lang="en-US" smtClean="0"/>
               <a:pPr/>
-              <a:t>10</a:t>
+              <a:t>9</a:t>
             </a:fld>
             <a:endParaRPr lang="en-US" dirty="0"/>
           </a:p>
@@ -830,6 +833,1186 @@
     <p:extLst>
       <p:ext uri="{BB962C8B-B14F-4D97-AF65-F5344CB8AC3E}">
         <p14:creationId xmlns:p14="http://schemas.microsoft.com/office/powerpoint/2010/main" val="2794775480"/>
+      </p:ext>
+    </p:extLst>
+  </p:cSld>
+  <p:clrMapOvr>
+    <a:masterClrMapping/>
+  </p:clrMapOvr>
+</p:notes>
+</file>
+
+<file path=ppt/notesSlides/notesSlide3.xml><?xml version="1.0" encoding="utf-8"?>
+<p:notes xmlns:a="http://schemas.openxmlformats.org/drawingml/2006/main" xmlns:r="http://schemas.openxmlformats.org/officeDocument/2006/relationships" xmlns:p="http://schemas.openxmlformats.org/presentationml/2006/main">
+  <p:cSld>
+    <p:spTree>
+      <p:nvGrpSpPr>
+        <p:cNvPr id="1" name=""/>
+        <p:cNvGrpSpPr/>
+        <p:nvPr/>
+      </p:nvGrpSpPr>
+      <p:grpSpPr>
+        <a:xfrm>
+          <a:off x="0" y="0"/>
+          <a:ext cx="0" cy="0"/>
+          <a:chOff x="0" y="0"/>
+          <a:chExt cx="0" cy="0"/>
+        </a:xfrm>
+      </p:grpSpPr>
+      <p:sp>
+        <p:nvSpPr>
+          <p:cNvPr id="2" name="Slide Image Placeholder 1"/>
+          <p:cNvSpPr>
+            <a:spLocks noGrp="1" noRot="1" noChangeAspect="1"/>
+          </p:cNvSpPr>
+          <p:nvPr>
+            <p:ph type="sldImg"/>
+          </p:nvPr>
+        </p:nvSpPr>
+        <p:spPr/>
+      </p:sp>
+      <p:sp>
+        <p:nvSpPr>
+          <p:cNvPr id="3" name="Notes Placeholder 2"/>
+          <p:cNvSpPr>
+            <a:spLocks noGrp="1"/>
+          </p:cNvSpPr>
+          <p:nvPr>
+            <p:ph type="body" idx="1"/>
+          </p:nvPr>
+        </p:nvSpPr>
+        <p:spPr/>
+        <p:txBody>
+          <a:bodyPr/>
+          <a:lstStyle/>
+          <a:p>
+            <a:r>
+              <a:rPr lang="en-US" dirty="0" smtClean="0"/>
+              <a:t>So speaking of customers, let’s move on to some</a:t>
+            </a:r>
+            <a:r>
+              <a:rPr lang="en-US" baseline="0" dirty="0" smtClean="0"/>
+              <a:t> of the scenarios that we’ve seen DocDB used for. DocDB is particularly suited for web and mobile application development of all types, but a few scenarios seem to be great fit for the service and we’ve seen these scenarios in the private preview.</a:t>
+            </a:r>
+          </a:p>
+          <a:p>
+            <a:endParaRPr lang="en-US" baseline="0" dirty="0" smtClean="0"/>
+          </a:p>
+          <a:p>
+            <a:pPr algn="l" defTabSz="932472" fontAlgn="base">
+              <a:spcBef>
+                <a:spcPct val="0"/>
+              </a:spcBef>
+              <a:spcAft>
+                <a:spcPct val="0"/>
+              </a:spcAft>
+            </a:pPr>
+            <a:r>
+              <a:rPr lang="en-US" sz="1400" b="1" dirty="0" smtClean="0">
+                <a:solidFill>
+                  <a:schemeClr val="bg1"/>
+                </a:solidFill>
+              </a:rPr>
+              <a:t>Catalog Data</a:t>
+            </a:r>
+          </a:p>
+          <a:p>
+            <a:pPr algn="ctr" defTabSz="932472" fontAlgn="base">
+              <a:spcBef>
+                <a:spcPct val="0"/>
+              </a:spcBef>
+              <a:spcAft>
+                <a:spcPct val="0"/>
+              </a:spcAft>
+            </a:pPr>
+            <a:endParaRPr lang="en-US" sz="1400" b="1" dirty="0" smtClean="0">
+              <a:solidFill>
+                <a:schemeClr val="bg1"/>
+              </a:solidFill>
+            </a:endParaRPr>
+          </a:p>
+          <a:p>
+            <a:pPr marL="171450" indent="-171450" defTabSz="932472" fontAlgn="base">
+              <a:spcBef>
+                <a:spcPct val="0"/>
+              </a:spcBef>
+              <a:spcAft>
+                <a:spcPct val="0"/>
+              </a:spcAft>
+              <a:buFont typeface="Wingdings" panose="05000000000000000000" pitchFamily="2" charset="2"/>
+              <a:buChar char="§"/>
+            </a:pPr>
+            <a:r>
+              <a:rPr lang="en-US" sz="1200" dirty="0" smtClean="0">
+                <a:solidFill>
+                  <a:schemeClr val="bg1"/>
+                </a:solidFill>
+              </a:rPr>
+              <a:t>Store, query and process entities – people, places, things</a:t>
+            </a:r>
+          </a:p>
+          <a:p>
+            <a:pPr marL="171450" indent="-171450" defTabSz="932472" fontAlgn="base">
+              <a:spcBef>
+                <a:spcPct val="0"/>
+              </a:spcBef>
+              <a:spcAft>
+                <a:spcPct val="0"/>
+              </a:spcAft>
+              <a:buFont typeface="Wingdings" panose="05000000000000000000" pitchFamily="2" charset="2"/>
+              <a:buChar char="§"/>
+            </a:pPr>
+            <a:r>
+              <a:rPr lang="en-US" sz="1200" dirty="0" smtClean="0">
+                <a:solidFill>
+                  <a:schemeClr val="bg1"/>
+                </a:solidFill>
+              </a:rPr>
+              <a:t>Evolve item schema and attributes based on application needs</a:t>
+            </a:r>
+          </a:p>
+          <a:p>
+            <a:pPr marL="171450" indent="-171450" defTabSz="932472" fontAlgn="base">
+              <a:spcBef>
+                <a:spcPct val="0"/>
+              </a:spcBef>
+              <a:spcAft>
+                <a:spcPct val="0"/>
+              </a:spcAft>
+              <a:buFont typeface="Wingdings" panose="05000000000000000000" pitchFamily="2" charset="2"/>
+              <a:buChar char="§"/>
+            </a:pPr>
+            <a:r>
+              <a:rPr lang="en-US" sz="1200" dirty="0" smtClean="0">
+                <a:solidFill>
+                  <a:schemeClr val="bg1"/>
+                </a:solidFill>
+              </a:rPr>
+              <a:t>Tune indexing to match query and performance needs </a:t>
+            </a:r>
+          </a:p>
+          <a:p>
+            <a:pPr marL="171450" indent="-171450" defTabSz="932472" fontAlgn="base">
+              <a:spcBef>
+                <a:spcPct val="0"/>
+              </a:spcBef>
+              <a:spcAft>
+                <a:spcPct val="0"/>
+              </a:spcAft>
+              <a:buFont typeface="Wingdings" panose="05000000000000000000" pitchFamily="2" charset="2"/>
+              <a:buChar char="§"/>
+            </a:pPr>
+            <a:r>
+              <a:rPr lang="en-US" sz="1200" dirty="0" smtClean="0">
+                <a:solidFill>
+                  <a:schemeClr val="bg1"/>
+                </a:solidFill>
+              </a:rPr>
+              <a:t>Examples include product catalogs, user profiles, device information i.e. </a:t>
+            </a:r>
+            <a:r>
+              <a:rPr lang="en-US" sz="1200" dirty="0" err="1" smtClean="0">
+                <a:solidFill>
+                  <a:schemeClr val="bg1"/>
+                </a:solidFill>
+              </a:rPr>
+              <a:t>IoT</a:t>
+            </a:r>
+            <a:r>
+              <a:rPr lang="en-US" sz="1200" dirty="0" smtClean="0">
+                <a:solidFill>
+                  <a:schemeClr val="bg1"/>
+                </a:solidFill>
+              </a:rPr>
+              <a:t> systems</a:t>
+            </a:r>
+          </a:p>
+          <a:p>
+            <a:pPr marL="171450" indent="-171450" defTabSz="932472" fontAlgn="base">
+              <a:spcBef>
+                <a:spcPct val="0"/>
+              </a:spcBef>
+              <a:spcAft>
+                <a:spcPct val="0"/>
+              </a:spcAft>
+              <a:buFont typeface="Wingdings" panose="05000000000000000000" pitchFamily="2" charset="2"/>
+              <a:buChar char="§"/>
+            </a:pPr>
+            <a:endParaRPr lang="en-US" sz="1200" dirty="0" smtClean="0">
+              <a:solidFill>
+                <a:schemeClr val="bg1"/>
+              </a:solidFill>
+            </a:endParaRPr>
+          </a:p>
+          <a:p>
+            <a:pPr algn="l" defTabSz="932472" fontAlgn="base">
+              <a:spcBef>
+                <a:spcPct val="0"/>
+              </a:spcBef>
+              <a:spcAft>
+                <a:spcPct val="0"/>
+              </a:spcAft>
+            </a:pPr>
+            <a:r>
+              <a:rPr lang="en-US" sz="1200" b="1" dirty="0" smtClean="0">
+                <a:solidFill>
+                  <a:schemeClr val="bg1"/>
+                </a:solidFill>
+              </a:rPr>
+              <a:t>Preferences and State</a:t>
+            </a:r>
+          </a:p>
+          <a:p>
+            <a:pPr algn="ctr" defTabSz="932472" fontAlgn="base">
+              <a:spcBef>
+                <a:spcPct val="0"/>
+              </a:spcBef>
+              <a:spcAft>
+                <a:spcPct val="0"/>
+              </a:spcAft>
+            </a:pPr>
+            <a:endParaRPr lang="en-US" sz="1100" b="1" dirty="0" smtClean="0">
+              <a:solidFill>
+                <a:schemeClr val="bg1"/>
+              </a:solidFill>
+            </a:endParaRPr>
+          </a:p>
+          <a:p>
+            <a:pPr marL="171450" indent="-171450" defTabSz="932472" fontAlgn="base">
+              <a:spcBef>
+                <a:spcPct val="0"/>
+              </a:spcBef>
+              <a:spcAft>
+                <a:spcPct val="0"/>
+              </a:spcAft>
+              <a:buFont typeface="Wingdings" panose="05000000000000000000" pitchFamily="2" charset="2"/>
+              <a:buChar char="§"/>
+            </a:pPr>
+            <a:r>
+              <a:rPr lang="en-US" sz="1100" dirty="0" smtClean="0">
+                <a:solidFill>
+                  <a:schemeClr val="bg1"/>
+                </a:solidFill>
+              </a:rPr>
+              <a:t>Store user preference data for application experiences and UI customization</a:t>
+            </a:r>
+          </a:p>
+          <a:p>
+            <a:pPr marL="171450" indent="-171450" defTabSz="932472" fontAlgn="base">
+              <a:spcBef>
+                <a:spcPct val="0"/>
+              </a:spcBef>
+              <a:spcAft>
+                <a:spcPct val="0"/>
+              </a:spcAft>
+              <a:buFont typeface="Wingdings" panose="05000000000000000000" pitchFamily="2" charset="2"/>
+              <a:buChar char="§"/>
+            </a:pPr>
+            <a:r>
+              <a:rPr lang="en-US" sz="1100" dirty="0" smtClean="0">
+                <a:solidFill>
+                  <a:schemeClr val="bg1"/>
+                </a:solidFill>
+              </a:rPr>
+              <a:t>Store application information including game state or device configuration information</a:t>
+            </a:r>
+          </a:p>
+          <a:p>
+            <a:pPr marL="171450" indent="-171450" defTabSz="932472" fontAlgn="base">
+              <a:spcBef>
+                <a:spcPct val="0"/>
+              </a:spcBef>
+              <a:spcAft>
+                <a:spcPct val="0"/>
+              </a:spcAft>
+              <a:buFont typeface="Wingdings" panose="05000000000000000000" pitchFamily="2" charset="2"/>
+              <a:buChar char="§"/>
+            </a:pPr>
+            <a:r>
+              <a:rPr lang="en-US" sz="1100" dirty="0" smtClean="0">
+                <a:solidFill>
+                  <a:schemeClr val="bg1"/>
+                </a:solidFill>
+              </a:rPr>
+              <a:t>Support cross document transactions i.e. item transfer </a:t>
+            </a:r>
+            <a:br>
+              <a:rPr lang="en-US" sz="1100" dirty="0" smtClean="0">
+                <a:solidFill>
+                  <a:schemeClr val="bg1"/>
+                </a:solidFill>
+              </a:rPr>
+            </a:br>
+            <a:r>
+              <a:rPr lang="en-US" sz="1100" dirty="0" smtClean="0">
+                <a:solidFill>
+                  <a:schemeClr val="bg1"/>
+                </a:solidFill>
+              </a:rPr>
+              <a:t>or concurrent add/remove operations</a:t>
+            </a:r>
+          </a:p>
+          <a:p>
+            <a:pPr marL="171450" indent="-171450" defTabSz="932472" fontAlgn="base">
+              <a:spcBef>
+                <a:spcPct val="0"/>
+              </a:spcBef>
+              <a:spcAft>
+                <a:spcPct val="0"/>
+              </a:spcAft>
+              <a:buFont typeface="Wingdings" panose="05000000000000000000" pitchFamily="2" charset="2"/>
+              <a:buChar char="§"/>
+            </a:pPr>
+            <a:endParaRPr lang="en-US" sz="1100" dirty="0" smtClean="0">
+              <a:solidFill>
+                <a:schemeClr val="bg1"/>
+              </a:solidFill>
+            </a:endParaRPr>
+          </a:p>
+          <a:p>
+            <a:pPr algn="l" defTabSz="932472" fontAlgn="base">
+              <a:spcBef>
+                <a:spcPct val="0"/>
+              </a:spcBef>
+              <a:spcAft>
+                <a:spcPct val="0"/>
+              </a:spcAft>
+            </a:pPr>
+            <a:r>
+              <a:rPr lang="en-US" sz="1200" b="1" dirty="0" smtClean="0">
+                <a:solidFill>
+                  <a:schemeClr val="bg1"/>
+                </a:solidFill>
+              </a:rPr>
+              <a:t>Event Store</a:t>
+            </a:r>
+          </a:p>
+          <a:p>
+            <a:pPr algn="ctr" defTabSz="932472" fontAlgn="base">
+              <a:spcBef>
+                <a:spcPct val="0"/>
+              </a:spcBef>
+              <a:spcAft>
+                <a:spcPct val="0"/>
+              </a:spcAft>
+            </a:pPr>
+            <a:endParaRPr lang="en-US" sz="1100" b="1" dirty="0" smtClean="0">
+              <a:solidFill>
+                <a:schemeClr val="bg1"/>
+              </a:solidFill>
+            </a:endParaRPr>
+          </a:p>
+          <a:p>
+            <a:pPr marL="171450" indent="-171450" defTabSz="932472" fontAlgn="base">
+              <a:spcBef>
+                <a:spcPct val="0"/>
+              </a:spcBef>
+              <a:spcAft>
+                <a:spcPct val="0"/>
+              </a:spcAft>
+              <a:buFont typeface="Wingdings" panose="05000000000000000000" pitchFamily="2" charset="2"/>
+              <a:buChar char="§"/>
+            </a:pPr>
+            <a:r>
+              <a:rPr lang="en-US" sz="1100" dirty="0" smtClean="0">
+                <a:solidFill>
+                  <a:schemeClr val="bg1"/>
+                </a:solidFill>
+              </a:rPr>
+              <a:t>Process store and query device and application events in near real time i.e. </a:t>
+            </a:r>
+            <a:r>
+              <a:rPr lang="en-US" sz="1100" dirty="0" err="1" smtClean="0">
+                <a:solidFill>
+                  <a:schemeClr val="bg1"/>
+                </a:solidFill>
+              </a:rPr>
+              <a:t>IoT</a:t>
+            </a:r>
+            <a:r>
+              <a:rPr lang="en-US" sz="1100" dirty="0" smtClean="0">
+                <a:solidFill>
+                  <a:schemeClr val="bg1"/>
+                </a:solidFill>
+              </a:rPr>
+              <a:t> systems</a:t>
+            </a:r>
+          </a:p>
+          <a:p>
+            <a:pPr marL="171450" indent="-171450" defTabSz="932472" fontAlgn="base">
+              <a:spcBef>
+                <a:spcPct val="0"/>
+              </a:spcBef>
+              <a:spcAft>
+                <a:spcPct val="0"/>
+              </a:spcAft>
+              <a:buFont typeface="Wingdings" panose="05000000000000000000" pitchFamily="2" charset="2"/>
+              <a:buChar char="§"/>
+            </a:pPr>
+            <a:r>
+              <a:rPr lang="en-US" sz="1100" dirty="0" smtClean="0">
+                <a:solidFill>
+                  <a:schemeClr val="bg1"/>
+                </a:solidFill>
+              </a:rPr>
+              <a:t>Partition data as time-series or by source ID</a:t>
+            </a:r>
+          </a:p>
+          <a:p>
+            <a:pPr marL="171450" indent="-171450" defTabSz="932472" fontAlgn="base">
+              <a:spcBef>
+                <a:spcPct val="0"/>
+              </a:spcBef>
+              <a:spcAft>
+                <a:spcPct val="0"/>
+              </a:spcAft>
+              <a:buFont typeface="Wingdings" panose="05000000000000000000" pitchFamily="2" charset="2"/>
+              <a:buChar char="§"/>
+            </a:pPr>
+            <a:r>
+              <a:rPr lang="en-US" sz="1100" dirty="0" smtClean="0">
+                <a:solidFill>
+                  <a:schemeClr val="bg1"/>
+                </a:solidFill>
+              </a:rPr>
+              <a:t>Expose web APIs and application experiences over event data with diverse structure</a:t>
+            </a:r>
+          </a:p>
+          <a:p>
+            <a:pPr marL="171450" indent="-171450" defTabSz="932472" fontAlgn="base">
+              <a:spcBef>
+                <a:spcPct val="0"/>
+              </a:spcBef>
+              <a:spcAft>
+                <a:spcPct val="0"/>
+              </a:spcAft>
+              <a:buFont typeface="Wingdings" panose="05000000000000000000" pitchFamily="2" charset="2"/>
+              <a:buChar char="§"/>
+            </a:pPr>
+            <a:r>
+              <a:rPr lang="en-US" sz="1100" dirty="0" smtClean="0">
+                <a:solidFill>
+                  <a:schemeClr val="bg1"/>
+                </a:solidFill>
+              </a:rPr>
+              <a:t>Archive or delete data as it ages out</a:t>
+            </a:r>
+          </a:p>
+          <a:p>
+            <a:pPr marL="171450" indent="-171450" defTabSz="932472" fontAlgn="base">
+              <a:spcBef>
+                <a:spcPct val="0"/>
+              </a:spcBef>
+              <a:spcAft>
+                <a:spcPct val="0"/>
+              </a:spcAft>
+              <a:buFont typeface="Wingdings" panose="05000000000000000000" pitchFamily="2" charset="2"/>
+              <a:buChar char="§"/>
+            </a:pPr>
+            <a:endParaRPr lang="en-US" sz="1100" dirty="0" smtClean="0">
+              <a:solidFill>
+                <a:schemeClr val="bg1"/>
+              </a:solidFill>
+            </a:endParaRPr>
+          </a:p>
+          <a:p>
+            <a:pPr algn="l" defTabSz="932472" fontAlgn="base">
+              <a:spcBef>
+                <a:spcPct val="0"/>
+              </a:spcBef>
+              <a:spcAft>
+                <a:spcPct val="0"/>
+              </a:spcAft>
+            </a:pPr>
+            <a:r>
+              <a:rPr lang="en-US" sz="1400" b="1" dirty="0" smtClean="0">
+                <a:solidFill>
+                  <a:schemeClr val="bg1"/>
+                </a:solidFill>
+              </a:rPr>
+              <a:t>User Generated Content</a:t>
+            </a:r>
+          </a:p>
+          <a:p>
+            <a:pPr marL="285750" indent="-285750" defTabSz="932472" fontAlgn="base">
+              <a:spcBef>
+                <a:spcPct val="0"/>
+              </a:spcBef>
+              <a:spcAft>
+                <a:spcPct val="0"/>
+              </a:spcAft>
+              <a:buFont typeface="Wingdings" panose="05000000000000000000" pitchFamily="2" charset="2"/>
+              <a:buChar char="§"/>
+            </a:pPr>
+            <a:endParaRPr lang="en-US" sz="1200" dirty="0" smtClean="0">
+              <a:solidFill>
+                <a:schemeClr val="bg1"/>
+              </a:solidFill>
+            </a:endParaRPr>
+          </a:p>
+          <a:p>
+            <a:pPr marL="285750" indent="-285750" defTabSz="932472" fontAlgn="base">
+              <a:spcBef>
+                <a:spcPct val="0"/>
+              </a:spcBef>
+              <a:spcAft>
+                <a:spcPct val="0"/>
+              </a:spcAft>
+              <a:buFont typeface="Wingdings" panose="05000000000000000000" pitchFamily="2" charset="2"/>
+              <a:buChar char="§"/>
+            </a:pPr>
+            <a:r>
+              <a:rPr lang="en-US" sz="1200" dirty="0" smtClean="0">
+                <a:solidFill>
+                  <a:schemeClr val="bg1"/>
+                </a:solidFill>
+              </a:rPr>
+              <a:t>Store user generated content such as blogs, comments, annotations.</a:t>
+            </a:r>
+          </a:p>
+          <a:p>
+            <a:pPr marL="285750" indent="-285750" defTabSz="932472" fontAlgn="base">
+              <a:spcBef>
+                <a:spcPct val="0"/>
+              </a:spcBef>
+              <a:spcAft>
+                <a:spcPct val="0"/>
+              </a:spcAft>
+              <a:buFont typeface="Wingdings" panose="05000000000000000000" pitchFamily="2" charset="2"/>
+              <a:buChar char="§"/>
+            </a:pPr>
+            <a:r>
+              <a:rPr lang="en-US" sz="1200" dirty="0" smtClean="0">
+                <a:solidFill>
+                  <a:schemeClr val="bg1"/>
+                </a:solidFill>
+              </a:rPr>
+              <a:t>Support varying properties based on consumption platform (web, mobile)</a:t>
+            </a:r>
+          </a:p>
+          <a:p>
+            <a:pPr marL="285750" indent="-285750" defTabSz="932472" fontAlgn="base">
+              <a:spcBef>
+                <a:spcPct val="0"/>
+              </a:spcBef>
+              <a:spcAft>
+                <a:spcPct val="0"/>
+              </a:spcAft>
+              <a:buFont typeface="Wingdings" panose="05000000000000000000" pitchFamily="2" charset="2"/>
+              <a:buChar char="§"/>
+            </a:pPr>
+            <a:r>
+              <a:rPr lang="en-US" sz="1200" dirty="0" smtClean="0">
+                <a:solidFill>
+                  <a:schemeClr val="bg1"/>
+                </a:solidFill>
+              </a:rPr>
+              <a:t>Rapidly evolve schema based on application needs</a:t>
+            </a:r>
+          </a:p>
+          <a:p>
+            <a:pPr marL="285750" indent="-285750" defTabSz="932472" fontAlgn="base">
+              <a:spcBef>
+                <a:spcPct val="0"/>
+              </a:spcBef>
+              <a:spcAft>
+                <a:spcPct val="0"/>
+              </a:spcAft>
+              <a:buFont typeface="Wingdings" panose="05000000000000000000" pitchFamily="2" charset="2"/>
+              <a:buChar char="§"/>
+            </a:pPr>
+            <a:endParaRPr lang="en-US" sz="1200" dirty="0" smtClean="0">
+              <a:solidFill>
+                <a:schemeClr val="bg1"/>
+              </a:solidFill>
+            </a:endParaRPr>
+          </a:p>
+          <a:p>
+            <a:pPr algn="l" defTabSz="932472" fontAlgn="base">
+              <a:spcBef>
+                <a:spcPct val="0"/>
+              </a:spcBef>
+              <a:spcAft>
+                <a:spcPct val="0"/>
+              </a:spcAft>
+            </a:pPr>
+            <a:r>
+              <a:rPr lang="en-US" sz="1400" b="1" dirty="0" smtClean="0">
+                <a:solidFill>
+                  <a:schemeClr val="bg1"/>
+                </a:solidFill>
+              </a:rPr>
+              <a:t>Data Exchange</a:t>
+            </a:r>
+          </a:p>
+          <a:p>
+            <a:pPr marL="285750" indent="-285750" defTabSz="932472" fontAlgn="base">
+              <a:spcBef>
+                <a:spcPct val="0"/>
+              </a:spcBef>
+              <a:spcAft>
+                <a:spcPct val="0"/>
+              </a:spcAft>
+              <a:buFont typeface="Wingdings" panose="05000000000000000000" pitchFamily="2" charset="2"/>
+              <a:buChar char="§"/>
+            </a:pPr>
+            <a:endParaRPr lang="en-US" sz="1200" dirty="0" smtClean="0">
+              <a:solidFill>
+                <a:schemeClr val="bg1"/>
+              </a:solidFill>
+            </a:endParaRPr>
+          </a:p>
+          <a:p>
+            <a:pPr marL="285750" indent="-285750" defTabSz="932472" fontAlgn="base">
+              <a:spcBef>
+                <a:spcPct val="0"/>
+              </a:spcBef>
+              <a:spcAft>
+                <a:spcPct val="0"/>
+              </a:spcAft>
+              <a:buFont typeface="Wingdings" panose="05000000000000000000" pitchFamily="2" charset="2"/>
+              <a:buChar char="§"/>
+            </a:pPr>
+            <a:r>
+              <a:rPr lang="en-US" sz="1200" dirty="0" smtClean="0">
+                <a:solidFill>
+                  <a:schemeClr val="bg1"/>
+                </a:solidFill>
+              </a:rPr>
+              <a:t>Consume, aggregate and serve data from a variety of sources</a:t>
+            </a:r>
+          </a:p>
+          <a:p>
+            <a:pPr marL="285750" indent="-285750" defTabSz="932472" fontAlgn="base">
+              <a:spcBef>
+                <a:spcPct val="0"/>
+              </a:spcBef>
+              <a:spcAft>
+                <a:spcPct val="0"/>
+              </a:spcAft>
+              <a:buFont typeface="Wingdings" panose="05000000000000000000" pitchFamily="2" charset="2"/>
+              <a:buChar char="§"/>
+            </a:pPr>
+            <a:r>
+              <a:rPr lang="en-US" sz="1200" dirty="0" smtClean="0">
+                <a:solidFill>
+                  <a:schemeClr val="bg1"/>
+                </a:solidFill>
+              </a:rPr>
+              <a:t>Adapt to evolving schemas</a:t>
+            </a:r>
+          </a:p>
+          <a:p>
+            <a:pPr marL="285750" indent="-285750" defTabSz="932472" fontAlgn="base">
+              <a:spcBef>
+                <a:spcPct val="0"/>
+              </a:spcBef>
+              <a:spcAft>
+                <a:spcPct val="0"/>
+              </a:spcAft>
+              <a:buFont typeface="Wingdings" panose="05000000000000000000" pitchFamily="2" charset="2"/>
+              <a:buChar char="§"/>
+            </a:pPr>
+            <a:r>
+              <a:rPr lang="en-US" sz="1200" dirty="0" smtClean="0">
+                <a:solidFill>
+                  <a:schemeClr val="bg1"/>
+                </a:solidFill>
+              </a:rPr>
+              <a:t>Offer queries over heterogeneous document structures</a:t>
+            </a:r>
+          </a:p>
+          <a:p>
+            <a:pPr marL="285750" indent="-285750" defTabSz="932472" fontAlgn="base">
+              <a:spcBef>
+                <a:spcPct val="0"/>
+              </a:spcBef>
+              <a:spcAft>
+                <a:spcPct val="0"/>
+              </a:spcAft>
+              <a:buFont typeface="Wingdings" panose="05000000000000000000" pitchFamily="2" charset="2"/>
+              <a:buChar char="§"/>
+            </a:pPr>
+            <a:r>
+              <a:rPr lang="en-US" sz="1200" dirty="0" smtClean="0">
+                <a:solidFill>
+                  <a:schemeClr val="bg1"/>
+                </a:solidFill>
+              </a:rPr>
+              <a:t>Scale data consumption or delivery from disparate sources</a:t>
+            </a:r>
+          </a:p>
+          <a:p>
+            <a:pPr marL="285750" indent="-285750" defTabSz="932472" fontAlgn="base">
+              <a:spcBef>
+                <a:spcPct val="0"/>
+              </a:spcBef>
+              <a:spcAft>
+                <a:spcPct val="0"/>
+              </a:spcAft>
+              <a:buFont typeface="Wingdings" panose="05000000000000000000" pitchFamily="2" charset="2"/>
+              <a:buChar char="§"/>
+            </a:pPr>
+            <a:endParaRPr lang="en-US" sz="1200" dirty="0" smtClean="0">
+              <a:solidFill>
+                <a:schemeClr val="bg1"/>
+              </a:solidFill>
+            </a:endParaRPr>
+          </a:p>
+          <a:p>
+            <a:pPr marL="171450" indent="-171450" defTabSz="932472" fontAlgn="base">
+              <a:spcBef>
+                <a:spcPct val="0"/>
+              </a:spcBef>
+              <a:spcAft>
+                <a:spcPct val="0"/>
+              </a:spcAft>
+              <a:buFont typeface="Wingdings" panose="05000000000000000000" pitchFamily="2" charset="2"/>
+              <a:buChar char="§"/>
+            </a:pPr>
+            <a:endParaRPr lang="en-US" sz="1200" dirty="0" smtClean="0">
+              <a:solidFill>
+                <a:schemeClr val="bg1"/>
+              </a:solidFill>
+            </a:endParaRPr>
+          </a:p>
+          <a:p>
+            <a:pPr marL="171450" indent="-171450" defTabSz="932472" fontAlgn="base">
+              <a:spcBef>
+                <a:spcPct val="0"/>
+              </a:spcBef>
+              <a:spcAft>
+                <a:spcPct val="0"/>
+              </a:spcAft>
+              <a:buFont typeface="Wingdings" panose="05000000000000000000" pitchFamily="2" charset="2"/>
+              <a:buChar char="§"/>
+            </a:pPr>
+            <a:endParaRPr lang="en-US" sz="1100" dirty="0" smtClean="0">
+              <a:solidFill>
+                <a:schemeClr val="bg1"/>
+              </a:solidFill>
+            </a:endParaRPr>
+          </a:p>
+          <a:p>
+            <a:endParaRPr lang="en-US" baseline="0" dirty="0" smtClean="0"/>
+          </a:p>
+        </p:txBody>
+      </p:sp>
+      <p:sp>
+        <p:nvSpPr>
+          <p:cNvPr id="4" name="Slide Number Placeholder 3"/>
+          <p:cNvSpPr>
+            <a:spLocks noGrp="1"/>
+          </p:cNvSpPr>
+          <p:nvPr>
+            <p:ph type="sldNum" sz="quarter" idx="10"/>
+          </p:nvPr>
+        </p:nvSpPr>
+        <p:spPr/>
+        <p:txBody>
+          <a:bodyPr/>
+          <a:lstStyle/>
+          <a:p>
+            <a:fld id="{1BEF7A34-06B2-4D5D-AD9D-2BB89658D3B3}" type="slidenum">
+              <a:rPr lang="en-US" smtClean="0">
+                <a:solidFill>
+                  <a:prstClr val="black"/>
+                </a:solidFill>
+              </a:rPr>
+              <a:pPr/>
+              <a:t>11</a:t>
+            </a:fld>
+            <a:endParaRPr lang="en-US" dirty="0">
+              <a:solidFill>
+                <a:prstClr val="black"/>
+              </a:solidFill>
+            </a:endParaRPr>
+          </a:p>
+        </p:txBody>
+      </p:sp>
+    </p:spTree>
+    <p:extLst>
+      <p:ext uri="{BB962C8B-B14F-4D97-AF65-F5344CB8AC3E}">
+        <p14:creationId xmlns:p14="http://schemas.microsoft.com/office/powerpoint/2010/main" val="2378549641"/>
+      </p:ext>
+    </p:extLst>
+  </p:cSld>
+  <p:clrMapOvr>
+    <a:masterClrMapping/>
+  </p:clrMapOvr>
+</p:notes>
+</file>
+
+<file path=ppt/notesSlides/notesSlide4.xml><?xml version="1.0" encoding="utf-8"?>
+<p:notes xmlns:a="http://schemas.openxmlformats.org/drawingml/2006/main" xmlns:r="http://schemas.openxmlformats.org/officeDocument/2006/relationships" xmlns:p="http://schemas.openxmlformats.org/presentationml/2006/main">
+  <p:cSld>
+    <p:spTree>
+      <p:nvGrpSpPr>
+        <p:cNvPr id="1" name=""/>
+        <p:cNvGrpSpPr/>
+        <p:nvPr/>
+      </p:nvGrpSpPr>
+      <p:grpSpPr>
+        <a:xfrm>
+          <a:off x="0" y="0"/>
+          <a:ext cx="0" cy="0"/>
+          <a:chOff x="0" y="0"/>
+          <a:chExt cx="0" cy="0"/>
+        </a:xfrm>
+      </p:grpSpPr>
+      <p:sp>
+        <p:nvSpPr>
+          <p:cNvPr id="2" name="Slide Image Placeholder 1"/>
+          <p:cNvSpPr>
+            <a:spLocks noGrp="1" noRot="1" noChangeAspect="1"/>
+          </p:cNvSpPr>
+          <p:nvPr>
+            <p:ph type="sldImg"/>
+          </p:nvPr>
+        </p:nvSpPr>
+        <p:spPr/>
+      </p:sp>
+      <p:sp>
+        <p:nvSpPr>
+          <p:cNvPr id="3" name="Notes Placeholder 2"/>
+          <p:cNvSpPr>
+            <a:spLocks noGrp="1"/>
+          </p:cNvSpPr>
+          <p:nvPr>
+            <p:ph type="body" idx="1"/>
+          </p:nvPr>
+        </p:nvSpPr>
+        <p:spPr/>
+        <p:txBody>
+          <a:bodyPr/>
+          <a:lstStyle/>
+          <a:p>
+            <a:r>
+              <a:rPr lang="en-US" dirty="0" smtClean="0"/>
+              <a:t>So what is DocumentDB?</a:t>
+            </a:r>
+          </a:p>
+          <a:p>
+            <a:endParaRPr lang="en-US" dirty="0" smtClean="0"/>
+          </a:p>
+          <a:p>
+            <a:pPr>
+              <a:spcAft>
+                <a:spcPts val="600"/>
+              </a:spcAft>
+            </a:pPr>
+            <a:r>
+              <a:rPr lang="en-US" dirty="0" smtClean="0"/>
+              <a:t>DocumentDB is </a:t>
+            </a:r>
+            <a:r>
+              <a:rPr lang="en-US" sz="1200" dirty="0" smtClean="0">
+                <a:solidFill>
+                  <a:srgbClr val="3F3F3F"/>
+                </a:solidFill>
+              </a:rPr>
+              <a:t>a</a:t>
+            </a:r>
+            <a:r>
+              <a:rPr lang="en-US" sz="1200" dirty="0" smtClean="0">
+                <a:solidFill>
+                  <a:srgbClr val="3F3F3F"/>
+                </a:solidFill>
+                <a:ea typeface="Calibri" panose="020F0502020204030204" pitchFamily="34" charset="0"/>
+                <a:cs typeface="Calibri" panose="020F0502020204030204" pitchFamily="34" charset="0"/>
+              </a:rPr>
+              <a:t> </a:t>
+            </a:r>
+            <a:r>
+              <a:rPr lang="en-US" sz="1200" dirty="0" smtClean="0">
+                <a:solidFill>
+                  <a:srgbClr val="0071BC"/>
+                </a:solidFill>
+                <a:ea typeface="Calibri" panose="020F0502020204030204" pitchFamily="34" charset="0"/>
+                <a:cs typeface="Segoe UI Semibold" panose="020B0702040204020203" pitchFamily="34" charset="0"/>
+              </a:rPr>
+              <a:t>NoSQL document database-as-a-service</a:t>
+            </a:r>
+            <a:r>
+              <a:rPr lang="en-US" sz="1200" dirty="0" smtClean="0">
+                <a:solidFill>
+                  <a:srgbClr val="3F3F3F"/>
+                </a:solidFill>
+                <a:ea typeface="Calibri" panose="020F0502020204030204" pitchFamily="34" charset="0"/>
+                <a:cs typeface="Calibri" panose="020F0502020204030204" pitchFamily="34" charset="0"/>
+              </a:rPr>
+              <a:t>, fully managed by Microsoft Azure. </a:t>
+            </a:r>
+          </a:p>
+          <a:p>
+            <a:pPr marL="0" marR="0" indent="0" algn="l" defTabSz="914400" rtl="0" eaLnBrk="1" fontAlgn="auto" latinLnBrk="0" hangingPunct="1">
+              <a:lnSpc>
+                <a:spcPct val="100000"/>
+              </a:lnSpc>
+              <a:spcBef>
+                <a:spcPts val="0"/>
+              </a:spcBef>
+              <a:spcAft>
+                <a:spcPts val="600"/>
+              </a:spcAft>
+              <a:buClrTx/>
+              <a:buSzTx/>
+              <a:buFontTx/>
+              <a:buNone/>
+              <a:tabLst/>
+              <a:defRPr/>
+            </a:pPr>
+            <a:r>
+              <a:rPr lang="en-US" sz="1200" dirty="0" smtClean="0">
+                <a:solidFill>
+                  <a:srgbClr val="3F3F3F"/>
+                </a:solidFill>
+                <a:ea typeface="Calibri" panose="020F0502020204030204" pitchFamily="34" charset="0"/>
+                <a:cs typeface="Calibri" panose="020F0502020204030204" pitchFamily="34" charset="0"/>
+              </a:rPr>
+              <a:t>It is for cloud-designed apps when query over schema-free data; reliable and predictable performance; and rapid development are key. It’s the </a:t>
+            </a:r>
+            <a:r>
+              <a:rPr lang="en-US" sz="1200" dirty="0" smtClean="0">
+                <a:solidFill>
+                  <a:srgbClr val="0071BC"/>
+                </a:solidFill>
+                <a:ea typeface="+mn-ea"/>
+                <a:cs typeface="+mn-cs"/>
+              </a:rPr>
+              <a:t>f</a:t>
+            </a:r>
+            <a:r>
+              <a:rPr lang="en-US" sz="1200" dirty="0" smtClean="0">
+                <a:solidFill>
+                  <a:srgbClr val="0071BC"/>
+                </a:solidFill>
+              </a:rPr>
+              <a:t>irst of its kind database service to offer native support for JavaScript, SQL query and transactions over JSON documents.</a:t>
+            </a:r>
+          </a:p>
+          <a:p>
+            <a:endParaRPr lang="en-US" dirty="0" smtClean="0"/>
+          </a:p>
+          <a:p>
+            <a:r>
+              <a:rPr lang="en-US" baseline="0" dirty="0" smtClean="0"/>
+              <a:t>The key benefits of DocDB can be broken down into three pillars. We'll go into a bit more detail into how DocDB is differentiated in the market based on these pillars.</a:t>
+            </a:r>
+          </a:p>
+          <a:p>
+            <a:pPr marL="226451" indent="-226451">
+              <a:buAutoNum type="arabicPeriod"/>
+            </a:pPr>
+            <a:r>
+              <a:rPr lang="en-US" dirty="0" smtClean="0"/>
+              <a:t>Rich query and transaction over JSON data – which includes the concepts of</a:t>
+            </a:r>
+            <a:r>
+              <a:rPr lang="en-US" baseline="0" dirty="0" smtClean="0"/>
+              <a:t> query, automatic indexing, transactions, sql-like query language</a:t>
+            </a:r>
+          </a:p>
+          <a:p>
+            <a:pPr marL="226451" indent="-226451">
+              <a:buAutoNum type="arabicPeriod"/>
+            </a:pPr>
+            <a:r>
+              <a:rPr lang="en-US" baseline="0" dirty="0" smtClean="0"/>
+              <a:t>Reliable and Predictable Performance – built for the cloud, tunable consistency, elastic</a:t>
+            </a:r>
+          </a:p>
+          <a:p>
+            <a:pPr marL="226451" indent="-226451">
+              <a:buAutoNum type="arabicPeriod"/>
+            </a:pPr>
+            <a:r>
+              <a:rPr lang="en-US" baseline="0" dirty="0" smtClean="0"/>
+              <a:t>Rapid Development – benefits of being part of Azure, build with familiar tools (so you can bring your JSON data and take it away)</a:t>
+            </a:r>
+          </a:p>
+          <a:p>
+            <a:pPr marL="226451" indent="-226451">
+              <a:buAutoNum type="arabicPeriod"/>
+            </a:pPr>
+            <a:endParaRPr lang="en-US" baseline="0" dirty="0" smtClean="0"/>
+          </a:p>
+          <a:p>
+            <a:r>
+              <a:rPr lang="en-US" baseline="0" dirty="0" smtClean="0"/>
+              <a:t>Together, you have a service that is perfect for cloud architects and developers who need an enterprise-ready NoSQL document database.</a:t>
+            </a:r>
+            <a:endParaRPr lang="en-US" dirty="0"/>
+          </a:p>
+        </p:txBody>
+      </p:sp>
+      <p:sp>
+        <p:nvSpPr>
+          <p:cNvPr id="4" name="Slide Number Placeholder 3"/>
+          <p:cNvSpPr>
+            <a:spLocks noGrp="1"/>
+          </p:cNvSpPr>
+          <p:nvPr>
+            <p:ph type="sldNum" sz="quarter" idx="10"/>
+          </p:nvPr>
+        </p:nvSpPr>
+        <p:spPr/>
+        <p:txBody>
+          <a:bodyPr/>
+          <a:lstStyle/>
+          <a:p>
+            <a:fld id="{7F106A31-8E5F-4D33-A542-702225EC1F13}" type="slidenum">
+              <a:rPr lang="en-US" smtClean="0">
+                <a:solidFill>
+                  <a:prstClr val="black"/>
+                </a:solidFill>
+              </a:rPr>
+              <a:pPr/>
+              <a:t>12</a:t>
+            </a:fld>
+            <a:endParaRPr lang="en-US" dirty="0">
+              <a:solidFill>
+                <a:prstClr val="black"/>
+              </a:solidFill>
+            </a:endParaRPr>
+          </a:p>
+        </p:txBody>
+      </p:sp>
+    </p:spTree>
+    <p:extLst>
+      <p:ext uri="{BB962C8B-B14F-4D97-AF65-F5344CB8AC3E}">
+        <p14:creationId xmlns:p14="http://schemas.microsoft.com/office/powerpoint/2010/main" val="2581186329"/>
+      </p:ext>
+    </p:extLst>
+  </p:cSld>
+  <p:clrMapOvr>
+    <a:masterClrMapping/>
+  </p:clrMapOvr>
+</p:notes>
+</file>
+
+<file path=ppt/notesSlides/notesSlide5.xml><?xml version="1.0" encoding="utf-8"?>
+<p:notes xmlns:a="http://schemas.openxmlformats.org/drawingml/2006/main" xmlns:r="http://schemas.openxmlformats.org/officeDocument/2006/relationships" xmlns:p="http://schemas.openxmlformats.org/presentationml/2006/main">
+  <p:cSld>
+    <p:spTree>
+      <p:nvGrpSpPr>
+        <p:cNvPr id="1" name=""/>
+        <p:cNvGrpSpPr/>
+        <p:nvPr/>
+      </p:nvGrpSpPr>
+      <p:grpSpPr>
+        <a:xfrm>
+          <a:off x="0" y="0"/>
+          <a:ext cx="0" cy="0"/>
+          <a:chOff x="0" y="0"/>
+          <a:chExt cx="0" cy="0"/>
+        </a:xfrm>
+      </p:grpSpPr>
+      <p:sp>
+        <p:nvSpPr>
+          <p:cNvPr id="2" name="Slide Image Placeholder 1"/>
+          <p:cNvSpPr>
+            <a:spLocks noGrp="1" noRot="1" noChangeAspect="1"/>
+          </p:cNvSpPr>
+          <p:nvPr>
+            <p:ph type="sldImg"/>
+          </p:nvPr>
+        </p:nvSpPr>
+        <p:spPr/>
+      </p:sp>
+      <p:sp>
+        <p:nvSpPr>
+          <p:cNvPr id="3" name="Notes Placeholder 2"/>
+          <p:cNvSpPr>
+            <a:spLocks noGrp="1"/>
+          </p:cNvSpPr>
+          <p:nvPr>
+            <p:ph type="body" idx="1"/>
+          </p:nvPr>
+        </p:nvSpPr>
+        <p:spPr/>
+        <p:txBody>
+          <a:bodyPr>
+            <a:normAutofit/>
+          </a:bodyPr>
+          <a:lstStyle/>
+          <a:p>
+            <a:pPr marL="0" indent="0">
+              <a:buFontTx/>
+              <a:buNone/>
+            </a:pPr>
+            <a:r>
+              <a:rPr lang="en-US" dirty="0" smtClean="0">
+                <a:effectLst/>
+              </a:rPr>
+              <a:t>Source: https://msdn.microsoft.com/en-us/library/azure/dn781482.aspx</a:t>
+            </a:r>
+          </a:p>
+          <a:p>
+            <a:pPr marL="0" indent="0">
+              <a:buFontTx/>
+              <a:buNone/>
+            </a:pPr>
+            <a:endParaRPr lang="en-US" dirty="0" smtClean="0">
+              <a:effectLst/>
+            </a:endParaRPr>
+          </a:p>
+          <a:p>
+            <a:pPr marL="0" indent="0">
+              <a:buFontTx/>
+              <a:buNone/>
+            </a:pPr>
+            <a:r>
+              <a:rPr lang="en-US" dirty="0" smtClean="0">
+                <a:effectLst/>
+              </a:rPr>
+              <a:t>Microsoft Azure DocumentDB is a document-oriented, NoSQL database service designed for modern mobile and web applications. DocumentDB delivers consistently fast reads and writes, schema flexibility, and the ability to easily scale a database up and down on demand. DocumentDB enables complex ad hoc queries using a dialect of SQL, supports well defined consistency levels, and offers JavaScript language integrated, multi-document transaction processing using the familiar programming model of stored procedures, triggers and UDFs.</a:t>
+            </a:r>
+            <a:endParaRPr lang="en-US" dirty="0"/>
+          </a:p>
+        </p:txBody>
+      </p:sp>
+      <p:sp>
+        <p:nvSpPr>
+          <p:cNvPr id="4" name="Slide Number Placeholder 3"/>
+          <p:cNvSpPr>
+            <a:spLocks noGrp="1"/>
+          </p:cNvSpPr>
+          <p:nvPr>
+            <p:ph type="sldNum" sz="quarter" idx="10"/>
+          </p:nvPr>
+        </p:nvSpPr>
+        <p:spPr/>
+        <p:txBody>
+          <a:bodyPr/>
+          <a:lstStyle/>
+          <a:p>
+            <a:pPr>
+              <a:defRPr/>
+            </a:pPr>
+            <a:fld id="{DBE8C940-8264-4194-91DD-D4094E7B637D}" type="slidenum">
+              <a:rPr lang="en-US" smtClean="0">
+                <a:solidFill>
+                  <a:prstClr val="black"/>
+                </a:solidFill>
+              </a:rPr>
+              <a:pPr>
+                <a:defRPr/>
+              </a:pPr>
+              <a:t>13</a:t>
+            </a:fld>
+            <a:endParaRPr lang="en-US" dirty="0">
+              <a:solidFill>
+                <a:prstClr val="black"/>
+              </a:solidFill>
+            </a:endParaRPr>
+          </a:p>
+        </p:txBody>
+      </p:sp>
+    </p:spTree>
+    <p:extLst>
+      <p:ext uri="{BB962C8B-B14F-4D97-AF65-F5344CB8AC3E}">
+        <p14:creationId xmlns:p14="http://schemas.microsoft.com/office/powerpoint/2010/main" val="2895602342"/>
       </p:ext>
     </p:extLst>
   </p:cSld>
@@ -17149,11 +18332,7 @@
             <a:pPr marL="914400" indent="-914400"/>
             <a:r>
               <a:rPr lang="en-US" sz="7200" smtClean="0"/>
-              <a:t>Building </a:t>
-            </a:r>
-            <a:r>
-              <a:rPr lang="en-US" sz="7200" smtClean="0"/>
-              <a:t>the </a:t>
+              <a:t>Building the </a:t>
             </a:r>
             <a:r>
               <a:rPr lang="en-US" sz="7200" dirty="0" smtClean="0"/>
@@ -17301,7 +18480,7 @@
             <a:spLocks noGrp="1"/>
           </p:cNvSpPr>
           <p:nvPr>
-            <p:ph type="ctrTitle"/>
+            <p:ph type="title"/>
           </p:nvPr>
         </p:nvSpPr>
         <p:spPr/>
@@ -17310,9 +18489,86 @@
           <a:lstStyle/>
           <a:p>
             <a:r>
-              <a:rPr lang="en-GB" dirty="0"/>
-              <a:t>Using a NoSQL Database</a:t>
-            </a:r>
+              <a:rPr lang="en-US" dirty="0" smtClean="0"/>
+              <a:t>About NoSQL databases</a:t>
+            </a:r>
+            <a:endParaRPr lang="en-US" dirty="0"/>
+          </a:p>
+        </p:txBody>
+      </p:sp>
+      <p:sp>
+        <p:nvSpPr>
+          <p:cNvPr id="3" name="Content Placeholder 2"/>
+          <p:cNvSpPr>
+            <a:spLocks noGrp="1"/>
+          </p:cNvSpPr>
+          <p:nvPr>
+            <p:ph idx="1"/>
+          </p:nvPr>
+        </p:nvSpPr>
+        <p:spPr/>
+        <p:txBody>
+          <a:bodyPr/>
+          <a:lstStyle/>
+          <a:p>
+            <a:r>
+              <a:rPr lang="en-US" dirty="0" smtClean="0"/>
+              <a:t>Not only SQL</a:t>
+            </a:r>
+          </a:p>
+          <a:p>
+            <a:r>
+              <a:rPr lang="en-US" dirty="0" smtClean="0"/>
+              <a:t>Different types: document based, graph databases etc.</a:t>
+            </a:r>
+          </a:p>
+          <a:p>
+            <a:r>
+              <a:rPr lang="en-US" dirty="0" err="1" smtClean="0"/>
+              <a:t>MongoDB</a:t>
+            </a:r>
+            <a:r>
+              <a:rPr lang="en-US" dirty="0" smtClean="0"/>
+              <a:t>, </a:t>
+            </a:r>
+            <a:r>
+              <a:rPr lang="en-US" dirty="0" err="1" smtClean="0"/>
+              <a:t>Couchbase</a:t>
+            </a:r>
+            <a:r>
+              <a:rPr lang="en-US" dirty="0" smtClean="0"/>
+              <a:t>, </a:t>
+            </a:r>
+            <a:r>
+              <a:rPr lang="en-US" dirty="0" err="1" smtClean="0"/>
+              <a:t>HBase</a:t>
+            </a:r>
+            <a:r>
+              <a:rPr lang="en-US" dirty="0" smtClean="0"/>
+              <a:t>, Cassandra</a:t>
+            </a:r>
+          </a:p>
+          <a:p>
+            <a:r>
+              <a:rPr lang="en-US" dirty="0" smtClean="0"/>
+              <a:t>Object oriented APIs</a:t>
+            </a:r>
+          </a:p>
+          <a:p>
+            <a:r>
+              <a:rPr lang="en-US" dirty="0" smtClean="0"/>
+              <a:t>Good for large amounts of data, can </a:t>
+            </a:r>
+            <a:r>
+              <a:rPr lang="en-US" smtClean="0"/>
+              <a:t>be scaled</a:t>
+            </a:r>
+            <a:endParaRPr lang="en-US" dirty="0" smtClean="0"/>
+          </a:p>
+          <a:p>
+            <a:pPr marL="0" indent="0">
+              <a:buNone/>
+            </a:pPr>
             <a:endParaRPr lang="en-US" dirty="0"/>
           </a:p>
         </p:txBody>
@@ -17320,7 +18576,7 @@
     </p:spTree>
     <p:extLst>
       <p:ext uri="{BB962C8B-B14F-4D97-AF65-F5344CB8AC3E}">
-        <p14:creationId xmlns:p14="http://schemas.microsoft.com/office/powerpoint/2010/main" val="2048903246"/>
+        <p14:creationId xmlns:p14="http://schemas.microsoft.com/office/powerpoint/2010/main" val="2285985931"/>
       </p:ext>
     </p:extLst>
   </p:cSld>
@@ -17373,6 +18629,2347 @@
             <a:spLocks noGrp="1"/>
           </p:cNvSpPr>
           <p:nvPr>
+            <p:ph type="title" idx="4294967295"/>
+          </p:nvPr>
+        </p:nvSpPr>
+        <p:spPr>
+          <a:xfrm>
+            <a:off x="399245" y="1717675"/>
+            <a:ext cx="5696756" cy="4644488"/>
+          </a:xfrm>
+        </p:spPr>
+        <p:txBody>
+          <a:bodyPr>
+            <a:normAutofit/>
+          </a:bodyPr>
+          <a:lstStyle/>
+          <a:p>
+            <a:r>
+              <a:rPr lang="en-US" sz="4800" dirty="0" smtClean="0">
+                <a:solidFill>
+                  <a:schemeClr val="bg1"/>
+                </a:solidFill>
+              </a:rPr>
+              <a:t>DocumentDB</a:t>
+            </a:r>
+            <a:br>
+              <a:rPr lang="en-US" sz="4800" dirty="0" smtClean="0">
+                <a:solidFill>
+                  <a:schemeClr val="bg1"/>
+                </a:solidFill>
+              </a:rPr>
+            </a:br>
+            <a:r>
+              <a:rPr lang="en-US" sz="4800" dirty="0" smtClean="0">
+                <a:solidFill>
+                  <a:schemeClr val="bg1"/>
+                </a:solidFill>
+              </a:rPr>
+              <a:t>is particularly</a:t>
+            </a:r>
+            <a:br>
+              <a:rPr lang="en-US" sz="4800" dirty="0" smtClean="0">
+                <a:solidFill>
+                  <a:schemeClr val="bg1"/>
+                </a:solidFill>
+              </a:rPr>
+            </a:br>
+            <a:r>
+              <a:rPr lang="en-US" sz="4800" dirty="0" smtClean="0">
+                <a:solidFill>
+                  <a:schemeClr val="bg1"/>
+                </a:solidFill>
+              </a:rPr>
+              <a:t>suited for web </a:t>
+            </a:r>
+            <a:br>
+              <a:rPr lang="en-US" sz="4800" dirty="0" smtClean="0">
+                <a:solidFill>
+                  <a:schemeClr val="bg1"/>
+                </a:solidFill>
+              </a:rPr>
+            </a:br>
+            <a:r>
+              <a:rPr lang="en-US" sz="4800" dirty="0" smtClean="0">
+                <a:solidFill>
+                  <a:schemeClr val="bg1"/>
+                </a:solidFill>
+              </a:rPr>
+              <a:t>and</a:t>
+            </a:r>
+            <a:r>
+              <a:rPr lang="en-US" sz="4800" dirty="0">
+                <a:solidFill>
+                  <a:schemeClr val="bg1"/>
+                </a:solidFill>
+              </a:rPr>
+              <a:t> </a:t>
+            </a:r>
+            <a:r>
+              <a:rPr lang="en-US" sz="4800" dirty="0" smtClean="0">
+                <a:solidFill>
+                  <a:schemeClr val="bg1"/>
+                </a:solidFill>
+              </a:rPr>
+              <a:t>mobile </a:t>
+            </a:r>
+            <a:br>
+              <a:rPr lang="en-US" sz="4800" dirty="0" smtClean="0">
+                <a:solidFill>
+                  <a:schemeClr val="bg1"/>
+                </a:solidFill>
+              </a:rPr>
+            </a:br>
+            <a:r>
+              <a:rPr lang="en-US" sz="4800" dirty="0" smtClean="0">
+                <a:solidFill>
+                  <a:schemeClr val="bg1"/>
+                </a:solidFill>
+              </a:rPr>
+              <a:t>applications</a:t>
+            </a:r>
+            <a:endParaRPr lang="en-US" sz="4800" dirty="0">
+              <a:solidFill>
+                <a:schemeClr val="bg1"/>
+              </a:solidFill>
+            </a:endParaRPr>
+          </a:p>
+        </p:txBody>
+      </p:sp>
+      <p:sp>
+        <p:nvSpPr>
+          <p:cNvPr id="14" name="Rectangle 13"/>
+          <p:cNvSpPr/>
+          <p:nvPr/>
+        </p:nvSpPr>
+        <p:spPr bwMode="auto">
+          <a:xfrm>
+            <a:off x="6096001" y="-3099"/>
+            <a:ext cx="6094413" cy="6856214"/>
+          </a:xfrm>
+          <a:prstGeom prst="rect">
+            <a:avLst/>
+          </a:prstGeom>
+          <a:solidFill>
+            <a:schemeClr val="bg1"/>
+          </a:solidFill>
+          <a:ln>
+            <a:noFill/>
+            <a:headEnd type="none" w="med" len="med"/>
+            <a:tailEnd type="none" w="med" len="med"/>
+          </a:ln>
+          <a:effectLst/>
+        </p:spPr>
+        <p:style>
+          <a:lnRef idx="1">
+            <a:schemeClr val="accent2"/>
+          </a:lnRef>
+          <a:fillRef idx="3">
+            <a:schemeClr val="accent2"/>
+          </a:fillRef>
+          <a:effectRef idx="2">
+            <a:schemeClr val="accent2"/>
+          </a:effectRef>
+          <a:fontRef idx="minor">
+            <a:schemeClr val="lt1"/>
+          </a:fontRef>
+        </p:style>
+        <p:txBody>
+          <a:bodyPr rot="0" spcFirstLastPara="0" vertOverflow="overflow" horzOverflow="overflow" vert="horz" wrap="square" lIns="182832" tIns="146266" rIns="182832" bIns="146266" numCol="1" spcCol="0" rtlCol="0" fromWordArt="0" anchor="t" anchorCtr="0" forceAA="0" compatLnSpc="1">
+            <a:prstTxWarp prst="textNoShape">
+              <a:avLst/>
+            </a:prstTxWarp>
+            <a:noAutofit/>
+          </a:bodyPr>
+          <a:lstStyle/>
+          <a:p>
+            <a:pPr algn="ctr" defTabSz="932192" fontAlgn="base">
+              <a:lnSpc>
+                <a:spcPct val="90000"/>
+              </a:lnSpc>
+              <a:spcBef>
+                <a:spcPct val="0"/>
+              </a:spcBef>
+              <a:spcAft>
+                <a:spcPct val="0"/>
+              </a:spcAft>
+            </a:pPr>
+            <a:endParaRPr lang="en-US" dirty="0">
+              <a:gradFill>
+                <a:gsLst>
+                  <a:gs pos="0">
+                    <a:srgbClr val="FFFFFF"/>
+                  </a:gs>
+                  <a:gs pos="100000">
+                    <a:srgbClr val="FFFFFF"/>
+                  </a:gs>
+                </a:gsLst>
+                <a:lin ang="5400000" scaled="0"/>
+              </a:gradFill>
+              <a:ea typeface="Segoe UI" pitchFamily="34" charset="0"/>
+              <a:cs typeface="Segoe UI" pitchFamily="34" charset="0"/>
+            </a:endParaRPr>
+          </a:p>
+        </p:txBody>
+      </p:sp>
+      <p:sp>
+        <p:nvSpPr>
+          <p:cNvPr id="16" name="Freeform 95"/>
+          <p:cNvSpPr>
+            <a:spLocks/>
+          </p:cNvSpPr>
+          <p:nvPr/>
+        </p:nvSpPr>
+        <p:spPr bwMode="auto">
+          <a:xfrm flipH="1">
+            <a:off x="4489335" y="271213"/>
+            <a:ext cx="1459983" cy="948146"/>
+          </a:xfrm>
+          <a:custGeom>
+            <a:avLst/>
+            <a:gdLst>
+              <a:gd name="T0" fmla="*/ 618 w 736"/>
+              <a:gd name="T1" fmla="*/ 213 h 484"/>
+              <a:gd name="T2" fmla="*/ 618 w 736"/>
+              <a:gd name="T3" fmla="*/ 203 h 484"/>
+              <a:gd name="T4" fmla="*/ 415 w 736"/>
+              <a:gd name="T5" fmla="*/ 0 h 484"/>
+              <a:gd name="T6" fmla="*/ 246 w 736"/>
+              <a:gd name="T7" fmla="*/ 91 h 484"/>
+              <a:gd name="T8" fmla="*/ 191 w 736"/>
+              <a:gd name="T9" fmla="*/ 76 h 484"/>
+              <a:gd name="T10" fmla="*/ 125 w 736"/>
+              <a:gd name="T11" fmla="*/ 96 h 484"/>
+              <a:gd name="T12" fmla="*/ 73 w 736"/>
+              <a:gd name="T13" fmla="*/ 191 h 484"/>
+              <a:gd name="T14" fmla="*/ 0 w 736"/>
+              <a:gd name="T15" fmla="*/ 325 h 484"/>
+              <a:gd name="T16" fmla="*/ 142 w 736"/>
+              <a:gd name="T17" fmla="*/ 484 h 484"/>
+              <a:gd name="T18" fmla="*/ 160 w 736"/>
+              <a:gd name="T19" fmla="*/ 484 h 484"/>
+              <a:gd name="T20" fmla="*/ 176 w 736"/>
+              <a:gd name="T21" fmla="*/ 484 h 484"/>
+              <a:gd name="T22" fmla="*/ 507 w 736"/>
+              <a:gd name="T23" fmla="*/ 484 h 484"/>
+              <a:gd name="T24" fmla="*/ 514 w 736"/>
+              <a:gd name="T25" fmla="*/ 484 h 484"/>
+              <a:gd name="T26" fmla="*/ 522 w 736"/>
+              <a:gd name="T27" fmla="*/ 484 h 484"/>
+              <a:gd name="T28" fmla="*/ 546 w 736"/>
+              <a:gd name="T29" fmla="*/ 484 h 484"/>
+              <a:gd name="T30" fmla="*/ 599 w 736"/>
+              <a:gd name="T31" fmla="*/ 484 h 484"/>
+              <a:gd name="T32" fmla="*/ 736 w 736"/>
+              <a:gd name="T33" fmla="*/ 348 h 484"/>
+              <a:gd name="T34" fmla="*/ 618 w 736"/>
+              <a:gd name="T35" fmla="*/ 213 h 484"/>
+            </a:gdLst>
+            <a:ahLst/>
+            <a:cxnLst>
+              <a:cxn ang="0">
+                <a:pos x="T0" y="T1"/>
+              </a:cxn>
+              <a:cxn ang="0">
+                <a:pos x="T2" y="T3"/>
+              </a:cxn>
+              <a:cxn ang="0">
+                <a:pos x="T4" y="T5"/>
+              </a:cxn>
+              <a:cxn ang="0">
+                <a:pos x="T6" y="T7"/>
+              </a:cxn>
+              <a:cxn ang="0">
+                <a:pos x="T8" y="T9"/>
+              </a:cxn>
+              <a:cxn ang="0">
+                <a:pos x="T10" y="T11"/>
+              </a:cxn>
+              <a:cxn ang="0">
+                <a:pos x="T12" y="T13"/>
+              </a:cxn>
+              <a:cxn ang="0">
+                <a:pos x="T14" y="T15"/>
+              </a:cxn>
+              <a:cxn ang="0">
+                <a:pos x="T16" y="T17"/>
+              </a:cxn>
+              <a:cxn ang="0">
+                <a:pos x="T18" y="T19"/>
+              </a:cxn>
+              <a:cxn ang="0">
+                <a:pos x="T20" y="T21"/>
+              </a:cxn>
+              <a:cxn ang="0">
+                <a:pos x="T22" y="T23"/>
+              </a:cxn>
+              <a:cxn ang="0">
+                <a:pos x="T24" y="T25"/>
+              </a:cxn>
+              <a:cxn ang="0">
+                <a:pos x="T26" y="T27"/>
+              </a:cxn>
+              <a:cxn ang="0">
+                <a:pos x="T28" y="T29"/>
+              </a:cxn>
+              <a:cxn ang="0">
+                <a:pos x="T30" y="T31"/>
+              </a:cxn>
+              <a:cxn ang="0">
+                <a:pos x="T32" y="T33"/>
+              </a:cxn>
+              <a:cxn ang="0">
+                <a:pos x="T34" y="T35"/>
+              </a:cxn>
+            </a:cxnLst>
+            <a:rect l="0" t="0" r="r" b="b"/>
+            <a:pathLst>
+              <a:path w="736" h="484">
+                <a:moveTo>
+                  <a:pt x="618" y="213"/>
+                </a:moveTo>
+                <a:cubicBezTo>
+                  <a:pt x="618" y="210"/>
+                  <a:pt x="618" y="206"/>
+                  <a:pt x="618" y="203"/>
+                </a:cubicBezTo>
+                <a:cubicBezTo>
+                  <a:pt x="618" y="91"/>
+                  <a:pt x="527" y="0"/>
+                  <a:pt x="415" y="0"/>
+                </a:cubicBezTo>
+                <a:cubicBezTo>
+                  <a:pt x="345" y="0"/>
+                  <a:pt x="283" y="37"/>
+                  <a:pt x="246" y="91"/>
+                </a:cubicBezTo>
+                <a:cubicBezTo>
+                  <a:pt x="230" y="82"/>
+                  <a:pt x="211" y="76"/>
+                  <a:pt x="191" y="76"/>
+                </a:cubicBezTo>
+                <a:cubicBezTo>
+                  <a:pt x="167" y="76"/>
+                  <a:pt x="144" y="83"/>
+                  <a:pt x="125" y="96"/>
+                </a:cubicBezTo>
+                <a:cubicBezTo>
+                  <a:pt x="94" y="116"/>
+                  <a:pt x="74" y="151"/>
+                  <a:pt x="73" y="191"/>
+                </a:cubicBezTo>
+                <a:cubicBezTo>
+                  <a:pt x="30" y="219"/>
+                  <a:pt x="0" y="269"/>
+                  <a:pt x="0" y="325"/>
+                </a:cubicBezTo>
+                <a:cubicBezTo>
+                  <a:pt x="0" y="407"/>
+                  <a:pt x="62" y="475"/>
+                  <a:pt x="142" y="484"/>
+                </a:cubicBezTo>
+                <a:cubicBezTo>
+                  <a:pt x="148" y="484"/>
+                  <a:pt x="154" y="484"/>
+                  <a:pt x="160" y="484"/>
+                </a:cubicBezTo>
+                <a:cubicBezTo>
+                  <a:pt x="165" y="484"/>
+                  <a:pt x="171" y="484"/>
+                  <a:pt x="176" y="484"/>
+                </a:cubicBezTo>
+                <a:cubicBezTo>
+                  <a:pt x="250" y="484"/>
+                  <a:pt x="425" y="484"/>
+                  <a:pt x="507" y="484"/>
+                </a:cubicBezTo>
+                <a:cubicBezTo>
+                  <a:pt x="510" y="484"/>
+                  <a:pt x="512" y="484"/>
+                  <a:pt x="514" y="484"/>
+                </a:cubicBezTo>
+                <a:cubicBezTo>
+                  <a:pt x="522" y="484"/>
+                  <a:pt x="522" y="484"/>
+                  <a:pt x="522" y="484"/>
+                </a:cubicBezTo>
+                <a:cubicBezTo>
+                  <a:pt x="526" y="484"/>
+                  <a:pt x="538" y="484"/>
+                  <a:pt x="546" y="484"/>
+                </a:cubicBezTo>
+                <a:cubicBezTo>
+                  <a:pt x="599" y="484"/>
+                  <a:pt x="599" y="484"/>
+                  <a:pt x="599" y="484"/>
+                </a:cubicBezTo>
+                <a:cubicBezTo>
+                  <a:pt x="675" y="483"/>
+                  <a:pt x="736" y="422"/>
+                  <a:pt x="736" y="348"/>
+                </a:cubicBezTo>
+                <a:cubicBezTo>
+                  <a:pt x="736" y="279"/>
+                  <a:pt x="684" y="222"/>
+                  <a:pt x="618" y="213"/>
+                </a:cubicBezTo>
+                <a:close/>
+              </a:path>
+            </a:pathLst>
+          </a:custGeom>
+          <a:solidFill>
+            <a:schemeClr val="bg1"/>
+          </a:solidFill>
+          <a:ln>
+            <a:noFill/>
+          </a:ln>
+          <a:extLst/>
+        </p:spPr>
+        <p:txBody>
+          <a:bodyPr vert="horz" wrap="square" lIns="91416" tIns="45708" rIns="91416" bIns="45708" numCol="1" anchor="t" anchorCtr="0" compatLnSpc="1">
+            <a:prstTxWarp prst="textNoShape">
+              <a:avLst/>
+            </a:prstTxWarp>
+          </a:bodyPr>
+          <a:lstStyle/>
+          <a:p>
+            <a:endParaRPr lang="en-US" sz="1799" kern="0" dirty="0">
+              <a:solidFill>
+                <a:srgbClr val="000000"/>
+              </a:solidFill>
+            </a:endParaRPr>
+          </a:p>
+        </p:txBody>
+      </p:sp>
+      <p:sp>
+        <p:nvSpPr>
+          <p:cNvPr id="17" name="Freeform 95"/>
+          <p:cNvSpPr>
+            <a:spLocks/>
+          </p:cNvSpPr>
+          <p:nvPr/>
+        </p:nvSpPr>
+        <p:spPr bwMode="auto">
+          <a:xfrm flipH="1">
+            <a:off x="6146702" y="422032"/>
+            <a:ext cx="1686536" cy="1053453"/>
+          </a:xfrm>
+          <a:custGeom>
+            <a:avLst/>
+            <a:gdLst>
+              <a:gd name="T0" fmla="*/ 618 w 736"/>
+              <a:gd name="T1" fmla="*/ 213 h 484"/>
+              <a:gd name="T2" fmla="*/ 618 w 736"/>
+              <a:gd name="T3" fmla="*/ 203 h 484"/>
+              <a:gd name="T4" fmla="*/ 415 w 736"/>
+              <a:gd name="T5" fmla="*/ 0 h 484"/>
+              <a:gd name="T6" fmla="*/ 246 w 736"/>
+              <a:gd name="T7" fmla="*/ 91 h 484"/>
+              <a:gd name="T8" fmla="*/ 191 w 736"/>
+              <a:gd name="T9" fmla="*/ 76 h 484"/>
+              <a:gd name="T10" fmla="*/ 125 w 736"/>
+              <a:gd name="T11" fmla="*/ 96 h 484"/>
+              <a:gd name="T12" fmla="*/ 73 w 736"/>
+              <a:gd name="T13" fmla="*/ 191 h 484"/>
+              <a:gd name="T14" fmla="*/ 0 w 736"/>
+              <a:gd name="T15" fmla="*/ 325 h 484"/>
+              <a:gd name="T16" fmla="*/ 142 w 736"/>
+              <a:gd name="T17" fmla="*/ 484 h 484"/>
+              <a:gd name="T18" fmla="*/ 160 w 736"/>
+              <a:gd name="T19" fmla="*/ 484 h 484"/>
+              <a:gd name="T20" fmla="*/ 176 w 736"/>
+              <a:gd name="T21" fmla="*/ 484 h 484"/>
+              <a:gd name="T22" fmla="*/ 507 w 736"/>
+              <a:gd name="T23" fmla="*/ 484 h 484"/>
+              <a:gd name="T24" fmla="*/ 514 w 736"/>
+              <a:gd name="T25" fmla="*/ 484 h 484"/>
+              <a:gd name="T26" fmla="*/ 522 w 736"/>
+              <a:gd name="T27" fmla="*/ 484 h 484"/>
+              <a:gd name="T28" fmla="*/ 546 w 736"/>
+              <a:gd name="T29" fmla="*/ 484 h 484"/>
+              <a:gd name="T30" fmla="*/ 599 w 736"/>
+              <a:gd name="T31" fmla="*/ 484 h 484"/>
+              <a:gd name="T32" fmla="*/ 736 w 736"/>
+              <a:gd name="T33" fmla="*/ 348 h 484"/>
+              <a:gd name="T34" fmla="*/ 618 w 736"/>
+              <a:gd name="T35" fmla="*/ 213 h 484"/>
+            </a:gdLst>
+            <a:ahLst/>
+            <a:cxnLst>
+              <a:cxn ang="0">
+                <a:pos x="T0" y="T1"/>
+              </a:cxn>
+              <a:cxn ang="0">
+                <a:pos x="T2" y="T3"/>
+              </a:cxn>
+              <a:cxn ang="0">
+                <a:pos x="T4" y="T5"/>
+              </a:cxn>
+              <a:cxn ang="0">
+                <a:pos x="T6" y="T7"/>
+              </a:cxn>
+              <a:cxn ang="0">
+                <a:pos x="T8" y="T9"/>
+              </a:cxn>
+              <a:cxn ang="0">
+                <a:pos x="T10" y="T11"/>
+              </a:cxn>
+              <a:cxn ang="0">
+                <a:pos x="T12" y="T13"/>
+              </a:cxn>
+              <a:cxn ang="0">
+                <a:pos x="T14" y="T15"/>
+              </a:cxn>
+              <a:cxn ang="0">
+                <a:pos x="T16" y="T17"/>
+              </a:cxn>
+              <a:cxn ang="0">
+                <a:pos x="T18" y="T19"/>
+              </a:cxn>
+              <a:cxn ang="0">
+                <a:pos x="T20" y="T21"/>
+              </a:cxn>
+              <a:cxn ang="0">
+                <a:pos x="T22" y="T23"/>
+              </a:cxn>
+              <a:cxn ang="0">
+                <a:pos x="T24" y="T25"/>
+              </a:cxn>
+              <a:cxn ang="0">
+                <a:pos x="T26" y="T27"/>
+              </a:cxn>
+              <a:cxn ang="0">
+                <a:pos x="T28" y="T29"/>
+              </a:cxn>
+              <a:cxn ang="0">
+                <a:pos x="T30" y="T31"/>
+              </a:cxn>
+              <a:cxn ang="0">
+                <a:pos x="T32" y="T33"/>
+              </a:cxn>
+              <a:cxn ang="0">
+                <a:pos x="T34" y="T35"/>
+              </a:cxn>
+            </a:cxnLst>
+            <a:rect l="0" t="0" r="r" b="b"/>
+            <a:pathLst>
+              <a:path w="736" h="484">
+                <a:moveTo>
+                  <a:pt x="618" y="213"/>
+                </a:moveTo>
+                <a:cubicBezTo>
+                  <a:pt x="618" y="210"/>
+                  <a:pt x="618" y="206"/>
+                  <a:pt x="618" y="203"/>
+                </a:cubicBezTo>
+                <a:cubicBezTo>
+                  <a:pt x="618" y="91"/>
+                  <a:pt x="527" y="0"/>
+                  <a:pt x="415" y="0"/>
+                </a:cubicBezTo>
+                <a:cubicBezTo>
+                  <a:pt x="345" y="0"/>
+                  <a:pt x="283" y="37"/>
+                  <a:pt x="246" y="91"/>
+                </a:cubicBezTo>
+                <a:cubicBezTo>
+                  <a:pt x="230" y="82"/>
+                  <a:pt x="211" y="76"/>
+                  <a:pt x="191" y="76"/>
+                </a:cubicBezTo>
+                <a:cubicBezTo>
+                  <a:pt x="167" y="76"/>
+                  <a:pt x="144" y="83"/>
+                  <a:pt x="125" y="96"/>
+                </a:cubicBezTo>
+                <a:cubicBezTo>
+                  <a:pt x="94" y="116"/>
+                  <a:pt x="74" y="151"/>
+                  <a:pt x="73" y="191"/>
+                </a:cubicBezTo>
+                <a:cubicBezTo>
+                  <a:pt x="30" y="219"/>
+                  <a:pt x="0" y="269"/>
+                  <a:pt x="0" y="325"/>
+                </a:cubicBezTo>
+                <a:cubicBezTo>
+                  <a:pt x="0" y="407"/>
+                  <a:pt x="62" y="475"/>
+                  <a:pt x="142" y="484"/>
+                </a:cubicBezTo>
+                <a:cubicBezTo>
+                  <a:pt x="148" y="484"/>
+                  <a:pt x="154" y="484"/>
+                  <a:pt x="160" y="484"/>
+                </a:cubicBezTo>
+                <a:cubicBezTo>
+                  <a:pt x="165" y="484"/>
+                  <a:pt x="171" y="484"/>
+                  <a:pt x="176" y="484"/>
+                </a:cubicBezTo>
+                <a:cubicBezTo>
+                  <a:pt x="250" y="484"/>
+                  <a:pt x="425" y="484"/>
+                  <a:pt x="507" y="484"/>
+                </a:cubicBezTo>
+                <a:cubicBezTo>
+                  <a:pt x="510" y="484"/>
+                  <a:pt x="512" y="484"/>
+                  <a:pt x="514" y="484"/>
+                </a:cubicBezTo>
+                <a:cubicBezTo>
+                  <a:pt x="522" y="484"/>
+                  <a:pt x="522" y="484"/>
+                  <a:pt x="522" y="484"/>
+                </a:cubicBezTo>
+                <a:cubicBezTo>
+                  <a:pt x="526" y="484"/>
+                  <a:pt x="538" y="484"/>
+                  <a:pt x="546" y="484"/>
+                </a:cubicBezTo>
+                <a:cubicBezTo>
+                  <a:pt x="599" y="484"/>
+                  <a:pt x="599" y="484"/>
+                  <a:pt x="599" y="484"/>
+                </a:cubicBezTo>
+                <a:cubicBezTo>
+                  <a:pt x="675" y="483"/>
+                  <a:pt x="736" y="422"/>
+                  <a:pt x="736" y="348"/>
+                </a:cubicBezTo>
+                <a:cubicBezTo>
+                  <a:pt x="736" y="279"/>
+                  <a:pt x="684" y="222"/>
+                  <a:pt x="618" y="213"/>
+                </a:cubicBezTo>
+                <a:close/>
+              </a:path>
+            </a:pathLst>
+          </a:custGeom>
+          <a:solidFill>
+            <a:srgbClr val="00BCF2"/>
+          </a:solidFill>
+          <a:ln>
+            <a:noFill/>
+          </a:ln>
+          <a:extLst/>
+        </p:spPr>
+        <p:txBody>
+          <a:bodyPr vert="horz" wrap="square" lIns="91416" tIns="45708" rIns="91416" bIns="45708" numCol="1" anchor="t" anchorCtr="0" compatLnSpc="1">
+            <a:prstTxWarp prst="textNoShape">
+              <a:avLst/>
+            </a:prstTxWarp>
+          </a:bodyPr>
+          <a:lstStyle/>
+          <a:p>
+            <a:endParaRPr lang="en-US" sz="1799" kern="0" dirty="0">
+              <a:solidFill>
+                <a:srgbClr val="000000"/>
+              </a:solidFill>
+            </a:endParaRPr>
+          </a:p>
+        </p:txBody>
+      </p:sp>
+      <p:sp>
+        <p:nvSpPr>
+          <p:cNvPr id="18" name="Freeform 95"/>
+          <p:cNvSpPr>
+            <a:spLocks/>
+          </p:cNvSpPr>
+          <p:nvPr/>
+        </p:nvSpPr>
+        <p:spPr bwMode="auto">
+          <a:xfrm flipH="1">
+            <a:off x="5334600" y="910193"/>
+            <a:ext cx="1243634" cy="807642"/>
+          </a:xfrm>
+          <a:custGeom>
+            <a:avLst/>
+            <a:gdLst>
+              <a:gd name="T0" fmla="*/ 618 w 736"/>
+              <a:gd name="T1" fmla="*/ 213 h 484"/>
+              <a:gd name="T2" fmla="*/ 618 w 736"/>
+              <a:gd name="T3" fmla="*/ 203 h 484"/>
+              <a:gd name="T4" fmla="*/ 415 w 736"/>
+              <a:gd name="T5" fmla="*/ 0 h 484"/>
+              <a:gd name="T6" fmla="*/ 246 w 736"/>
+              <a:gd name="T7" fmla="*/ 91 h 484"/>
+              <a:gd name="T8" fmla="*/ 191 w 736"/>
+              <a:gd name="T9" fmla="*/ 76 h 484"/>
+              <a:gd name="T10" fmla="*/ 125 w 736"/>
+              <a:gd name="T11" fmla="*/ 96 h 484"/>
+              <a:gd name="T12" fmla="*/ 73 w 736"/>
+              <a:gd name="T13" fmla="*/ 191 h 484"/>
+              <a:gd name="T14" fmla="*/ 0 w 736"/>
+              <a:gd name="T15" fmla="*/ 325 h 484"/>
+              <a:gd name="T16" fmla="*/ 142 w 736"/>
+              <a:gd name="T17" fmla="*/ 484 h 484"/>
+              <a:gd name="T18" fmla="*/ 160 w 736"/>
+              <a:gd name="T19" fmla="*/ 484 h 484"/>
+              <a:gd name="T20" fmla="*/ 176 w 736"/>
+              <a:gd name="T21" fmla="*/ 484 h 484"/>
+              <a:gd name="T22" fmla="*/ 507 w 736"/>
+              <a:gd name="T23" fmla="*/ 484 h 484"/>
+              <a:gd name="T24" fmla="*/ 514 w 736"/>
+              <a:gd name="T25" fmla="*/ 484 h 484"/>
+              <a:gd name="T26" fmla="*/ 522 w 736"/>
+              <a:gd name="T27" fmla="*/ 484 h 484"/>
+              <a:gd name="T28" fmla="*/ 546 w 736"/>
+              <a:gd name="T29" fmla="*/ 484 h 484"/>
+              <a:gd name="T30" fmla="*/ 599 w 736"/>
+              <a:gd name="T31" fmla="*/ 484 h 484"/>
+              <a:gd name="T32" fmla="*/ 736 w 736"/>
+              <a:gd name="T33" fmla="*/ 348 h 484"/>
+              <a:gd name="T34" fmla="*/ 618 w 736"/>
+              <a:gd name="T35" fmla="*/ 213 h 484"/>
+            </a:gdLst>
+            <a:ahLst/>
+            <a:cxnLst>
+              <a:cxn ang="0">
+                <a:pos x="T0" y="T1"/>
+              </a:cxn>
+              <a:cxn ang="0">
+                <a:pos x="T2" y="T3"/>
+              </a:cxn>
+              <a:cxn ang="0">
+                <a:pos x="T4" y="T5"/>
+              </a:cxn>
+              <a:cxn ang="0">
+                <a:pos x="T6" y="T7"/>
+              </a:cxn>
+              <a:cxn ang="0">
+                <a:pos x="T8" y="T9"/>
+              </a:cxn>
+              <a:cxn ang="0">
+                <a:pos x="T10" y="T11"/>
+              </a:cxn>
+              <a:cxn ang="0">
+                <a:pos x="T12" y="T13"/>
+              </a:cxn>
+              <a:cxn ang="0">
+                <a:pos x="T14" y="T15"/>
+              </a:cxn>
+              <a:cxn ang="0">
+                <a:pos x="T16" y="T17"/>
+              </a:cxn>
+              <a:cxn ang="0">
+                <a:pos x="T18" y="T19"/>
+              </a:cxn>
+              <a:cxn ang="0">
+                <a:pos x="T20" y="T21"/>
+              </a:cxn>
+              <a:cxn ang="0">
+                <a:pos x="T22" y="T23"/>
+              </a:cxn>
+              <a:cxn ang="0">
+                <a:pos x="T24" y="T25"/>
+              </a:cxn>
+              <a:cxn ang="0">
+                <a:pos x="T26" y="T27"/>
+              </a:cxn>
+              <a:cxn ang="0">
+                <a:pos x="T28" y="T29"/>
+              </a:cxn>
+              <a:cxn ang="0">
+                <a:pos x="T30" y="T31"/>
+              </a:cxn>
+              <a:cxn ang="0">
+                <a:pos x="T32" y="T33"/>
+              </a:cxn>
+              <a:cxn ang="0">
+                <a:pos x="T34" y="T35"/>
+              </a:cxn>
+            </a:cxnLst>
+            <a:rect l="0" t="0" r="r" b="b"/>
+            <a:pathLst>
+              <a:path w="736" h="484">
+                <a:moveTo>
+                  <a:pt x="618" y="213"/>
+                </a:moveTo>
+                <a:cubicBezTo>
+                  <a:pt x="618" y="210"/>
+                  <a:pt x="618" y="206"/>
+                  <a:pt x="618" y="203"/>
+                </a:cubicBezTo>
+                <a:cubicBezTo>
+                  <a:pt x="618" y="91"/>
+                  <a:pt x="527" y="0"/>
+                  <a:pt x="415" y="0"/>
+                </a:cubicBezTo>
+                <a:cubicBezTo>
+                  <a:pt x="345" y="0"/>
+                  <a:pt x="283" y="37"/>
+                  <a:pt x="246" y="91"/>
+                </a:cubicBezTo>
+                <a:cubicBezTo>
+                  <a:pt x="230" y="82"/>
+                  <a:pt x="211" y="76"/>
+                  <a:pt x="191" y="76"/>
+                </a:cubicBezTo>
+                <a:cubicBezTo>
+                  <a:pt x="167" y="76"/>
+                  <a:pt x="144" y="83"/>
+                  <a:pt x="125" y="96"/>
+                </a:cubicBezTo>
+                <a:cubicBezTo>
+                  <a:pt x="94" y="116"/>
+                  <a:pt x="74" y="151"/>
+                  <a:pt x="73" y="191"/>
+                </a:cubicBezTo>
+                <a:cubicBezTo>
+                  <a:pt x="30" y="219"/>
+                  <a:pt x="0" y="269"/>
+                  <a:pt x="0" y="325"/>
+                </a:cubicBezTo>
+                <a:cubicBezTo>
+                  <a:pt x="0" y="407"/>
+                  <a:pt x="62" y="475"/>
+                  <a:pt x="142" y="484"/>
+                </a:cubicBezTo>
+                <a:cubicBezTo>
+                  <a:pt x="148" y="484"/>
+                  <a:pt x="154" y="484"/>
+                  <a:pt x="160" y="484"/>
+                </a:cubicBezTo>
+                <a:cubicBezTo>
+                  <a:pt x="165" y="484"/>
+                  <a:pt x="171" y="484"/>
+                  <a:pt x="176" y="484"/>
+                </a:cubicBezTo>
+                <a:cubicBezTo>
+                  <a:pt x="250" y="484"/>
+                  <a:pt x="425" y="484"/>
+                  <a:pt x="507" y="484"/>
+                </a:cubicBezTo>
+                <a:cubicBezTo>
+                  <a:pt x="510" y="484"/>
+                  <a:pt x="512" y="484"/>
+                  <a:pt x="514" y="484"/>
+                </a:cubicBezTo>
+                <a:cubicBezTo>
+                  <a:pt x="522" y="484"/>
+                  <a:pt x="522" y="484"/>
+                  <a:pt x="522" y="484"/>
+                </a:cubicBezTo>
+                <a:cubicBezTo>
+                  <a:pt x="526" y="484"/>
+                  <a:pt x="538" y="484"/>
+                  <a:pt x="546" y="484"/>
+                </a:cubicBezTo>
+                <a:cubicBezTo>
+                  <a:pt x="599" y="484"/>
+                  <a:pt x="599" y="484"/>
+                  <a:pt x="599" y="484"/>
+                </a:cubicBezTo>
+                <a:cubicBezTo>
+                  <a:pt x="675" y="483"/>
+                  <a:pt x="736" y="422"/>
+                  <a:pt x="736" y="348"/>
+                </a:cubicBezTo>
+                <a:cubicBezTo>
+                  <a:pt x="736" y="279"/>
+                  <a:pt x="684" y="222"/>
+                  <a:pt x="618" y="213"/>
+                </a:cubicBezTo>
+                <a:close/>
+              </a:path>
+            </a:pathLst>
+          </a:custGeom>
+          <a:solidFill>
+            <a:srgbClr val="0072C6"/>
+          </a:solidFill>
+          <a:ln w="28575">
+            <a:noFill/>
+            <a:round/>
+            <a:headEnd/>
+            <a:tailEnd/>
+          </a:ln>
+          <a:extLst/>
+        </p:spPr>
+        <p:txBody>
+          <a:bodyPr vert="horz" wrap="square" lIns="91416" tIns="45708" rIns="91416" bIns="45708" numCol="1" anchor="t" anchorCtr="0" compatLnSpc="1">
+            <a:prstTxWarp prst="textNoShape">
+              <a:avLst/>
+            </a:prstTxWarp>
+          </a:bodyPr>
+          <a:lstStyle/>
+          <a:p>
+            <a:endParaRPr lang="en-US" sz="1799" kern="0" dirty="0">
+              <a:solidFill>
+                <a:srgbClr val="505050"/>
+              </a:solidFill>
+            </a:endParaRPr>
+          </a:p>
+        </p:txBody>
+      </p:sp>
+      <p:sp>
+        <p:nvSpPr>
+          <p:cNvPr id="24" name="Text Placeholder 3"/>
+          <p:cNvSpPr txBox="1">
+            <a:spLocks/>
+          </p:cNvSpPr>
+          <p:nvPr/>
+        </p:nvSpPr>
+        <p:spPr>
+          <a:xfrm>
+            <a:off x="6578234" y="1795849"/>
+            <a:ext cx="5459173" cy="4654377"/>
+          </a:xfrm>
+          <a:prstGeom prst="rect">
+            <a:avLst/>
+          </a:prstGeom>
+        </p:spPr>
+        <p:txBody>
+          <a:bodyPr vert="horz" wrap="square" lIns="146266" tIns="91416" rIns="146266" bIns="91416" rtlCol="0" anchor="t">
+            <a:noAutofit/>
+          </a:bodyPr>
+          <a:lstStyle>
+            <a:lvl1pPr marL="0" marR="0" indent="0" algn="l" defTabSz="914367" rtl="0" eaLnBrk="1" fontAlgn="auto" latinLnBrk="0" hangingPunct="1">
+              <a:lnSpc>
+                <a:spcPct val="90000"/>
+              </a:lnSpc>
+              <a:spcBef>
+                <a:spcPct val="20000"/>
+              </a:spcBef>
+              <a:spcAft>
+                <a:spcPts val="0"/>
+              </a:spcAft>
+              <a:buClrTx/>
+              <a:buSzPct val="90000"/>
+              <a:buFontTx/>
+              <a:buNone/>
+              <a:tabLst/>
+              <a:defRPr sz="8627" b="0" kern="1200" spc="0" baseline="0">
+                <a:solidFill>
+                  <a:schemeClr val="bg1"/>
+                </a:solidFill>
+                <a:latin typeface="+mj-lt"/>
+                <a:ea typeface="+mn-ea"/>
+                <a:cs typeface="+mn-cs"/>
+              </a:defRPr>
+            </a:lvl1pPr>
+            <a:lvl2pPr marL="336113" marR="0" indent="0" algn="l" defTabSz="914367" rtl="0" eaLnBrk="1" fontAlgn="auto" latinLnBrk="0" hangingPunct="1">
+              <a:lnSpc>
+                <a:spcPct val="90000"/>
+              </a:lnSpc>
+              <a:spcBef>
+                <a:spcPct val="20000"/>
+              </a:spcBef>
+              <a:spcAft>
+                <a:spcPts val="0"/>
+              </a:spcAft>
+              <a:buClrTx/>
+              <a:buSzPct val="90000"/>
+              <a:buFontTx/>
+              <a:buNone/>
+              <a:tabLst/>
+              <a:defRPr sz="3529" kern="1200" spc="0" baseline="0">
+                <a:solidFill>
+                  <a:schemeClr val="tx2"/>
+                </a:solidFill>
+                <a:latin typeface="Segoe Pro Light"/>
+                <a:ea typeface="+mn-ea"/>
+                <a:cs typeface="+mn-cs"/>
+              </a:defRPr>
+            </a:lvl2pPr>
+            <a:lvl3pPr marL="560187" marR="0" indent="0" algn="l" defTabSz="914367" rtl="0" eaLnBrk="1" fontAlgn="auto" latinLnBrk="0" hangingPunct="1">
+              <a:lnSpc>
+                <a:spcPct val="90000"/>
+              </a:lnSpc>
+              <a:spcBef>
+                <a:spcPct val="20000"/>
+              </a:spcBef>
+              <a:spcAft>
+                <a:spcPts val="0"/>
+              </a:spcAft>
+              <a:buClrTx/>
+              <a:buSzPct val="90000"/>
+              <a:buFontTx/>
+              <a:buNone/>
+              <a:tabLst/>
+              <a:defRPr sz="3529" kern="1200" spc="0" baseline="0">
+                <a:solidFill>
+                  <a:schemeClr val="tx2"/>
+                </a:solidFill>
+                <a:latin typeface="Segoe Pro Light"/>
+                <a:ea typeface="+mn-ea"/>
+                <a:cs typeface="+mn-cs"/>
+              </a:defRPr>
+            </a:lvl3pPr>
+            <a:lvl4pPr marL="784261" marR="0" indent="0" algn="l" defTabSz="914367" rtl="0" eaLnBrk="1" fontAlgn="auto" latinLnBrk="0" hangingPunct="1">
+              <a:lnSpc>
+                <a:spcPct val="90000"/>
+              </a:lnSpc>
+              <a:spcBef>
+                <a:spcPct val="20000"/>
+              </a:spcBef>
+              <a:spcAft>
+                <a:spcPts val="0"/>
+              </a:spcAft>
+              <a:buClrTx/>
+              <a:buSzPct val="90000"/>
+              <a:buFontTx/>
+              <a:buNone/>
+              <a:tabLst/>
+              <a:defRPr sz="3529" kern="1200" spc="0" baseline="0">
+                <a:solidFill>
+                  <a:schemeClr val="tx2"/>
+                </a:solidFill>
+                <a:latin typeface="Segoe Pro Light"/>
+                <a:ea typeface="+mn-ea"/>
+                <a:cs typeface="+mn-cs"/>
+              </a:defRPr>
+            </a:lvl4pPr>
+            <a:lvl5pPr marL="1008335" marR="0" indent="0" algn="l" defTabSz="914367" rtl="0" eaLnBrk="1" fontAlgn="auto" latinLnBrk="0" hangingPunct="1">
+              <a:lnSpc>
+                <a:spcPct val="90000"/>
+              </a:lnSpc>
+              <a:spcBef>
+                <a:spcPct val="20000"/>
+              </a:spcBef>
+              <a:spcAft>
+                <a:spcPts val="0"/>
+              </a:spcAft>
+              <a:buClrTx/>
+              <a:buSzPct val="90000"/>
+              <a:buFontTx/>
+              <a:buNone/>
+              <a:tabLst/>
+              <a:defRPr sz="3529" kern="1200" spc="0" baseline="0">
+                <a:solidFill>
+                  <a:schemeClr val="tx2"/>
+                </a:solidFill>
+                <a:latin typeface="Segoe Pro Light"/>
+                <a:ea typeface="+mn-ea"/>
+                <a:cs typeface="+mn-cs"/>
+              </a:defRPr>
+            </a:lvl5pPr>
+            <a:lvl6pPr marL="2514509" indent="-228592" algn="l" defTabSz="914367" rtl="0" eaLnBrk="1" latinLnBrk="0" hangingPunct="1">
+              <a:spcBef>
+                <a:spcPct val="20000"/>
+              </a:spcBef>
+              <a:buFont typeface="Arial" pitchFamily="34" charset="0"/>
+              <a:buChar char="•"/>
+              <a:defRPr sz="1961" kern="1200">
+                <a:solidFill>
+                  <a:schemeClr val="tx1"/>
+                </a:solidFill>
+                <a:latin typeface="+mn-lt"/>
+                <a:ea typeface="+mn-ea"/>
+                <a:cs typeface="+mn-cs"/>
+              </a:defRPr>
+            </a:lvl6pPr>
+            <a:lvl7pPr marL="2971693" indent="-228592" algn="l" defTabSz="914367" rtl="0" eaLnBrk="1" latinLnBrk="0" hangingPunct="1">
+              <a:spcBef>
+                <a:spcPct val="20000"/>
+              </a:spcBef>
+              <a:buFont typeface="Arial" pitchFamily="34" charset="0"/>
+              <a:buChar char="•"/>
+              <a:defRPr sz="1961" kern="1200">
+                <a:solidFill>
+                  <a:schemeClr val="tx1"/>
+                </a:solidFill>
+                <a:latin typeface="+mn-lt"/>
+                <a:ea typeface="+mn-ea"/>
+                <a:cs typeface="+mn-cs"/>
+              </a:defRPr>
+            </a:lvl7pPr>
+            <a:lvl8pPr marL="3428877" indent="-228592" algn="l" defTabSz="914367" rtl="0" eaLnBrk="1" latinLnBrk="0" hangingPunct="1">
+              <a:spcBef>
+                <a:spcPct val="20000"/>
+              </a:spcBef>
+              <a:buFont typeface="Arial" pitchFamily="34" charset="0"/>
+              <a:buChar char="•"/>
+              <a:defRPr sz="1961" kern="1200">
+                <a:solidFill>
+                  <a:schemeClr val="tx1"/>
+                </a:solidFill>
+                <a:latin typeface="+mn-lt"/>
+                <a:ea typeface="+mn-ea"/>
+                <a:cs typeface="+mn-cs"/>
+              </a:defRPr>
+            </a:lvl8pPr>
+            <a:lvl9pPr marL="3886061" indent="-228592" algn="l" defTabSz="914367" rtl="0" eaLnBrk="1" latinLnBrk="0" hangingPunct="1">
+              <a:spcBef>
+                <a:spcPct val="20000"/>
+              </a:spcBef>
+              <a:buFont typeface="Arial" pitchFamily="34" charset="0"/>
+              <a:buChar char="•"/>
+              <a:defRPr sz="1961" kern="1200">
+                <a:solidFill>
+                  <a:schemeClr val="tx1"/>
+                </a:solidFill>
+                <a:latin typeface="+mn-lt"/>
+                <a:ea typeface="+mn-ea"/>
+                <a:cs typeface="+mn-cs"/>
+              </a:defRPr>
+            </a:lvl9pPr>
+          </a:lstStyle>
+          <a:p>
+            <a:pPr marL="457200" indent="-457200">
+              <a:lnSpc>
+                <a:spcPct val="125000"/>
+              </a:lnSpc>
+              <a:spcBef>
+                <a:spcPts val="0"/>
+              </a:spcBef>
+              <a:buFont typeface="Arial" panose="020B0604020202020204" pitchFamily="34" charset="0"/>
+              <a:buChar char="•"/>
+            </a:pPr>
+            <a:r>
+              <a:rPr lang="en-US" sz="2800" dirty="0" smtClean="0">
+                <a:solidFill>
+                  <a:srgbClr val="0071BC"/>
+                </a:solidFill>
+              </a:rPr>
+              <a:t>Schema-less</a:t>
+            </a:r>
+            <a:r>
+              <a:rPr lang="en-US" sz="2800" dirty="0">
+                <a:solidFill>
+                  <a:srgbClr val="0071BC"/>
+                </a:solidFill>
+              </a:rPr>
+              <a:t>, NoSQL document database </a:t>
+            </a:r>
+            <a:endParaRPr lang="en-US" sz="2800" dirty="0">
+              <a:solidFill>
+                <a:srgbClr val="0071BC"/>
+              </a:solidFill>
+            </a:endParaRPr>
+          </a:p>
+          <a:p>
+            <a:pPr marL="457200" indent="-457200">
+              <a:lnSpc>
+                <a:spcPct val="125000"/>
+              </a:lnSpc>
+              <a:spcBef>
+                <a:spcPts val="0"/>
+              </a:spcBef>
+              <a:buFont typeface="Arial" panose="020B0604020202020204" pitchFamily="34" charset="0"/>
+              <a:buChar char="•"/>
+            </a:pPr>
+            <a:r>
+              <a:rPr lang="en-US" sz="2800" dirty="0" smtClean="0">
+                <a:solidFill>
+                  <a:srgbClr val="0071BC"/>
+                </a:solidFill>
+              </a:rPr>
+              <a:t>Fully </a:t>
+            </a:r>
+            <a:r>
+              <a:rPr lang="en-US" sz="2800" dirty="0">
+                <a:solidFill>
+                  <a:srgbClr val="0071BC"/>
+                </a:solidFill>
+              </a:rPr>
+              <a:t>managed, with provisioned capacity </a:t>
+            </a:r>
+            <a:r>
+              <a:rPr lang="en-US" sz="2800" dirty="0" smtClean="0">
+                <a:solidFill>
+                  <a:srgbClr val="0071BC"/>
+                </a:solidFill>
+              </a:rPr>
+              <a:t> </a:t>
+            </a:r>
+          </a:p>
+          <a:p>
+            <a:pPr marL="457200" indent="-457200">
+              <a:lnSpc>
+                <a:spcPct val="125000"/>
+              </a:lnSpc>
+              <a:spcBef>
+                <a:spcPts val="0"/>
+              </a:spcBef>
+              <a:buFont typeface="Arial" panose="020B0604020202020204" pitchFamily="34" charset="0"/>
+              <a:buChar char="•"/>
+            </a:pPr>
+            <a:r>
+              <a:rPr lang="en-US" sz="2800" dirty="0" smtClean="0">
+                <a:solidFill>
+                  <a:srgbClr val="0071BC"/>
+                </a:solidFill>
+              </a:rPr>
+              <a:t>Stored </a:t>
+            </a:r>
+            <a:r>
+              <a:rPr lang="en-US" sz="2800" dirty="0">
+                <a:solidFill>
+                  <a:srgbClr val="0071BC"/>
+                </a:solidFill>
+              </a:rPr>
+              <a:t>entities are JSON documents </a:t>
+            </a:r>
+            <a:endParaRPr lang="en-US" sz="2800" dirty="0" smtClean="0">
+              <a:solidFill>
+                <a:srgbClr val="0071BC"/>
+              </a:solidFill>
+            </a:endParaRPr>
+          </a:p>
+          <a:p>
+            <a:pPr marL="457200" indent="-457200">
+              <a:lnSpc>
+                <a:spcPct val="125000"/>
+              </a:lnSpc>
+              <a:spcBef>
+                <a:spcPts val="0"/>
+              </a:spcBef>
+              <a:buFont typeface="Arial" panose="020B0604020202020204" pitchFamily="34" charset="0"/>
+              <a:buChar char="•"/>
+            </a:pPr>
+            <a:r>
+              <a:rPr lang="en-US" sz="2800" dirty="0" smtClean="0">
+                <a:solidFill>
+                  <a:srgbClr val="0071BC"/>
+                </a:solidFill>
+              </a:rPr>
+              <a:t>Tunable </a:t>
+            </a:r>
+            <a:r>
+              <a:rPr lang="en-US" sz="2800" dirty="0">
+                <a:solidFill>
+                  <a:srgbClr val="0071BC"/>
+                </a:solidFill>
+              </a:rPr>
+              <a:t>consistency </a:t>
+            </a:r>
+            <a:r>
+              <a:rPr lang="en-US" sz="2800" dirty="0" smtClean="0">
+                <a:solidFill>
+                  <a:srgbClr val="0071BC"/>
+                </a:solidFill>
+              </a:rPr>
+              <a:t> </a:t>
+            </a:r>
+          </a:p>
+          <a:p>
+            <a:pPr marL="457200" indent="-457200">
+              <a:lnSpc>
+                <a:spcPct val="125000"/>
+              </a:lnSpc>
+              <a:spcBef>
+                <a:spcPts val="0"/>
+              </a:spcBef>
+              <a:buFont typeface="Arial" panose="020B0604020202020204" pitchFamily="34" charset="0"/>
+              <a:buChar char="•"/>
+            </a:pPr>
+            <a:r>
+              <a:rPr lang="en-US" sz="2800" dirty="0" smtClean="0">
+                <a:solidFill>
+                  <a:srgbClr val="0071BC"/>
+                </a:solidFill>
+              </a:rPr>
+              <a:t>Designed </a:t>
+            </a:r>
+            <a:r>
+              <a:rPr lang="en-US" sz="2800" dirty="0">
+                <a:solidFill>
+                  <a:srgbClr val="0071BC"/>
+                </a:solidFill>
+              </a:rPr>
+              <a:t>to </a:t>
+            </a:r>
+            <a:r>
+              <a:rPr lang="en-US" sz="2800" dirty="0" smtClean="0">
+                <a:solidFill>
+                  <a:srgbClr val="0071BC"/>
+                </a:solidFill>
+              </a:rPr>
+              <a:t>scale</a:t>
+            </a:r>
+            <a:endParaRPr lang="en-US" sz="2800" dirty="0" smtClean="0">
+              <a:solidFill>
+                <a:srgbClr val="0071BC"/>
+              </a:solidFill>
+            </a:endParaRPr>
+          </a:p>
+        </p:txBody>
+      </p:sp>
+    </p:spTree>
+    <p:extLst>
+      <p:ext uri="{BB962C8B-B14F-4D97-AF65-F5344CB8AC3E}">
+        <p14:creationId xmlns:p14="http://schemas.microsoft.com/office/powerpoint/2010/main" val="3558681834"/>
+      </p:ext>
+    </p:extLst>
+  </p:cSld>
+  <p:clrMapOvr>
+    <a:masterClrMapping/>
+  </p:clrMapOvr>
+  <mc:AlternateContent xmlns:mc="http://schemas.openxmlformats.org/markup-compatibility/2006">
+    <mc:Choice xmlns:p14="http://schemas.microsoft.com/office/powerpoint/2010/main" Requires="p14">
+      <p:transition p14:dur="0"/>
+    </mc:Choice>
+    <mc:Fallback>
+      <p:transition/>
+    </mc:Fallback>
+  </mc:AlternateContent>
+  <p:timing>
+    <p:tnLst>
+      <p:par>
+        <p:cTn id="1" dur="indefinite" restart="never" nodeType="tmRoot">
+          <p:childTnLst>
+            <p:seq concurrent="1" nextAc="seek">
+              <p:cTn id="2" dur="indefinite" nodeType="mainSeq">
+                <p:childTnLst>
+                  <p:par>
+                    <p:cTn id="3" fill="hold">
+                      <p:stCondLst>
+                        <p:cond delay="indefinite"/>
+                        <p:cond evt="onBegin" delay="0">
+                          <p:tn val="2"/>
+                        </p:cond>
+                      </p:stCondLst>
+                      <p:childTnLst>
+                        <p:par>
+                          <p:cTn id="4" fill="hold">
+                            <p:stCondLst>
+                              <p:cond delay="0"/>
+                            </p:stCondLst>
+                            <p:childTnLst>
+                              <p:par>
+                                <p:cTn id="5" presetID="42" presetClass="entr" presetSubtype="0" fill="hold" grpId="0" nodeType="withEffect">
+                                  <p:stCondLst>
+                                    <p:cond delay="0"/>
+                                  </p:stCondLst>
+                                  <p:childTnLst>
+                                    <p:set>
+                                      <p:cBhvr>
+                                        <p:cTn id="6" dur="1" fill="hold">
+                                          <p:stCondLst>
+                                            <p:cond delay="0"/>
+                                          </p:stCondLst>
+                                        </p:cTn>
+                                        <p:tgtEl>
+                                          <p:spTgt spid="16"/>
+                                        </p:tgtEl>
+                                        <p:attrNameLst>
+                                          <p:attrName>style.visibility</p:attrName>
+                                        </p:attrNameLst>
+                                      </p:cBhvr>
+                                      <p:to>
+                                        <p:strVal val="visible"/>
+                                      </p:to>
+                                    </p:set>
+                                    <p:animEffect transition="in" filter="fade">
+                                      <p:cBhvr>
+                                        <p:cTn id="7" dur="1000"/>
+                                        <p:tgtEl>
+                                          <p:spTgt spid="16"/>
+                                        </p:tgtEl>
+                                      </p:cBhvr>
+                                    </p:animEffect>
+                                    <p:anim calcmode="lin" valueType="num">
+                                      <p:cBhvr>
+                                        <p:cTn id="8" dur="1000" fill="hold"/>
+                                        <p:tgtEl>
+                                          <p:spTgt spid="16"/>
+                                        </p:tgtEl>
+                                        <p:attrNameLst>
+                                          <p:attrName>ppt_x</p:attrName>
+                                        </p:attrNameLst>
+                                      </p:cBhvr>
+                                      <p:tavLst>
+                                        <p:tav tm="0">
+                                          <p:val>
+                                            <p:strVal val="#ppt_x"/>
+                                          </p:val>
+                                        </p:tav>
+                                        <p:tav tm="100000">
+                                          <p:val>
+                                            <p:strVal val="#ppt_x"/>
+                                          </p:val>
+                                        </p:tav>
+                                      </p:tavLst>
+                                    </p:anim>
+                                    <p:anim calcmode="lin" valueType="num">
+                                      <p:cBhvr>
+                                        <p:cTn id="9" dur="1000" fill="hold"/>
+                                        <p:tgtEl>
+                                          <p:spTgt spid="16"/>
+                                        </p:tgtEl>
+                                        <p:attrNameLst>
+                                          <p:attrName>ppt_y</p:attrName>
+                                        </p:attrNameLst>
+                                      </p:cBhvr>
+                                      <p:tavLst>
+                                        <p:tav tm="0">
+                                          <p:val>
+                                            <p:strVal val="#ppt_y+.1"/>
+                                          </p:val>
+                                        </p:tav>
+                                        <p:tav tm="100000">
+                                          <p:val>
+                                            <p:strVal val="#ppt_y"/>
+                                          </p:val>
+                                        </p:tav>
+                                      </p:tavLst>
+                                    </p:anim>
+                                  </p:childTnLst>
+                                </p:cTn>
+                              </p:par>
+                              <p:par>
+                                <p:cTn id="10" presetID="42" presetClass="entr" presetSubtype="0" fill="hold" grpId="0" nodeType="withEffect">
+                                  <p:stCondLst>
+                                    <p:cond delay="250"/>
+                                  </p:stCondLst>
+                                  <p:childTnLst>
+                                    <p:set>
+                                      <p:cBhvr>
+                                        <p:cTn id="11" dur="1" fill="hold">
+                                          <p:stCondLst>
+                                            <p:cond delay="0"/>
+                                          </p:stCondLst>
+                                        </p:cTn>
+                                        <p:tgtEl>
+                                          <p:spTgt spid="17"/>
+                                        </p:tgtEl>
+                                        <p:attrNameLst>
+                                          <p:attrName>style.visibility</p:attrName>
+                                        </p:attrNameLst>
+                                      </p:cBhvr>
+                                      <p:to>
+                                        <p:strVal val="visible"/>
+                                      </p:to>
+                                    </p:set>
+                                    <p:animEffect transition="in" filter="fade">
+                                      <p:cBhvr>
+                                        <p:cTn id="12" dur="1000"/>
+                                        <p:tgtEl>
+                                          <p:spTgt spid="17"/>
+                                        </p:tgtEl>
+                                      </p:cBhvr>
+                                    </p:animEffect>
+                                    <p:anim calcmode="lin" valueType="num">
+                                      <p:cBhvr>
+                                        <p:cTn id="13" dur="1000" fill="hold"/>
+                                        <p:tgtEl>
+                                          <p:spTgt spid="17"/>
+                                        </p:tgtEl>
+                                        <p:attrNameLst>
+                                          <p:attrName>ppt_x</p:attrName>
+                                        </p:attrNameLst>
+                                      </p:cBhvr>
+                                      <p:tavLst>
+                                        <p:tav tm="0">
+                                          <p:val>
+                                            <p:strVal val="#ppt_x"/>
+                                          </p:val>
+                                        </p:tav>
+                                        <p:tav tm="100000">
+                                          <p:val>
+                                            <p:strVal val="#ppt_x"/>
+                                          </p:val>
+                                        </p:tav>
+                                      </p:tavLst>
+                                    </p:anim>
+                                    <p:anim calcmode="lin" valueType="num">
+                                      <p:cBhvr>
+                                        <p:cTn id="14" dur="1000" fill="hold"/>
+                                        <p:tgtEl>
+                                          <p:spTgt spid="17"/>
+                                        </p:tgtEl>
+                                        <p:attrNameLst>
+                                          <p:attrName>ppt_y</p:attrName>
+                                        </p:attrNameLst>
+                                      </p:cBhvr>
+                                      <p:tavLst>
+                                        <p:tav tm="0">
+                                          <p:val>
+                                            <p:strVal val="#ppt_y+.1"/>
+                                          </p:val>
+                                        </p:tav>
+                                        <p:tav tm="100000">
+                                          <p:val>
+                                            <p:strVal val="#ppt_y"/>
+                                          </p:val>
+                                        </p:tav>
+                                      </p:tavLst>
+                                    </p:anim>
+                                  </p:childTnLst>
+                                </p:cTn>
+                              </p:par>
+                            </p:childTnLst>
+                          </p:cTn>
+                        </p:par>
+                      </p:childTnLst>
+                    </p:cTn>
+                  </p:par>
+                </p:childTnLst>
+              </p:cTn>
+              <p:prevCondLst>
+                <p:cond evt="onPrev" delay="0">
+                  <p:tgtEl>
+                    <p:sldTgt/>
+                  </p:tgtEl>
+                </p:cond>
+              </p:prevCondLst>
+              <p:nextCondLst>
+                <p:cond evt="onNext" delay="0">
+                  <p:tgtEl>
+                    <p:sldTgt/>
+                  </p:tgtEl>
+                </p:cond>
+              </p:nextCondLst>
+            </p:seq>
+          </p:childTnLst>
+        </p:cTn>
+      </p:par>
+    </p:tnLst>
+    <p:bldLst>
+      <p:bldP spid="16" grpId="0" animBg="1"/>
+      <p:bldP spid="17" grpId="0" animBg="1"/>
+    </p:bldLst>
+  </p:timing>
+</p:sld>
+</file>
+
+<file path=ppt/slides/slide12.xml><?xml version="1.0" encoding="utf-8"?>
+<p:sld xmlns:a="http://schemas.openxmlformats.org/drawingml/2006/main" xmlns:r="http://schemas.openxmlformats.org/officeDocument/2006/relationships" xmlns:p="http://schemas.openxmlformats.org/presentationml/2006/main">
+  <p:cSld>
+    <p:spTree>
+      <p:nvGrpSpPr>
+        <p:cNvPr id="1" name=""/>
+        <p:cNvGrpSpPr/>
+        <p:nvPr/>
+      </p:nvGrpSpPr>
+      <p:grpSpPr>
+        <a:xfrm>
+          <a:off x="0" y="0"/>
+          <a:ext cx="0" cy="0"/>
+          <a:chOff x="0" y="0"/>
+          <a:chExt cx="0" cy="0"/>
+        </a:xfrm>
+      </p:grpSpPr>
+      <p:sp>
+        <p:nvSpPr>
+          <p:cNvPr id="13" name="TextBox 476"/>
+          <p:cNvSpPr txBox="1"/>
+          <p:nvPr/>
+        </p:nvSpPr>
+        <p:spPr>
+          <a:xfrm>
+            <a:off x="4089776" y="3245945"/>
+            <a:ext cx="3657600" cy="752080"/>
+          </a:xfrm>
+          <a:prstGeom prst="rect">
+            <a:avLst/>
+          </a:prstGeom>
+          <a:solidFill>
+            <a:schemeClr val="accent1"/>
+          </a:solidFill>
+        </p:spPr>
+        <p:txBody>
+          <a:bodyPr wrap="square" lIns="182832" tIns="182832" rIns="182832" bIns="182832" rtlCol="0" anchor="ctr">
+            <a:noAutofit/>
+          </a:bodyPr>
+          <a:lstStyle>
+            <a:defPPr>
+              <a:defRPr lang="en-US"/>
+            </a:defPPr>
+            <a:lvl1pPr defTabSz="913949">
+              <a:lnSpc>
+                <a:spcPct val="90000"/>
+              </a:lnSpc>
+              <a:spcBef>
+                <a:spcPts val="600"/>
+              </a:spcBef>
+              <a:defRPr sz="2000" kern="0">
+                <a:solidFill>
+                  <a:srgbClr val="DC3C00"/>
+                </a:solidFill>
+                <a:latin typeface="Segoe UI" panose="020B0502040204020203" pitchFamily="34" charset="0"/>
+                <a:cs typeface="Segoe UI" panose="020B0502040204020203" pitchFamily="34" charset="0"/>
+              </a:defRPr>
+            </a:lvl1pPr>
+          </a:lstStyle>
+          <a:p>
+            <a:pPr>
+              <a:spcBef>
+                <a:spcPts val="0"/>
+              </a:spcBef>
+            </a:pPr>
+            <a:r>
+              <a:rPr lang="en-US" sz="1800" b="1" dirty="0">
+                <a:gradFill>
+                  <a:gsLst>
+                    <a:gs pos="0">
+                      <a:srgbClr val="FFFFFF"/>
+                    </a:gs>
+                    <a:gs pos="100000">
+                      <a:srgbClr val="FFFFFF"/>
+                    </a:gs>
+                  </a:gsLst>
+                  <a:lin ang="5400000" scaled="1"/>
+                </a:gradFill>
+                <a:latin typeface="+mj-lt"/>
+              </a:rPr>
+              <a:t>Reliable &amp; </a:t>
+            </a:r>
+          </a:p>
+          <a:p>
+            <a:pPr>
+              <a:spcBef>
+                <a:spcPts val="0"/>
+              </a:spcBef>
+            </a:pPr>
+            <a:r>
+              <a:rPr lang="en-US" sz="1800" b="1" dirty="0">
+                <a:gradFill>
+                  <a:gsLst>
+                    <a:gs pos="0">
+                      <a:srgbClr val="FFFFFF"/>
+                    </a:gs>
+                    <a:gs pos="100000">
+                      <a:srgbClr val="FFFFFF"/>
+                    </a:gs>
+                  </a:gsLst>
+                  <a:lin ang="5400000" scaled="1"/>
+                </a:gradFill>
+                <a:latin typeface="+mj-lt"/>
+              </a:rPr>
+              <a:t>Predictable Performance</a:t>
+            </a:r>
+          </a:p>
+        </p:txBody>
+      </p:sp>
+      <p:sp>
+        <p:nvSpPr>
+          <p:cNvPr id="16" name="TextBox 15"/>
+          <p:cNvSpPr txBox="1"/>
+          <p:nvPr/>
+        </p:nvSpPr>
+        <p:spPr>
+          <a:xfrm>
+            <a:off x="4089775" y="4110146"/>
+            <a:ext cx="3657600" cy="2215007"/>
+          </a:xfrm>
+          <a:prstGeom prst="rect">
+            <a:avLst/>
+          </a:prstGeom>
+          <a:solidFill>
+            <a:schemeClr val="bg1">
+              <a:lumMod val="95000"/>
+            </a:schemeClr>
+          </a:solidFill>
+        </p:spPr>
+        <p:txBody>
+          <a:bodyPr wrap="square" lIns="91416" tIns="91416" rIns="91416" bIns="91416" rtlCol="0" anchor="t" anchorCtr="0">
+            <a:noAutofit/>
+          </a:bodyPr>
+          <a:lstStyle>
+            <a:defPPr>
+              <a:defRPr lang="en-US"/>
+            </a:defPPr>
+            <a:lvl1pPr defTabSz="913949">
+              <a:lnSpc>
+                <a:spcPct val="125000"/>
+              </a:lnSpc>
+              <a:spcAft>
+                <a:spcPts val="1000"/>
+              </a:spcAft>
+              <a:defRPr sz="1200" kern="0">
+                <a:solidFill>
+                  <a:srgbClr val="505050"/>
+                </a:solidFill>
+              </a:defRPr>
+            </a:lvl1pPr>
+          </a:lstStyle>
+          <a:p>
+            <a:pPr>
+              <a:lnSpc>
+                <a:spcPct val="90000"/>
+              </a:lnSpc>
+            </a:pPr>
+            <a:r>
+              <a:rPr lang="en-US" sz="1800" dirty="0">
+                <a:solidFill>
+                  <a:schemeClr val="tx1"/>
+                </a:solidFill>
+              </a:rPr>
+              <a:t>Fast, predictable performance</a:t>
+            </a:r>
+          </a:p>
+          <a:p>
+            <a:pPr>
+              <a:lnSpc>
+                <a:spcPct val="90000"/>
+              </a:lnSpc>
+            </a:pPr>
+            <a:r>
+              <a:rPr lang="en-US" sz="1800" dirty="0">
+                <a:solidFill>
+                  <a:schemeClr val="tx1"/>
+                </a:solidFill>
+              </a:rPr>
+              <a:t>Tunable </a:t>
+            </a:r>
+            <a:r>
+              <a:rPr lang="en-US" sz="1800" dirty="0" smtClean="0">
+                <a:solidFill>
+                  <a:schemeClr val="tx1"/>
+                </a:solidFill>
+              </a:rPr>
+              <a:t>consistency</a:t>
+            </a:r>
+            <a:endParaRPr lang="en-US" sz="1800" dirty="0">
+              <a:solidFill>
+                <a:schemeClr val="tx1"/>
+              </a:solidFill>
+            </a:endParaRPr>
+          </a:p>
+          <a:p>
+            <a:pPr>
+              <a:lnSpc>
+                <a:spcPct val="90000"/>
+              </a:lnSpc>
+            </a:pPr>
+            <a:r>
+              <a:rPr lang="en-US" sz="1800" dirty="0" smtClean="0">
+                <a:solidFill>
+                  <a:schemeClr val="tx1"/>
+                </a:solidFill>
+              </a:rPr>
+              <a:t>Elastic scale</a:t>
+            </a:r>
+            <a:endParaRPr lang="en-US" sz="1800" dirty="0">
+              <a:solidFill>
+                <a:schemeClr val="tx1"/>
+              </a:solidFill>
+            </a:endParaRPr>
+          </a:p>
+        </p:txBody>
+      </p:sp>
+      <p:sp>
+        <p:nvSpPr>
+          <p:cNvPr id="2" name="Title 1"/>
+          <p:cNvSpPr>
+            <a:spLocks noGrp="1"/>
+          </p:cNvSpPr>
+          <p:nvPr>
+            <p:ph type="title"/>
+          </p:nvPr>
+        </p:nvSpPr>
+        <p:spPr>
+          <a:xfrm>
+            <a:off x="304007" y="317642"/>
+            <a:ext cx="11079822" cy="1325563"/>
+          </a:xfrm>
+        </p:spPr>
+        <p:txBody>
+          <a:bodyPr/>
+          <a:lstStyle/>
+          <a:p>
+            <a:r>
+              <a:rPr lang="en-US" dirty="0" smtClean="0"/>
+              <a:t>DocumentDB</a:t>
+            </a:r>
+            <a:endParaRPr lang="en-US" dirty="0"/>
+          </a:p>
+        </p:txBody>
+      </p:sp>
+      <p:sp>
+        <p:nvSpPr>
+          <p:cNvPr id="12" name="Rectangle 11"/>
+          <p:cNvSpPr/>
+          <p:nvPr/>
+        </p:nvSpPr>
+        <p:spPr>
+          <a:xfrm>
+            <a:off x="361692" y="1450995"/>
+            <a:ext cx="11470935" cy="1461939"/>
+          </a:xfrm>
+          <a:prstGeom prst="rect">
+            <a:avLst/>
+          </a:prstGeom>
+        </p:spPr>
+        <p:txBody>
+          <a:bodyPr wrap="square">
+            <a:spAutoFit/>
+          </a:bodyPr>
+          <a:lstStyle/>
+          <a:p>
+            <a:pPr>
+              <a:spcAft>
+                <a:spcPts val="600"/>
+              </a:spcAft>
+            </a:pPr>
+            <a:r>
+              <a:rPr lang="en-US" sz="2800" dirty="0" smtClean="0">
+                <a:solidFill>
+                  <a:schemeClr val="bg1"/>
+                </a:solidFill>
+                <a:latin typeface="+mj-lt"/>
+                <a:ea typeface="Calibri" panose="020F0502020204030204" pitchFamily="34" charset="0"/>
+                <a:cs typeface="Segoe UI Semibold" panose="020B0702040204020203" pitchFamily="34" charset="0"/>
+              </a:rPr>
+              <a:t>NoSQL </a:t>
+            </a:r>
+            <a:r>
+              <a:rPr lang="en-US" sz="2800" dirty="0">
+                <a:solidFill>
+                  <a:schemeClr val="bg1"/>
+                </a:solidFill>
+                <a:latin typeface="+mj-lt"/>
+                <a:ea typeface="Calibri" panose="020F0502020204030204" pitchFamily="34" charset="0"/>
+                <a:cs typeface="Segoe UI Semibold" panose="020B0702040204020203" pitchFamily="34" charset="0"/>
+              </a:rPr>
+              <a:t>document </a:t>
+            </a:r>
+            <a:r>
+              <a:rPr lang="en-US" sz="2800" dirty="0" smtClean="0">
+                <a:solidFill>
+                  <a:schemeClr val="bg1"/>
+                </a:solidFill>
+                <a:latin typeface="+mj-lt"/>
+                <a:ea typeface="Calibri" panose="020F0502020204030204" pitchFamily="34" charset="0"/>
+                <a:cs typeface="Segoe UI Semibold" panose="020B0702040204020203" pitchFamily="34" charset="0"/>
+              </a:rPr>
+              <a:t>database-as-a-service</a:t>
+            </a:r>
+            <a:endParaRPr lang="en-US" sz="2800" dirty="0">
+              <a:solidFill>
+                <a:schemeClr val="bg1"/>
+              </a:solidFill>
+              <a:latin typeface="+mj-lt"/>
+              <a:ea typeface="Calibri" panose="020F0502020204030204" pitchFamily="34" charset="0"/>
+              <a:cs typeface="Calibri" panose="020F0502020204030204" pitchFamily="34" charset="0"/>
+            </a:endParaRPr>
+          </a:p>
+          <a:p>
+            <a:pPr>
+              <a:spcAft>
+                <a:spcPts val="600"/>
+              </a:spcAft>
+            </a:pPr>
+            <a:r>
+              <a:rPr lang="en-US" sz="2800" dirty="0" smtClean="0">
+                <a:solidFill>
+                  <a:schemeClr val="bg1"/>
+                </a:solidFill>
+                <a:latin typeface="+mj-lt"/>
+              </a:rPr>
+              <a:t>First </a:t>
+            </a:r>
+            <a:r>
+              <a:rPr lang="en-US" sz="2800" dirty="0">
+                <a:solidFill>
+                  <a:schemeClr val="bg1"/>
+                </a:solidFill>
+                <a:latin typeface="+mj-lt"/>
+              </a:rPr>
+              <a:t>of its kind database service to offer native support for JavaScript, SQL query and transactions over </a:t>
+            </a:r>
+            <a:r>
+              <a:rPr lang="en-US" sz="2800" dirty="0" smtClean="0">
+                <a:solidFill>
+                  <a:schemeClr val="bg1"/>
+                </a:solidFill>
+                <a:latin typeface="+mj-lt"/>
+              </a:rPr>
+              <a:t>JSON documents.</a:t>
+            </a:r>
+            <a:endParaRPr lang="en-US" sz="2800" dirty="0">
+              <a:solidFill>
+                <a:schemeClr val="bg1"/>
+              </a:solidFill>
+              <a:latin typeface="+mj-lt"/>
+            </a:endParaRPr>
+          </a:p>
+        </p:txBody>
+      </p:sp>
+      <p:sp>
+        <p:nvSpPr>
+          <p:cNvPr id="14" name="TextBox 13"/>
+          <p:cNvSpPr txBox="1"/>
+          <p:nvPr/>
+        </p:nvSpPr>
+        <p:spPr>
+          <a:xfrm>
+            <a:off x="486275" y="4110147"/>
+            <a:ext cx="3428998" cy="2215007"/>
+          </a:xfrm>
+          <a:prstGeom prst="rect">
+            <a:avLst/>
+          </a:prstGeom>
+          <a:solidFill>
+            <a:schemeClr val="bg1">
+              <a:lumMod val="95000"/>
+            </a:schemeClr>
+          </a:solidFill>
+        </p:spPr>
+        <p:txBody>
+          <a:bodyPr wrap="square" lIns="91416" tIns="91416" rIns="91416" bIns="91416" rtlCol="0" anchor="t" anchorCtr="0">
+            <a:noAutofit/>
+          </a:bodyPr>
+          <a:lstStyle>
+            <a:defPPr>
+              <a:defRPr lang="en-US"/>
+            </a:defPPr>
+            <a:lvl1pPr defTabSz="913949">
+              <a:lnSpc>
+                <a:spcPct val="125000"/>
+              </a:lnSpc>
+              <a:spcAft>
+                <a:spcPts val="1000"/>
+              </a:spcAft>
+              <a:defRPr sz="1200" kern="0">
+                <a:solidFill>
+                  <a:srgbClr val="505050"/>
+                </a:solidFill>
+              </a:defRPr>
+            </a:lvl1pPr>
+          </a:lstStyle>
+          <a:p>
+            <a:pPr>
+              <a:lnSpc>
+                <a:spcPct val="90000"/>
+              </a:lnSpc>
+            </a:pPr>
+            <a:r>
+              <a:rPr lang="en-US" sz="1800" dirty="0">
+                <a:solidFill>
+                  <a:schemeClr val="tx1"/>
+                </a:solidFill>
+              </a:rPr>
+              <a:t>Q</a:t>
+            </a:r>
+            <a:r>
+              <a:rPr lang="en-US" sz="1800" dirty="0" smtClean="0">
+                <a:solidFill>
+                  <a:schemeClr val="tx1"/>
+                </a:solidFill>
+              </a:rPr>
+              <a:t>uery JSON data with no secondary indices</a:t>
+            </a:r>
+            <a:endParaRPr lang="en-US" sz="1800" dirty="0">
+              <a:solidFill>
+                <a:schemeClr val="tx1"/>
+              </a:solidFill>
+            </a:endParaRPr>
+          </a:p>
+          <a:p>
+            <a:pPr>
+              <a:lnSpc>
+                <a:spcPct val="90000"/>
+              </a:lnSpc>
+            </a:pPr>
+            <a:r>
+              <a:rPr lang="en-US" sz="1800" dirty="0">
+                <a:solidFill>
+                  <a:schemeClr val="tx1"/>
+                </a:solidFill>
+              </a:rPr>
+              <a:t>Native </a:t>
+            </a:r>
+            <a:r>
+              <a:rPr lang="en-US" sz="1800" dirty="0" smtClean="0">
+                <a:solidFill>
+                  <a:schemeClr val="tx1"/>
+                </a:solidFill>
+              </a:rPr>
+              <a:t>JavaScript transactional </a:t>
+            </a:r>
+            <a:r>
+              <a:rPr lang="en-US" sz="1800" dirty="0">
+                <a:solidFill>
+                  <a:schemeClr val="tx1"/>
+                </a:solidFill>
+              </a:rPr>
+              <a:t>processing</a:t>
+            </a:r>
+          </a:p>
+          <a:p>
+            <a:pPr>
+              <a:lnSpc>
+                <a:spcPct val="90000"/>
+              </a:lnSpc>
+            </a:pPr>
+            <a:r>
+              <a:rPr lang="en-US" sz="1800" dirty="0" smtClean="0">
+                <a:solidFill>
+                  <a:schemeClr val="tx1"/>
+                </a:solidFill>
+              </a:rPr>
+              <a:t>Familiar SQL-based query language</a:t>
+            </a:r>
+            <a:endParaRPr lang="en-US" sz="1800" dirty="0">
+              <a:solidFill>
+                <a:schemeClr val="tx1"/>
+              </a:solidFill>
+            </a:endParaRPr>
+          </a:p>
+        </p:txBody>
+      </p:sp>
+      <p:sp>
+        <p:nvSpPr>
+          <p:cNvPr id="15" name="TextBox 14"/>
+          <p:cNvSpPr txBox="1"/>
+          <p:nvPr/>
+        </p:nvSpPr>
+        <p:spPr>
+          <a:xfrm>
+            <a:off x="7921877" y="4118504"/>
+            <a:ext cx="3429001" cy="2207468"/>
+          </a:xfrm>
+          <a:prstGeom prst="rect">
+            <a:avLst/>
+          </a:prstGeom>
+          <a:solidFill>
+            <a:schemeClr val="bg1">
+              <a:lumMod val="95000"/>
+            </a:schemeClr>
+          </a:solidFill>
+        </p:spPr>
+        <p:txBody>
+          <a:bodyPr wrap="square" lIns="91416" tIns="91416" rIns="91416" bIns="91416" rtlCol="0" anchor="t" anchorCtr="0">
+            <a:noAutofit/>
+          </a:bodyPr>
+          <a:lstStyle>
+            <a:defPPr>
+              <a:defRPr lang="en-US"/>
+            </a:defPPr>
+            <a:lvl1pPr defTabSz="913949">
+              <a:lnSpc>
+                <a:spcPct val="90000"/>
+              </a:lnSpc>
+              <a:spcAft>
+                <a:spcPts val="1000"/>
+              </a:spcAft>
+              <a:defRPr sz="1400" kern="0">
+                <a:solidFill>
+                  <a:srgbClr val="505050"/>
+                </a:solidFill>
+              </a:defRPr>
+            </a:lvl1pPr>
+          </a:lstStyle>
+          <a:p>
+            <a:r>
+              <a:rPr lang="en-US" sz="1800" dirty="0">
+                <a:solidFill>
+                  <a:schemeClr val="tx1"/>
+                </a:solidFill>
+              </a:rPr>
+              <a:t>Build with familiar </a:t>
+            </a:r>
+            <a:r>
+              <a:rPr lang="en-US" sz="1800" dirty="0" smtClean="0">
+                <a:solidFill>
+                  <a:schemeClr val="tx1"/>
+                </a:solidFill>
+              </a:rPr>
+              <a:t>tools – REST, JSON, JavaScript</a:t>
+            </a:r>
+            <a:endParaRPr lang="en-US" sz="1800" dirty="0">
+              <a:solidFill>
+                <a:schemeClr val="tx1"/>
+              </a:solidFill>
+            </a:endParaRPr>
+          </a:p>
+          <a:p>
+            <a:r>
+              <a:rPr lang="en-US" sz="1800" dirty="0">
+                <a:solidFill>
+                  <a:schemeClr val="tx1"/>
+                </a:solidFill>
+              </a:rPr>
+              <a:t>Easy to start and </a:t>
+            </a:r>
+            <a:r>
+              <a:rPr lang="en-US" sz="1800" dirty="0" smtClean="0">
+                <a:solidFill>
+                  <a:schemeClr val="tx1"/>
+                </a:solidFill>
+              </a:rPr>
+              <a:t>fully-managed</a:t>
+            </a:r>
+            <a:endParaRPr lang="en-US" sz="1800" dirty="0">
+              <a:solidFill>
+                <a:schemeClr val="tx1"/>
+              </a:solidFill>
+            </a:endParaRPr>
+          </a:p>
+          <a:p>
+            <a:r>
+              <a:rPr lang="en-US" sz="1800" dirty="0">
+                <a:solidFill>
+                  <a:schemeClr val="tx1"/>
+                </a:solidFill>
+              </a:rPr>
+              <a:t>Enterprise-grade Azure platform</a:t>
+            </a:r>
+          </a:p>
+        </p:txBody>
+      </p:sp>
+      <p:sp>
+        <p:nvSpPr>
+          <p:cNvPr id="17" name="TextBox 475"/>
+          <p:cNvSpPr txBox="1"/>
+          <p:nvPr/>
+        </p:nvSpPr>
+        <p:spPr>
+          <a:xfrm>
+            <a:off x="486273" y="3245946"/>
+            <a:ext cx="3428996" cy="749613"/>
+          </a:xfrm>
+          <a:prstGeom prst="rect">
+            <a:avLst/>
+          </a:prstGeom>
+          <a:solidFill>
+            <a:schemeClr val="accent1"/>
+          </a:solidFill>
+        </p:spPr>
+        <p:txBody>
+          <a:bodyPr wrap="square" lIns="182832" tIns="182832" rIns="182832" bIns="182832" rtlCol="0" anchor="ctr">
+            <a:noAutofit/>
+          </a:bodyPr>
+          <a:lstStyle/>
+          <a:p>
+            <a:pPr defTabSz="913675">
+              <a:lnSpc>
+                <a:spcPct val="90000"/>
+              </a:lnSpc>
+              <a:defRPr/>
+            </a:pPr>
+            <a:r>
+              <a:rPr lang="en-US" b="1" kern="0" dirty="0">
+                <a:gradFill>
+                  <a:gsLst>
+                    <a:gs pos="0">
+                      <a:srgbClr val="FFFFFF"/>
+                    </a:gs>
+                    <a:gs pos="100000">
+                      <a:srgbClr val="FFFFFF"/>
+                    </a:gs>
+                  </a:gsLst>
+                  <a:lin ang="5400000" scaled="1"/>
+                </a:gradFill>
+                <a:latin typeface="+mj-lt"/>
+                <a:cs typeface="Segoe UI" panose="020B0502040204020203" pitchFamily="34" charset="0"/>
+              </a:rPr>
+              <a:t>Rich </a:t>
+            </a:r>
+            <a:r>
+              <a:rPr lang="en-US" b="1" kern="0" dirty="0" smtClean="0">
+                <a:gradFill>
+                  <a:gsLst>
+                    <a:gs pos="0">
+                      <a:srgbClr val="FFFFFF"/>
+                    </a:gs>
+                    <a:gs pos="100000">
+                      <a:srgbClr val="FFFFFF"/>
+                    </a:gs>
+                  </a:gsLst>
+                  <a:lin ang="5400000" scaled="1"/>
+                </a:gradFill>
+                <a:latin typeface="+mj-lt"/>
+                <a:cs typeface="Segoe UI" panose="020B0502040204020203" pitchFamily="34" charset="0"/>
+              </a:rPr>
+              <a:t>Query </a:t>
+            </a:r>
+            <a:r>
+              <a:rPr lang="en-US" b="1" kern="0" dirty="0">
+                <a:gradFill>
+                  <a:gsLst>
+                    <a:gs pos="0">
+                      <a:srgbClr val="FFFFFF"/>
+                    </a:gs>
+                    <a:gs pos="100000">
+                      <a:srgbClr val="FFFFFF"/>
+                    </a:gs>
+                  </a:gsLst>
+                  <a:lin ang="5400000" scaled="1"/>
+                </a:gradFill>
+                <a:latin typeface="+mj-lt"/>
+                <a:cs typeface="Segoe UI" panose="020B0502040204020203" pitchFamily="34" charset="0"/>
+              </a:rPr>
+              <a:t>and Transactions </a:t>
+            </a:r>
+          </a:p>
+          <a:p>
+            <a:pPr defTabSz="913675">
+              <a:lnSpc>
+                <a:spcPct val="90000"/>
+              </a:lnSpc>
+              <a:defRPr/>
+            </a:pPr>
+            <a:r>
+              <a:rPr lang="en-US" b="1" kern="0" dirty="0">
+                <a:gradFill>
+                  <a:gsLst>
+                    <a:gs pos="0">
+                      <a:srgbClr val="FFFFFF"/>
+                    </a:gs>
+                    <a:gs pos="100000">
+                      <a:srgbClr val="FFFFFF"/>
+                    </a:gs>
+                  </a:gsLst>
+                  <a:lin ang="5400000" scaled="1"/>
+                </a:gradFill>
+                <a:latin typeface="+mj-lt"/>
+                <a:cs typeface="Segoe UI" panose="020B0502040204020203" pitchFamily="34" charset="0"/>
+              </a:rPr>
+              <a:t>over </a:t>
+            </a:r>
+            <a:r>
+              <a:rPr lang="en-US" b="1" kern="0" dirty="0" smtClean="0">
+                <a:gradFill>
+                  <a:gsLst>
+                    <a:gs pos="0">
+                      <a:srgbClr val="FFFFFF"/>
+                    </a:gs>
+                    <a:gs pos="100000">
+                      <a:srgbClr val="FFFFFF"/>
+                    </a:gs>
+                  </a:gsLst>
+                  <a:lin ang="5400000" scaled="1"/>
+                </a:gradFill>
+                <a:latin typeface="+mj-lt"/>
+                <a:cs typeface="Segoe UI" panose="020B0502040204020203" pitchFamily="34" charset="0"/>
+              </a:rPr>
+              <a:t>JSON </a:t>
+            </a:r>
+            <a:r>
+              <a:rPr lang="en-US" b="1" kern="0" dirty="0">
+                <a:gradFill>
+                  <a:gsLst>
+                    <a:gs pos="0">
+                      <a:srgbClr val="FFFFFF"/>
+                    </a:gs>
+                    <a:gs pos="100000">
+                      <a:srgbClr val="FFFFFF"/>
+                    </a:gs>
+                  </a:gsLst>
+                  <a:lin ang="5400000" scaled="1"/>
+                </a:gradFill>
+                <a:latin typeface="+mj-lt"/>
+                <a:cs typeface="Segoe UI" panose="020B0502040204020203" pitchFamily="34" charset="0"/>
+              </a:rPr>
+              <a:t>Data</a:t>
+            </a:r>
+          </a:p>
+        </p:txBody>
+      </p:sp>
+      <p:sp>
+        <p:nvSpPr>
+          <p:cNvPr id="18" name="TextBox 477"/>
+          <p:cNvSpPr txBox="1"/>
+          <p:nvPr/>
+        </p:nvSpPr>
+        <p:spPr>
+          <a:xfrm>
+            <a:off x="7921877" y="3251834"/>
+            <a:ext cx="3429000" cy="752080"/>
+          </a:xfrm>
+          <a:prstGeom prst="rect">
+            <a:avLst/>
+          </a:prstGeom>
+          <a:solidFill>
+            <a:schemeClr val="accent1"/>
+          </a:solidFill>
+        </p:spPr>
+        <p:txBody>
+          <a:bodyPr wrap="square" lIns="182832" tIns="182832" rIns="182832" bIns="182832" rtlCol="0" anchor="ctr">
+            <a:noAutofit/>
+          </a:bodyPr>
+          <a:lstStyle>
+            <a:defPPr>
+              <a:defRPr lang="en-US"/>
+            </a:defPPr>
+            <a:lvl1pPr defTabSz="913949">
+              <a:lnSpc>
+                <a:spcPct val="90000"/>
+              </a:lnSpc>
+              <a:spcBef>
+                <a:spcPts val="600"/>
+              </a:spcBef>
+              <a:defRPr sz="2000" kern="0">
+                <a:solidFill>
+                  <a:srgbClr val="DC3C00"/>
+                </a:solidFill>
+                <a:latin typeface="Segoe UI" panose="020B0502040204020203" pitchFamily="34" charset="0"/>
+                <a:cs typeface="Segoe UI" panose="020B0502040204020203" pitchFamily="34" charset="0"/>
+              </a:defRPr>
+            </a:lvl1pPr>
+          </a:lstStyle>
+          <a:p>
+            <a:pPr>
+              <a:spcBef>
+                <a:spcPts val="0"/>
+              </a:spcBef>
+            </a:pPr>
+            <a:r>
+              <a:rPr lang="en-US" sz="1800" b="1" dirty="0">
+                <a:gradFill>
+                  <a:gsLst>
+                    <a:gs pos="0">
+                      <a:srgbClr val="FFFFFF"/>
+                    </a:gs>
+                    <a:gs pos="100000">
+                      <a:srgbClr val="FFFFFF"/>
+                    </a:gs>
+                  </a:gsLst>
+                  <a:lin ang="5400000" scaled="1"/>
+                </a:gradFill>
+                <a:latin typeface="+mj-lt"/>
+              </a:rPr>
+              <a:t>Rapid Development</a:t>
+            </a:r>
+          </a:p>
+        </p:txBody>
+      </p:sp>
+    </p:spTree>
+    <p:extLst>
+      <p:ext uri="{BB962C8B-B14F-4D97-AF65-F5344CB8AC3E}">
+        <p14:creationId xmlns:p14="http://schemas.microsoft.com/office/powerpoint/2010/main" val="3786419160"/>
+      </p:ext>
+    </p:extLst>
+  </p:cSld>
+  <p:clrMapOvr>
+    <a:masterClrMapping/>
+  </p:clrMapOvr>
+  <mc:AlternateContent xmlns:mc="http://schemas.openxmlformats.org/markup-compatibility/2006">
+    <mc:Choice xmlns:p14="http://schemas.microsoft.com/office/powerpoint/2010/main" Requires="p14">
+      <p:transition p14:dur="0"/>
+    </mc:Choice>
+    <mc:Fallback>
+      <p:transition/>
+    </mc:Fallback>
+  </mc:AlternateContent>
+  <p:timing>
+    <p:tnLst>
+      <p:par>
+        <p:cTn id="1" dur="indefinite" restart="never" nodeType="tmRoot"/>
+      </p:par>
+    </p:tnLst>
+  </p:timing>
+</p:sld>
+</file>
+
+<file path=ppt/slides/slide13.xml><?xml version="1.0" encoding="utf-8"?>
+<p:sld xmlns:a="http://schemas.openxmlformats.org/drawingml/2006/main" xmlns:r="http://schemas.openxmlformats.org/officeDocument/2006/relationships" xmlns:p="http://schemas.openxmlformats.org/presentationml/2006/main">
+  <p:cSld>
+    <p:spTree>
+      <p:nvGrpSpPr>
+        <p:cNvPr id="1" name=""/>
+        <p:cNvGrpSpPr/>
+        <p:nvPr/>
+      </p:nvGrpSpPr>
+      <p:grpSpPr>
+        <a:xfrm>
+          <a:off x="0" y="0"/>
+          <a:ext cx="0" cy="0"/>
+          <a:chOff x="0" y="0"/>
+          <a:chExt cx="0" cy="0"/>
+        </a:xfrm>
+      </p:grpSpPr>
+      <p:sp>
+        <p:nvSpPr>
+          <p:cNvPr id="6" name="Title 5"/>
+          <p:cNvSpPr>
+            <a:spLocks noGrp="1"/>
+          </p:cNvSpPr>
+          <p:nvPr>
             <p:ph type="title"/>
           </p:nvPr>
         </p:nvSpPr>
@@ -17383,7 +20980,7 @@
           <a:p>
             <a:r>
               <a:rPr lang="en-US" dirty="0" smtClean="0"/>
-              <a:t>About NoSQL databases</a:t>
+              <a:t>DocumentDB: A Document Store</a:t>
             </a:r>
             <a:endParaRPr lang="en-US" dirty="0"/>
           </a:p>
@@ -17391,12 +20988,1251 @@
       </p:sp>
       <p:sp>
         <p:nvSpPr>
-          <p:cNvPr id="3" name="Content Placeholder 2"/>
+          <p:cNvPr id="404" name="Rectangle 403"/>
+          <p:cNvSpPr/>
+          <p:nvPr/>
+        </p:nvSpPr>
+        <p:spPr bwMode="auto">
+          <a:xfrm>
+            <a:off x="4318184" y="2227571"/>
+            <a:ext cx="7432425" cy="4261024"/>
+          </a:xfrm>
+          <a:prstGeom prst="rect">
+            <a:avLst/>
+          </a:prstGeom>
+          <a:solidFill>
+            <a:schemeClr val="accent1"/>
+          </a:solidFill>
+          <a:ln>
+            <a:headEnd type="none" w="med" len="med"/>
+            <a:tailEnd type="none" w="med" len="med"/>
+          </a:ln>
+        </p:spPr>
+        <p:style>
+          <a:lnRef idx="3">
+            <a:schemeClr val="lt1"/>
+          </a:lnRef>
+          <a:fillRef idx="1">
+            <a:schemeClr val="accent6"/>
+          </a:fillRef>
+          <a:effectRef idx="1">
+            <a:schemeClr val="accent6"/>
+          </a:effectRef>
+          <a:fontRef idx="minor">
+            <a:schemeClr val="lt1"/>
+          </a:fontRef>
+        </p:style>
+        <p:txBody>
+          <a:bodyPr vert="horz" wrap="square" lIns="121876" tIns="60938" rIns="121876" bIns="60938" numCol="1" rtlCol="0" anchor="ctr" anchorCtr="0" compatLnSpc="1">
+            <a:prstTxWarp prst="textNoShape">
+              <a:avLst/>
+            </a:prstTxWarp>
+          </a:bodyPr>
+          <a:lstStyle/>
+          <a:p>
+            <a:pPr algn="ctr" defTabSz="913886" fontAlgn="base">
+              <a:spcBef>
+                <a:spcPct val="0"/>
+              </a:spcBef>
+              <a:spcAft>
+                <a:spcPct val="0"/>
+              </a:spcAft>
+            </a:pPr>
+            <a:endParaRPr lang="en-US" sz="2300" dirty="0">
+              <a:solidFill>
+                <a:srgbClr val="FFFFFF"/>
+              </a:solidFill>
+              <a:ea typeface="Segoe UI" pitchFamily="34" charset="0"/>
+              <a:cs typeface="Segoe UI" pitchFamily="34" charset="0"/>
+            </a:endParaRPr>
+          </a:p>
+        </p:txBody>
+      </p:sp>
+      <p:sp>
+        <p:nvSpPr>
+          <p:cNvPr id="2" name="TextBox 1"/>
+          <p:cNvSpPr txBox="1"/>
+          <p:nvPr/>
+        </p:nvSpPr>
+        <p:spPr>
+          <a:xfrm>
+            <a:off x="4353509" y="1785458"/>
+            <a:ext cx="7334516" cy="390698"/>
+          </a:xfrm>
+          <a:prstGeom prst="rect">
+            <a:avLst/>
+          </a:prstGeom>
+          <a:noFill/>
+        </p:spPr>
+        <p:txBody>
+          <a:bodyPr wrap="none" lIns="121882" tIns="60940" rIns="121882" bIns="60940" rtlCol="0">
+            <a:noAutofit/>
+          </a:bodyPr>
+          <a:lstStyle/>
+          <a:p>
+            <a:pPr algn="ctr">
+              <a:buClr>
+                <a:srgbClr val="FFFFFF"/>
+              </a:buClr>
+            </a:pPr>
+            <a:r>
+              <a:rPr lang="en-US" dirty="0">
+                <a:solidFill>
+                  <a:schemeClr val="bg2"/>
+                </a:solidFill>
+                <a:cs typeface="Segoe UI" pitchFamily="34" charset="0"/>
+              </a:rPr>
+              <a:t>Collections</a:t>
+            </a:r>
+          </a:p>
+        </p:txBody>
+      </p:sp>
+      <p:sp>
+        <p:nvSpPr>
+          <p:cNvPr id="90" name="TextBox 89"/>
+          <p:cNvSpPr txBox="1"/>
+          <p:nvPr/>
+        </p:nvSpPr>
+        <p:spPr>
+          <a:xfrm>
+            <a:off x="4233550" y="2271817"/>
+            <a:ext cx="3759441" cy="400069"/>
+          </a:xfrm>
+          <a:prstGeom prst="rect">
+            <a:avLst/>
+          </a:prstGeom>
+          <a:noFill/>
+        </p:spPr>
+        <p:txBody>
+          <a:bodyPr wrap="square" lIns="121882" tIns="60940" rIns="121882" bIns="60940" rtlCol="0">
+            <a:spAutoFit/>
+          </a:bodyPr>
+          <a:lstStyle/>
+          <a:p>
+            <a:pPr algn="ctr"/>
+            <a:r>
+              <a:rPr lang="en-US" dirty="0">
+                <a:solidFill>
+                  <a:srgbClr val="FFFFFF"/>
+                </a:solidFill>
+                <a:ea typeface="Segoe UI" pitchFamily="34" charset="0"/>
+                <a:cs typeface="Segoe UI" pitchFamily="34" charset="0"/>
+              </a:rPr>
+              <a:t>Document 1</a:t>
+            </a:r>
+          </a:p>
+        </p:txBody>
+      </p:sp>
+      <p:sp>
+        <p:nvSpPr>
+          <p:cNvPr id="80" name="TextBox 79"/>
+          <p:cNvSpPr txBox="1"/>
+          <p:nvPr/>
+        </p:nvSpPr>
+        <p:spPr>
+          <a:xfrm>
+            <a:off x="8257286" y="2271815"/>
+            <a:ext cx="2984011" cy="400069"/>
+          </a:xfrm>
+          <a:prstGeom prst="rect">
+            <a:avLst/>
+          </a:prstGeom>
+          <a:noFill/>
+        </p:spPr>
+        <p:txBody>
+          <a:bodyPr wrap="square" lIns="121882" tIns="60940" rIns="121882" bIns="60940" rtlCol="0">
+            <a:spAutoFit/>
+          </a:bodyPr>
+          <a:lstStyle/>
+          <a:p>
+            <a:pPr algn="ctr"/>
+            <a:r>
+              <a:rPr lang="en-US" dirty="0">
+                <a:solidFill>
+                  <a:srgbClr val="FFFFFF"/>
+                </a:solidFill>
+                <a:ea typeface="Segoe UI" pitchFamily="34" charset="0"/>
+                <a:cs typeface="Segoe UI" pitchFamily="34" charset="0"/>
+              </a:rPr>
+              <a:t>Document 2</a:t>
+            </a:r>
+          </a:p>
+        </p:txBody>
+      </p:sp>
+      <p:grpSp>
+        <p:nvGrpSpPr>
+          <p:cNvPr id="10" name="Group 9"/>
+          <p:cNvGrpSpPr/>
+          <p:nvPr/>
+        </p:nvGrpSpPr>
+        <p:grpSpPr>
+          <a:xfrm>
+            <a:off x="4282845" y="4357281"/>
+            <a:ext cx="3915487" cy="758875"/>
+            <a:chOff x="4416397" y="4044227"/>
+            <a:chExt cx="3969555" cy="769354"/>
+          </a:xfrm>
+        </p:grpSpPr>
+        <p:sp>
+          <p:nvSpPr>
+            <p:cNvPr id="76" name="Rectangle 75"/>
+            <p:cNvSpPr/>
+            <p:nvPr/>
+          </p:nvSpPr>
+          <p:spPr>
+            <a:xfrm>
+              <a:off x="4446676" y="4474979"/>
+              <a:ext cx="3939276" cy="338602"/>
+            </a:xfrm>
+            <a:prstGeom prst="rect">
+              <a:avLst/>
+            </a:prstGeom>
+          </p:spPr>
+          <p:txBody>
+            <a:bodyPr wrap="square">
+              <a:spAutoFit/>
+            </a:bodyPr>
+            <a:lstStyle/>
+            <a:p>
+              <a:endParaRPr lang="en-US" sz="1600" dirty="0">
+                <a:solidFill>
+                  <a:srgbClr val="FFFFFF"/>
+                </a:solidFill>
+                <a:latin typeface="Courier New" panose="02070309020205020404" pitchFamily="49" charset="0"/>
+                <a:ea typeface="MS Mincho" panose="02020609040205080304" pitchFamily="49" charset="-128"/>
+              </a:endParaRPr>
+            </a:p>
+          </p:txBody>
+        </p:sp>
+        <p:sp>
+          <p:nvSpPr>
+            <p:cNvPr id="81" name="TextBox 80"/>
+            <p:cNvSpPr txBox="1"/>
+            <p:nvPr/>
+          </p:nvSpPr>
+          <p:spPr>
+            <a:xfrm>
+              <a:off x="4416397" y="4044227"/>
+              <a:ext cx="3811351" cy="400126"/>
+            </a:xfrm>
+            <a:prstGeom prst="rect">
+              <a:avLst/>
+            </a:prstGeom>
+            <a:noFill/>
+          </p:spPr>
+          <p:txBody>
+            <a:bodyPr wrap="square" lIns="121882" tIns="60940" rIns="121882" bIns="60940" rtlCol="0">
+              <a:spAutoFit/>
+            </a:bodyPr>
+            <a:lstStyle/>
+            <a:p>
+              <a:pPr algn="ctr"/>
+              <a:r>
+                <a:rPr lang="en-US" dirty="0">
+                  <a:solidFill>
+                    <a:srgbClr val="FFFFFF"/>
+                  </a:solidFill>
+                  <a:ea typeface="Segoe UI" pitchFamily="34" charset="0"/>
+                  <a:cs typeface="Segoe UI" pitchFamily="34" charset="0"/>
+                </a:rPr>
+                <a:t>Document 3</a:t>
+              </a:r>
+            </a:p>
+          </p:txBody>
+        </p:sp>
+      </p:grpSp>
+      <p:sp>
+        <p:nvSpPr>
+          <p:cNvPr id="83" name="TextBox 82"/>
+          <p:cNvSpPr txBox="1"/>
+          <p:nvPr/>
+        </p:nvSpPr>
+        <p:spPr>
+          <a:xfrm>
+            <a:off x="8257287" y="4352306"/>
+            <a:ext cx="2984011" cy="400069"/>
+          </a:xfrm>
+          <a:prstGeom prst="rect">
+            <a:avLst/>
+          </a:prstGeom>
+          <a:noFill/>
+        </p:spPr>
+        <p:txBody>
+          <a:bodyPr wrap="square" lIns="121882" tIns="60940" rIns="121882" bIns="60940" rtlCol="0">
+            <a:spAutoFit/>
+          </a:bodyPr>
+          <a:lstStyle/>
+          <a:p>
+            <a:pPr algn="ctr"/>
+            <a:r>
+              <a:rPr lang="en-US" dirty="0">
+                <a:solidFill>
+                  <a:srgbClr val="FFFFFF"/>
+                </a:solidFill>
+                <a:ea typeface="Segoe UI" pitchFamily="34" charset="0"/>
+                <a:cs typeface="Segoe UI" pitchFamily="34" charset="0"/>
+              </a:rPr>
+              <a:t>Document 4</a:t>
+            </a:r>
+          </a:p>
+        </p:txBody>
+      </p:sp>
+      <p:grpSp>
+        <p:nvGrpSpPr>
+          <p:cNvPr id="5" name="Group 4"/>
+          <p:cNvGrpSpPr/>
+          <p:nvPr/>
+        </p:nvGrpSpPr>
+        <p:grpSpPr>
+          <a:xfrm>
+            <a:off x="4063119" y="1370531"/>
+            <a:ext cx="7925305" cy="5307715"/>
+            <a:chOff x="4060858" y="1244731"/>
+            <a:chExt cx="8034748" cy="5381004"/>
+          </a:xfrm>
+        </p:grpSpPr>
+        <p:sp>
+          <p:nvSpPr>
+            <p:cNvPr id="27" name="TextBox 26"/>
+            <p:cNvSpPr txBox="1"/>
+            <p:nvPr/>
+          </p:nvSpPr>
+          <p:spPr>
+            <a:xfrm>
+              <a:off x="4060858" y="1244731"/>
+              <a:ext cx="8006072" cy="298765"/>
+            </a:xfrm>
+            <a:prstGeom prst="rect">
+              <a:avLst/>
+            </a:prstGeom>
+            <a:noFill/>
+          </p:spPr>
+          <p:txBody>
+            <a:bodyPr wrap="square" rtlCol="0">
+              <a:spAutoFit/>
+            </a:bodyPr>
+            <a:lstStyle/>
+            <a:p>
+              <a:pPr algn="ctr">
+                <a:lnSpc>
+                  <a:spcPts val="1500"/>
+                </a:lnSpc>
+              </a:pPr>
+              <a:r>
+                <a:rPr lang="en-US" sz="2000" dirty="0">
+                  <a:solidFill>
+                    <a:schemeClr val="bg2"/>
+                  </a:solidFill>
+                  <a:ea typeface="Segoe UI" pitchFamily="34" charset="0"/>
+                  <a:cs typeface="Segoe UI" pitchFamily="34" charset="0"/>
+                </a:rPr>
+                <a:t>DocumentDB</a:t>
+              </a:r>
+              <a:endParaRPr lang="en-US" sz="2400" dirty="0">
+                <a:solidFill>
+                  <a:schemeClr val="bg2"/>
+                </a:solidFill>
+                <a:ea typeface="Segoe UI" pitchFamily="34" charset="0"/>
+                <a:cs typeface="Segoe UI" pitchFamily="34" charset="0"/>
+              </a:endParaRPr>
+            </a:p>
+          </p:txBody>
+        </p:sp>
+        <p:sp>
+          <p:nvSpPr>
+            <p:cNvPr id="28" name="Rectangle 27"/>
+            <p:cNvSpPr/>
+            <p:nvPr/>
+          </p:nvSpPr>
+          <p:spPr bwMode="auto">
+            <a:xfrm>
+              <a:off x="4089534" y="1635484"/>
+              <a:ext cx="8006072" cy="4990251"/>
+            </a:xfrm>
+            <a:prstGeom prst="rect">
+              <a:avLst/>
+            </a:prstGeom>
+            <a:noFill/>
+            <a:ln w="19050" cap="flat" cmpd="sng" algn="ctr">
+              <a:solidFill>
+                <a:schemeClr val="tx1"/>
+              </a:solidFill>
+              <a:prstDash val="sysDot"/>
+              <a:round/>
+              <a:headEnd type="none" w="med" len="med"/>
+              <a:tailEnd type="none" w="med" len="med"/>
+            </a:ln>
+            <a:effectLst/>
+          </p:spPr>
+          <p:txBody>
+            <a:bodyPr vert="horz" wrap="none" lIns="91411" tIns="45706" rIns="91411" bIns="45706" numCol="1" rtlCol="0" anchor="ctr" anchorCtr="0" compatLnSpc="1">
+              <a:prstTxWarp prst="textNoShape">
+                <a:avLst/>
+              </a:prstTxWarp>
+              <a:noAutofit/>
+            </a:bodyPr>
+            <a:lstStyle/>
+            <a:p>
+              <a:pPr algn="ctr" defTabSz="685610" fontAlgn="base">
+                <a:spcBef>
+                  <a:spcPct val="0"/>
+                </a:spcBef>
+                <a:spcAft>
+                  <a:spcPct val="0"/>
+                </a:spcAft>
+              </a:pPr>
+              <a:r>
+                <a:rPr lang="en-US" sz="1574" dirty="0">
+                  <a:solidFill>
+                    <a:schemeClr val="accent1"/>
+                  </a:solidFill>
+                  <a:cs typeface="Segoe UI" pitchFamily="34" charset="0"/>
+                </a:rPr>
+                <a:t> </a:t>
+              </a:r>
+            </a:p>
+          </p:txBody>
+        </p:sp>
+      </p:grpSp>
+      <p:sp>
+        <p:nvSpPr>
+          <p:cNvPr id="7" name="TextBox 6"/>
+          <p:cNvSpPr txBox="1"/>
+          <p:nvPr/>
+        </p:nvSpPr>
+        <p:spPr>
+          <a:xfrm>
+            <a:off x="485508" y="4754168"/>
+            <a:ext cx="1694814" cy="572464"/>
+          </a:xfrm>
+          <a:prstGeom prst="rect">
+            <a:avLst/>
+          </a:prstGeom>
+          <a:noFill/>
+        </p:spPr>
+        <p:txBody>
+          <a:bodyPr wrap="square" lIns="182880" tIns="146304" rIns="182880" bIns="146304" rtlCol="0">
+            <a:spAutoFit/>
+          </a:bodyPr>
+          <a:lstStyle/>
+          <a:p>
+            <a:pPr algn="ctr">
+              <a:lnSpc>
+                <a:spcPct val="90000"/>
+              </a:lnSpc>
+              <a:spcAft>
+                <a:spcPts val="600"/>
+              </a:spcAft>
+            </a:pPr>
+            <a:r>
+              <a:rPr lang="en-US" sz="2000" dirty="0" smtClean="0">
+                <a:solidFill>
+                  <a:schemeClr val="bg2"/>
+                </a:solidFill>
+              </a:rPr>
+              <a:t>Application</a:t>
+            </a:r>
+          </a:p>
+        </p:txBody>
+      </p:sp>
+      <p:grpSp>
+        <p:nvGrpSpPr>
+          <p:cNvPr id="21" name="Group 20"/>
+          <p:cNvGrpSpPr/>
+          <p:nvPr/>
+        </p:nvGrpSpPr>
+        <p:grpSpPr>
+          <a:xfrm>
+            <a:off x="1851397" y="3222823"/>
+            <a:ext cx="2366668" cy="651784"/>
+            <a:chOff x="1796763" y="2855216"/>
+            <a:chExt cx="2366668" cy="651784"/>
+          </a:xfrm>
+        </p:grpSpPr>
+        <p:sp>
+          <p:nvSpPr>
+            <p:cNvPr id="44" name="TextBox 43"/>
+            <p:cNvSpPr txBox="1"/>
+            <p:nvPr/>
+          </p:nvSpPr>
+          <p:spPr>
+            <a:xfrm>
+              <a:off x="1796763" y="2855216"/>
+              <a:ext cx="2366668" cy="572464"/>
+            </a:xfrm>
+            <a:prstGeom prst="rect">
+              <a:avLst/>
+            </a:prstGeom>
+            <a:noFill/>
+          </p:spPr>
+          <p:txBody>
+            <a:bodyPr wrap="square" lIns="182880" tIns="146304" rIns="182880" bIns="146304" rtlCol="0">
+              <a:spAutoFit/>
+            </a:bodyPr>
+            <a:lstStyle/>
+            <a:p>
+              <a:pPr algn="ctr">
+                <a:lnSpc>
+                  <a:spcPct val="90000"/>
+                </a:lnSpc>
+              </a:pPr>
+              <a:r>
+                <a:rPr lang="en-US" sz="2000" dirty="0" smtClean="0">
+                  <a:solidFill>
+                    <a:schemeClr val="bg2"/>
+                  </a:solidFill>
+                </a:rPr>
+                <a:t>SQL query</a:t>
+              </a:r>
+            </a:p>
+          </p:txBody>
+        </p:sp>
+        <p:cxnSp>
+          <p:nvCxnSpPr>
+            <p:cNvPr id="20" name="Straight Arrow Connector 19"/>
+            <p:cNvCxnSpPr/>
+            <p:nvPr/>
+          </p:nvCxnSpPr>
+          <p:spPr>
+            <a:xfrm>
+              <a:off x="2333671" y="3507000"/>
+              <a:ext cx="1502861" cy="0"/>
+            </a:xfrm>
+            <a:prstGeom prst="straightConnector1">
+              <a:avLst/>
+            </a:prstGeom>
+            <a:ln w="98425">
+              <a:solidFill>
+                <a:schemeClr val="accent1"/>
+              </a:solidFill>
+              <a:headEnd type="none"/>
+              <a:tailEnd type="triangle"/>
+            </a:ln>
+          </p:spPr>
+          <p:style>
+            <a:lnRef idx="1">
+              <a:schemeClr val="accent1"/>
+            </a:lnRef>
+            <a:fillRef idx="0">
+              <a:schemeClr val="accent1"/>
+            </a:fillRef>
+            <a:effectRef idx="0">
+              <a:schemeClr val="accent1"/>
+            </a:effectRef>
+            <a:fontRef idx="minor">
+              <a:schemeClr val="tx1"/>
+            </a:fontRef>
+          </p:style>
+        </p:cxnSp>
+      </p:grpSp>
+      <p:cxnSp>
+        <p:nvCxnSpPr>
+          <p:cNvPr id="48" name="Straight Arrow Connector 47"/>
+          <p:cNvCxnSpPr/>
+          <p:nvPr/>
+        </p:nvCxnSpPr>
+        <p:spPr>
+          <a:xfrm>
+            <a:off x="2323082" y="4363042"/>
+            <a:ext cx="1502861" cy="0"/>
+          </a:xfrm>
+          <a:prstGeom prst="straightConnector1">
+            <a:avLst/>
+          </a:prstGeom>
+          <a:ln w="98425">
+            <a:solidFill>
+              <a:schemeClr val="accent1"/>
+            </a:solidFill>
+            <a:headEnd type="triangle"/>
+            <a:tailEnd type="none"/>
+          </a:ln>
+        </p:spPr>
+        <p:style>
+          <a:lnRef idx="1">
+            <a:schemeClr val="accent1"/>
+          </a:lnRef>
+          <a:fillRef idx="0">
+            <a:schemeClr val="accent1"/>
+          </a:fillRef>
+          <a:effectRef idx="0">
+            <a:schemeClr val="accent1"/>
+          </a:effectRef>
+          <a:fontRef idx="minor">
+            <a:schemeClr val="tx1"/>
+          </a:fontRef>
+        </p:style>
+      </p:cxnSp>
+      <p:sp>
+        <p:nvSpPr>
+          <p:cNvPr id="39" name="TextBox 38"/>
+          <p:cNvSpPr txBox="1"/>
+          <p:nvPr/>
+        </p:nvSpPr>
+        <p:spPr>
+          <a:xfrm>
+            <a:off x="4501078" y="2690089"/>
+            <a:ext cx="3450007" cy="1572631"/>
+          </a:xfrm>
+          <a:prstGeom prst="rect">
+            <a:avLst/>
+          </a:prstGeom>
+          <a:solidFill>
+            <a:schemeClr val="bg1"/>
+          </a:solidFill>
+          <a:ln w="12700">
+            <a:solidFill>
+              <a:schemeClr val="accent1"/>
+            </a:solidFill>
+          </a:ln>
+        </p:spPr>
+        <p:txBody>
+          <a:bodyPr wrap="square" lIns="182880" tIns="146304" rIns="182880" bIns="146304" rtlCol="0">
+            <a:noAutofit/>
+          </a:bodyPr>
+          <a:lstStyle/>
+          <a:p>
+            <a:pPr defTabSz="274320"/>
+            <a:r>
+              <a:rPr lang="en-US" sz="1400" dirty="0">
+                <a:solidFill>
+                  <a:schemeClr val="accent1"/>
+                </a:solidFill>
+                <a:latin typeface="Consolas" panose="020B0609020204030204" pitchFamily="49" charset="0"/>
+                <a:cs typeface="Consolas" panose="020B0609020204030204" pitchFamily="49" charset="0"/>
+              </a:rPr>
+              <a:t>{</a:t>
+            </a:r>
+          </a:p>
+          <a:p>
+            <a:pPr defTabSz="274320"/>
+            <a:r>
+              <a:rPr lang="en-US" sz="1400" dirty="0">
+                <a:solidFill>
+                  <a:schemeClr val="accent1"/>
+                </a:solidFill>
+                <a:latin typeface="Consolas" panose="020B0609020204030204" pitchFamily="49" charset="0"/>
+                <a:cs typeface="Consolas" panose="020B0609020204030204" pitchFamily="49" charset="0"/>
+              </a:rPr>
+              <a:t>  "name": "John",</a:t>
+            </a:r>
+          </a:p>
+          <a:p>
+            <a:pPr defTabSz="274320"/>
+            <a:r>
+              <a:rPr lang="en-US" sz="1400" dirty="0">
+                <a:solidFill>
+                  <a:schemeClr val="accent1"/>
+                </a:solidFill>
+                <a:latin typeface="Consolas" panose="020B0609020204030204" pitchFamily="49" charset="0"/>
+                <a:cs typeface="Consolas" panose="020B0609020204030204" pitchFamily="49" charset="0"/>
+              </a:rPr>
+              <a:t>  "country": "Canada",</a:t>
+            </a:r>
+          </a:p>
+          <a:p>
+            <a:pPr defTabSz="274320"/>
+            <a:r>
+              <a:rPr lang="en-US" sz="1400" dirty="0">
+                <a:solidFill>
+                  <a:schemeClr val="accent1"/>
+                </a:solidFill>
+                <a:latin typeface="Consolas" panose="020B0609020204030204" pitchFamily="49" charset="0"/>
+                <a:cs typeface="Consolas" panose="020B0609020204030204" pitchFamily="49" charset="0"/>
+              </a:rPr>
+              <a:t>  "age": 43,</a:t>
+            </a:r>
+          </a:p>
+          <a:p>
+            <a:pPr defTabSz="274320"/>
+            <a:r>
+              <a:rPr lang="en-US" sz="1400" dirty="0">
+                <a:solidFill>
+                  <a:schemeClr val="accent1"/>
+                </a:solidFill>
+                <a:latin typeface="Consolas" panose="020B0609020204030204" pitchFamily="49" charset="0"/>
+                <a:cs typeface="Consolas" panose="020B0609020204030204" pitchFamily="49" charset="0"/>
+              </a:rPr>
+              <a:t>  "lastUse": "March 4, 2014"</a:t>
+            </a:r>
+          </a:p>
+          <a:p>
+            <a:pPr defTabSz="274320"/>
+            <a:r>
+              <a:rPr lang="en-US" sz="1400" dirty="0" smtClean="0">
+                <a:solidFill>
+                  <a:schemeClr val="accent1"/>
+                </a:solidFill>
+                <a:latin typeface="Consolas" panose="020B0609020204030204" pitchFamily="49" charset="0"/>
+                <a:cs typeface="Consolas" panose="020B0609020204030204" pitchFamily="49" charset="0"/>
+              </a:rPr>
+              <a:t>}</a:t>
+            </a:r>
+            <a:endParaRPr lang="en-US" sz="1400" dirty="0">
+              <a:solidFill>
+                <a:schemeClr val="accent1"/>
+              </a:solidFill>
+              <a:latin typeface="Consolas" panose="020B0609020204030204" pitchFamily="49" charset="0"/>
+              <a:cs typeface="Consolas" panose="020B0609020204030204" pitchFamily="49" charset="0"/>
+            </a:endParaRPr>
+          </a:p>
+        </p:txBody>
+      </p:sp>
+      <p:sp>
+        <p:nvSpPr>
+          <p:cNvPr id="40" name="TextBox 39"/>
+          <p:cNvSpPr txBox="1"/>
+          <p:nvPr/>
+        </p:nvSpPr>
+        <p:spPr>
+          <a:xfrm>
+            <a:off x="4498838" y="4793310"/>
+            <a:ext cx="3450007" cy="1572631"/>
+          </a:xfrm>
+          <a:prstGeom prst="rect">
+            <a:avLst/>
+          </a:prstGeom>
+          <a:solidFill>
+            <a:schemeClr val="bg1"/>
+          </a:solidFill>
+          <a:ln w="12700">
+            <a:solidFill>
+              <a:schemeClr val="accent1"/>
+            </a:solidFill>
+          </a:ln>
+        </p:spPr>
+        <p:txBody>
+          <a:bodyPr wrap="square" lIns="182880" tIns="146304" rIns="182880" bIns="146304" rtlCol="0">
+            <a:noAutofit/>
+          </a:bodyPr>
+          <a:lstStyle/>
+          <a:p>
+            <a:pPr defTabSz="274320"/>
+            <a:r>
+              <a:rPr lang="en-US" sz="1400" dirty="0" smtClean="0">
+                <a:solidFill>
+                  <a:schemeClr val="accent1"/>
+                </a:solidFill>
+                <a:latin typeface="Consolas" panose="020B0609020204030204" pitchFamily="49" charset="0"/>
+                <a:cs typeface="Consolas" panose="020B0609020204030204" pitchFamily="49" charset="0"/>
+              </a:rPr>
+              <a:t>{</a:t>
+            </a:r>
+          </a:p>
+          <a:p>
+            <a:pPr defTabSz="274320"/>
+            <a:r>
+              <a:rPr lang="en-US" sz="1400" dirty="0" smtClean="0">
+                <a:solidFill>
+                  <a:schemeClr val="accent1"/>
+                </a:solidFill>
+                <a:latin typeface="Consolas" panose="020B0609020204030204" pitchFamily="49" charset="0"/>
+                <a:cs typeface="Consolas" panose="020B0609020204030204" pitchFamily="49" charset="0"/>
+              </a:rPr>
+              <a:t>  "name": "Lou",</a:t>
+            </a:r>
+          </a:p>
+          <a:p>
+            <a:pPr defTabSz="274320"/>
+            <a:r>
+              <a:rPr lang="en-US" sz="1400" dirty="0" smtClean="0">
+                <a:solidFill>
+                  <a:schemeClr val="accent1"/>
+                </a:solidFill>
+                <a:latin typeface="Consolas" panose="020B0609020204030204" pitchFamily="49" charset="0"/>
+                <a:cs typeface="Consolas" panose="020B0609020204030204" pitchFamily="49" charset="0"/>
+              </a:rPr>
+              <a:t>  "country": "Australia",</a:t>
+            </a:r>
+          </a:p>
+          <a:p>
+            <a:pPr defTabSz="274320"/>
+            <a:r>
+              <a:rPr lang="en-US" sz="1400" dirty="0" smtClean="0">
+                <a:solidFill>
+                  <a:schemeClr val="accent1"/>
+                </a:solidFill>
+                <a:latin typeface="Consolas" panose="020B0609020204030204" pitchFamily="49" charset="0"/>
+                <a:cs typeface="Consolas" panose="020B0609020204030204" pitchFamily="49" charset="0"/>
+              </a:rPr>
+              <a:t>  "age": 51,</a:t>
+            </a:r>
+          </a:p>
+          <a:p>
+            <a:pPr defTabSz="274320"/>
+            <a:r>
+              <a:rPr lang="en-US" sz="1400" dirty="0" smtClean="0">
+                <a:solidFill>
+                  <a:schemeClr val="accent1"/>
+                </a:solidFill>
+                <a:latin typeface="Consolas" panose="020B0609020204030204" pitchFamily="49" charset="0"/>
+                <a:cs typeface="Consolas" panose="020B0609020204030204" pitchFamily="49" charset="0"/>
+              </a:rPr>
+              <a:t>  "firstUse": "May 8, 2013"</a:t>
+            </a:r>
+          </a:p>
+          <a:p>
+            <a:pPr defTabSz="274320"/>
+            <a:r>
+              <a:rPr lang="en-US" sz="1400" dirty="0" smtClean="0">
+                <a:solidFill>
+                  <a:schemeClr val="accent1"/>
+                </a:solidFill>
+                <a:latin typeface="Consolas" panose="020B0609020204030204" pitchFamily="49" charset="0"/>
+                <a:cs typeface="Consolas" panose="020B0609020204030204" pitchFamily="49" charset="0"/>
+              </a:rPr>
+              <a:t>}</a:t>
+            </a:r>
+            <a:endParaRPr lang="en-US" sz="1400" dirty="0">
+              <a:solidFill>
+                <a:schemeClr val="accent1"/>
+              </a:solidFill>
+              <a:latin typeface="Consolas" panose="020B0609020204030204" pitchFamily="49" charset="0"/>
+              <a:cs typeface="Consolas" panose="020B0609020204030204" pitchFamily="49" charset="0"/>
+            </a:endParaRPr>
+          </a:p>
+        </p:txBody>
+      </p:sp>
+      <p:sp>
+        <p:nvSpPr>
+          <p:cNvPr id="42" name="TextBox 41"/>
+          <p:cNvSpPr txBox="1"/>
+          <p:nvPr/>
+        </p:nvSpPr>
+        <p:spPr>
+          <a:xfrm>
+            <a:off x="8081968" y="4788900"/>
+            <a:ext cx="3450007" cy="1572631"/>
+          </a:xfrm>
+          <a:prstGeom prst="rect">
+            <a:avLst/>
+          </a:prstGeom>
+          <a:solidFill>
+            <a:schemeClr val="bg1"/>
+          </a:solidFill>
+          <a:ln w="12700">
+            <a:solidFill>
+              <a:schemeClr val="accent1"/>
+            </a:solidFill>
+          </a:ln>
+        </p:spPr>
+        <p:txBody>
+          <a:bodyPr wrap="square" lIns="182880" tIns="146304" rIns="182880" bIns="146304" rtlCol="0">
+            <a:noAutofit/>
+          </a:bodyPr>
+          <a:lstStyle/>
+          <a:p>
+            <a:pPr defTabSz="274320"/>
+            <a:r>
+              <a:rPr lang="en-US" sz="1400" dirty="0">
+                <a:solidFill>
+                  <a:schemeClr val="accent1"/>
+                </a:solidFill>
+                <a:latin typeface="Consolas" panose="020B0609020204030204" pitchFamily="49" charset="0"/>
+                <a:cs typeface="Consolas" panose="020B0609020204030204" pitchFamily="49" charset="0"/>
+              </a:rPr>
+              <a:t>{</a:t>
+            </a:r>
+          </a:p>
+          <a:p>
+            <a:pPr defTabSz="274320"/>
+            <a:r>
+              <a:rPr lang="en-US" sz="1400" dirty="0">
+                <a:solidFill>
+                  <a:schemeClr val="accent1"/>
+                </a:solidFill>
+                <a:latin typeface="Consolas" panose="020B0609020204030204" pitchFamily="49" charset="0"/>
+                <a:cs typeface="Consolas" panose="020B0609020204030204" pitchFamily="49" charset="0"/>
+              </a:rPr>
+              <a:t> "docCount": 3,</a:t>
+            </a:r>
+          </a:p>
+          <a:p>
+            <a:pPr defTabSz="274320"/>
+            <a:r>
+              <a:rPr lang="en-US" sz="1400" dirty="0">
+                <a:solidFill>
+                  <a:schemeClr val="accent1"/>
+                </a:solidFill>
+                <a:latin typeface="Consolas" panose="020B0609020204030204" pitchFamily="49" charset="0"/>
+                <a:cs typeface="Consolas" panose="020B0609020204030204" pitchFamily="49" charset="0"/>
+              </a:rPr>
+              <a:t> "last": "May 1, 2014"</a:t>
+            </a:r>
+          </a:p>
+          <a:p>
+            <a:pPr defTabSz="274320"/>
+            <a:r>
+              <a:rPr lang="en-US" sz="1400" dirty="0">
+                <a:solidFill>
+                  <a:schemeClr val="accent1"/>
+                </a:solidFill>
+                <a:latin typeface="Consolas" panose="020B0609020204030204" pitchFamily="49" charset="0"/>
+                <a:cs typeface="Consolas" panose="020B0609020204030204" pitchFamily="49" charset="0"/>
+              </a:rPr>
+              <a:t>}</a:t>
+            </a:r>
+          </a:p>
+        </p:txBody>
+      </p:sp>
+      <p:sp>
+        <p:nvSpPr>
+          <p:cNvPr id="43" name="TextBox 42"/>
+          <p:cNvSpPr txBox="1"/>
+          <p:nvPr/>
+        </p:nvSpPr>
+        <p:spPr>
+          <a:xfrm>
+            <a:off x="8100104" y="2683355"/>
+            <a:ext cx="3450007" cy="1572631"/>
+          </a:xfrm>
+          <a:prstGeom prst="rect">
+            <a:avLst/>
+          </a:prstGeom>
+          <a:solidFill>
+            <a:schemeClr val="bg1"/>
+          </a:solidFill>
+          <a:ln w="12700">
+            <a:solidFill>
+              <a:schemeClr val="accent1"/>
+            </a:solidFill>
+          </a:ln>
+        </p:spPr>
+        <p:txBody>
+          <a:bodyPr wrap="square" lIns="182880" tIns="146304" rIns="182880" bIns="146304" rtlCol="0">
+            <a:noAutofit/>
+          </a:bodyPr>
+          <a:lstStyle/>
+          <a:p>
+            <a:pPr defTabSz="274320"/>
+            <a:r>
+              <a:rPr lang="en-US" sz="1400" dirty="0">
+                <a:solidFill>
+                  <a:schemeClr val="accent1"/>
+                </a:solidFill>
+                <a:latin typeface="Consolas" panose="020B0609020204030204" pitchFamily="49" charset="0"/>
+                <a:cs typeface="Consolas" panose="020B0609020204030204" pitchFamily="49" charset="0"/>
+              </a:rPr>
+              <a:t>{</a:t>
+            </a:r>
+          </a:p>
+          <a:p>
+            <a:pPr defTabSz="274320"/>
+            <a:r>
+              <a:rPr lang="en-US" sz="1400" dirty="0">
+                <a:solidFill>
+                  <a:schemeClr val="accent1"/>
+                </a:solidFill>
+                <a:latin typeface="Consolas" panose="020B0609020204030204" pitchFamily="49" charset="0"/>
+                <a:cs typeface="Consolas" panose="020B0609020204030204" pitchFamily="49" charset="0"/>
+              </a:rPr>
+              <a:t>  "name": "Eva",</a:t>
+            </a:r>
+          </a:p>
+          <a:p>
+            <a:pPr defTabSz="274320"/>
+            <a:r>
+              <a:rPr lang="en-US" sz="1400" dirty="0">
+                <a:solidFill>
+                  <a:schemeClr val="accent1"/>
+                </a:solidFill>
+                <a:latin typeface="Consolas" panose="020B0609020204030204" pitchFamily="49" charset="0"/>
+                <a:cs typeface="Consolas" panose="020B0609020204030204" pitchFamily="49" charset="0"/>
+              </a:rPr>
+              <a:t>  "country": "Germany",</a:t>
+            </a:r>
+          </a:p>
+          <a:p>
+            <a:pPr defTabSz="274320"/>
+            <a:r>
+              <a:rPr lang="en-US" sz="1400" dirty="0">
+                <a:solidFill>
+                  <a:schemeClr val="accent1"/>
+                </a:solidFill>
+                <a:latin typeface="Consolas" panose="020B0609020204030204" pitchFamily="49" charset="0"/>
+                <a:cs typeface="Consolas" panose="020B0609020204030204" pitchFamily="49" charset="0"/>
+              </a:rPr>
+              <a:t>  "age": 25</a:t>
+            </a:r>
+          </a:p>
+          <a:p>
+            <a:pPr defTabSz="274320"/>
+            <a:r>
+              <a:rPr lang="en-US" sz="1400" dirty="0">
+                <a:solidFill>
+                  <a:schemeClr val="accent1"/>
+                </a:solidFill>
+                <a:latin typeface="Consolas" panose="020B0609020204030204" pitchFamily="49" charset="0"/>
+                <a:cs typeface="Consolas" panose="020B0609020204030204" pitchFamily="49" charset="0"/>
+              </a:rPr>
+              <a:t>}</a:t>
+            </a:r>
+          </a:p>
+        </p:txBody>
+      </p:sp>
+      <p:grpSp>
+        <p:nvGrpSpPr>
+          <p:cNvPr id="33" name="Group 32"/>
+          <p:cNvGrpSpPr/>
+          <p:nvPr/>
+        </p:nvGrpSpPr>
+        <p:grpSpPr>
+          <a:xfrm>
+            <a:off x="2710872" y="4499453"/>
+            <a:ext cx="880566" cy="880566"/>
+            <a:chOff x="505062" y="2945619"/>
+            <a:chExt cx="1032734" cy="1032734"/>
+          </a:xfrm>
+        </p:grpSpPr>
+        <p:sp>
+          <p:nvSpPr>
+            <p:cNvPr id="34" name="Rectangle 33"/>
+            <p:cNvSpPr/>
+            <p:nvPr/>
+          </p:nvSpPr>
+          <p:spPr bwMode="auto">
+            <a:xfrm>
+              <a:off x="505062" y="2945619"/>
+              <a:ext cx="1032734" cy="1032734"/>
+            </a:xfrm>
+            <a:prstGeom prst="rect">
+              <a:avLst/>
+            </a:prstGeom>
+            <a:noFill/>
+            <a:ln>
+              <a:noFill/>
+              <a:headEnd type="none" w="med" len="med"/>
+              <a:tailEnd type="none" w="med" len="med"/>
+            </a:ln>
+            <a:effectLst/>
+          </p:spPr>
+          <p:style>
+            <a:lnRef idx="1">
+              <a:schemeClr val="accent2"/>
+            </a:lnRef>
+            <a:fillRef idx="3">
+              <a:schemeClr val="accent2"/>
+            </a:fillRef>
+            <a:effectRef idx="2">
+              <a:schemeClr val="accent2"/>
+            </a:effectRef>
+            <a:fontRef idx="minor">
+              <a:schemeClr val="lt1"/>
+            </a:fontRef>
+          </p:style>
+          <p:txBody>
+            <a:bodyPr rot="0" spcFirstLastPara="0" vertOverflow="overflow" horzOverflow="overflow" vert="horz" wrap="square" lIns="182880" tIns="146304" rIns="182880" bIns="146304" numCol="1" spcCol="0" rtlCol="0" fromWordArt="0" anchor="ctr" anchorCtr="0" forceAA="0" compatLnSpc="1">
+              <a:prstTxWarp prst="textNoShape">
+                <a:avLst/>
+              </a:prstTxWarp>
+              <a:noAutofit/>
+            </a:bodyPr>
+            <a:lstStyle/>
+            <a:p>
+              <a:pPr algn="ctr" defTabSz="932472" fontAlgn="base">
+                <a:lnSpc>
+                  <a:spcPct val="90000"/>
+                </a:lnSpc>
+                <a:spcBef>
+                  <a:spcPct val="0"/>
+                </a:spcBef>
+                <a:spcAft>
+                  <a:spcPct val="0"/>
+                </a:spcAft>
+              </a:pPr>
+              <a:r>
+                <a:rPr lang="en-US" sz="1600" dirty="0" smtClean="0">
+                  <a:solidFill>
+                    <a:schemeClr val="bg2"/>
+                  </a:solidFill>
+                  <a:latin typeface="+mj-lt"/>
+                  <a:ea typeface="Segoe UI" pitchFamily="34" charset="0"/>
+                  <a:cs typeface="Segoe UI" pitchFamily="34" charset="0"/>
+                </a:rPr>
+                <a:t>JSON</a:t>
+              </a:r>
+            </a:p>
+          </p:txBody>
+        </p:sp>
+        <p:pic>
+          <p:nvPicPr>
+            <p:cNvPr id="35" name="Picture 34"/>
+            <p:cNvPicPr>
+              <a:picLocks noChangeAspect="1"/>
+            </p:cNvPicPr>
+            <p:nvPr/>
+          </p:nvPicPr>
+          <p:blipFill>
+            <a:blip r:embed="rId3">
+              <a:duotone>
+                <a:schemeClr val="accent1">
+                  <a:shade val="45000"/>
+                  <a:satMod val="135000"/>
+                </a:schemeClr>
+                <a:prstClr val="white"/>
+              </a:duotone>
+            </a:blip>
+            <a:stretch>
+              <a:fillRect/>
+            </a:stretch>
+          </p:blipFill>
+          <p:spPr>
+            <a:xfrm>
+              <a:off x="598502" y="2978641"/>
+              <a:ext cx="845855" cy="966691"/>
+            </a:xfrm>
+            <a:prstGeom prst="rect">
+              <a:avLst/>
+            </a:prstGeom>
+          </p:spPr>
+        </p:pic>
+      </p:grpSp>
+      <p:pic>
+        <p:nvPicPr>
+          <p:cNvPr id="3" name="Picture 2"/>
+          <p:cNvPicPr>
+            <a:picLocks noChangeAspect="1"/>
+          </p:cNvPicPr>
+          <p:nvPr/>
+        </p:nvPicPr>
+        <p:blipFill>
+          <a:blip r:embed="rId4">
+            <a:duotone>
+              <a:schemeClr val="accent1">
+                <a:shade val="45000"/>
+                <a:satMod val="135000"/>
+              </a:schemeClr>
+              <a:prstClr val="white"/>
+            </a:duotone>
+          </a:blip>
+          <a:stretch>
+            <a:fillRect/>
+          </a:stretch>
+        </p:blipFill>
+        <p:spPr>
+          <a:xfrm>
+            <a:off x="625338" y="3743972"/>
+            <a:ext cx="1415385" cy="1010196"/>
+          </a:xfrm>
+          <a:prstGeom prst="rect">
+            <a:avLst/>
+          </a:prstGeom>
+        </p:spPr>
+      </p:pic>
+    </p:spTree>
+    <p:extLst>
+      <p:ext uri="{BB962C8B-B14F-4D97-AF65-F5344CB8AC3E}">
+        <p14:creationId xmlns:p14="http://schemas.microsoft.com/office/powerpoint/2010/main" val="3567410348"/>
+      </p:ext>
+    </p:extLst>
+  </p:cSld>
+  <p:clrMapOvr>
+    <a:masterClrMapping/>
+  </p:clrMapOvr>
+  <mc:AlternateContent xmlns:mc="http://schemas.openxmlformats.org/markup-compatibility/2006">
+    <mc:Choice xmlns:p14="http://schemas.microsoft.com/office/powerpoint/2010/main" Requires="p14">
+      <p:transition p14:dur="0"/>
+    </mc:Choice>
+    <mc:Fallback>
+      <p:transition/>
+    </mc:Fallback>
+  </mc:AlternateContent>
+  <p:timing>
+    <p:tnLst>
+      <p:par>
+        <p:cTn id="1" dur="indefinite" restart="never" nodeType="tmRoot"/>
+      </p:par>
+    </p:tnLst>
+  </p:timing>
+</p:sld>
+</file>
+
+<file path=ppt/slides/slide14.xml><?xml version="1.0" encoding="utf-8"?>
+<p:sld xmlns:a="http://schemas.openxmlformats.org/drawingml/2006/main" xmlns:r="http://schemas.openxmlformats.org/officeDocument/2006/relationships" xmlns:p="http://schemas.openxmlformats.org/presentationml/2006/main">
+  <p:cSld>
+    <p:bg>
+      <p:bgPr>
+        <a:solidFill>
+          <a:srgbClr val="3074A9"/>
+        </a:solidFill>
+        <a:effectLst/>
+      </p:bgPr>
+    </p:bg>
+    <p:spTree>
+      <p:nvGrpSpPr>
+        <p:cNvPr id="1" name=""/>
+        <p:cNvGrpSpPr/>
+        <p:nvPr/>
+      </p:nvGrpSpPr>
+      <p:grpSpPr>
+        <a:xfrm>
+          <a:off x="0" y="0"/>
+          <a:ext cx="0" cy="0"/>
+          <a:chOff x="0" y="0"/>
+          <a:chExt cx="0" cy="0"/>
+        </a:xfrm>
+      </p:grpSpPr>
+      <p:pic>
+        <p:nvPicPr>
+          <p:cNvPr id="5" name="Picture 4"/>
+          <p:cNvPicPr>
+            <a:picLocks noChangeAspect="1"/>
+          </p:cNvPicPr>
+          <p:nvPr/>
+        </p:nvPicPr>
+        <p:blipFill>
+          <a:blip r:embed="rId2"/>
+          <a:stretch>
+            <a:fillRect/>
+          </a:stretch>
+        </p:blipFill>
+        <p:spPr>
+          <a:xfrm>
+            <a:off x="205178" y="84841"/>
+            <a:ext cx="11795144" cy="6664850"/>
+          </a:xfrm>
+          <a:prstGeom prst="rect">
+            <a:avLst/>
+          </a:prstGeom>
+        </p:spPr>
+      </p:pic>
+    </p:spTree>
+    <p:extLst>
+      <p:ext uri="{BB962C8B-B14F-4D97-AF65-F5344CB8AC3E}">
+        <p14:creationId xmlns:p14="http://schemas.microsoft.com/office/powerpoint/2010/main" val="885198138"/>
+      </p:ext>
+    </p:extLst>
+  </p:cSld>
+  <p:clrMapOvr>
+    <a:masterClrMapping/>
+  </p:clrMapOvr>
+</p:sld>
+</file>
+
+<file path=ppt/slides/slide15.xml><?xml version="1.0" encoding="utf-8"?>
+<p:sld xmlns:a="http://schemas.openxmlformats.org/drawingml/2006/main" xmlns:r="http://schemas.openxmlformats.org/officeDocument/2006/relationships" xmlns:p="http://schemas.openxmlformats.org/presentationml/2006/main">
+  <p:cSld>
+    <p:spTree>
+      <p:nvGrpSpPr>
+        <p:cNvPr id="1" name=""/>
+        <p:cNvGrpSpPr/>
+        <p:nvPr/>
+      </p:nvGrpSpPr>
+      <p:grpSpPr>
+        <a:xfrm>
+          <a:off x="0" y="0"/>
+          <a:ext cx="0" cy="0"/>
+          <a:chOff x="0" y="0"/>
+          <a:chExt cx="0" cy="0"/>
+        </a:xfrm>
+      </p:grpSpPr>
+      <p:sp>
+        <p:nvSpPr>
+          <p:cNvPr id="3" name="Subtitle 2"/>
           <p:cNvSpPr>
             <a:spLocks noGrp="1"/>
           </p:cNvSpPr>
           <p:nvPr>
-            <p:ph idx="1"/>
+            <p:ph type="subTitle" idx="1"/>
           </p:nvPr>
         </p:nvSpPr>
         <p:spPr/>
@@ -17405,63 +22241,17 @@
           <a:lstStyle/>
           <a:p>
             <a:r>
+              <a:rPr lang="en-US" dirty="0"/>
+              <a:t>Saving messages to </a:t>
+            </a:r>
+            <a:r>
               <a:rPr lang="en-US" dirty="0" smtClean="0"/>
-              <a:t>Not only SQL</a:t>
-            </a:r>
-          </a:p>
-          <a:p>
-            <a:r>
-              <a:rPr lang="en-US" dirty="0" smtClean="0"/>
-              <a:t>Different types: document based, graph databases etc.</a:t>
-            </a:r>
-          </a:p>
-          <a:p>
+              <a:t>Azure </a:t>
+            </a:r>
             <a:r>
               <a:rPr lang="en-US" dirty="0" err="1" smtClean="0"/>
-              <a:t>MongoDB</a:t>
-            </a:r>
-            <a:r>
-              <a:rPr lang="en-US" dirty="0" smtClean="0"/>
-              <a:t>, </a:t>
-            </a:r>
-            <a:r>
-              <a:rPr lang="en-US" dirty="0" err="1" smtClean="0"/>
-              <a:t>Couchbase</a:t>
-            </a:r>
-            <a:r>
-              <a:rPr lang="en-US" dirty="0" smtClean="0"/>
-              <a:t>, </a:t>
-            </a:r>
-            <a:r>
-              <a:rPr lang="en-US" dirty="0" err="1" smtClean="0"/>
-              <a:t>HBase</a:t>
-            </a:r>
-            <a:r>
-              <a:rPr lang="en-US" dirty="0" smtClean="0"/>
-              <a:t>, Cassandra</a:t>
-            </a:r>
-          </a:p>
-          <a:p>
-            <a:r>
-              <a:rPr lang="en-US" dirty="0" smtClean="0"/>
-              <a:t>Object oriented APIs</a:t>
-            </a:r>
-          </a:p>
-          <a:p>
-            <a:r>
-              <a:rPr lang="en-US" dirty="0" smtClean="0"/>
-              <a:t>Good for large amounts of data, can </a:t>
-            </a:r>
-            <a:r>
-              <a:rPr lang="en-US" smtClean="0"/>
-              <a:t>be scaled</a:t>
-            </a:r>
-            <a:endParaRPr lang="en-US" dirty="0" smtClean="0"/>
-          </a:p>
-          <a:p>
-            <a:pPr marL="0" indent="0">
-              <a:buNone/>
-            </a:pPr>
+              <a:t>DocumentDB</a:t>
+            </a:r>
             <a:endParaRPr lang="en-US" dirty="0"/>
           </a:p>
         </p:txBody>
@@ -17469,7 +22259,7 @@
     </p:spTree>
     <p:extLst>
       <p:ext uri="{BB962C8B-B14F-4D97-AF65-F5344CB8AC3E}">
-        <p14:creationId xmlns:p14="http://schemas.microsoft.com/office/powerpoint/2010/main" val="2285985931"/>
+        <p14:creationId xmlns:p14="http://schemas.microsoft.com/office/powerpoint/2010/main" val="333523241"/>
       </p:ext>
     </p:extLst>
   </p:cSld>
@@ -17498,7 +22288,78 @@
 </p:sld>
 </file>
 
-<file path=ppt/slides/slide12.xml><?xml version="1.0" encoding="utf-8"?>
+<file path=ppt/slides/slide16.xml><?xml version="1.0" encoding="utf-8"?>
+<p:sld xmlns:a="http://schemas.openxmlformats.org/drawingml/2006/main" xmlns:r="http://schemas.openxmlformats.org/officeDocument/2006/relationships" xmlns:p="http://schemas.openxmlformats.org/presentationml/2006/main">
+  <p:cSld>
+    <p:spTree>
+      <p:nvGrpSpPr>
+        <p:cNvPr id="1" name=""/>
+        <p:cNvGrpSpPr/>
+        <p:nvPr/>
+      </p:nvGrpSpPr>
+      <p:grpSpPr>
+        <a:xfrm>
+          <a:off x="0" y="0"/>
+          <a:ext cx="0" cy="0"/>
+          <a:chOff x="0" y="0"/>
+          <a:chExt cx="0" cy="0"/>
+        </a:xfrm>
+      </p:grpSpPr>
+      <p:sp>
+        <p:nvSpPr>
+          <p:cNvPr id="3" name="Subtitle 2"/>
+          <p:cNvSpPr>
+            <a:spLocks noGrp="1"/>
+          </p:cNvSpPr>
+          <p:nvPr>
+            <p:ph type="subTitle" idx="1"/>
+          </p:nvPr>
+        </p:nvSpPr>
+        <p:spPr/>
+        <p:txBody>
+          <a:bodyPr/>
+          <a:lstStyle/>
+          <a:p>
+            <a:r>
+              <a:rPr lang="en-US" dirty="0"/>
+              <a:t>Setting environment variables </a:t>
+            </a:r>
+          </a:p>
+        </p:txBody>
+      </p:sp>
+    </p:spTree>
+    <p:extLst>
+      <p:ext uri="{BB962C8B-B14F-4D97-AF65-F5344CB8AC3E}">
+        <p14:creationId xmlns:p14="http://schemas.microsoft.com/office/powerpoint/2010/main" val="66236723"/>
+      </p:ext>
+    </p:extLst>
+  </p:cSld>
+  <p:clrMapOvr>
+    <a:masterClrMapping/>
+  </p:clrMapOvr>
+  <mc:AlternateContent xmlns:mc="http://schemas.openxmlformats.org/markup-compatibility/2006" xmlns:p14="http://schemas.microsoft.com/office/powerpoint/2010/main">
+    <mc:Choice Requires="p14">
+      <p:transition spd="med" p14:dur="700">
+        <p:fade/>
+      </p:transition>
+    </mc:Choice>
+    <mc:Fallback xmlns="">
+      <p:transition spd="med">
+        <p:fade/>
+      </p:transition>
+    </mc:Fallback>
+  </mc:AlternateContent>
+  <p:timing>
+    <p:tnLst>
+      <p:par>
+        <p:cTn id="1" dur="indefinite" restart="never" nodeType="tmRoot"/>
+      </p:par>
+    </p:tnLst>
+  </p:timing>
+</p:sld>
+</file>
+
+<file path=ppt/slides/slide17.xml><?xml version="1.0" encoding="utf-8"?>
 <p:sld xmlns:a="http://schemas.openxmlformats.org/drawingml/2006/main" xmlns:r="http://schemas.openxmlformats.org/officeDocument/2006/relationships" xmlns:p="http://schemas.openxmlformats.org/presentationml/2006/main">
   <p:cSld>
     <p:spTree>
@@ -17671,7 +22532,7 @@
 </p:sld>
 </file>
 
-<file path=ppt/slides/slide13.xml><?xml version="1.0" encoding="utf-8"?>
+<file path=ppt/slides/slide18.xml><?xml version="1.0" encoding="utf-8"?>
 <p:sld xmlns:a="http://schemas.openxmlformats.org/drawingml/2006/main" xmlns:r="http://schemas.openxmlformats.org/officeDocument/2006/relationships" xmlns:p="http://schemas.openxmlformats.org/presentationml/2006/main">
   <p:cSld>
     <p:spTree>
@@ -17862,149 +22723,7 @@
 </p:sld>
 </file>
 
-<file path=ppt/slides/slide14.xml><?xml version="1.0" encoding="utf-8"?>
-<p:sld xmlns:a="http://schemas.openxmlformats.org/drawingml/2006/main" xmlns:r="http://schemas.openxmlformats.org/officeDocument/2006/relationships" xmlns:p="http://schemas.openxmlformats.org/presentationml/2006/main">
-  <p:cSld>
-    <p:spTree>
-      <p:nvGrpSpPr>
-        <p:cNvPr id="1" name=""/>
-        <p:cNvGrpSpPr/>
-        <p:nvPr/>
-      </p:nvGrpSpPr>
-      <p:grpSpPr>
-        <a:xfrm>
-          <a:off x="0" y="0"/>
-          <a:ext cx="0" cy="0"/>
-          <a:chOff x="0" y="0"/>
-          <a:chExt cx="0" cy="0"/>
-        </a:xfrm>
-      </p:grpSpPr>
-      <p:sp>
-        <p:nvSpPr>
-          <p:cNvPr id="3" name="Subtitle 2"/>
-          <p:cNvSpPr>
-            <a:spLocks noGrp="1"/>
-          </p:cNvSpPr>
-          <p:nvPr>
-            <p:ph type="subTitle" idx="1"/>
-          </p:nvPr>
-        </p:nvSpPr>
-        <p:spPr/>
-        <p:txBody>
-          <a:bodyPr/>
-          <a:lstStyle/>
-          <a:p>
-            <a:r>
-              <a:rPr lang="en-US" dirty="0"/>
-              <a:t>Saving messages to Mongo and emitting the last 10 messages received.</a:t>
-            </a:r>
-          </a:p>
-        </p:txBody>
-      </p:sp>
-    </p:spTree>
-    <p:extLst>
-      <p:ext uri="{BB962C8B-B14F-4D97-AF65-F5344CB8AC3E}">
-        <p14:creationId xmlns:p14="http://schemas.microsoft.com/office/powerpoint/2010/main" val="333523241"/>
-      </p:ext>
-    </p:extLst>
-  </p:cSld>
-  <p:clrMapOvr>
-    <a:masterClrMapping/>
-  </p:clrMapOvr>
-  <mc:AlternateContent xmlns:mc="http://schemas.openxmlformats.org/markup-compatibility/2006" xmlns:p14="http://schemas.microsoft.com/office/powerpoint/2010/main">
-    <mc:Choice Requires="p14">
-      <p:transition spd="med" p14:dur="700">
-        <p:fade/>
-      </p:transition>
-    </mc:Choice>
-    <mc:Fallback xmlns="">
-      <p:transition spd="med">
-        <p:fade/>
-      </p:transition>
-    </mc:Fallback>
-  </mc:AlternateContent>
-  <p:timing>
-    <p:tnLst>
-      <p:par>
-        <p:cTn id="1" dur="indefinite" restart="never" nodeType="tmRoot"/>
-      </p:par>
-    </p:tnLst>
-  </p:timing>
-</p:sld>
-</file>
-
-<file path=ppt/slides/slide15.xml><?xml version="1.0" encoding="utf-8"?>
-<p:sld xmlns:a="http://schemas.openxmlformats.org/drawingml/2006/main" xmlns:r="http://schemas.openxmlformats.org/officeDocument/2006/relationships" xmlns:p="http://schemas.openxmlformats.org/presentationml/2006/main">
-  <p:cSld>
-    <p:spTree>
-      <p:nvGrpSpPr>
-        <p:cNvPr id="1" name=""/>
-        <p:cNvGrpSpPr/>
-        <p:nvPr/>
-      </p:nvGrpSpPr>
-      <p:grpSpPr>
-        <a:xfrm>
-          <a:off x="0" y="0"/>
-          <a:ext cx="0" cy="0"/>
-          <a:chOff x="0" y="0"/>
-          <a:chExt cx="0" cy="0"/>
-        </a:xfrm>
-      </p:grpSpPr>
-      <p:sp>
-        <p:nvSpPr>
-          <p:cNvPr id="3" name="Subtitle 2"/>
-          <p:cNvSpPr>
-            <a:spLocks noGrp="1"/>
-          </p:cNvSpPr>
-          <p:nvPr>
-            <p:ph type="subTitle" idx="1"/>
-          </p:nvPr>
-        </p:nvSpPr>
-        <p:spPr/>
-        <p:txBody>
-          <a:bodyPr/>
-          <a:lstStyle/>
-          <a:p>
-            <a:r>
-              <a:rPr lang="en-US" dirty="0"/>
-              <a:t>Setting environment variables </a:t>
-            </a:r>
-          </a:p>
-        </p:txBody>
-      </p:sp>
-    </p:spTree>
-    <p:extLst>
-      <p:ext uri="{BB962C8B-B14F-4D97-AF65-F5344CB8AC3E}">
-        <p14:creationId xmlns:p14="http://schemas.microsoft.com/office/powerpoint/2010/main" val="66236723"/>
-      </p:ext>
-    </p:extLst>
-  </p:cSld>
-  <p:clrMapOvr>
-    <a:masterClrMapping/>
-  </p:clrMapOvr>
-  <mc:AlternateContent xmlns:mc="http://schemas.openxmlformats.org/markup-compatibility/2006" xmlns:p14="http://schemas.microsoft.com/office/powerpoint/2010/main">
-    <mc:Choice Requires="p14">
-      <p:transition spd="med" p14:dur="700">
-        <p:fade/>
-      </p:transition>
-    </mc:Choice>
-    <mc:Fallback xmlns="">
-      <p:transition spd="med">
-        <p:fade/>
-      </p:transition>
-    </mc:Fallback>
-  </mc:AlternateContent>
-  <p:timing>
-    <p:tnLst>
-      <p:par>
-        <p:cTn id="1" dur="indefinite" restart="never" nodeType="tmRoot"/>
-      </p:par>
-    </p:tnLst>
-  </p:timing>
-</p:sld>
-</file>
-
-<file path=ppt/slides/slide16.xml><?xml version="1.0" encoding="utf-8"?>
+<file path=ppt/slides/slide19.xml><?xml version="1.0" encoding="utf-8"?>
 <p:sld xmlns:a="http://schemas.openxmlformats.org/drawingml/2006/main" xmlns:r="http://schemas.openxmlformats.org/officeDocument/2006/relationships" xmlns:p="http://schemas.openxmlformats.org/presentationml/2006/main">
   <p:cSld>
     <p:spTree>
@@ -18141,7 +22860,19 @@
             </a:pPr>
             <a:r>
               <a:rPr lang="en-GB" dirty="0" smtClean="0"/>
-              <a:t>Using Mongo to save messages and emit last received messages</a:t>
+              <a:t>Using </a:t>
+            </a:r>
+            <a:r>
+              <a:rPr lang="en-GB" dirty="0" err="1" smtClean="0"/>
+              <a:t>DocumentDB</a:t>
+            </a:r>
+            <a:r>
+              <a:rPr lang="en-GB" dirty="0" smtClean="0"/>
+              <a:t> to </a:t>
+            </a:r>
+            <a:r>
+              <a:rPr lang="en-GB" dirty="0" smtClean="0"/>
+              <a:t>save messages and emit last received messages</a:t>
             </a:r>
           </a:p>
         </p:txBody>
@@ -18722,8 +23453,19 @@
                 <a:latin typeface="Courier New" panose="02070309020205020404" pitchFamily="49" charset="0"/>
                 <a:cs typeface="Courier New" panose="02070309020205020404" pitchFamily="49" charset="0"/>
               </a:rPr>
-              <a:t> install --save socket.io </a:t>
-            </a:r>
+              <a:t> install </a:t>
+            </a:r>
+            <a:r>
+              <a:rPr lang="en-US" sz="2000" dirty="0" smtClean="0">
+                <a:latin typeface="Courier New" panose="02070309020205020404" pitchFamily="49" charset="0"/>
+                <a:cs typeface="Courier New" panose="02070309020205020404" pitchFamily="49" charset="0"/>
+              </a:rPr>
+              <a:t>--save socket.io </a:t>
+            </a:r>
+            <a:endParaRPr lang="en-US" sz="2000" dirty="0">
+              <a:latin typeface="Courier New" panose="02070309020205020404" pitchFamily="49" charset="0"/>
+              <a:cs typeface="Courier New" panose="02070309020205020404" pitchFamily="49" charset="0"/>
+            </a:endParaRPr>
           </a:p>
           <a:p>
             <a:pPr marL="0" indent="0">
@@ -18836,12 +23578,12 @@
       </p:grpSpPr>
       <p:sp>
         <p:nvSpPr>
-          <p:cNvPr id="2" name="Title 1"/>
+          <p:cNvPr id="3" name="Subtitle 2"/>
           <p:cNvSpPr>
             <a:spLocks noGrp="1"/>
           </p:cNvSpPr>
           <p:nvPr>
-            <p:ph type="title"/>
+            <p:ph type="subTitle" idx="1"/>
           </p:nvPr>
         </p:nvSpPr>
         <p:spPr/>
@@ -18850,46 +23592,16 @@
           <a:lstStyle/>
           <a:p>
             <a:r>
-              <a:rPr lang="en-US" dirty="0" smtClean="0"/>
-              <a:t>Implementing Socket.IO</a:t>
-            </a:r>
-            <a:endParaRPr lang="en-US" dirty="0"/>
+              <a:rPr lang="en-US" dirty="0"/>
+              <a:t>Using Socket I.O to connect users, send and receive messages</a:t>
+            </a:r>
           </a:p>
         </p:txBody>
       </p:sp>
-      <p:pic>
-        <p:nvPicPr>
-          <p:cNvPr id="4" name="Content Placeholder 3"/>
-          <p:cNvPicPr>
-            <a:picLocks noGrp="1" noChangeAspect="1"/>
-          </p:cNvPicPr>
-          <p:nvPr>
-            <p:ph idx="1"/>
-          </p:nvPr>
-        </p:nvPicPr>
-        <p:blipFill>
-          <a:blip r:embed="rId2">
-            <a:extLst>
-              <a:ext uri="{28A0092B-C50C-407E-A947-70E740481C1C}">
-                <a14:useLocalDpi xmlns:a14="http://schemas.microsoft.com/office/drawing/2010/main" val="0"/>
-              </a:ext>
-            </a:extLst>
-          </a:blip>
-          <a:stretch>
-            <a:fillRect/>
-          </a:stretch>
-        </p:blipFill>
-        <p:spPr>
-          <a:xfrm>
-            <a:off x="3149283" y="1876425"/>
-            <a:ext cx="5902960" cy="4216400"/>
-          </a:xfrm>
-        </p:spPr>
-      </p:pic>
     </p:spTree>
     <p:extLst>
       <p:ext uri="{BB962C8B-B14F-4D97-AF65-F5344CB8AC3E}">
-        <p14:creationId xmlns:p14="http://schemas.microsoft.com/office/powerpoint/2010/main" val="4182732627"/>
+        <p14:creationId xmlns:p14="http://schemas.microsoft.com/office/powerpoint/2010/main" val="483009312"/>
       </p:ext>
     </p:extLst>
   </p:cSld>
@@ -18937,12 +23649,12 @@
       </p:grpSpPr>
       <p:sp>
         <p:nvSpPr>
-          <p:cNvPr id="3" name="Subtitle 2"/>
+          <p:cNvPr id="2" name="Title 1"/>
           <p:cNvSpPr>
             <a:spLocks noGrp="1"/>
           </p:cNvSpPr>
           <p:nvPr>
-            <p:ph type="subTitle" idx="1"/>
+            <p:ph type="ctrTitle"/>
           </p:nvPr>
         </p:nvSpPr>
         <p:spPr/>
@@ -18951,16 +23663,17 @@
           <a:lstStyle/>
           <a:p>
             <a:r>
-              <a:rPr lang="en-US" dirty="0"/>
-              <a:t>Using Socket I.O to connect users, send and receive messages</a:t>
-            </a:r>
+              <a:rPr lang="en-GB" dirty="0"/>
+              <a:t>Using a NoSQL Database</a:t>
+            </a:r>
+            <a:endParaRPr lang="en-US" dirty="0"/>
           </a:p>
         </p:txBody>
       </p:sp>
     </p:spTree>
     <p:extLst>
       <p:ext uri="{BB962C8B-B14F-4D97-AF65-F5344CB8AC3E}">
-        <p14:creationId xmlns:p14="http://schemas.microsoft.com/office/powerpoint/2010/main" val="483009312"/>
+        <p14:creationId xmlns:p14="http://schemas.microsoft.com/office/powerpoint/2010/main" val="2048903246"/>
       </p:ext>
     </p:extLst>
   </p:cSld>
@@ -21012,6 +25725,21 @@
 </file>
 
 <file path=customXml/item1.xml><?xml version="1.0" encoding="utf-8"?>
+<p:properties xmlns:p="http://schemas.microsoft.com/office/2006/metadata/properties" xmlns:xsi="http://www.w3.org/2001/XMLSchema-instance" xmlns:pc="http://schemas.microsoft.com/office/infopath/2007/PartnerControls">
+  <documentManagement/>
+</p:properties>
+</file>
+
+<file path=customXml/item2.xml><?xml version="1.0" encoding="utf-8"?>
+<?mso-contentType ?>
+<FormTemplates xmlns="http://schemas.microsoft.com/sharepoint/v3/contenttype/forms">
+  <Display>DocumentLibraryForm</Display>
+  <Edit>DocumentLibraryForm</Edit>
+  <New>DocumentLibraryForm</New>
+</FormTemplates>
+</file>
+
+<file path=customXml/item3.xml><?xml version="1.0" encoding="utf-8"?>
 <ct:contentTypeSchema xmlns:ct="http://schemas.microsoft.com/office/2006/metadata/contentType" xmlns:ma="http://schemas.microsoft.com/office/2006/metadata/properties/metaAttributes" ct:_="" ma:_="" ma:contentTypeName="Document" ma:contentTypeID="0x010100391E57C78B9F604FB8BAD296D1460E2A" ma:contentTypeVersion="1" ma:contentTypeDescription="Create a new document." ma:contentTypeScope="" ma:versionID="fb382fe2362acd2155f454904f478e4d">
   <xsd:schema xmlns:xsd="http://www.w3.org/2001/XMLSchema" xmlns:xs="http://www.w3.org/2001/XMLSchema" xmlns:p="http://schemas.microsoft.com/office/2006/metadata/properties" xmlns:ns3="636b0322-90fb-440c-9cbc-22749e7231e9" targetNamespace="http://schemas.microsoft.com/office/2006/metadata/properties" ma:root="true" ma:fieldsID="b9887c63ce4710c1aeb75a5f03aecb69" ns3:_="">
     <xsd:import namespace="636b0322-90fb-440c-9cbc-22749e7231e9"/>
@@ -21151,22 +25879,31 @@
 </ct:contentTypeSchema>
 </file>
 
-<file path=customXml/item2.xml><?xml version="1.0" encoding="utf-8"?>
-<?mso-contentType ?>
-<FormTemplates xmlns="http://schemas.microsoft.com/sharepoint/v3/contenttype/forms">
-  <Display>DocumentLibraryForm</Display>
-  <Edit>DocumentLibraryForm</Edit>
-  <New>DocumentLibraryForm</New>
-</FormTemplates>
+<file path=customXml/itemProps1.xml><?xml version="1.0" encoding="utf-8"?>
+<ds:datastoreItem xmlns:ds="http://schemas.openxmlformats.org/officeDocument/2006/customXml" ds:itemID="{7025FDD9-4C58-4084-9F89-0E6ADD6FFF55}">
+  <ds:schemaRefs>
+    <ds:schemaRef ds:uri="http://purl.org/dc/terms/"/>
+    <ds:schemaRef ds:uri="http://schemas.openxmlformats.org/package/2006/metadata/core-properties"/>
+    <ds:schemaRef ds:uri="http://schemas.microsoft.com/office/2006/documentManagement/types"/>
+    <ds:schemaRef ds:uri="http://schemas.microsoft.com/office/infopath/2007/PartnerControls"/>
+    <ds:schemaRef ds:uri="http://purl.org/dc/elements/1.1/"/>
+    <ds:schemaRef ds:uri="http://schemas.microsoft.com/office/2006/metadata/properties"/>
+    <ds:schemaRef ds:uri="636b0322-90fb-440c-9cbc-22749e7231e9"/>
+    <ds:schemaRef ds:uri="http://www.w3.org/XML/1998/namespace"/>
+    <ds:schemaRef ds:uri="http://purl.org/dc/dcmitype/"/>
+  </ds:schemaRefs>
+</ds:datastoreItem>
 </file>
 
-<file path=customXml/item3.xml><?xml version="1.0" encoding="utf-8"?>
-<p:properties xmlns:p="http://schemas.microsoft.com/office/2006/metadata/properties" xmlns:xsi="http://www.w3.org/2001/XMLSchema-instance" xmlns:pc="http://schemas.microsoft.com/office/infopath/2007/PartnerControls">
-  <documentManagement/>
-</p:properties>
+<file path=customXml/itemProps2.xml><?xml version="1.0" encoding="utf-8"?>
+<ds:datastoreItem xmlns:ds="http://schemas.openxmlformats.org/officeDocument/2006/customXml" ds:itemID="{B0CA13EC-1D3C-4D6F-8D1C-E8A452CFC79A}">
+  <ds:schemaRefs>
+    <ds:schemaRef ds:uri="http://schemas.microsoft.com/sharepoint/v3/contenttype/forms"/>
+  </ds:schemaRefs>
+</ds:datastoreItem>
 </file>
 
-<file path=customXml/itemProps1.xml><?xml version="1.0" encoding="utf-8"?>
+<file path=customXml/itemProps3.xml><?xml version="1.0" encoding="utf-8"?>
 <ds:datastoreItem xmlns:ds="http://schemas.openxmlformats.org/officeDocument/2006/customXml" ds:itemID="{7B70CE0C-0988-423A-BF66-B40F6A1061FF}">
   <ds:schemaRefs>
     <ds:schemaRef ds:uri="http://schemas.microsoft.com/office/2006/metadata/contentType"/>
@@ -21182,28 +25919,4 @@
     <ds:schemaRef ds:uri="http://schemas.microsoft.com/internal/obd"/>
   </ds:schemaRefs>
 </ds:datastoreItem>
-</file>
-
-<file path=customXml/itemProps2.xml><?xml version="1.0" encoding="utf-8"?>
-<ds:datastoreItem xmlns:ds="http://schemas.openxmlformats.org/officeDocument/2006/customXml" ds:itemID="{B0CA13EC-1D3C-4D6F-8D1C-E8A452CFC79A}">
-  <ds:schemaRefs>
-    <ds:schemaRef ds:uri="http://schemas.microsoft.com/sharepoint/v3/contenttype/forms"/>
-  </ds:schemaRefs>
-</ds:datastoreItem>
-</file>
-
-<file path=customXml/itemProps3.xml><?xml version="1.0" encoding="utf-8"?>
-<ds:datastoreItem xmlns:ds="http://schemas.openxmlformats.org/officeDocument/2006/customXml" ds:itemID="{7025FDD9-4C58-4084-9F89-0E6ADD6FFF55}">
-  <ds:schemaRefs>
-    <ds:schemaRef ds:uri="http://purl.org/dc/terms/"/>
-    <ds:schemaRef ds:uri="http://schemas.openxmlformats.org/package/2006/metadata/core-properties"/>
-    <ds:schemaRef ds:uri="http://schemas.microsoft.com/office/2006/documentManagement/types"/>
-    <ds:schemaRef ds:uri="http://schemas.microsoft.com/office/infopath/2007/PartnerControls"/>
-    <ds:schemaRef ds:uri="http://purl.org/dc/elements/1.1/"/>
-    <ds:schemaRef ds:uri="http://schemas.microsoft.com/office/2006/metadata/properties"/>
-    <ds:schemaRef ds:uri="636b0322-90fb-440c-9cbc-22749e7231e9"/>
-    <ds:schemaRef ds:uri="http://www.w3.org/XML/1998/namespace"/>
-    <ds:schemaRef ds:uri="http://purl.org/dc/dcmitype/"/>
-  </ds:schemaRefs>
-</ds:datastoreItem>
 </file>
--- a/Presentation/BuildingTheBackend/BuildingTheBackend.pptx
+++ b/Presentation/BuildingTheBackend/BuildingTheBackend.pptx
@@ -227,7 +227,7 @@
           <a:p>
             <a:fld id="{312E7B4A-039C-48A2-9B2C-AF16AA3873D8}" type="datetimeFigureOut">
               <a:rPr lang="en-US" smtClean="0"/>
-              <a:t>7/22/2015</a:t>
+              <a:t>1/22/2016</a:t>
             </a:fld>
             <a:endParaRPr lang="en-US"/>
           </a:p>
@@ -392,7 +392,7 @@
           <a:p>
             <a:fld id="{DA005A0C-54D9-45AA-87D4-C551D08DFCE1}" type="datetimeFigureOut">
               <a:rPr lang="en-US" smtClean="0"/>
-              <a:t>7/22/2015</a:t>
+              <a:t>1/22/2016</a:t>
             </a:fld>
             <a:endParaRPr lang="en-US"/>
           </a:p>
@@ -2193,10 +2193,34 @@
                 <a:tableStyleId>{5C22544A-7EE6-4342-B048-85BDC9FD1C3A}</a:tableStyleId>
               </a:tblPr>
               <a:tblGrid>
-                <a:gridCol w="2764105"/>
-                <a:gridCol w="2764105"/>
-                <a:gridCol w="2764105"/>
-                <a:gridCol w="2764105"/>
+                <a:gridCol w="2764105">
+                  <a:extLst>
+                    <a:ext uri="{9D8B030D-6E8A-4147-A177-3AD203B41FA5}">
+                      <a16:colId xmlns:a16="http://schemas.microsoft.com/office/drawing/2014/main" val="20000"/>
+                    </a:ext>
+                  </a:extLst>
+                </a:gridCol>
+                <a:gridCol w="2764105">
+                  <a:extLst>
+                    <a:ext uri="{9D8B030D-6E8A-4147-A177-3AD203B41FA5}">
+                      <a16:colId xmlns:a16="http://schemas.microsoft.com/office/drawing/2014/main" val="20001"/>
+                    </a:ext>
+                  </a:extLst>
+                </a:gridCol>
+                <a:gridCol w="2764105">
+                  <a:extLst>
+                    <a:ext uri="{9D8B030D-6E8A-4147-A177-3AD203B41FA5}">
+                      <a16:colId xmlns:a16="http://schemas.microsoft.com/office/drawing/2014/main" val="20002"/>
+                    </a:ext>
+                  </a:extLst>
+                </a:gridCol>
+                <a:gridCol w="2764105">
+                  <a:extLst>
+                    <a:ext uri="{9D8B030D-6E8A-4147-A177-3AD203B41FA5}">
+                      <a16:colId xmlns:a16="http://schemas.microsoft.com/office/drawing/2014/main" val="20003"/>
+                    </a:ext>
+                  </a:extLst>
+                </a:gridCol>
               </a:tblGrid>
               <a:tr h="644435">
                 <a:tc>
@@ -2371,6 +2395,11 @@
                     </a:lnBlToTr>
                   </a:tcPr>
                 </a:tc>
+                <a:extLst>
+                  <a:ext uri="{0D108BD9-81ED-4DB2-BD59-A6C34878D82A}">
+                    <a16:rowId xmlns:a16="http://schemas.microsoft.com/office/drawing/2014/main" val="10000"/>
+                  </a:ext>
+                </a:extLst>
               </a:tr>
               <a:tr h="1225319">
                 <a:tc>
@@ -2602,6 +2631,11 @@
                     </a:lnBlToTr>
                   </a:tcPr>
                 </a:tc>
+                <a:extLst>
+                  <a:ext uri="{0D108BD9-81ED-4DB2-BD59-A6C34878D82A}">
+                    <a16:rowId xmlns:a16="http://schemas.microsoft.com/office/drawing/2014/main" val="10001"/>
+                  </a:ext>
+                </a:extLst>
               </a:tr>
               <a:tr h="1225319">
                 <a:tc>
@@ -2852,6 +2886,11 @@
                     </a:lnBlToTr>
                   </a:tcPr>
                 </a:tc>
+                <a:extLst>
+                  <a:ext uri="{0D108BD9-81ED-4DB2-BD59-A6C34878D82A}">
+                    <a16:rowId xmlns:a16="http://schemas.microsoft.com/office/drawing/2014/main" val="10002"/>
+                  </a:ext>
+                </a:extLst>
               </a:tr>
               <a:tr h="1225319">
                 <a:tc>
@@ -3102,6 +3141,11 @@
                     </a:lnBlToTr>
                   </a:tcPr>
                 </a:tc>
+                <a:extLst>
+                  <a:ext uri="{0D108BD9-81ED-4DB2-BD59-A6C34878D82A}">
+                    <a16:rowId xmlns:a16="http://schemas.microsoft.com/office/drawing/2014/main" val="10003"/>
+                  </a:ext>
+                </a:extLst>
               </a:tr>
             </a:tbl>
           </a:graphicData>
@@ -5095,10 +5139,34 @@
                 <a:tableStyleId>{93296810-A885-4BE3-A3E7-6D5BEEA58F35}</a:tableStyleId>
               </a:tblPr>
               <a:tblGrid>
-                <a:gridCol w="2764105"/>
-                <a:gridCol w="2764105"/>
-                <a:gridCol w="2764105"/>
-                <a:gridCol w="2764105"/>
+                <a:gridCol w="2764105">
+                  <a:extLst>
+                    <a:ext uri="{9D8B030D-6E8A-4147-A177-3AD203B41FA5}">
+                      <a16:colId xmlns:a16="http://schemas.microsoft.com/office/drawing/2014/main" val="20000"/>
+                    </a:ext>
+                  </a:extLst>
+                </a:gridCol>
+                <a:gridCol w="2764105">
+                  <a:extLst>
+                    <a:ext uri="{9D8B030D-6E8A-4147-A177-3AD203B41FA5}">
+                      <a16:colId xmlns:a16="http://schemas.microsoft.com/office/drawing/2014/main" val="20001"/>
+                    </a:ext>
+                  </a:extLst>
+                </a:gridCol>
+                <a:gridCol w="2764105">
+                  <a:extLst>
+                    <a:ext uri="{9D8B030D-6E8A-4147-A177-3AD203B41FA5}">
+                      <a16:colId xmlns:a16="http://schemas.microsoft.com/office/drawing/2014/main" val="20002"/>
+                    </a:ext>
+                  </a:extLst>
+                </a:gridCol>
+                <a:gridCol w="2764105">
+                  <a:extLst>
+                    <a:ext uri="{9D8B030D-6E8A-4147-A177-3AD203B41FA5}">
+                      <a16:colId xmlns:a16="http://schemas.microsoft.com/office/drawing/2014/main" val="20003"/>
+                    </a:ext>
+                  </a:extLst>
+                </a:gridCol>
               </a:tblGrid>
               <a:tr h="644435">
                 <a:tc>
@@ -5257,6 +5325,11 @@
                     </a:lnBlToTr>
                   </a:tcPr>
                 </a:tc>
+                <a:extLst>
+                  <a:ext uri="{0D108BD9-81ED-4DB2-BD59-A6C34878D82A}">
+                    <a16:rowId xmlns:a16="http://schemas.microsoft.com/office/drawing/2014/main" val="10000"/>
+                  </a:ext>
+                </a:extLst>
               </a:tr>
               <a:tr h="1225319">
                 <a:tc>
@@ -5472,6 +5545,11 @@
                     </a:lnBlToTr>
                   </a:tcPr>
                 </a:tc>
+                <a:extLst>
+                  <a:ext uri="{0D108BD9-81ED-4DB2-BD59-A6C34878D82A}">
+                    <a16:rowId xmlns:a16="http://schemas.microsoft.com/office/drawing/2014/main" val="10001"/>
+                  </a:ext>
+                </a:extLst>
               </a:tr>
               <a:tr h="1225319">
                 <a:tc>
@@ -5706,6 +5784,11 @@
                     </a:lnBlToTr>
                   </a:tcPr>
                 </a:tc>
+                <a:extLst>
+                  <a:ext uri="{0D108BD9-81ED-4DB2-BD59-A6C34878D82A}">
+                    <a16:rowId xmlns:a16="http://schemas.microsoft.com/office/drawing/2014/main" val="10002"/>
+                  </a:ext>
+                </a:extLst>
               </a:tr>
               <a:tr h="1225319">
                 <a:tc>
@@ -5940,6 +6023,11 @@
                     </a:lnBlToTr>
                   </a:tcPr>
                 </a:tc>
+                <a:extLst>
+                  <a:ext uri="{0D108BD9-81ED-4DB2-BD59-A6C34878D82A}">
+                    <a16:rowId xmlns:a16="http://schemas.microsoft.com/office/drawing/2014/main" val="10003"/>
+                  </a:ext>
+                </a:extLst>
               </a:tr>
             </a:tbl>
           </a:graphicData>
@@ -6812,10 +6900,34 @@
                 <a:tableStyleId>{21E4AEA4-8DFA-4A89-87EB-49C32662AFE0}</a:tableStyleId>
               </a:tblPr>
               <a:tblGrid>
-                <a:gridCol w="2764105"/>
-                <a:gridCol w="2764105"/>
-                <a:gridCol w="2764105"/>
-                <a:gridCol w="2764105"/>
+                <a:gridCol w="2764105">
+                  <a:extLst>
+                    <a:ext uri="{9D8B030D-6E8A-4147-A177-3AD203B41FA5}">
+                      <a16:colId xmlns:a16="http://schemas.microsoft.com/office/drawing/2014/main" val="20000"/>
+                    </a:ext>
+                  </a:extLst>
+                </a:gridCol>
+                <a:gridCol w="2764105">
+                  <a:extLst>
+                    <a:ext uri="{9D8B030D-6E8A-4147-A177-3AD203B41FA5}">
+                      <a16:colId xmlns:a16="http://schemas.microsoft.com/office/drawing/2014/main" val="20001"/>
+                    </a:ext>
+                  </a:extLst>
+                </a:gridCol>
+                <a:gridCol w="2764105">
+                  <a:extLst>
+                    <a:ext uri="{9D8B030D-6E8A-4147-A177-3AD203B41FA5}">
+                      <a16:colId xmlns:a16="http://schemas.microsoft.com/office/drawing/2014/main" val="20002"/>
+                    </a:ext>
+                  </a:extLst>
+                </a:gridCol>
+                <a:gridCol w="2764105">
+                  <a:extLst>
+                    <a:ext uri="{9D8B030D-6E8A-4147-A177-3AD203B41FA5}">
+                      <a16:colId xmlns:a16="http://schemas.microsoft.com/office/drawing/2014/main" val="20003"/>
+                    </a:ext>
+                  </a:extLst>
+                </a:gridCol>
               </a:tblGrid>
               <a:tr h="644435">
                 <a:tc>
@@ -6986,6 +7098,11 @@
                     </a:solidFill>
                   </a:tcPr>
                 </a:tc>
+                <a:extLst>
+                  <a:ext uri="{0D108BD9-81ED-4DB2-BD59-A6C34878D82A}">
+                    <a16:rowId xmlns:a16="http://schemas.microsoft.com/office/drawing/2014/main" val="10000"/>
+                  </a:ext>
+                </a:extLst>
               </a:tr>
               <a:tr h="1225319">
                 <a:tc>
@@ -7213,6 +7330,11 @@
                     </a:solidFill>
                   </a:tcPr>
                 </a:tc>
+                <a:extLst>
+                  <a:ext uri="{0D108BD9-81ED-4DB2-BD59-A6C34878D82A}">
+                    <a16:rowId xmlns:a16="http://schemas.microsoft.com/office/drawing/2014/main" val="10001"/>
+                  </a:ext>
+                </a:extLst>
               </a:tr>
               <a:tr h="1225319">
                 <a:tc>
@@ -7467,6 +7589,11 @@
                     </a:solidFill>
                   </a:tcPr>
                 </a:tc>
+                <a:extLst>
+                  <a:ext uri="{0D108BD9-81ED-4DB2-BD59-A6C34878D82A}">
+                    <a16:rowId xmlns:a16="http://schemas.microsoft.com/office/drawing/2014/main" val="10002"/>
+                  </a:ext>
+                </a:extLst>
               </a:tr>
               <a:tr h="1225319">
                 <a:tc>
@@ -7713,6 +7840,11 @@
                     </a:solidFill>
                   </a:tcPr>
                 </a:tc>
+                <a:extLst>
+                  <a:ext uri="{0D108BD9-81ED-4DB2-BD59-A6C34878D82A}">
+                    <a16:rowId xmlns:a16="http://schemas.microsoft.com/office/drawing/2014/main" val="10003"/>
+                  </a:ext>
+                </a:extLst>
               </a:tr>
             </a:tbl>
           </a:graphicData>
@@ -8694,10 +8826,34 @@
                 <a:tableStyleId>{5C22544A-7EE6-4342-B048-85BDC9FD1C3A}</a:tableStyleId>
               </a:tblPr>
               <a:tblGrid>
-                <a:gridCol w="2764105"/>
-                <a:gridCol w="2764105"/>
-                <a:gridCol w="2764105"/>
-                <a:gridCol w="2764105"/>
+                <a:gridCol w="2764105">
+                  <a:extLst>
+                    <a:ext uri="{9D8B030D-6E8A-4147-A177-3AD203B41FA5}">
+                      <a16:colId xmlns:a16="http://schemas.microsoft.com/office/drawing/2014/main" val="20000"/>
+                    </a:ext>
+                  </a:extLst>
+                </a:gridCol>
+                <a:gridCol w="2764105">
+                  <a:extLst>
+                    <a:ext uri="{9D8B030D-6E8A-4147-A177-3AD203B41FA5}">
+                      <a16:colId xmlns:a16="http://schemas.microsoft.com/office/drawing/2014/main" val="20001"/>
+                    </a:ext>
+                  </a:extLst>
+                </a:gridCol>
+                <a:gridCol w="2764105">
+                  <a:extLst>
+                    <a:ext uri="{9D8B030D-6E8A-4147-A177-3AD203B41FA5}">
+                      <a16:colId xmlns:a16="http://schemas.microsoft.com/office/drawing/2014/main" val="20002"/>
+                    </a:ext>
+                  </a:extLst>
+                </a:gridCol>
+                <a:gridCol w="2764105">
+                  <a:extLst>
+                    <a:ext uri="{9D8B030D-6E8A-4147-A177-3AD203B41FA5}">
+                      <a16:colId xmlns:a16="http://schemas.microsoft.com/office/drawing/2014/main" val="20003"/>
+                    </a:ext>
+                  </a:extLst>
+                </a:gridCol>
               </a:tblGrid>
               <a:tr h="644435">
                 <a:tc>
@@ -8872,6 +9028,11 @@
                     </a:lnBlToTr>
                   </a:tcPr>
                 </a:tc>
+                <a:extLst>
+                  <a:ext uri="{0D108BD9-81ED-4DB2-BD59-A6C34878D82A}">
+                    <a16:rowId xmlns:a16="http://schemas.microsoft.com/office/drawing/2014/main" val="10000"/>
+                  </a:ext>
+                </a:extLst>
               </a:tr>
               <a:tr h="1225319">
                 <a:tc>
@@ -9103,6 +9264,11 @@
                     </a:lnBlToTr>
                   </a:tcPr>
                 </a:tc>
+                <a:extLst>
+                  <a:ext uri="{0D108BD9-81ED-4DB2-BD59-A6C34878D82A}">
+                    <a16:rowId xmlns:a16="http://schemas.microsoft.com/office/drawing/2014/main" val="10001"/>
+                  </a:ext>
+                </a:extLst>
               </a:tr>
               <a:tr h="1225319">
                 <a:tc>
@@ -9353,6 +9519,11 @@
                     </a:lnBlToTr>
                   </a:tcPr>
                 </a:tc>
+                <a:extLst>
+                  <a:ext uri="{0D108BD9-81ED-4DB2-BD59-A6C34878D82A}">
+                    <a16:rowId xmlns:a16="http://schemas.microsoft.com/office/drawing/2014/main" val="10002"/>
+                  </a:ext>
+                </a:extLst>
               </a:tr>
               <a:tr h="1225319">
                 <a:tc>
@@ -9603,6 +9774,11 @@
                     </a:lnBlToTr>
                   </a:tcPr>
                 </a:tc>
+                <a:extLst>
+                  <a:ext uri="{0D108BD9-81ED-4DB2-BD59-A6C34878D82A}">
+                    <a16:rowId xmlns:a16="http://schemas.microsoft.com/office/drawing/2014/main" val="10003"/>
+                  </a:ext>
+                </a:extLst>
               </a:tr>
             </a:tbl>
           </a:graphicData>
@@ -10584,10 +10760,34 @@
                 <a:tableStyleId>{5C22544A-7EE6-4342-B048-85BDC9FD1C3A}</a:tableStyleId>
               </a:tblPr>
               <a:tblGrid>
-                <a:gridCol w="2764105"/>
-                <a:gridCol w="2764105"/>
-                <a:gridCol w="2764105"/>
-                <a:gridCol w="2764105"/>
+                <a:gridCol w="2764105">
+                  <a:extLst>
+                    <a:ext uri="{9D8B030D-6E8A-4147-A177-3AD203B41FA5}">
+                      <a16:colId xmlns:a16="http://schemas.microsoft.com/office/drawing/2014/main" val="20000"/>
+                    </a:ext>
+                  </a:extLst>
+                </a:gridCol>
+                <a:gridCol w="2764105">
+                  <a:extLst>
+                    <a:ext uri="{9D8B030D-6E8A-4147-A177-3AD203B41FA5}">
+                      <a16:colId xmlns:a16="http://schemas.microsoft.com/office/drawing/2014/main" val="20001"/>
+                    </a:ext>
+                  </a:extLst>
+                </a:gridCol>
+                <a:gridCol w="2764105">
+                  <a:extLst>
+                    <a:ext uri="{9D8B030D-6E8A-4147-A177-3AD203B41FA5}">
+                      <a16:colId xmlns:a16="http://schemas.microsoft.com/office/drawing/2014/main" val="20002"/>
+                    </a:ext>
+                  </a:extLst>
+                </a:gridCol>
+                <a:gridCol w="2764105">
+                  <a:extLst>
+                    <a:ext uri="{9D8B030D-6E8A-4147-A177-3AD203B41FA5}">
+                      <a16:colId xmlns:a16="http://schemas.microsoft.com/office/drawing/2014/main" val="20003"/>
+                    </a:ext>
+                  </a:extLst>
+                </a:gridCol>
               </a:tblGrid>
               <a:tr h="644435">
                 <a:tc>
@@ -10762,6 +10962,11 @@
                     </a:lnBlToTr>
                   </a:tcPr>
                 </a:tc>
+                <a:extLst>
+                  <a:ext uri="{0D108BD9-81ED-4DB2-BD59-A6C34878D82A}">
+                    <a16:rowId xmlns:a16="http://schemas.microsoft.com/office/drawing/2014/main" val="10000"/>
+                  </a:ext>
+                </a:extLst>
               </a:tr>
               <a:tr h="1225319">
                 <a:tc>
@@ -10993,6 +11198,11 @@
                     </a:lnBlToTr>
                   </a:tcPr>
                 </a:tc>
+                <a:extLst>
+                  <a:ext uri="{0D108BD9-81ED-4DB2-BD59-A6C34878D82A}">
+                    <a16:rowId xmlns:a16="http://schemas.microsoft.com/office/drawing/2014/main" val="10001"/>
+                  </a:ext>
+                </a:extLst>
               </a:tr>
               <a:tr h="1225319">
                 <a:tc>
@@ -11243,6 +11453,11 @@
                     </a:lnBlToTr>
                   </a:tcPr>
                 </a:tc>
+                <a:extLst>
+                  <a:ext uri="{0D108BD9-81ED-4DB2-BD59-A6C34878D82A}">
+                    <a16:rowId xmlns:a16="http://schemas.microsoft.com/office/drawing/2014/main" val="10002"/>
+                  </a:ext>
+                </a:extLst>
               </a:tr>
               <a:tr h="1225319">
                 <a:tc>
@@ -11493,6 +11708,11 @@
                     </a:lnBlToTr>
                   </a:tcPr>
                 </a:tc>
+                <a:extLst>
+                  <a:ext uri="{0D108BD9-81ED-4DB2-BD59-A6C34878D82A}">
+                    <a16:rowId xmlns:a16="http://schemas.microsoft.com/office/drawing/2014/main" val="10003"/>
+                  </a:ext>
+                </a:extLst>
               </a:tr>
             </a:tbl>
           </a:graphicData>
@@ -18331,12 +18551,8 @@
           <a:p>
             <a:pPr marL="914400" indent="-914400"/>
             <a:r>
-              <a:rPr lang="en-US" sz="7200" smtClean="0"/>
-              <a:t>Building the </a:t>
-            </a:r>
-            <a:r>
               <a:rPr lang="en-US" sz="7200" dirty="0" smtClean="0"/>
-              <a:t>Backend</a:t>
+              <a:t>Building the Backend</a:t>
             </a:r>
             <a:endParaRPr lang="en-US" sz="7200" dirty="0"/>
           </a:p>
@@ -18519,19 +18735,43 @@
           <a:p>
             <a:r>
               <a:rPr lang="en-US" dirty="0" smtClean="0"/>
-              <a:t>Different types: document based, graph databases etc.</a:t>
+              <a:t>Different types: document based, graph </a:t>
+            </a:r>
+            <a:r>
+              <a:rPr lang="en-US" dirty="0" smtClean="0"/>
+              <a:t>databases</a:t>
+            </a:r>
+            <a:r>
+              <a:rPr lang="en-US" dirty="0"/>
+              <a:t>, </a:t>
+            </a:r>
+            <a:r>
+              <a:rPr lang="en-US" dirty="0" smtClean="0"/>
+              <a:t>key-value stores, </a:t>
+            </a:r>
+            <a:r>
+              <a:rPr lang="en-US" dirty="0" smtClean="0"/>
+              <a:t>etc.</a:t>
             </a:r>
           </a:p>
           <a:p>
             <a:r>
               <a:rPr lang="en-US" dirty="0" err="1" smtClean="0"/>
-              <a:t>MongoDB</a:t>
+              <a:t>DocumentDB</a:t>
             </a:r>
             <a:r>
               <a:rPr lang="en-US" dirty="0" smtClean="0"/>
               <a:t>, </a:t>
             </a:r>
             <a:r>
+              <a:rPr lang="en-US" dirty="0" smtClean="0"/>
+              <a:t>MongoDB</a:t>
+            </a:r>
+            <a:r>
+              <a:rPr lang="en-US" dirty="0" smtClean="0"/>
+              <a:t>, </a:t>
+            </a:r>
+            <a:r>
               <a:rPr lang="en-US" dirty="0" err="1" smtClean="0"/>
               <a:t>Couchbase</a:t>
             </a:r>
@@ -18557,13 +18797,8 @@
           <a:p>
             <a:r>
               <a:rPr lang="en-US" dirty="0" smtClean="0"/>
-              <a:t>Good for large amounts of data, can </a:t>
-            </a:r>
-            <a:r>
-              <a:rPr lang="en-US" smtClean="0"/>
-              <a:t>be scaled</a:t>
-            </a:r>
-            <a:endParaRPr lang="en-US" dirty="0" smtClean="0"/>
+              <a:t>Good for large amounts of data, can be scaled</a:t>
+            </a:r>
           </a:p>
           <a:p>
             <a:pPr marL="0" indent="0">
@@ -19732,11 +19967,6 @@
               </a:rPr>
               <a:t>, NoSQL document database </a:t>
             </a:r>
-            <a:endParaRPr lang="en-US" sz="2800" dirty="0">
-              <a:solidFill>
-                <a:srgbClr val="0071BC"/>
-              </a:solidFill>
-            </a:endParaRPr>
           </a:p>
           <a:p>
             <a:pPr marL="457200" indent="-457200">
@@ -19878,11 +20108,6 @@
               </a:rPr>
               <a:t>scale</a:t>
             </a:r>
-            <a:endParaRPr lang="en-US" sz="2800" dirty="0" smtClean="0">
-              <a:solidFill>
-                <a:srgbClr val="0071BC"/>
-              </a:solidFill>
-            </a:endParaRPr>
           </a:p>
         </p:txBody>
       </p:sp>
@@ -19896,11 +20121,11 @@
   <p:clrMapOvr>
     <a:masterClrMapping/>
   </p:clrMapOvr>
-  <mc:AlternateContent xmlns:mc="http://schemas.openxmlformats.org/markup-compatibility/2006">
-    <mc:Choice xmlns:p14="http://schemas.microsoft.com/office/powerpoint/2010/main" Requires="p14">
+  <mc:AlternateContent xmlns:mc="http://schemas.openxmlformats.org/markup-compatibility/2006" xmlns:p14="http://schemas.microsoft.com/office/powerpoint/2010/main">
+    <mc:Choice Requires="p14">
       <p:transition p14:dur="0"/>
     </mc:Choice>
-    <mc:Fallback>
+    <mc:Fallback xmlns="">
       <p:transition/>
     </mc:Fallback>
   </mc:AlternateContent>
@@ -20449,7 +20674,7 @@
                 </a:solidFill>
                 <a:latin typeface="+mj-lt"/>
               </a:rPr>
-              <a:t>First </a:t>
+              <a:t>First of its kind database service to offer native support for JavaScript, SQL query </a:t>
             </a:r>
             <a:r>
               <a:rPr lang="en-US" sz="2800" dirty="0">
@@ -20458,7 +20683,7 @@
                 </a:solidFill>
                 <a:latin typeface="+mj-lt"/>
               </a:rPr>
-              <a:t>of its kind database service to offer native support for JavaScript, SQL query and transactions over </a:t>
+              <a:t>and </a:t>
             </a:r>
             <a:r>
               <a:rPr lang="en-US" sz="2800" dirty="0" smtClean="0">
@@ -20467,7 +20692,34 @@
                 </a:solidFill>
                 <a:latin typeface="+mj-lt"/>
               </a:rPr>
-              <a:t>JSON documents.</a:t>
+              <a:t>transactions </a:t>
+            </a:r>
+            <a:r>
+              <a:rPr lang="en-US" sz="2800" dirty="0">
+                <a:solidFill>
+                  <a:schemeClr val="bg1"/>
+                </a:solidFill>
+                <a:latin typeface="+mj-lt"/>
+              </a:rPr>
+              <a:t>over </a:t>
+            </a:r>
+            <a:r>
+              <a:rPr lang="en-US" sz="2800" dirty="0" smtClean="0">
+                <a:solidFill>
+                  <a:schemeClr val="bg1"/>
+                </a:solidFill>
+                <a:latin typeface="+mj-lt"/>
+              </a:rPr>
+              <a:t>JSON </a:t>
+            </a:r>
+            <a:r>
+              <a:rPr lang="en-US" sz="2800" dirty="0" smtClean="0">
+                <a:solidFill>
+                  <a:schemeClr val="bg1"/>
+                </a:solidFill>
+                <a:latin typeface="+mj-lt"/>
+              </a:rPr>
+              <a:t>documents</a:t>
             </a:r>
             <a:endParaRPr lang="en-US" sz="2800" dirty="0">
               <a:solidFill>
@@ -20928,11 +21180,11 @@
   <p:clrMapOvr>
     <a:masterClrMapping/>
   </p:clrMapOvr>
-  <mc:AlternateContent xmlns:mc="http://schemas.openxmlformats.org/markup-compatibility/2006">
-    <mc:Choice xmlns:p14="http://schemas.microsoft.com/office/powerpoint/2010/main" Requires="p14">
+  <mc:AlternateContent xmlns:mc="http://schemas.openxmlformats.org/markup-compatibility/2006" xmlns:p14="http://schemas.microsoft.com/office/powerpoint/2010/main">
+    <mc:Choice Requires="p14">
       <p:transition p14:dur="0"/>
     </mc:Choice>
-    <mc:Fallback>
+    <mc:Fallback xmlns="">
       <p:transition/>
     </mc:Fallback>
   </mc:AlternateContent>
@@ -22128,11 +22380,11 @@
   <p:clrMapOvr>
     <a:masterClrMapping/>
   </p:clrMapOvr>
-  <mc:AlternateContent xmlns:mc="http://schemas.openxmlformats.org/markup-compatibility/2006">
-    <mc:Choice xmlns:p14="http://schemas.microsoft.com/office/powerpoint/2010/main" Requires="p14">
+  <mc:AlternateContent xmlns:mc="http://schemas.openxmlformats.org/markup-compatibility/2006" xmlns:p14="http://schemas.microsoft.com/office/powerpoint/2010/main">
+    <mc:Choice Requires="p14">
       <p:transition p14:dur="0"/>
     </mc:Choice>
-    <mc:Fallback>
+    <mc:Fallback xmlns="">
       <p:transition/>
     </mc:Fallback>
   </mc:AlternateContent>
@@ -22179,22 +22431,53 @@
           </p:cNvPicPr>
           <p:nvPr/>
         </p:nvPicPr>
-        <p:blipFill>
+        <p:blipFill rotWithShape="1">
           <a:blip r:embed="rId2"/>
-          <a:stretch>
-            <a:fillRect/>
-          </a:stretch>
+          <a:srcRect t="21365"/>
+          <a:stretch/>
         </p:blipFill>
         <p:spPr>
           <a:xfrm>
-            <a:off x="205178" y="84841"/>
-            <a:ext cx="11795144" cy="6664850"/>
+            <a:off x="205178" y="1554479"/>
+            <a:ext cx="11795144" cy="5240931"/>
           </a:xfrm>
           <a:prstGeom prst="rect">
             <a:avLst/>
           </a:prstGeom>
         </p:spPr>
       </p:pic>
+      <p:sp>
+        <p:nvSpPr>
+          <p:cNvPr id="3" name="Title 5"/>
+          <p:cNvSpPr>
+            <a:spLocks noGrp="1"/>
+          </p:cNvSpPr>
+          <p:nvPr>
+            <p:ph type="title"/>
+          </p:nvPr>
+        </p:nvSpPr>
+        <p:spPr>
+          <a:xfrm>
+            <a:off x="560798" y="416496"/>
+            <a:ext cx="11079822" cy="1325563"/>
+          </a:xfrm>
+        </p:spPr>
+        <p:txBody>
+          <a:bodyPr/>
+          <a:lstStyle/>
+          <a:p>
+            <a:r>
+              <a:rPr lang="en-US" dirty="0" smtClean="0"/>
+              <a:t>DocumentDB: </a:t>
+            </a:r>
+            <a:r>
+              <a:rPr lang="en-US" dirty="0" smtClean="0"/>
+              <a:t>The Basics</a:t>
+            </a:r>
+            <a:endParaRPr lang="en-US" dirty="0"/>
+          </a:p>
+        </p:txBody>
+      </p:sp>
     </p:spTree>
     <p:extLst>
       <p:ext uri="{BB962C8B-B14F-4D97-AF65-F5344CB8AC3E}">
@@ -22205,6 +22488,13 @@
   <p:clrMapOvr>
     <a:masterClrMapping/>
   </p:clrMapOvr>
+  <p:timing>
+    <p:tnLst>
+      <p:par>
+        <p:cTn id="1" dur="indefinite" restart="never" nodeType="tmRoot"/>
+      </p:par>
+    </p:tnLst>
+  </p:timing>
 </p:sld>
 </file>
 
@@ -22576,69 +22866,6 @@
           </a:p>
         </p:txBody>
       </p:sp>
-      <p:sp>
-        <p:nvSpPr>
-          <p:cNvPr id="3" name="Content Placeholder 2"/>
-          <p:cNvSpPr>
-            <a:spLocks noGrp="1"/>
-          </p:cNvSpPr>
-          <p:nvPr>
-            <p:ph idx="1"/>
-          </p:nvPr>
-        </p:nvSpPr>
-        <p:spPr>
-          <a:xfrm>
-            <a:off x="560798" y="1876996"/>
-            <a:ext cx="5121545" cy="4215579"/>
-          </a:xfrm>
-        </p:spPr>
-        <p:txBody>
-          <a:bodyPr/>
-          <a:lstStyle/>
-          <a:p>
-            <a:r>
-              <a:rPr lang="en-US" dirty="0" smtClean="0"/>
-              <a:t>Modify </a:t>
-            </a:r>
-            <a:r>
-              <a:rPr lang="en-US" dirty="0" err="1" smtClean="0"/>
-              <a:t>package.json</a:t>
-            </a:r>
-            <a:r>
-              <a:rPr lang="en-US" dirty="0" smtClean="0"/>
-              <a:t> : </a:t>
-            </a:r>
-            <a:r>
-              <a:rPr lang="en-US" dirty="0" smtClean="0">
-                <a:latin typeface="Courier New" panose="02070309020205020404" pitchFamily="49" charset="0"/>
-                <a:cs typeface="Courier New" panose="02070309020205020404" pitchFamily="49" charset="0"/>
-              </a:rPr>
-              <a:t>"</a:t>
-            </a:r>
-            <a:r>
-              <a:rPr lang="en-US" dirty="0" err="1" smtClean="0">
-                <a:latin typeface="Courier New" panose="02070309020205020404" pitchFamily="49" charset="0"/>
-                <a:cs typeface="Courier New" panose="02070309020205020404" pitchFamily="49" charset="0"/>
-              </a:rPr>
-              <a:t>mongodb</a:t>
-            </a:r>
-            <a:r>
-              <a:rPr lang="en-US" dirty="0" smtClean="0">
-                <a:latin typeface="Courier New" panose="02070309020205020404" pitchFamily="49" charset="0"/>
-                <a:cs typeface="Courier New" panose="02070309020205020404" pitchFamily="49" charset="0"/>
-              </a:rPr>
-              <a:t>": "^1.4.10",</a:t>
-            </a:r>
-            <a:endParaRPr lang="en-US" dirty="0" smtClean="0"/>
-          </a:p>
-          <a:p>
-            <a:r>
-              <a:rPr lang="en-US" dirty="0" smtClean="0"/>
-              <a:t>Right click NPM in Visual Studio &gt; right click to install dependencies</a:t>
-            </a:r>
-          </a:p>
-        </p:txBody>
-      </p:sp>
       <p:pic>
         <p:nvPicPr>
           <p:cNvPr id="2050" name="Picture 2" descr="BLOG POST - Part 3 - Screenshot 11"/>
@@ -22691,6 +22918,101 @@
           </a:extLst>
         </p:spPr>
       </p:pic>
+      <p:sp>
+        <p:nvSpPr>
+          <p:cNvPr id="7" name="Content Placeholder 2"/>
+          <p:cNvSpPr>
+            <a:spLocks noGrp="1"/>
+          </p:cNvSpPr>
+          <p:nvPr>
+            <p:ph idx="1"/>
+          </p:nvPr>
+        </p:nvSpPr>
+        <p:spPr>
+          <a:xfrm>
+            <a:off x="560798" y="1876996"/>
+            <a:ext cx="5546088" cy="4215579"/>
+          </a:xfrm>
+        </p:spPr>
+        <p:txBody>
+          <a:bodyPr/>
+          <a:lstStyle/>
+          <a:p>
+            <a:r>
+              <a:rPr lang="en-US" dirty="0" smtClean="0"/>
+              <a:t>Add it to the </a:t>
+            </a:r>
+            <a:r>
+              <a:rPr lang="en-US" dirty="0" err="1" smtClean="0"/>
+              <a:t>package.json</a:t>
+            </a:r>
+            <a:endParaRPr lang="en-US" dirty="0" smtClean="0"/>
+          </a:p>
+          <a:p>
+            <a:r>
+              <a:rPr lang="en-US" dirty="0" smtClean="0"/>
+              <a:t>In Visual Studio &gt; right click NPM to add module</a:t>
+            </a:r>
+          </a:p>
+          <a:p>
+            <a:r>
+              <a:rPr lang="en-US" dirty="0"/>
+              <a:t>Or from the command prompt : </a:t>
+            </a:r>
+            <a:endParaRPr lang="en-US" dirty="0" smtClean="0"/>
+          </a:p>
+          <a:p>
+            <a:pPr marL="0" indent="0">
+              <a:buNone/>
+            </a:pPr>
+            <a:r>
+              <a:rPr lang="en-US" sz="2000" dirty="0" err="1">
+                <a:latin typeface="Courier New" panose="02070309020205020404" pitchFamily="49" charset="0"/>
+                <a:cs typeface="Courier New" panose="02070309020205020404" pitchFamily="49" charset="0"/>
+              </a:rPr>
+              <a:t>npm</a:t>
+            </a:r>
+            <a:r>
+              <a:rPr lang="en-US" sz="2000" dirty="0">
+                <a:latin typeface="Courier New" panose="02070309020205020404" pitchFamily="49" charset="0"/>
+                <a:cs typeface="Courier New" panose="02070309020205020404" pitchFamily="49" charset="0"/>
+              </a:rPr>
+              <a:t> install </a:t>
+            </a:r>
+            <a:r>
+              <a:rPr lang="en-US" sz="2000" dirty="0" smtClean="0">
+                <a:latin typeface="Courier New" panose="02070309020205020404" pitchFamily="49" charset="0"/>
+                <a:cs typeface="Courier New" panose="02070309020205020404" pitchFamily="49" charset="0"/>
+              </a:rPr>
+              <a:t>--save </a:t>
+            </a:r>
+            <a:r>
+              <a:rPr lang="en-US" sz="2000" dirty="0" err="1" smtClean="0">
+                <a:latin typeface="Courier New" panose="02070309020205020404" pitchFamily="49" charset="0"/>
+                <a:cs typeface="Courier New" panose="02070309020205020404" pitchFamily="49" charset="0"/>
+              </a:rPr>
+              <a:t>mongodb</a:t>
+            </a:r>
+            <a:r>
+              <a:rPr lang="en-US" sz="2000" dirty="0" smtClean="0">
+                <a:latin typeface="Courier New" panose="02070309020205020404" pitchFamily="49" charset="0"/>
+                <a:cs typeface="Courier New" panose="02070309020205020404" pitchFamily="49" charset="0"/>
+              </a:rPr>
+              <a:t> </a:t>
+            </a:r>
+            <a:endParaRPr lang="en-US" sz="2000" dirty="0">
+              <a:latin typeface="Courier New" panose="02070309020205020404" pitchFamily="49" charset="0"/>
+              <a:cs typeface="Courier New" panose="02070309020205020404" pitchFamily="49" charset="0"/>
+            </a:endParaRPr>
+          </a:p>
+          <a:p>
+            <a:pPr marL="0" indent="0">
+              <a:buNone/>
+            </a:pPr>
+            <a:endParaRPr lang="en-US" dirty="0" smtClean="0"/>
+          </a:p>
+        </p:txBody>
+      </p:sp>
     </p:spTree>
     <p:extLst>
       <p:ext uri="{BB962C8B-B14F-4D97-AF65-F5344CB8AC3E}">
@@ -22859,21 +23181,10 @@
               <a:buAutoNum type="arabicParenR"/>
             </a:pPr>
             <a:r>
-              <a:rPr lang="en-GB" dirty="0" smtClean="0"/>
-              <a:t>Using </a:t>
-            </a:r>
-            <a:r>
-              <a:rPr lang="en-GB" dirty="0" err="1" smtClean="0"/>
-              <a:t>DocumentDB</a:t>
-            </a:r>
-            <a:r>
-              <a:rPr lang="en-GB" dirty="0" smtClean="0"/>
-              <a:t> to </a:t>
-            </a:r>
-            <a:r>
-              <a:rPr lang="en-GB" dirty="0" smtClean="0"/>
-              <a:t>save messages and emit last received messages</a:t>
-            </a:r>
+              <a:rPr lang="en-GB" dirty="0"/>
+              <a:t>Using a NoSQL Database</a:t>
+            </a:r>
+            <a:endParaRPr lang="en-GB" dirty="0" smtClean="0"/>
           </a:p>
         </p:txBody>
       </p:sp>
@@ -23105,7 +23416,15 @@
             </a:r>
             <a:r>
               <a:rPr lang="en-US" dirty="0"/>
-              <a:t>is supposed by several browsers including Internet Explorer, Google Chrome, Firefox, Safari and </a:t>
+              <a:t>is supposed by several browsers including </a:t>
+            </a:r>
+            <a:r>
+              <a:rPr lang="en-US" dirty="0" smtClean="0"/>
+              <a:t>Microsoft Edge, Internet </a:t>
+            </a:r>
+            <a:r>
+              <a:rPr lang="en-US" dirty="0"/>
+              <a:t>Explorer, Google Chrome, Firefox, Safari and </a:t>
             </a:r>
             <a:r>
               <a:rPr lang="en-US" dirty="0" smtClean="0"/>
@@ -23307,17 +23626,13 @@
         <p:spPr/>
         <p:txBody>
           <a:bodyPr>
-            <a:normAutofit fontScale="90000"/>
+            <a:normAutofit/>
           </a:bodyPr>
           <a:lstStyle/>
           <a:p>
             <a:r>
-              <a:rPr lang="en-GB" dirty="0"/>
-              <a:t>Implementing Socket.IO to connect, send and receive </a:t>
-            </a:r>
-            <a:r>
-              <a:rPr lang="en-GB" dirty="0" smtClean="0"/>
-              <a:t>messages</a:t>
+              <a:rPr lang="en-US" dirty="0"/>
+              <a:t>Using Socket.IO to connect users, broadcast and receive messages</a:t>
             </a:r>
             <a:endParaRPr lang="en-US" dirty="0"/>
           </a:p>
@@ -23433,9 +23748,10 @@
           </a:p>
           <a:p>
             <a:r>
-              <a:rPr lang="en-US" dirty="0" smtClean="0"/>
-              <a:t>OR: </a:t>
-            </a:r>
+              <a:rPr lang="en-US" dirty="0"/>
+              <a:t>Or from the command prompt : </a:t>
+            </a:r>
+            <a:endParaRPr lang="en-US" dirty="0" smtClean="0"/>
           </a:p>
           <a:p>
             <a:pPr marL="0" indent="0">
@@ -25725,21 +26041,6 @@
 </file>
 
 <file path=customXml/item1.xml><?xml version="1.0" encoding="utf-8"?>
-<p:properties xmlns:p="http://schemas.microsoft.com/office/2006/metadata/properties" xmlns:xsi="http://www.w3.org/2001/XMLSchema-instance" xmlns:pc="http://schemas.microsoft.com/office/infopath/2007/PartnerControls">
-  <documentManagement/>
-</p:properties>
-</file>
-
-<file path=customXml/item2.xml><?xml version="1.0" encoding="utf-8"?>
-<?mso-contentType ?>
-<FormTemplates xmlns="http://schemas.microsoft.com/sharepoint/v3/contenttype/forms">
-  <Display>DocumentLibraryForm</Display>
-  <Edit>DocumentLibraryForm</Edit>
-  <New>DocumentLibraryForm</New>
-</FormTemplates>
-</file>
-
-<file path=customXml/item3.xml><?xml version="1.0" encoding="utf-8"?>
 <ct:contentTypeSchema xmlns:ct="http://schemas.microsoft.com/office/2006/metadata/contentType" xmlns:ma="http://schemas.microsoft.com/office/2006/metadata/properties/metaAttributes" ct:_="" ma:_="" ma:contentTypeName="Document" ma:contentTypeID="0x010100391E57C78B9F604FB8BAD296D1460E2A" ma:contentTypeVersion="1" ma:contentTypeDescription="Create a new document." ma:contentTypeScope="" ma:versionID="fb382fe2362acd2155f454904f478e4d">
   <xsd:schema xmlns:xsd="http://www.w3.org/2001/XMLSchema" xmlns:xs="http://www.w3.org/2001/XMLSchema" xmlns:p="http://schemas.microsoft.com/office/2006/metadata/properties" xmlns:ns3="636b0322-90fb-440c-9cbc-22749e7231e9" targetNamespace="http://schemas.microsoft.com/office/2006/metadata/properties" ma:root="true" ma:fieldsID="b9887c63ce4710c1aeb75a5f03aecb69" ns3:_="">
     <xsd:import namespace="636b0322-90fb-440c-9cbc-22749e7231e9"/>
@@ -25879,31 +26180,22 @@
 </ct:contentTypeSchema>
 </file>
 
-<file path=customXml/itemProps1.xml><?xml version="1.0" encoding="utf-8"?>
-<ds:datastoreItem xmlns:ds="http://schemas.openxmlformats.org/officeDocument/2006/customXml" ds:itemID="{7025FDD9-4C58-4084-9F89-0E6ADD6FFF55}">
-  <ds:schemaRefs>
-    <ds:schemaRef ds:uri="http://purl.org/dc/terms/"/>
-    <ds:schemaRef ds:uri="http://schemas.openxmlformats.org/package/2006/metadata/core-properties"/>
-    <ds:schemaRef ds:uri="http://schemas.microsoft.com/office/2006/documentManagement/types"/>
-    <ds:schemaRef ds:uri="http://schemas.microsoft.com/office/infopath/2007/PartnerControls"/>
-    <ds:schemaRef ds:uri="http://purl.org/dc/elements/1.1/"/>
-    <ds:schemaRef ds:uri="http://schemas.microsoft.com/office/2006/metadata/properties"/>
-    <ds:schemaRef ds:uri="636b0322-90fb-440c-9cbc-22749e7231e9"/>
-    <ds:schemaRef ds:uri="http://www.w3.org/XML/1998/namespace"/>
-    <ds:schemaRef ds:uri="http://purl.org/dc/dcmitype/"/>
-  </ds:schemaRefs>
-</ds:datastoreItem>
+<file path=customXml/item2.xml><?xml version="1.0" encoding="utf-8"?>
+<?mso-contentType ?>
+<FormTemplates xmlns="http://schemas.microsoft.com/sharepoint/v3/contenttype/forms">
+  <Display>DocumentLibraryForm</Display>
+  <Edit>DocumentLibraryForm</Edit>
+  <New>DocumentLibraryForm</New>
+</FormTemplates>
 </file>
 
-<file path=customXml/itemProps2.xml><?xml version="1.0" encoding="utf-8"?>
-<ds:datastoreItem xmlns:ds="http://schemas.openxmlformats.org/officeDocument/2006/customXml" ds:itemID="{B0CA13EC-1D3C-4D6F-8D1C-E8A452CFC79A}">
-  <ds:schemaRefs>
-    <ds:schemaRef ds:uri="http://schemas.microsoft.com/sharepoint/v3/contenttype/forms"/>
-  </ds:schemaRefs>
-</ds:datastoreItem>
+<file path=customXml/item3.xml><?xml version="1.0" encoding="utf-8"?>
+<p:properties xmlns:p="http://schemas.microsoft.com/office/2006/metadata/properties" xmlns:xsi="http://www.w3.org/2001/XMLSchema-instance" xmlns:pc="http://schemas.microsoft.com/office/infopath/2007/PartnerControls">
+  <documentManagement/>
+</p:properties>
 </file>
 
-<file path=customXml/itemProps3.xml><?xml version="1.0" encoding="utf-8"?>
+<file path=customXml/itemProps1.xml><?xml version="1.0" encoding="utf-8"?>
 <ds:datastoreItem xmlns:ds="http://schemas.openxmlformats.org/officeDocument/2006/customXml" ds:itemID="{7B70CE0C-0988-423A-BF66-B40F6A1061FF}">
   <ds:schemaRefs>
     <ds:schemaRef ds:uri="http://schemas.microsoft.com/office/2006/metadata/contentType"/>
@@ -25919,4 +26211,28 @@
     <ds:schemaRef ds:uri="http://schemas.microsoft.com/internal/obd"/>
   </ds:schemaRefs>
 </ds:datastoreItem>
+</file>
+
+<file path=customXml/itemProps2.xml><?xml version="1.0" encoding="utf-8"?>
+<ds:datastoreItem xmlns:ds="http://schemas.openxmlformats.org/officeDocument/2006/customXml" ds:itemID="{B0CA13EC-1D3C-4D6F-8D1C-E8A452CFC79A}">
+  <ds:schemaRefs>
+    <ds:schemaRef ds:uri="http://schemas.microsoft.com/sharepoint/v3/contenttype/forms"/>
+  </ds:schemaRefs>
+</ds:datastoreItem>
+</file>
+
+<file path=customXml/itemProps3.xml><?xml version="1.0" encoding="utf-8"?>
+<ds:datastoreItem xmlns:ds="http://schemas.openxmlformats.org/officeDocument/2006/customXml" ds:itemID="{7025FDD9-4C58-4084-9F89-0E6ADD6FFF55}">
+  <ds:schemaRefs>
+    <ds:schemaRef ds:uri="http://purl.org/dc/terms/"/>
+    <ds:schemaRef ds:uri="http://schemas.openxmlformats.org/package/2006/metadata/core-properties"/>
+    <ds:schemaRef ds:uri="http://schemas.microsoft.com/office/2006/documentManagement/types"/>
+    <ds:schemaRef ds:uri="http://schemas.microsoft.com/office/infopath/2007/PartnerControls"/>
+    <ds:schemaRef ds:uri="http://purl.org/dc/elements/1.1/"/>
+    <ds:schemaRef ds:uri="http://schemas.microsoft.com/office/2006/metadata/properties"/>
+    <ds:schemaRef ds:uri="636b0322-90fb-440c-9cbc-22749e7231e9"/>
+    <ds:schemaRef ds:uri="http://www.w3.org/XML/1998/namespace"/>
+    <ds:schemaRef ds:uri="http://purl.org/dc/dcmitype/"/>
+  </ds:schemaRefs>
+</ds:datastoreItem>
 </file>
--- a/Presentation/BuildingTheBackend/BuildingTheBackend.pptx
+++ b/Presentation/BuildingTheBackend/BuildingTheBackend.pptx
@@ -227,7 +227,7 @@
           <a:p>
             <a:fld id="{312E7B4A-039C-48A2-9B2C-AF16AA3873D8}" type="datetimeFigureOut">
               <a:rPr lang="en-US" smtClean="0"/>
-              <a:t>1/22/2016</a:t>
+              <a:t>11/30/2016</a:t>
             </a:fld>
             <a:endParaRPr lang="en-US"/>
           </a:p>
@@ -392,7 +392,7 @@
           <a:p>
             <a:fld id="{DA005A0C-54D9-45AA-87D4-C551D08DFCE1}" type="datetimeFigureOut">
               <a:rPr lang="en-US" smtClean="0"/>
-              <a:t>1/22/2016</a:t>
+              <a:t>11/30/2016</a:t>
             </a:fld>
             <a:endParaRPr lang="en-US"/>
           </a:p>
@@ -456,38 +456,37 @@
           <a:p>
             <a:pPr lvl="0"/>
             <a:r>
-              <a:rPr lang="en-US" smtClean="0"/>
+              <a:rPr lang="en-US"/>
               <a:t>Click to edit Master text styles</a:t>
             </a:r>
           </a:p>
           <a:p>
             <a:pPr lvl="1"/>
             <a:r>
-              <a:rPr lang="en-US" smtClean="0"/>
+              <a:rPr lang="en-US"/>
               <a:t>Second level</a:t>
             </a:r>
           </a:p>
           <a:p>
             <a:pPr lvl="2"/>
             <a:r>
-              <a:rPr lang="en-US" smtClean="0"/>
+              <a:rPr lang="en-US"/>
               <a:t>Third level</a:t>
             </a:r>
           </a:p>
           <a:p>
             <a:pPr lvl="3"/>
             <a:r>
-              <a:rPr lang="en-US" smtClean="0"/>
+              <a:rPr lang="en-US"/>
               <a:t>Fourth level</a:t>
             </a:r>
           </a:p>
           <a:p>
             <a:pPr lvl="4"/>
             <a:r>
-              <a:rPr lang="en-US" smtClean="0"/>
+              <a:rPr lang="en-US"/>
               <a:t>Fifth level</a:t>
             </a:r>
-            <a:endParaRPr lang="en-US"/>
           </a:p>
         </p:txBody>
       </p:sp>
@@ -887,16 +886,16 @@
           <a:lstStyle/>
           <a:p>
             <a:r>
-              <a:rPr lang="en-US" dirty="0" smtClean="0"/>
+              <a:rPr lang="en-US" dirty="0"/>
               <a:t>So speaking of customers, let’s move on to some</a:t>
             </a:r>
             <a:r>
-              <a:rPr lang="en-US" baseline="0" dirty="0" smtClean="0"/>
+              <a:rPr lang="en-US" baseline="0" dirty="0"/>
               <a:t> of the scenarios that we’ve seen DocDB used for. DocDB is particularly suited for web and mobile application development of all types, but a few scenarios seem to be great fit for the service and we’ve seen these scenarios in the private preview.</a:t>
             </a:r>
           </a:p>
           <a:p>
-            <a:endParaRPr lang="en-US" baseline="0" dirty="0" smtClean="0"/>
+            <a:endParaRPr lang="en-US" baseline="0" dirty="0"/>
           </a:p>
           <a:p>
             <a:pPr algn="l" defTabSz="932472" fontAlgn="base">
@@ -908,7 +907,7 @@
               </a:spcAft>
             </a:pPr>
             <a:r>
-              <a:rPr lang="en-US" sz="1400" b="1" dirty="0" smtClean="0">
+              <a:rPr lang="en-US" sz="1400" b="1" dirty="0">
                 <a:solidFill>
                   <a:schemeClr val="bg1"/>
                 </a:solidFill>
@@ -925,7 +924,7 @@
                 <a:spcPct val="0"/>
               </a:spcAft>
             </a:pPr>
-            <a:endParaRPr lang="en-US" sz="1400" b="1" dirty="0" smtClean="0">
+            <a:endParaRPr lang="en-US" sz="1400" b="1" dirty="0">
               <a:solidFill>
                 <a:schemeClr val="bg1"/>
               </a:solidFill>
@@ -943,7 +942,7 @@
               <a:buChar char="§"/>
             </a:pPr>
             <a:r>
-              <a:rPr lang="en-US" sz="1200" dirty="0" smtClean="0">
+              <a:rPr lang="en-US" sz="1200" dirty="0">
                 <a:solidFill>
                   <a:schemeClr val="bg1"/>
                 </a:solidFill>
@@ -963,7 +962,7 @@
               <a:buChar char="§"/>
             </a:pPr>
             <a:r>
-              <a:rPr lang="en-US" sz="1200" dirty="0" smtClean="0">
+              <a:rPr lang="en-US" sz="1200" dirty="0">
                 <a:solidFill>
                   <a:schemeClr val="bg1"/>
                 </a:solidFill>
@@ -983,7 +982,7 @@
               <a:buChar char="§"/>
             </a:pPr>
             <a:r>
-              <a:rPr lang="en-US" sz="1200" dirty="0" smtClean="0">
+              <a:rPr lang="en-US" sz="1200" dirty="0">
                 <a:solidFill>
                   <a:schemeClr val="bg1"/>
                 </a:solidFill>
@@ -1003,7 +1002,7 @@
               <a:buChar char="§"/>
             </a:pPr>
             <a:r>
-              <a:rPr lang="en-US" sz="1200" dirty="0" smtClean="0">
+              <a:rPr lang="en-US" sz="1200" dirty="0">
                 <a:solidFill>
                   <a:schemeClr val="bg1"/>
                 </a:solidFill>
@@ -1011,7 +1010,7 @@
               <a:t>Examples include product catalogs, user profiles, device information i.e. </a:t>
             </a:r>
             <a:r>
-              <a:rPr lang="en-US" sz="1200" dirty="0" err="1" smtClean="0">
+              <a:rPr lang="en-US" sz="1200" dirty="0" err="1">
                 <a:solidFill>
                   <a:schemeClr val="bg1"/>
                 </a:solidFill>
@@ -1019,7 +1018,7 @@
               <a:t>IoT</a:t>
             </a:r>
             <a:r>
-              <a:rPr lang="en-US" sz="1200" dirty="0" smtClean="0">
+              <a:rPr lang="en-US" sz="1200" dirty="0">
                 <a:solidFill>
                   <a:schemeClr val="bg1"/>
                 </a:solidFill>
@@ -1038,7 +1037,7 @@
               <a:buFont typeface="Wingdings" panose="05000000000000000000" pitchFamily="2" charset="2"/>
               <a:buChar char="§"/>
             </a:pPr>
-            <a:endParaRPr lang="en-US" sz="1200" dirty="0" smtClean="0">
+            <a:endParaRPr lang="en-US" sz="1200" dirty="0">
               <a:solidFill>
                 <a:schemeClr val="bg1"/>
               </a:solidFill>
@@ -1054,7 +1053,7 @@
               </a:spcAft>
             </a:pPr>
             <a:r>
-              <a:rPr lang="en-US" sz="1200" b="1" dirty="0" smtClean="0">
+              <a:rPr lang="en-US" sz="1200" b="1" dirty="0">
                 <a:solidFill>
                   <a:schemeClr val="bg1"/>
                 </a:solidFill>
@@ -1071,7 +1070,7 @@
                 <a:spcPct val="0"/>
               </a:spcAft>
             </a:pPr>
-            <a:endParaRPr lang="en-US" sz="1100" b="1" dirty="0" smtClean="0">
+            <a:endParaRPr lang="en-US" sz="1100" b="1" dirty="0">
               <a:solidFill>
                 <a:schemeClr val="bg1"/>
               </a:solidFill>
@@ -1089,7 +1088,7 @@
               <a:buChar char="§"/>
             </a:pPr>
             <a:r>
-              <a:rPr lang="en-US" sz="1100" dirty="0" smtClean="0">
+              <a:rPr lang="en-US" sz="1100" dirty="0">
                 <a:solidFill>
                   <a:schemeClr val="bg1"/>
                 </a:solidFill>
@@ -1109,7 +1108,7 @@
               <a:buChar char="§"/>
             </a:pPr>
             <a:r>
-              <a:rPr lang="en-US" sz="1100" dirty="0" smtClean="0">
+              <a:rPr lang="en-US" sz="1100" dirty="0">
                 <a:solidFill>
                   <a:schemeClr val="bg1"/>
                 </a:solidFill>
@@ -1129,7 +1128,7 @@
               <a:buChar char="§"/>
             </a:pPr>
             <a:r>
-              <a:rPr lang="en-US" sz="1100" dirty="0" smtClean="0">
+              <a:rPr lang="en-US" sz="1100" dirty="0">
                 <a:solidFill>
                   <a:schemeClr val="bg1"/>
                 </a:solidFill>
@@ -1137,14 +1136,14 @@
               <a:t>Support cross document transactions i.e. item transfer </a:t>
             </a:r>
             <a:br>
-              <a:rPr lang="en-US" sz="1100" dirty="0" smtClean="0">
+              <a:rPr lang="en-US" sz="1100" dirty="0">
                 <a:solidFill>
                   <a:schemeClr val="bg1"/>
                 </a:solidFill>
               </a:rPr>
             </a:br>
             <a:r>
-              <a:rPr lang="en-US" sz="1100" dirty="0" smtClean="0">
+              <a:rPr lang="en-US" sz="1100" dirty="0">
                 <a:solidFill>
                   <a:schemeClr val="bg1"/>
                 </a:solidFill>
@@ -1163,7 +1162,7 @@
               <a:buFont typeface="Wingdings" panose="05000000000000000000" pitchFamily="2" charset="2"/>
               <a:buChar char="§"/>
             </a:pPr>
-            <a:endParaRPr lang="en-US" sz="1100" dirty="0" smtClean="0">
+            <a:endParaRPr lang="en-US" sz="1100" dirty="0">
               <a:solidFill>
                 <a:schemeClr val="bg1"/>
               </a:solidFill>
@@ -1179,7 +1178,7 @@
               </a:spcAft>
             </a:pPr>
             <a:r>
-              <a:rPr lang="en-US" sz="1200" b="1" dirty="0" smtClean="0">
+              <a:rPr lang="en-US" sz="1200" b="1" dirty="0">
                 <a:solidFill>
                   <a:schemeClr val="bg1"/>
                 </a:solidFill>
@@ -1196,7 +1195,7 @@
                 <a:spcPct val="0"/>
               </a:spcAft>
             </a:pPr>
-            <a:endParaRPr lang="en-US" sz="1100" b="1" dirty="0" smtClean="0">
+            <a:endParaRPr lang="en-US" sz="1100" b="1" dirty="0">
               <a:solidFill>
                 <a:schemeClr val="bg1"/>
               </a:solidFill>
@@ -1214,7 +1213,7 @@
               <a:buChar char="§"/>
             </a:pPr>
             <a:r>
-              <a:rPr lang="en-US" sz="1100" dirty="0" smtClean="0">
+              <a:rPr lang="en-US" sz="1100" dirty="0">
                 <a:solidFill>
                   <a:schemeClr val="bg1"/>
                 </a:solidFill>
@@ -1222,7 +1221,7 @@
               <a:t>Process store and query device and application events in near real time i.e. </a:t>
             </a:r>
             <a:r>
-              <a:rPr lang="en-US" sz="1100" dirty="0" err="1" smtClean="0">
+              <a:rPr lang="en-US" sz="1100" dirty="0" err="1">
                 <a:solidFill>
                   <a:schemeClr val="bg1"/>
                 </a:solidFill>
@@ -1230,7 +1229,7 @@
               <a:t>IoT</a:t>
             </a:r>
             <a:r>
-              <a:rPr lang="en-US" sz="1100" dirty="0" smtClean="0">
+              <a:rPr lang="en-US" sz="1100" dirty="0">
                 <a:solidFill>
                   <a:schemeClr val="bg1"/>
                 </a:solidFill>
@@ -1250,7 +1249,7 @@
               <a:buChar char="§"/>
             </a:pPr>
             <a:r>
-              <a:rPr lang="en-US" sz="1100" dirty="0" smtClean="0">
+              <a:rPr lang="en-US" sz="1100" dirty="0">
                 <a:solidFill>
                   <a:schemeClr val="bg1"/>
                 </a:solidFill>
@@ -1270,7 +1269,7 @@
               <a:buChar char="§"/>
             </a:pPr>
             <a:r>
-              <a:rPr lang="en-US" sz="1100" dirty="0" smtClean="0">
+              <a:rPr lang="en-US" sz="1100" dirty="0">
                 <a:solidFill>
                   <a:schemeClr val="bg1"/>
                 </a:solidFill>
@@ -1290,7 +1289,7 @@
               <a:buChar char="§"/>
             </a:pPr>
             <a:r>
-              <a:rPr lang="en-US" sz="1100" dirty="0" smtClean="0">
+              <a:rPr lang="en-US" sz="1100" dirty="0">
                 <a:solidFill>
                   <a:schemeClr val="bg1"/>
                 </a:solidFill>
@@ -1309,7 +1308,7 @@
               <a:buFont typeface="Wingdings" panose="05000000000000000000" pitchFamily="2" charset="2"/>
               <a:buChar char="§"/>
             </a:pPr>
-            <a:endParaRPr lang="en-US" sz="1100" dirty="0" smtClean="0">
+            <a:endParaRPr lang="en-US" sz="1100" dirty="0">
               <a:solidFill>
                 <a:schemeClr val="bg1"/>
               </a:solidFill>
@@ -1325,7 +1324,7 @@
               </a:spcAft>
             </a:pPr>
             <a:r>
-              <a:rPr lang="en-US" sz="1400" b="1" dirty="0" smtClean="0">
+              <a:rPr lang="en-US" sz="1400" b="1" dirty="0">
                 <a:solidFill>
                   <a:schemeClr val="bg1"/>
                 </a:solidFill>
@@ -1344,7 +1343,7 @@
               <a:buFont typeface="Wingdings" panose="05000000000000000000" pitchFamily="2" charset="2"/>
               <a:buChar char="§"/>
             </a:pPr>
-            <a:endParaRPr lang="en-US" sz="1200" dirty="0" smtClean="0">
+            <a:endParaRPr lang="en-US" sz="1200" dirty="0">
               <a:solidFill>
                 <a:schemeClr val="bg1"/>
               </a:solidFill>
@@ -1362,7 +1361,7 @@
               <a:buChar char="§"/>
             </a:pPr>
             <a:r>
-              <a:rPr lang="en-US" sz="1200" dirty="0" smtClean="0">
+              <a:rPr lang="en-US" sz="1200" dirty="0">
                 <a:solidFill>
                   <a:schemeClr val="bg1"/>
                 </a:solidFill>
@@ -1382,7 +1381,7 @@
               <a:buChar char="§"/>
             </a:pPr>
             <a:r>
-              <a:rPr lang="en-US" sz="1200" dirty="0" smtClean="0">
+              <a:rPr lang="en-US" sz="1200" dirty="0">
                 <a:solidFill>
                   <a:schemeClr val="bg1"/>
                 </a:solidFill>
@@ -1402,7 +1401,7 @@
               <a:buChar char="§"/>
             </a:pPr>
             <a:r>
-              <a:rPr lang="en-US" sz="1200" dirty="0" smtClean="0">
+              <a:rPr lang="en-US" sz="1200" dirty="0">
                 <a:solidFill>
                   <a:schemeClr val="bg1"/>
                 </a:solidFill>
@@ -1421,7 +1420,7 @@
               <a:buFont typeface="Wingdings" panose="05000000000000000000" pitchFamily="2" charset="2"/>
               <a:buChar char="§"/>
             </a:pPr>
-            <a:endParaRPr lang="en-US" sz="1200" dirty="0" smtClean="0">
+            <a:endParaRPr lang="en-US" sz="1200" dirty="0">
               <a:solidFill>
                 <a:schemeClr val="bg1"/>
               </a:solidFill>
@@ -1437,7 +1436,7 @@
               </a:spcAft>
             </a:pPr>
             <a:r>
-              <a:rPr lang="en-US" sz="1400" b="1" dirty="0" smtClean="0">
+              <a:rPr lang="en-US" sz="1400" b="1" dirty="0">
                 <a:solidFill>
                   <a:schemeClr val="bg1"/>
                 </a:solidFill>
@@ -1456,7 +1455,7 @@
               <a:buFont typeface="Wingdings" panose="05000000000000000000" pitchFamily="2" charset="2"/>
               <a:buChar char="§"/>
             </a:pPr>
-            <a:endParaRPr lang="en-US" sz="1200" dirty="0" smtClean="0">
+            <a:endParaRPr lang="en-US" sz="1200" dirty="0">
               <a:solidFill>
                 <a:schemeClr val="bg1"/>
               </a:solidFill>
@@ -1474,7 +1473,7 @@
               <a:buChar char="§"/>
             </a:pPr>
             <a:r>
-              <a:rPr lang="en-US" sz="1200" dirty="0" smtClean="0">
+              <a:rPr lang="en-US" sz="1200" dirty="0">
                 <a:solidFill>
                   <a:schemeClr val="bg1"/>
                 </a:solidFill>
@@ -1494,7 +1493,7 @@
               <a:buChar char="§"/>
             </a:pPr>
             <a:r>
-              <a:rPr lang="en-US" sz="1200" dirty="0" smtClean="0">
+              <a:rPr lang="en-US" sz="1200" dirty="0">
                 <a:solidFill>
                   <a:schemeClr val="bg1"/>
                 </a:solidFill>
@@ -1514,7 +1513,7 @@
               <a:buChar char="§"/>
             </a:pPr>
             <a:r>
-              <a:rPr lang="en-US" sz="1200" dirty="0" smtClean="0">
+              <a:rPr lang="en-US" sz="1200" dirty="0">
                 <a:solidFill>
                   <a:schemeClr val="bg1"/>
                 </a:solidFill>
@@ -1534,7 +1533,7 @@
               <a:buChar char="§"/>
             </a:pPr>
             <a:r>
-              <a:rPr lang="en-US" sz="1200" dirty="0" smtClean="0">
+              <a:rPr lang="en-US" sz="1200" dirty="0">
                 <a:solidFill>
                   <a:schemeClr val="bg1"/>
                 </a:solidFill>
@@ -1553,7 +1552,7 @@
               <a:buFont typeface="Wingdings" panose="05000000000000000000" pitchFamily="2" charset="2"/>
               <a:buChar char="§"/>
             </a:pPr>
-            <a:endParaRPr lang="en-US" sz="1200" dirty="0" smtClean="0">
+            <a:endParaRPr lang="en-US" sz="1200" dirty="0">
               <a:solidFill>
                 <a:schemeClr val="bg1"/>
               </a:solidFill>
@@ -1570,7 +1569,7 @@
               <a:buFont typeface="Wingdings" panose="05000000000000000000" pitchFamily="2" charset="2"/>
               <a:buChar char="§"/>
             </a:pPr>
-            <a:endParaRPr lang="en-US" sz="1200" dirty="0" smtClean="0">
+            <a:endParaRPr lang="en-US" sz="1200" dirty="0">
               <a:solidFill>
                 <a:schemeClr val="bg1"/>
               </a:solidFill>
@@ -1587,14 +1586,14 @@
               <a:buFont typeface="Wingdings" panose="05000000000000000000" pitchFamily="2" charset="2"/>
               <a:buChar char="§"/>
             </a:pPr>
-            <a:endParaRPr lang="en-US" sz="1100" dirty="0" smtClean="0">
+            <a:endParaRPr lang="en-US" sz="1100" dirty="0">
               <a:solidFill>
                 <a:schemeClr val="bg1"/>
               </a:solidFill>
             </a:endParaRPr>
           </a:p>
           <a:p>
-            <a:endParaRPr lang="en-US" baseline="0" dirty="0" smtClean="0"/>
+            <a:endParaRPr lang="en-US" baseline="0" dirty="0"/>
           </a:p>
         </p:txBody>
       </p:sp>
@@ -1688,12 +1687,12 @@
           <a:lstStyle/>
           <a:p>
             <a:r>
-              <a:rPr lang="en-US" dirty="0" smtClean="0"/>
+              <a:rPr lang="en-US" dirty="0"/>
               <a:t>So what is DocumentDB?</a:t>
             </a:r>
           </a:p>
           <a:p>
-            <a:endParaRPr lang="en-US" dirty="0" smtClean="0"/>
+            <a:endParaRPr lang="en-US" dirty="0"/>
           </a:p>
           <a:p>
             <a:pPr>
@@ -1702,11 +1701,11 @@
               </a:spcAft>
             </a:pPr>
             <a:r>
-              <a:rPr lang="en-US" dirty="0" smtClean="0"/>
+              <a:rPr lang="en-US" dirty="0"/>
               <a:t>DocumentDB is </a:t>
             </a:r>
             <a:r>
-              <a:rPr lang="en-US" sz="1200" dirty="0" smtClean="0">
+              <a:rPr lang="en-US" sz="1200" dirty="0">
                 <a:solidFill>
                   <a:srgbClr val="3F3F3F"/>
                 </a:solidFill>
@@ -1714,7 +1713,7 @@
               <a:t>a</a:t>
             </a:r>
             <a:r>
-              <a:rPr lang="en-US" sz="1200" dirty="0" smtClean="0">
+              <a:rPr lang="en-US" sz="1200" dirty="0">
                 <a:solidFill>
                   <a:srgbClr val="3F3F3F"/>
                 </a:solidFill>
@@ -1724,7 +1723,7 @@
               <a:t> </a:t>
             </a:r>
             <a:r>
-              <a:rPr lang="en-US" sz="1200" dirty="0" smtClean="0">
+              <a:rPr lang="en-US" sz="1200" dirty="0">
                 <a:solidFill>
                   <a:srgbClr val="0071BC"/>
                 </a:solidFill>
@@ -1734,7 +1733,7 @@
               <a:t>NoSQL document database-as-a-service</a:t>
             </a:r>
             <a:r>
-              <a:rPr lang="en-US" sz="1200" dirty="0" smtClean="0">
+              <a:rPr lang="en-US" sz="1200" dirty="0">
                 <a:solidFill>
                   <a:srgbClr val="3F3F3F"/>
                 </a:solidFill>
@@ -1763,7 +1762,7 @@
               <a:defRPr/>
             </a:pPr>
             <a:r>
-              <a:rPr lang="en-US" sz="1200" dirty="0" smtClean="0">
+              <a:rPr lang="en-US" sz="1200" dirty="0">
                 <a:solidFill>
                   <a:srgbClr val="3F3F3F"/>
                 </a:solidFill>
@@ -1773,7 +1772,7 @@
               <a:t>It is for cloud-designed apps when query over schema-free data; reliable and predictable performance; and rapid development are key. It’s the </a:t>
             </a:r>
             <a:r>
-              <a:rPr lang="en-US" sz="1200" dirty="0" smtClean="0">
+              <a:rPr lang="en-US" sz="1200" dirty="0">
                 <a:solidFill>
                   <a:srgbClr val="0071BC"/>
                 </a:solidFill>
@@ -1783,7 +1782,7 @@
               <a:t>f</a:t>
             </a:r>
             <a:r>
-              <a:rPr lang="en-US" sz="1200" dirty="0" smtClean="0">
+              <a:rPr lang="en-US" sz="1200" dirty="0">
                 <a:solidFill>
                   <a:srgbClr val="0071BC"/>
                 </a:solidFill>
@@ -1792,11 +1791,11 @@
             </a:r>
           </a:p>
           <a:p>
-            <a:endParaRPr lang="en-US" dirty="0" smtClean="0"/>
-          </a:p>
-          <a:p>
-            <a:r>
-              <a:rPr lang="en-US" baseline="0" dirty="0" smtClean="0"/>
+            <a:endParaRPr lang="en-US" dirty="0"/>
+          </a:p>
+          <a:p>
+            <a:r>
+              <a:rPr lang="en-US" baseline="0" dirty="0"/>
               <a:t>The key benefits of DocDB can be broken down into three pillars. We'll go into a bit more detail into how DocDB is differentiated in the market based on these pillars.</a:t>
             </a:r>
           </a:p>
@@ -1805,11 +1804,11 @@
               <a:buAutoNum type="arabicPeriod"/>
             </a:pPr>
             <a:r>
-              <a:rPr lang="en-US" dirty="0" smtClean="0"/>
+              <a:rPr lang="en-US" dirty="0"/>
               <a:t>Rich query and transaction over JSON data – which includes the concepts of</a:t>
             </a:r>
             <a:r>
-              <a:rPr lang="en-US" baseline="0" dirty="0" smtClean="0"/>
+              <a:rPr lang="en-US" baseline="0" dirty="0"/>
               <a:t> query, automatic indexing, transactions, sql-like query language</a:t>
             </a:r>
           </a:p>
@@ -1818,7 +1817,7 @@
               <a:buAutoNum type="arabicPeriod"/>
             </a:pPr>
             <a:r>
-              <a:rPr lang="en-US" baseline="0" dirty="0" smtClean="0"/>
+              <a:rPr lang="en-US" baseline="0" dirty="0"/>
               <a:t>Reliable and Predictable Performance – built for the cloud, tunable consistency, elastic</a:t>
             </a:r>
           </a:p>
@@ -1827,7 +1826,7 @@
               <a:buAutoNum type="arabicPeriod"/>
             </a:pPr>
             <a:r>
-              <a:rPr lang="en-US" baseline="0" dirty="0" smtClean="0"/>
+              <a:rPr lang="en-US" baseline="0" dirty="0"/>
               <a:t>Rapid Development – benefits of being part of Azure, build with familiar tools (so you can bring your JSON data and take it away)</a:t>
             </a:r>
           </a:p>
@@ -1835,11 +1834,11 @@
             <a:pPr marL="226451" indent="-226451">
               <a:buAutoNum type="arabicPeriod"/>
             </a:pPr>
-            <a:endParaRPr lang="en-US" baseline="0" dirty="0" smtClean="0"/>
-          </a:p>
-          <a:p>
-            <a:r>
-              <a:rPr lang="en-US" baseline="0" dirty="0" smtClean="0"/>
+            <a:endParaRPr lang="en-US" baseline="0" dirty="0"/>
+          </a:p>
+          <a:p>
+            <a:r>
+              <a:rPr lang="en-US" baseline="0" dirty="0"/>
               <a:t>Together, you have a service that is perfect for cloud architects and developers who need an enterprise-ready NoSQL document database.</a:t>
             </a:r>
             <a:endParaRPr lang="en-US" dirty="0"/>
@@ -1942,7 +1941,7 @@
               <a:buNone/>
             </a:pPr>
             <a:r>
-              <a:rPr lang="en-US" dirty="0" smtClean="0">
+              <a:rPr lang="en-US" dirty="0">
                 <a:effectLst/>
               </a:rPr>
               <a:t>Source: https://msdn.microsoft.com/en-us/library/azure/dn781482.aspx</a:t>
@@ -1953,7 +1952,7 @@
               <a:buFontTx/>
               <a:buNone/>
             </a:pPr>
-            <a:endParaRPr lang="en-US" dirty="0" smtClean="0">
+            <a:endParaRPr lang="en-US" dirty="0">
               <a:effectLst/>
             </a:endParaRPr>
           </a:p>
@@ -1963,7 +1962,7 @@
               <a:buNone/>
             </a:pPr>
             <a:r>
-              <a:rPr lang="en-US" dirty="0" smtClean="0">
+              <a:rPr lang="en-US" dirty="0">
                 <a:effectLst/>
               </a:rPr>
               <a:t>Microsoft Azure DocumentDB is a document-oriented, NoSQL database service designed for modern mobile and web applications. DocumentDB delivers consistently fast reads and writes, schema flexibility, and the ability to easily scale a database up and down on demand. DocumentDB enables complex ad hoc queries using a dialect of SQL, supports well defined consistency levels, and offers JavaScript language integrated, multi-document transaction processing using the familiar programming model of stored procedures, triggers and UDFs.</a:t>
@@ -2055,7 +2054,7 @@
           <a:lstStyle/>
           <a:p>
             <a:r>
-              <a:rPr lang="en-US" smtClean="0"/>
+              <a:rPr lang="en-US"/>
               <a:t>Click to edit Master title style</a:t>
             </a:r>
             <a:endParaRPr lang="en-US" dirty="0"/>
@@ -2088,14 +2087,14 @@
           <a:p>
             <a:pPr lvl="0"/>
             <a:r>
-              <a:rPr lang="en-US" dirty="0" smtClean="0"/>
+              <a:rPr lang="en-US" dirty="0"/>
               <a:t>Presenter Name</a:t>
             </a:r>
           </a:p>
           <a:p>
             <a:pPr lvl="0"/>
             <a:r>
-              <a:rPr lang="en-US" dirty="0" smtClean="0"/>
+              <a:rPr lang="en-US" dirty="0"/>
               <a:t>Title/role</a:t>
             </a:r>
           </a:p>
@@ -2111,13 +2110,6 @@
   <p:clrMapOvr>
     <a:masterClrMapping/>
   </p:clrMapOvr>
-  <p:timing>
-    <p:tnLst>
-      <p:par>
-        <p:cTn id="1" dur="indefinite" restart="never" nodeType="tmRoot"/>
-      </p:par>
-    </p:tnLst>
-  </p:timing>
 </p:sldLayout>
 </file>
 
@@ -2165,10 +2157,9 @@
           </a:lstStyle>
           <a:p>
             <a:r>
-              <a:rPr lang="en-US" smtClean="0"/>
+              <a:rPr lang="en-US"/>
               <a:t>Click to edit Master title style</a:t>
             </a:r>
-            <a:endParaRPr lang="en-US"/>
           </a:p>
         </p:txBody>
       </p:sp>
@@ -2229,18 +2220,13 @@
                     <a:lstStyle/>
                     <a:p>
                       <a:r>
-                        <a:rPr lang="en-US" sz="2000" dirty="0" smtClean="0">
+                        <a:rPr lang="en-US" sz="2000" dirty="0">
                           <a:solidFill>
                             <a:schemeClr val="bg1"/>
                           </a:solidFill>
                         </a:rPr>
                         <a:t>Heading</a:t>
                       </a:r>
-                      <a:endParaRPr lang="en-US" sz="2000" dirty="0">
-                        <a:solidFill>
-                          <a:schemeClr val="bg1"/>
-                        </a:solidFill>
-                      </a:endParaRPr>
                     </a:p>
                   </a:txBody>
                   <a:tcPr marL="137160" marR="137160" marT="137160" marB="137160" anchor="ctr">
@@ -2272,18 +2258,13 @@
                     <a:lstStyle/>
                     <a:p>
                       <a:r>
-                        <a:rPr lang="en-US" sz="2000" dirty="0" smtClean="0">
+                        <a:rPr lang="en-US" sz="2000" dirty="0">
                           <a:solidFill>
                             <a:schemeClr val="bg1"/>
                           </a:solidFill>
                         </a:rPr>
                         <a:t>Heading</a:t>
                       </a:r>
-                      <a:endParaRPr lang="en-US" sz="2000" dirty="0">
-                        <a:solidFill>
-                          <a:schemeClr val="bg1"/>
-                        </a:solidFill>
-                      </a:endParaRPr>
                     </a:p>
                   </a:txBody>
                   <a:tcPr marL="137160" marR="137160" marT="137160" marB="137160" anchor="ctr">
@@ -2315,18 +2296,13 @@
                     <a:lstStyle/>
                     <a:p>
                       <a:r>
-                        <a:rPr lang="en-US" sz="2000" dirty="0" smtClean="0">
+                        <a:rPr lang="en-US" sz="2000" dirty="0">
                           <a:solidFill>
                             <a:schemeClr val="bg1"/>
                           </a:solidFill>
                         </a:rPr>
                         <a:t>Heading</a:t>
                       </a:r>
-                      <a:endParaRPr lang="en-US" sz="2000" dirty="0">
-                        <a:solidFill>
-                          <a:schemeClr val="bg1"/>
-                        </a:solidFill>
-                      </a:endParaRPr>
                     </a:p>
                   </a:txBody>
                   <a:tcPr marL="137160" marR="137160" marT="137160" marB="137160" anchor="ctr">
@@ -2358,18 +2334,13 @@
                     <a:lstStyle/>
                     <a:p>
                       <a:r>
-                        <a:rPr lang="en-US" sz="2000" dirty="0" smtClean="0">
+                        <a:rPr lang="en-US" sz="2000" dirty="0">
                           <a:solidFill>
                             <a:schemeClr val="bg1"/>
                           </a:solidFill>
                         </a:rPr>
                         <a:t>Heading</a:t>
                       </a:r>
-                      <a:endParaRPr lang="en-US" sz="2000" dirty="0">
-                        <a:solidFill>
-                          <a:schemeClr val="bg1"/>
-                        </a:solidFill>
-                      </a:endParaRPr>
                     </a:p>
                   </a:txBody>
                   <a:tcPr marL="137160" marR="137160" marT="137160" marB="137160" anchor="ctr">
@@ -2408,18 +2379,13 @@
                     <a:lstStyle/>
                     <a:p>
                       <a:r>
-                        <a:rPr lang="en-US" sz="1600" dirty="0" smtClean="0">
+                        <a:rPr lang="en-US" sz="1600" dirty="0">
                           <a:solidFill>
                             <a:srgbClr val="3C454F"/>
                           </a:solidFill>
                         </a:rPr>
                         <a:t>Content</a:t>
                       </a:r>
-                      <a:endParaRPr lang="en-US" sz="1600" dirty="0">
-                        <a:solidFill>
-                          <a:srgbClr val="3C454F"/>
-                        </a:solidFill>
-                      </a:endParaRPr>
                     </a:p>
                   </a:txBody>
                   <a:tcPr marL="137160" marR="137160" marT="137160" marB="137160">
@@ -2468,7 +2434,7 @@
                         <a:defRPr/>
                       </a:pPr>
                       <a:r>
-                        <a:rPr lang="en-US" sz="1600" dirty="0" smtClean="0">
+                        <a:rPr lang="en-US" sz="1600" dirty="0">
                           <a:solidFill>
                             <a:srgbClr val="3C454F"/>
                           </a:solidFill>
@@ -2530,7 +2496,7 @@
                         <a:defRPr/>
                       </a:pPr>
                       <a:r>
-                        <a:rPr lang="en-US" sz="1600" dirty="0" smtClean="0">
+                        <a:rPr lang="en-US" sz="1600" dirty="0">
                           <a:solidFill>
                             <a:srgbClr val="3C454F"/>
                           </a:solidFill>
@@ -2592,7 +2558,7 @@
                         <a:defRPr/>
                       </a:pPr>
                       <a:r>
-                        <a:rPr lang="en-US" sz="1600" dirty="0" smtClean="0">
+                        <a:rPr lang="en-US" sz="1600" dirty="0">
                           <a:solidFill>
                             <a:srgbClr val="3C454F"/>
                           </a:solidFill>
@@ -2661,7 +2627,7 @@
                         <a:defRPr/>
                       </a:pPr>
                       <a:r>
-                        <a:rPr lang="en-US" sz="1600" dirty="0" smtClean="0">
+                        <a:rPr lang="en-US" sz="1600" dirty="0">
                           <a:solidFill>
                             <a:srgbClr val="3C454F"/>
                           </a:solidFill>
@@ -2723,7 +2689,7 @@
                         <a:defRPr/>
                       </a:pPr>
                       <a:r>
-                        <a:rPr lang="en-US" sz="1600" dirty="0" smtClean="0">
+                        <a:rPr lang="en-US" sz="1600" dirty="0">
                           <a:solidFill>
                             <a:srgbClr val="3C454F"/>
                           </a:solidFill>
@@ -2785,7 +2751,7 @@
                         <a:defRPr/>
                       </a:pPr>
                       <a:r>
-                        <a:rPr lang="en-US" sz="1600" dirty="0" smtClean="0">
+                        <a:rPr lang="en-US" sz="1600" dirty="0">
                           <a:solidFill>
                             <a:srgbClr val="3C454F"/>
                           </a:solidFill>
@@ -2847,7 +2813,7 @@
                         <a:defRPr/>
                       </a:pPr>
                       <a:r>
-                        <a:rPr lang="en-US" sz="1600" dirty="0" smtClean="0">
+                        <a:rPr lang="en-US" sz="1600" dirty="0">
                           <a:solidFill>
                             <a:srgbClr val="3C454F"/>
                           </a:solidFill>
@@ -2916,7 +2882,7 @@
                         <a:defRPr/>
                       </a:pPr>
                       <a:r>
-                        <a:rPr lang="en-US" sz="1600" dirty="0" smtClean="0">
+                        <a:rPr lang="en-US" sz="1600" dirty="0">
                           <a:solidFill>
                             <a:srgbClr val="3C454F"/>
                           </a:solidFill>
@@ -2978,7 +2944,7 @@
                         <a:defRPr/>
                       </a:pPr>
                       <a:r>
-                        <a:rPr lang="en-US" sz="1600" dirty="0" smtClean="0">
+                        <a:rPr lang="en-US" sz="1600" dirty="0">
                           <a:solidFill>
                             <a:srgbClr val="3C454F"/>
                           </a:solidFill>
@@ -3040,7 +3006,7 @@
                         <a:defRPr/>
                       </a:pPr>
                       <a:r>
-                        <a:rPr lang="en-US" sz="1600" dirty="0" smtClean="0">
+                        <a:rPr lang="en-US" sz="1600" dirty="0">
                           <a:solidFill>
                             <a:srgbClr val="3C454F"/>
                           </a:solidFill>
@@ -3102,7 +3068,7 @@
                         <a:defRPr/>
                       </a:pPr>
                       <a:r>
-                        <a:rPr lang="en-US" sz="1600" dirty="0" smtClean="0">
+                        <a:rPr lang="en-US" sz="1600" dirty="0">
                           <a:solidFill>
                             <a:srgbClr val="3C454F"/>
                           </a:solidFill>
@@ -3161,13 +3127,6 @@
   <p:clrMapOvr>
     <a:masterClrMapping/>
   </p:clrMapOvr>
-  <p:timing>
-    <p:tnLst>
-      <p:par>
-        <p:cTn id="1" dur="indefinite" restart="never" nodeType="tmRoot"/>
-      </p:par>
-    </p:tnLst>
-  </p:timing>
 </p:sldLayout>
 </file>
 
@@ -3198,13 +3157,6 @@
   <p:clrMapOvr>
     <a:masterClrMapping/>
   </p:clrMapOvr>
-  <p:timing>
-    <p:tnLst>
-      <p:par>
-        <p:cTn id="1" dur="indefinite" restart="never" nodeType="tmRoot"/>
-      </p:par>
-    </p:tnLst>
-  </p:timing>
 </p:sldLayout>
 </file>
 
@@ -3252,10 +3204,9 @@
           </a:lstStyle>
           <a:p>
             <a:r>
-              <a:rPr lang="en-US" smtClean="0"/>
+              <a:rPr lang="en-US"/>
               <a:t>Click to edit Master title style</a:t>
             </a:r>
-            <a:endParaRPr lang="en-US"/>
           </a:p>
         </p:txBody>
       </p:sp>
@@ -3319,38 +3270,37 @@
           <a:p>
             <a:pPr lvl="0"/>
             <a:r>
-              <a:rPr lang="en-US" smtClean="0"/>
+              <a:rPr lang="en-US"/>
               <a:t>Click to edit Master text styles</a:t>
             </a:r>
           </a:p>
           <a:p>
             <a:pPr lvl="1"/>
             <a:r>
-              <a:rPr lang="en-US" smtClean="0"/>
+              <a:rPr lang="en-US"/>
               <a:t>Second level</a:t>
             </a:r>
           </a:p>
           <a:p>
             <a:pPr lvl="2"/>
             <a:r>
-              <a:rPr lang="en-US" smtClean="0"/>
+              <a:rPr lang="en-US"/>
               <a:t>Third level</a:t>
             </a:r>
           </a:p>
           <a:p>
             <a:pPr lvl="3"/>
             <a:r>
-              <a:rPr lang="en-US" smtClean="0"/>
+              <a:rPr lang="en-US"/>
               <a:t>Fourth level</a:t>
             </a:r>
           </a:p>
           <a:p>
             <a:pPr lvl="4"/>
             <a:r>
-              <a:rPr lang="en-US" smtClean="0"/>
+              <a:rPr lang="en-US"/>
               <a:t>Fifth level</a:t>
             </a:r>
-            <a:endParaRPr lang="en-US"/>
           </a:p>
         </p:txBody>
       </p:sp>
@@ -3415,7 +3365,7 @@
           <a:p>
             <a:pPr lvl="0"/>
             <a:r>
-              <a:rPr lang="en-US" smtClean="0"/>
+              <a:rPr lang="en-US"/>
               <a:t>Click to edit Master text styles</a:t>
             </a:r>
           </a:p>
@@ -3431,13 +3381,6 @@
   <p:clrMapOvr>
     <a:masterClrMapping/>
   </p:clrMapOvr>
-  <p:timing>
-    <p:tnLst>
-      <p:par>
-        <p:cTn id="1" dur="indefinite" restart="never" nodeType="tmRoot"/>
-      </p:par>
-    </p:tnLst>
-  </p:timing>
 </p:sldLayout>
 </file>
 
@@ -3483,7 +3426,7 @@
           </a:lstStyle>
           <a:p>
             <a:r>
-              <a:rPr lang="en-US" smtClean="0"/>
+              <a:rPr lang="en-US"/>
               <a:t>Click to edit Master title style</a:t>
             </a:r>
             <a:endParaRPr lang="en-US" dirty="0"/>
@@ -3500,13 +3443,6 @@
   <p:clrMapOvr>
     <a:masterClrMapping/>
   </p:clrMapOvr>
-  <p:timing>
-    <p:tnLst>
-      <p:par>
-        <p:cTn id="1" dur="indefinite" restart="never" nodeType="tmRoot"/>
-      </p:par>
-    </p:tnLst>
-  </p:timing>
 </p:sldLayout>
 </file>
 
@@ -3607,75 +3543,7 @@
                 </a:gradFill>
                 <a:cs typeface="Segoe UI" pitchFamily="34" charset="0"/>
               </a:rPr>
-              <a:t>The </a:t>
-            </a:r>
-            <a:r>
-              <a:rPr lang="en-US" sz="686" dirty="0" smtClean="0">
-                <a:gradFill>
-                  <a:gsLst>
-                    <a:gs pos="0">
-                      <a:srgbClr val="FFFFFF"/>
-                    </a:gs>
-                    <a:gs pos="100000">
-                      <a:srgbClr val="FFFFFF"/>
-                    </a:gs>
-                  </a:gsLst>
-                  <a:lin ang="5400000" scaled="0"/>
-                </a:gradFill>
-                <a:cs typeface="Segoe UI" pitchFamily="34" charset="0"/>
-              </a:rPr>
-              <a:t>information herein </a:t>
-            </a:r>
-            <a:r>
-              <a:rPr lang="en-US" sz="686" dirty="0">
-                <a:gradFill>
-                  <a:gsLst>
-                    <a:gs pos="0">
-                      <a:srgbClr val="FFFFFF"/>
-                    </a:gs>
-                    <a:gs pos="100000">
-                      <a:srgbClr val="FFFFFF"/>
-                    </a:gs>
-                  </a:gsLst>
-                  <a:lin ang="5400000" scaled="0"/>
-                </a:gradFill>
-                <a:cs typeface="Segoe UI" pitchFamily="34" charset="0"/>
-              </a:rPr>
-              <a:t>is for informational purposes only and represents the current view of Microsoft Corporation as of the date of this presentation.  Because Microsoft must respond to changing market conditions, it should not be interpreted to </a:t>
-            </a:r>
-            <a:r>
-              <a:rPr lang="en-US" sz="686" dirty="0" smtClean="0">
-                <a:gradFill>
-                  <a:gsLst>
-                    <a:gs pos="0">
-                      <a:srgbClr val="FFFFFF"/>
-                    </a:gs>
-                    <a:gs pos="100000">
-                      <a:srgbClr val="FFFFFF"/>
-                    </a:gs>
-                  </a:gsLst>
-                  <a:lin ang="5400000" scaled="0"/>
-                </a:gradFill>
-                <a:cs typeface="Segoe UI" pitchFamily="34" charset="0"/>
-              </a:rPr>
-              <a:t>be </a:t>
-            </a:r>
-            <a:r>
-              <a:rPr lang="en-US" sz="686" dirty="0">
-                <a:gradFill>
-                  <a:gsLst>
-                    <a:gs pos="0">
-                      <a:srgbClr val="FFFFFF"/>
-                    </a:gs>
-                    <a:gs pos="100000">
-                      <a:srgbClr val="FFFFFF"/>
-                    </a:gs>
-                  </a:gsLst>
-                  <a:lin ang="5400000" scaled="0"/>
-                </a:gradFill>
-                <a:cs typeface="Segoe UI" pitchFamily="34" charset="0"/>
-              </a:rPr>
-              <a:t>a commitment on the part of Microsoft, and Microsoft cannot guarantee the accuracy of any information provided after the date of this presentation.  MICROSOFT MAKES NO WARRANTIES, EXPRESS, IMPLIED OR STATUTORY, AS TO THE INFORMATION IN THIS PRESENTATION.</a:t>
+              <a:t>The information herein is for informational purposes only and represents the current view of Microsoft Corporation as of the date of this presentation.  Because Microsoft must respond to changing market conditions, it should not be interpreted to be a commitment on the part of Microsoft, and Microsoft cannot guarantee the accuracy of any information provided after the date of this presentation.  MICROSOFT MAKES NO WARRANTIES, EXPRESS, IMPLIED OR STATUTORY, AS TO THE INFORMATION IN THIS PRESENTATION.</a:t>
             </a:r>
           </a:p>
         </p:txBody>
@@ -3732,13 +3600,6 @@
       </p:transition>
     </mc:Fallback>
   </mc:AlternateContent>
-  <p:timing>
-    <p:tnLst>
-      <p:par>
-        <p:cTn id="1" dur="indefinite" restart="never" nodeType="tmRoot"/>
-      </p:par>
-    </p:tnLst>
-  </p:timing>
 </p:sldLayout>
 </file>
 
@@ -3784,7 +3645,7 @@
           </a:lstStyle>
           <a:p>
             <a:r>
-              <a:rPr lang="en-US" smtClean="0"/>
+              <a:rPr lang="en-US"/>
               <a:t>Click to edit Master title style</a:t>
             </a:r>
             <a:endParaRPr lang="en-US" dirty="0"/>
@@ -3938,14 +3799,14 @@
           <a:p>
             <a:pPr lvl="0"/>
             <a:r>
-              <a:rPr lang="en-US" smtClean="0"/>
+              <a:rPr lang="en-US"/>
               <a:t>Click to edit Master text styles</a:t>
             </a:r>
           </a:p>
           <a:p>
             <a:pPr lvl="1"/>
             <a:r>
-              <a:rPr lang="en-US" smtClean="0"/>
+              <a:rPr lang="en-US"/>
               <a:t>Second level</a:t>
             </a:r>
           </a:p>
@@ -3964,13 +3825,6 @@
   <p:transition>
     <p:fade/>
   </p:transition>
-  <p:timing>
-    <p:tnLst>
-      <p:par>
-        <p:cTn id="1" dur="indefinite" restart="never" nodeType="tmRoot"/>
-      </p:par>
-    </p:tnLst>
-  </p:timing>
 </p:sldLayout>
 </file>
 
@@ -4043,7 +3897,7 @@
           </a:lstStyle>
           <a:p>
             <a:r>
-              <a:rPr lang="en-US" smtClean="0"/>
+              <a:rPr lang="en-US"/>
               <a:t>Click to edit Master title style</a:t>
             </a:r>
             <a:endParaRPr lang="en-US" dirty="0"/>
@@ -4213,7 +4067,7 @@
               <a:buChar char="•"/>
             </a:pPr>
             <a:r>
-              <a:rPr lang="en-US" smtClean="0"/>
+              <a:rPr lang="en-US"/>
               <a:t>Click to edit Master text styles</a:t>
             </a:r>
           </a:p>
@@ -4230,7 +4084,7 @@
               <a:buChar char="•"/>
             </a:pPr>
             <a:r>
-              <a:rPr lang="en-US" smtClean="0"/>
+              <a:rPr lang="en-US"/>
               <a:t>Second level</a:t>
             </a:r>
           </a:p>
@@ -4247,7 +4101,7 @@
               <a:buChar char="•"/>
             </a:pPr>
             <a:r>
-              <a:rPr lang="en-US" smtClean="0"/>
+              <a:rPr lang="en-US"/>
               <a:t>Third level</a:t>
             </a:r>
           </a:p>
@@ -4264,7 +4118,7 @@
               <a:buChar char="•"/>
             </a:pPr>
             <a:r>
-              <a:rPr lang="en-US" smtClean="0"/>
+              <a:rPr lang="en-US"/>
               <a:t>Fourth level</a:t>
             </a:r>
           </a:p>
@@ -4281,10 +4135,10 @@
               <a:buChar char="•"/>
             </a:pPr>
             <a:r>
-              <a:rPr lang="en-US" smtClean="0"/>
+              <a:rPr lang="en-US"/>
               <a:t>Fifth level</a:t>
             </a:r>
-            <a:endParaRPr lang="en-US" dirty="0" smtClean="0"/>
+            <a:endParaRPr lang="en-US" dirty="0"/>
           </a:p>
         </p:txBody>
       </p:sp>
@@ -4301,13 +4155,6 @@
   <p:transition>
     <p:fade/>
   </p:transition>
-  <p:timing>
-    <p:tnLst>
-      <p:par>
-        <p:cTn id="1" dur="indefinite" restart="never" nodeType="tmRoot"/>
-      </p:par>
-    </p:tnLst>
-  </p:timing>
 </p:sldLayout>
 </file>
 
@@ -4396,7 +4243,7 @@
           </a:lstStyle>
           <a:p>
             <a:r>
-              <a:rPr lang="en-US" smtClean="0"/>
+              <a:rPr lang="en-US"/>
               <a:t>Click to edit Master subtitle style</a:t>
             </a:r>
             <a:endParaRPr lang="en-US" dirty="0"/>
@@ -4426,7 +4273,7 @@
           <a:lstStyle/>
           <a:p>
             <a:r>
-              <a:rPr lang="en-US" sz="6000" kern="1200" dirty="0" smtClean="0">
+              <a:rPr lang="en-US" sz="6000" kern="1200" dirty="0">
                 <a:solidFill>
                   <a:srgbClr val="289FD7"/>
                 </a:solidFill>
@@ -4436,14 +4283,6 @@
               </a:rPr>
               <a:t>Demo</a:t>
             </a:r>
-            <a:endParaRPr lang="en-US" sz="6000" kern="1200" dirty="0">
-              <a:solidFill>
-                <a:srgbClr val="289FD7"/>
-              </a:solidFill>
-              <a:latin typeface="+mj-lt"/>
-              <a:ea typeface="+mj-ea"/>
-              <a:cs typeface="+mj-cs"/>
-            </a:endParaRPr>
           </a:p>
         </p:txBody>
       </p:sp>
@@ -4457,13 +4296,6 @@
   <p:clrMapOvr>
     <a:masterClrMapping/>
   </p:clrMapOvr>
-  <p:timing>
-    <p:tnLst>
-      <p:par>
-        <p:cTn id="1" dur="indefinite" restart="never" nodeType="tmRoot"/>
-      </p:par>
-    </p:tnLst>
-  </p:timing>
 </p:sldLayout>
 </file>
 
@@ -4517,7 +4349,7 @@
           </a:lstStyle>
           <a:p>
             <a:r>
-              <a:rPr lang="en-US" smtClean="0"/>
+              <a:rPr lang="en-US"/>
               <a:t>Click to edit Master title style</a:t>
             </a:r>
             <a:endParaRPr lang="en-US" dirty="0"/>
@@ -4584,7 +4416,7 @@
           </a:lstStyle>
           <a:p>
             <a:r>
-              <a:rPr lang="en-US" smtClean="0"/>
+              <a:rPr lang="en-US"/>
               <a:t>Click to edit Master subtitle style</a:t>
             </a:r>
             <a:endParaRPr lang="en-US" dirty="0"/>
@@ -4601,13 +4433,6 @@
   <p:clrMapOvr>
     <a:masterClrMapping/>
   </p:clrMapOvr>
-  <p:timing>
-    <p:tnLst>
-      <p:par>
-        <p:cTn id="1" dur="indefinite" restart="never" nodeType="tmRoot"/>
-      </p:par>
-    </p:tnLst>
-  </p:timing>
 </p:sldLayout>
 </file>
 
@@ -4652,10 +4477,9 @@
           <a:lstStyle/>
           <a:p>
             <a:r>
-              <a:rPr lang="en-US" smtClean="0"/>
+              <a:rPr lang="en-US"/>
               <a:t>Click to edit Master title style</a:t>
             </a:r>
-            <a:endParaRPr lang="en-US"/>
           </a:p>
         </p:txBody>
       </p:sp>
@@ -4676,38 +4500,37 @@
           <a:p>
             <a:pPr lvl="0"/>
             <a:r>
-              <a:rPr lang="en-US" smtClean="0"/>
+              <a:rPr lang="en-US"/>
               <a:t>Click to edit Master text styles</a:t>
             </a:r>
           </a:p>
           <a:p>
             <a:pPr lvl="1"/>
             <a:r>
-              <a:rPr lang="en-US" smtClean="0"/>
+              <a:rPr lang="en-US"/>
               <a:t>Second level</a:t>
             </a:r>
           </a:p>
           <a:p>
             <a:pPr lvl="2"/>
             <a:r>
-              <a:rPr lang="en-US" smtClean="0"/>
+              <a:rPr lang="en-US"/>
               <a:t>Third level</a:t>
             </a:r>
           </a:p>
           <a:p>
             <a:pPr lvl="3"/>
             <a:r>
-              <a:rPr lang="en-US" smtClean="0"/>
+              <a:rPr lang="en-US"/>
               <a:t>Fourth level</a:t>
             </a:r>
           </a:p>
           <a:p>
             <a:pPr lvl="4"/>
             <a:r>
-              <a:rPr lang="en-US" smtClean="0"/>
+              <a:rPr lang="en-US"/>
               <a:t>Fifth level</a:t>
             </a:r>
-            <a:endParaRPr lang="en-US"/>
           </a:p>
         </p:txBody>
       </p:sp>
@@ -4721,13 +4544,6 @@
   <p:clrMapOvr>
     <a:masterClrMapping/>
   </p:clrMapOvr>
-  <p:timing>
-    <p:tnLst>
-      <p:par>
-        <p:cTn id="1" dur="indefinite" restart="never" nodeType="tmRoot"/>
-      </p:par>
-    </p:tnLst>
-  </p:timing>
 </p:sldLayout>
 </file>
 
@@ -4772,10 +4588,9 @@
           <a:lstStyle/>
           <a:p>
             <a:r>
-              <a:rPr lang="en-US" smtClean="0"/>
+              <a:rPr lang="en-US"/>
               <a:t>Click to edit Master title style</a:t>
             </a:r>
-            <a:endParaRPr lang="en-US"/>
           </a:p>
         </p:txBody>
       </p:sp>
@@ -4809,14 +4624,14 @@
           <a:p>
             <a:pPr lvl="0"/>
             <a:r>
-              <a:rPr lang="en-US" dirty="0" smtClean="0"/>
+              <a:rPr lang="en-US" dirty="0"/>
               <a:t>Presenter Name</a:t>
             </a:r>
           </a:p>
           <a:p>
             <a:pPr lvl="0"/>
             <a:r>
-              <a:rPr lang="en-US" dirty="0" smtClean="0"/>
+              <a:rPr lang="en-US" dirty="0"/>
               <a:t>Title/role</a:t>
             </a:r>
           </a:p>
@@ -4832,13 +4647,6 @@
   <p:clrMapOvr>
     <a:masterClrMapping/>
   </p:clrMapOvr>
-  <p:timing>
-    <p:tnLst>
-      <p:par>
-        <p:cTn id="1" dur="indefinite" restart="never" nodeType="tmRoot"/>
-      </p:par>
-    </p:tnLst>
-  </p:timing>
 </p:sldLayout>
 </file>
 
@@ -4875,10 +4683,9 @@
           <a:lstStyle/>
           <a:p>
             <a:r>
-              <a:rPr lang="en-US" smtClean="0"/>
+              <a:rPr lang="en-US"/>
               <a:t>Click to edit Master title style</a:t>
             </a:r>
-            <a:endParaRPr lang="en-US"/>
           </a:p>
         </p:txBody>
       </p:sp>
@@ -4904,38 +4711,37 @@
           <a:p>
             <a:pPr lvl="0"/>
             <a:r>
-              <a:rPr lang="en-US" smtClean="0"/>
+              <a:rPr lang="en-US"/>
               <a:t>Click to edit Master text styles</a:t>
             </a:r>
           </a:p>
           <a:p>
             <a:pPr lvl="1"/>
             <a:r>
-              <a:rPr lang="en-US" smtClean="0"/>
+              <a:rPr lang="en-US"/>
               <a:t>Second level</a:t>
             </a:r>
           </a:p>
           <a:p>
             <a:pPr lvl="2"/>
             <a:r>
-              <a:rPr lang="en-US" smtClean="0"/>
+              <a:rPr lang="en-US"/>
               <a:t>Third level</a:t>
             </a:r>
           </a:p>
           <a:p>
             <a:pPr lvl="3"/>
             <a:r>
-              <a:rPr lang="en-US" smtClean="0"/>
+              <a:rPr lang="en-US"/>
               <a:t>Fourth level</a:t>
             </a:r>
           </a:p>
           <a:p>
             <a:pPr lvl="4"/>
             <a:r>
-              <a:rPr lang="en-US" smtClean="0"/>
+              <a:rPr lang="en-US"/>
               <a:t>Fifth level</a:t>
             </a:r>
-            <a:endParaRPr lang="en-US"/>
           </a:p>
         </p:txBody>
       </p:sp>
@@ -4972,10 +4778,9 @@
           <a:p>
             <a:pPr lvl="0"/>
             <a:r>
-              <a:rPr lang="en-US" dirty="0" smtClean="0"/>
+              <a:rPr lang="en-US" dirty="0"/>
               <a:t>Secondary refining headline</a:t>
             </a:r>
-            <a:endParaRPr lang="en-US" dirty="0"/>
           </a:p>
         </p:txBody>
       </p:sp>
@@ -4989,13 +4794,6 @@
   <p:clrMapOvr>
     <a:masterClrMapping/>
   </p:clrMapOvr>
-  <p:timing>
-    <p:tnLst>
-      <p:par>
-        <p:cTn id="1" dur="indefinite" restart="never" nodeType="tmRoot"/>
-      </p:par>
-    </p:tnLst>
-  </p:timing>
 </p:sldLayout>
 </file>
 
@@ -5040,10 +4838,9 @@
           <a:lstStyle/>
           <a:p>
             <a:r>
-              <a:rPr lang="en-US" smtClean="0"/>
+              <a:rPr lang="en-US"/>
               <a:t>Click to edit Master title style</a:t>
             </a:r>
-            <a:endParaRPr lang="en-US"/>
           </a:p>
         </p:txBody>
       </p:sp>
@@ -5057,13 +4854,6 @@
   <p:clrMapOvr>
     <a:masterClrMapping/>
   </p:clrMapOvr>
-  <p:timing>
-    <p:tnLst>
-      <p:par>
-        <p:cTn id="1" dur="indefinite" restart="never" nodeType="tmRoot"/>
-      </p:par>
-    </p:tnLst>
-  </p:timing>
 </p:sldLayout>
 </file>
 
@@ -5111,10 +4901,9 @@
           </a:lstStyle>
           <a:p>
             <a:r>
-              <a:rPr lang="en-US" smtClean="0"/>
+              <a:rPr lang="en-US"/>
               <a:t>Click to edit Master title style</a:t>
             </a:r>
-            <a:endParaRPr lang="en-US"/>
           </a:p>
         </p:txBody>
       </p:sp>
@@ -5175,7 +4964,7 @@
                     <a:lstStyle/>
                     <a:p>
                       <a:r>
-                        <a:rPr lang="en-US" sz="2000" dirty="0" smtClean="0"/>
+                        <a:rPr lang="en-US" sz="2000" dirty="0"/>
                         <a:t>Heading</a:t>
                       </a:r>
                       <a:endParaRPr lang="en-US" sz="2000" dirty="0">
@@ -5214,7 +5003,7 @@
                     <a:lstStyle/>
                     <a:p>
                       <a:r>
-                        <a:rPr lang="en-US" sz="2000" dirty="0" smtClean="0"/>
+                        <a:rPr lang="en-US" sz="2000" dirty="0"/>
                         <a:t>Heading</a:t>
                       </a:r>
                       <a:endParaRPr lang="en-US" sz="2000" dirty="0">
@@ -5253,7 +5042,7 @@
                     <a:lstStyle/>
                     <a:p>
                       <a:r>
-                        <a:rPr lang="en-US" sz="2000" dirty="0" smtClean="0"/>
+                        <a:rPr lang="en-US" sz="2000" dirty="0"/>
                         <a:t>Heading</a:t>
                       </a:r>
                       <a:endParaRPr lang="en-US" sz="2000" dirty="0">
@@ -5292,7 +5081,7 @@
                     <a:lstStyle/>
                     <a:p>
                       <a:r>
-                        <a:rPr lang="en-US" sz="2000" dirty="0" smtClean="0"/>
+                        <a:rPr lang="en-US" sz="2000" dirty="0"/>
                         <a:t>Heading</a:t>
                       </a:r>
                       <a:endParaRPr lang="en-US" sz="2000" dirty="0">
@@ -5338,7 +5127,7 @@
                     <a:lstStyle/>
                     <a:p>
                       <a:r>
-                        <a:rPr lang="en-US" sz="1600" dirty="0" smtClean="0"/>
+                        <a:rPr lang="en-US" sz="1600" dirty="0"/>
                         <a:t>Content</a:t>
                       </a:r>
                       <a:endParaRPr lang="en-US" sz="1600" dirty="0">
@@ -5394,7 +5183,7 @@
                         <a:defRPr/>
                       </a:pPr>
                       <a:r>
-                        <a:rPr lang="en-US" sz="1600" dirty="0" smtClean="0"/>
+                        <a:rPr lang="en-US" sz="1600" dirty="0"/>
                         <a:t>Content</a:t>
                       </a:r>
                     </a:p>
@@ -5452,7 +5241,7 @@
                         <a:defRPr/>
                       </a:pPr>
                       <a:r>
-                        <a:rPr lang="en-US" sz="1600" dirty="0" smtClean="0"/>
+                        <a:rPr lang="en-US" sz="1600" dirty="0"/>
                         <a:t>Content</a:t>
                       </a:r>
                     </a:p>
@@ -5510,7 +5299,7 @@
                         <a:defRPr/>
                       </a:pPr>
                       <a:r>
-                        <a:rPr lang="en-US" sz="1600" dirty="0" smtClean="0"/>
+                        <a:rPr lang="en-US" sz="1600" dirty="0"/>
                         <a:t>Content</a:t>
                       </a:r>
                     </a:p>
@@ -5575,7 +5364,7 @@
                         <a:defRPr/>
                       </a:pPr>
                       <a:r>
-                        <a:rPr lang="en-US" sz="1600" dirty="0" smtClean="0"/>
+                        <a:rPr lang="en-US" sz="1600" dirty="0"/>
                         <a:t>Content</a:t>
                       </a:r>
                     </a:p>
@@ -5633,7 +5422,7 @@
                         <a:defRPr/>
                       </a:pPr>
                       <a:r>
-                        <a:rPr lang="en-US" sz="1600" dirty="0" smtClean="0"/>
+                        <a:rPr lang="en-US" sz="1600" dirty="0"/>
                         <a:t>Content</a:t>
                       </a:r>
                     </a:p>
@@ -5691,7 +5480,7 @@
                         <a:defRPr/>
                       </a:pPr>
                       <a:r>
-                        <a:rPr lang="en-US" sz="1600" dirty="0" smtClean="0"/>
+                        <a:rPr lang="en-US" sz="1600" dirty="0"/>
                         <a:t>Content</a:t>
                       </a:r>
                     </a:p>
@@ -5749,7 +5538,7 @@
                         <a:defRPr/>
                       </a:pPr>
                       <a:r>
-                        <a:rPr lang="en-US" sz="1600" dirty="0" smtClean="0"/>
+                        <a:rPr lang="en-US" sz="1600" dirty="0"/>
                         <a:t>Content</a:t>
                       </a:r>
                     </a:p>
@@ -5814,7 +5603,7 @@
                         <a:defRPr/>
                       </a:pPr>
                       <a:r>
-                        <a:rPr lang="en-US" sz="1600" dirty="0" smtClean="0"/>
+                        <a:rPr lang="en-US" sz="1600" dirty="0"/>
                         <a:t>Content</a:t>
                       </a:r>
                     </a:p>
@@ -5872,7 +5661,7 @@
                         <a:defRPr/>
                       </a:pPr>
                       <a:r>
-                        <a:rPr lang="en-US" sz="1600" dirty="0" smtClean="0"/>
+                        <a:rPr lang="en-US" sz="1600" dirty="0"/>
                         <a:t>Content</a:t>
                       </a:r>
                     </a:p>
@@ -5930,7 +5719,7 @@
                         <a:defRPr/>
                       </a:pPr>
                       <a:r>
-                        <a:rPr lang="en-US" sz="1600" dirty="0" smtClean="0"/>
+                        <a:rPr lang="en-US" sz="1600" dirty="0"/>
                         <a:t>Content</a:t>
                       </a:r>
                     </a:p>
@@ -5988,7 +5777,7 @@
                         <a:defRPr/>
                       </a:pPr>
                       <a:r>
-                        <a:rPr lang="en-US" sz="1600" dirty="0" smtClean="0"/>
+                        <a:rPr lang="en-US" sz="1600" dirty="0"/>
                         <a:t>Content</a:t>
                       </a:r>
                     </a:p>
@@ -6043,13 +5832,6 @@
   <p:clrMapOvr>
     <a:masterClrMapping/>
   </p:clrMapOvr>
-  <p:timing>
-    <p:tnLst>
-      <p:par>
-        <p:cTn id="1" dur="indefinite" restart="never" nodeType="tmRoot"/>
-      </p:par>
-    </p:tnLst>
-  </p:timing>
 </p:sldLayout>
 </file>
 
@@ -6088,13 +5870,6 @@
   <p:clrMapOvr>
     <a:masterClrMapping/>
   </p:clrMapOvr>
-  <p:timing>
-    <p:tnLst>
-      <p:par>
-        <p:cTn id="1" dur="indefinite" restart="never" nodeType="tmRoot"/>
-      </p:par>
-    </p:tnLst>
-  </p:timing>
 </p:sldLayout>
 </file>
 
@@ -6150,10 +5925,9 @@
           </a:lstStyle>
           <a:p>
             <a:r>
-              <a:rPr lang="en-US" smtClean="0"/>
+              <a:rPr lang="en-US"/>
               <a:t>Click to edit Master title style</a:t>
             </a:r>
-            <a:endParaRPr lang="en-US"/>
           </a:p>
         </p:txBody>
       </p:sp>
@@ -6217,38 +5991,37 @@
           <a:p>
             <a:pPr lvl="0"/>
             <a:r>
-              <a:rPr lang="en-US" smtClean="0"/>
+              <a:rPr lang="en-US"/>
               <a:t>Click to edit Master text styles</a:t>
             </a:r>
           </a:p>
           <a:p>
             <a:pPr lvl="1"/>
             <a:r>
-              <a:rPr lang="en-US" smtClean="0"/>
+              <a:rPr lang="en-US"/>
               <a:t>Second level</a:t>
             </a:r>
           </a:p>
           <a:p>
             <a:pPr lvl="2"/>
             <a:r>
-              <a:rPr lang="en-US" smtClean="0"/>
+              <a:rPr lang="en-US"/>
               <a:t>Third level</a:t>
             </a:r>
           </a:p>
           <a:p>
             <a:pPr lvl="3"/>
             <a:r>
-              <a:rPr lang="en-US" smtClean="0"/>
+              <a:rPr lang="en-US"/>
               <a:t>Fourth level</a:t>
             </a:r>
           </a:p>
           <a:p>
             <a:pPr lvl="4"/>
             <a:r>
-              <a:rPr lang="en-US" smtClean="0"/>
+              <a:rPr lang="en-US"/>
               <a:t>Fifth level</a:t>
             </a:r>
-            <a:endParaRPr lang="en-US"/>
           </a:p>
         </p:txBody>
       </p:sp>
@@ -6313,7 +6086,7 @@
           <a:p>
             <a:pPr lvl="0"/>
             <a:r>
-              <a:rPr lang="en-US" smtClean="0"/>
+              <a:rPr lang="en-US"/>
               <a:t>Click to edit Master text styles</a:t>
             </a:r>
           </a:p>
@@ -6329,13 +6102,6 @@
   <p:clrMapOvr>
     <a:masterClrMapping/>
   </p:clrMapOvr>
-  <p:timing>
-    <p:tnLst>
-      <p:par>
-        <p:cTn id="1" dur="indefinite" restart="never" nodeType="tmRoot"/>
-      </p:par>
-    </p:tnLst>
-  </p:timing>
 </p:sldLayout>
 </file>
 
@@ -6389,7 +6155,7 @@
           </a:lstStyle>
           <a:p>
             <a:r>
-              <a:rPr lang="en-US" smtClean="0"/>
+              <a:rPr lang="en-US"/>
               <a:t>Click to edit Master title style</a:t>
             </a:r>
             <a:endParaRPr lang="en-US" dirty="0"/>
@@ -6456,7 +6222,7 @@
           </a:lstStyle>
           <a:p>
             <a:r>
-              <a:rPr lang="en-US" smtClean="0"/>
+              <a:rPr lang="en-US"/>
               <a:t>Click to edit Master subtitle style</a:t>
             </a:r>
             <a:endParaRPr lang="en-US" dirty="0"/>
@@ -6473,13 +6239,6 @@
   <p:clrMapOvr>
     <a:masterClrMapping/>
   </p:clrMapOvr>
-  <p:timing>
-    <p:tnLst>
-      <p:par>
-        <p:cTn id="1" dur="indefinite" restart="never" nodeType="tmRoot"/>
-      </p:par>
-    </p:tnLst>
-  </p:timing>
 </p:sldLayout>
 </file>
 
@@ -6524,10 +6283,9 @@
           <a:lstStyle/>
           <a:p>
             <a:r>
-              <a:rPr lang="en-US" smtClean="0"/>
+              <a:rPr lang="en-US"/>
               <a:t>Click to edit Master title style</a:t>
             </a:r>
-            <a:endParaRPr lang="en-US"/>
           </a:p>
         </p:txBody>
       </p:sp>
@@ -6548,38 +6306,37 @@
           <a:p>
             <a:pPr lvl="0"/>
             <a:r>
-              <a:rPr lang="en-US" smtClean="0"/>
+              <a:rPr lang="en-US"/>
               <a:t>Click to edit Master text styles</a:t>
             </a:r>
           </a:p>
           <a:p>
             <a:pPr lvl="1"/>
             <a:r>
-              <a:rPr lang="en-US" smtClean="0"/>
+              <a:rPr lang="en-US"/>
               <a:t>Second level</a:t>
             </a:r>
           </a:p>
           <a:p>
             <a:pPr lvl="2"/>
             <a:r>
-              <a:rPr lang="en-US" smtClean="0"/>
+              <a:rPr lang="en-US"/>
               <a:t>Third level</a:t>
             </a:r>
           </a:p>
           <a:p>
             <a:pPr lvl="3"/>
             <a:r>
-              <a:rPr lang="en-US" smtClean="0"/>
+              <a:rPr lang="en-US"/>
               <a:t>Fourth level</a:t>
             </a:r>
           </a:p>
           <a:p>
             <a:pPr lvl="4"/>
             <a:r>
-              <a:rPr lang="en-US" smtClean="0"/>
+              <a:rPr lang="en-US"/>
               <a:t>Fifth level</a:t>
             </a:r>
-            <a:endParaRPr lang="en-US"/>
           </a:p>
         </p:txBody>
       </p:sp>
@@ -6593,13 +6350,6 @@
   <p:clrMapOvr>
     <a:masterClrMapping/>
   </p:clrMapOvr>
-  <p:timing>
-    <p:tnLst>
-      <p:par>
-        <p:cTn id="1" dur="indefinite" restart="never" nodeType="tmRoot"/>
-      </p:par>
-    </p:tnLst>
-  </p:timing>
 </p:sldLayout>
 </file>
 
@@ -6636,10 +6386,9 @@
           <a:lstStyle/>
           <a:p>
             <a:r>
-              <a:rPr lang="en-US" smtClean="0"/>
+              <a:rPr lang="en-US"/>
               <a:t>Click to edit Master title style</a:t>
             </a:r>
-            <a:endParaRPr lang="en-US"/>
           </a:p>
         </p:txBody>
       </p:sp>
@@ -6665,38 +6414,37 @@
           <a:p>
             <a:pPr lvl="0"/>
             <a:r>
-              <a:rPr lang="en-US" smtClean="0"/>
+              <a:rPr lang="en-US"/>
               <a:t>Click to edit Master text styles</a:t>
             </a:r>
           </a:p>
           <a:p>
             <a:pPr lvl="1"/>
             <a:r>
-              <a:rPr lang="en-US" smtClean="0"/>
+              <a:rPr lang="en-US"/>
               <a:t>Second level</a:t>
             </a:r>
           </a:p>
           <a:p>
             <a:pPr lvl="2"/>
             <a:r>
-              <a:rPr lang="en-US" smtClean="0"/>
+              <a:rPr lang="en-US"/>
               <a:t>Third level</a:t>
             </a:r>
           </a:p>
           <a:p>
             <a:pPr lvl="3"/>
             <a:r>
-              <a:rPr lang="en-US" smtClean="0"/>
+              <a:rPr lang="en-US"/>
               <a:t>Fourth level</a:t>
             </a:r>
           </a:p>
           <a:p>
             <a:pPr lvl="4"/>
             <a:r>
-              <a:rPr lang="en-US" smtClean="0"/>
+              <a:rPr lang="en-US"/>
               <a:t>Fifth level</a:t>
             </a:r>
-            <a:endParaRPr lang="en-US"/>
           </a:p>
         </p:txBody>
       </p:sp>
@@ -6733,10 +6481,9 @@
           <a:p>
             <a:pPr lvl="0"/>
             <a:r>
-              <a:rPr lang="en-US" dirty="0" smtClean="0"/>
+              <a:rPr lang="en-US" dirty="0"/>
               <a:t>Secondary refining headline</a:t>
             </a:r>
-            <a:endParaRPr lang="en-US" dirty="0"/>
           </a:p>
         </p:txBody>
       </p:sp>
@@ -6750,13 +6497,6 @@
   <p:clrMapOvr>
     <a:masterClrMapping/>
   </p:clrMapOvr>
-  <p:timing>
-    <p:tnLst>
-      <p:par>
-        <p:cTn id="1" dur="indefinite" restart="never" nodeType="tmRoot"/>
-      </p:par>
-    </p:tnLst>
-  </p:timing>
 </p:sldLayout>
 </file>
 
@@ -6801,10 +6541,9 @@
           <a:lstStyle/>
           <a:p>
             <a:r>
-              <a:rPr lang="en-US" smtClean="0"/>
+              <a:rPr lang="en-US"/>
               <a:t>Click to edit Master title style</a:t>
             </a:r>
-            <a:endParaRPr lang="en-US"/>
           </a:p>
         </p:txBody>
       </p:sp>
@@ -6818,13 +6557,6 @@
   <p:clrMapOvr>
     <a:masterClrMapping/>
   </p:clrMapOvr>
-  <p:timing>
-    <p:tnLst>
-      <p:par>
-        <p:cTn id="1" dur="indefinite" restart="never" nodeType="tmRoot"/>
-      </p:par>
-    </p:tnLst>
-  </p:timing>
 </p:sldLayout>
 </file>
 
@@ -6872,10 +6604,9 @@
           </a:lstStyle>
           <a:p>
             <a:r>
-              <a:rPr lang="en-US" smtClean="0"/>
+              <a:rPr lang="en-US"/>
               <a:t>Click to edit Master title style</a:t>
             </a:r>
-            <a:endParaRPr lang="en-US"/>
           </a:p>
         </p:txBody>
       </p:sp>
@@ -6936,7 +6667,7 @@
                     <a:lstStyle/>
                     <a:p>
                       <a:r>
-                        <a:rPr lang="en-US" sz="2000" dirty="0" smtClean="0"/>
+                        <a:rPr lang="en-US" sz="2000" dirty="0"/>
                         <a:t>Heading</a:t>
                       </a:r>
                       <a:endParaRPr lang="en-US" sz="2000" dirty="0">
@@ -6978,7 +6709,7 @@
                     <a:lstStyle/>
                     <a:p>
                       <a:r>
-                        <a:rPr lang="en-US" sz="2000" dirty="0" smtClean="0"/>
+                        <a:rPr lang="en-US" sz="2000" dirty="0"/>
                         <a:t>Heading</a:t>
                       </a:r>
                       <a:endParaRPr lang="en-US" sz="2000" dirty="0">
@@ -7020,7 +6751,7 @@
                     <a:lstStyle/>
                     <a:p>
                       <a:r>
-                        <a:rPr lang="en-US" sz="2000" dirty="0" smtClean="0"/>
+                        <a:rPr lang="en-US" sz="2000" dirty="0"/>
                         <a:t>Heading</a:t>
                       </a:r>
                       <a:endParaRPr lang="en-US" sz="2000" dirty="0">
@@ -7062,7 +6793,7 @@
                     <a:lstStyle/>
                     <a:p>
                       <a:r>
-                        <a:rPr lang="en-US" sz="2000" dirty="0" smtClean="0"/>
+                        <a:rPr lang="en-US" sz="2000" dirty="0"/>
                         <a:t>Heading</a:t>
                       </a:r>
                       <a:endParaRPr lang="en-US" sz="2000" dirty="0">
@@ -7111,7 +6842,7 @@
                     <a:lstStyle/>
                     <a:p>
                       <a:r>
-                        <a:rPr lang="en-US" sz="1600" dirty="0" smtClean="0"/>
+                        <a:rPr lang="en-US" sz="1600" dirty="0"/>
                         <a:t>Content</a:t>
                       </a:r>
                       <a:endParaRPr lang="en-US" sz="1600" dirty="0">
@@ -7170,7 +6901,7 @@
                         <a:defRPr/>
                       </a:pPr>
                       <a:r>
-                        <a:rPr lang="en-US" sz="1600" dirty="0" smtClean="0"/>
+                        <a:rPr lang="en-US" sz="1600" dirty="0"/>
                         <a:t>Content</a:t>
                       </a:r>
                     </a:p>
@@ -7231,7 +6962,7 @@
                         <a:defRPr/>
                       </a:pPr>
                       <a:r>
-                        <a:rPr lang="en-US" sz="1600" dirty="0" smtClean="0"/>
+                        <a:rPr lang="en-US" sz="1600" dirty="0"/>
                         <a:t>Content</a:t>
                       </a:r>
                     </a:p>
@@ -7292,7 +7023,7 @@
                         <a:defRPr/>
                       </a:pPr>
                       <a:r>
-                        <a:rPr lang="en-US" sz="1600" dirty="0" smtClean="0"/>
+                        <a:rPr lang="en-US" sz="1600" dirty="0"/>
                         <a:t>Content</a:t>
                       </a:r>
                     </a:p>
@@ -7360,7 +7091,7 @@
                         <a:defRPr/>
                       </a:pPr>
                       <a:r>
-                        <a:rPr lang="en-US" sz="1600" dirty="0" smtClean="0"/>
+                        <a:rPr lang="en-US" sz="1600" dirty="0"/>
                         <a:t>Content</a:t>
                       </a:r>
                     </a:p>
@@ -7423,7 +7154,7 @@
                         <a:defRPr/>
                       </a:pPr>
                       <a:r>
-                        <a:rPr lang="en-US" sz="1600" dirty="0" smtClean="0"/>
+                        <a:rPr lang="en-US" sz="1600" dirty="0"/>
                         <a:t>Content</a:t>
                       </a:r>
                     </a:p>
@@ -7486,7 +7217,7 @@
                         <a:defRPr/>
                       </a:pPr>
                       <a:r>
-                        <a:rPr lang="en-US" sz="1600" dirty="0" smtClean="0"/>
+                        <a:rPr lang="en-US" sz="1600" dirty="0"/>
                         <a:t>Content</a:t>
                       </a:r>
                     </a:p>
@@ -7549,7 +7280,7 @@
                         <a:defRPr/>
                       </a:pPr>
                       <a:r>
-                        <a:rPr lang="en-US" sz="1600" dirty="0" smtClean="0"/>
+                        <a:rPr lang="en-US" sz="1600" dirty="0"/>
                         <a:t>Content</a:t>
                       </a:r>
                     </a:p>
@@ -7619,7 +7350,7 @@
                         <a:defRPr/>
                       </a:pPr>
                       <a:r>
-                        <a:rPr lang="en-US" sz="1600" dirty="0" smtClean="0"/>
+                        <a:rPr lang="en-US" sz="1600" dirty="0"/>
                         <a:t>Content</a:t>
                       </a:r>
                     </a:p>
@@ -7680,7 +7411,7 @@
                         <a:defRPr/>
                       </a:pPr>
                       <a:r>
-                        <a:rPr lang="en-US" sz="1600" dirty="0" smtClean="0"/>
+                        <a:rPr lang="en-US" sz="1600" dirty="0"/>
                         <a:t>Content</a:t>
                       </a:r>
                     </a:p>
@@ -7741,7 +7472,7 @@
                         <a:defRPr/>
                       </a:pPr>
                       <a:r>
-                        <a:rPr lang="en-US" sz="1600" dirty="0" smtClean="0"/>
+                        <a:rPr lang="en-US" sz="1600" dirty="0"/>
                         <a:t>Content</a:t>
                       </a:r>
                     </a:p>
@@ -7802,7 +7533,7 @@
                         <a:defRPr/>
                       </a:pPr>
                       <a:r>
-                        <a:rPr lang="en-US" sz="1600" dirty="0" smtClean="0"/>
+                        <a:rPr lang="en-US" sz="1600" dirty="0"/>
                         <a:t>Content</a:t>
                       </a:r>
                     </a:p>
@@ -7860,13 +7591,6 @@
   <p:clrMapOvr>
     <a:masterClrMapping/>
   </p:clrMapOvr>
-  <p:timing>
-    <p:tnLst>
-      <p:par>
-        <p:cTn id="1" dur="indefinite" restart="never" nodeType="tmRoot"/>
-      </p:par>
-    </p:tnLst>
-  </p:timing>
 </p:sldLayout>
 </file>
 
@@ -7911,10 +7635,9 @@
           <a:lstStyle/>
           <a:p>
             <a:r>
-              <a:rPr lang="en-US" smtClean="0"/>
+              <a:rPr lang="en-US"/>
               <a:t>Click to edit Master title style</a:t>
             </a:r>
-            <a:endParaRPr lang="en-US"/>
           </a:p>
         </p:txBody>
       </p:sp>
@@ -7948,14 +7671,14 @@
           <a:p>
             <a:pPr lvl="0"/>
             <a:r>
-              <a:rPr lang="en-US" dirty="0" smtClean="0"/>
+              <a:rPr lang="en-US" dirty="0"/>
               <a:t>Presenter Name</a:t>
             </a:r>
           </a:p>
           <a:p>
             <a:pPr lvl="0"/>
             <a:r>
-              <a:rPr lang="en-US" dirty="0" smtClean="0"/>
+              <a:rPr lang="en-US" dirty="0"/>
               <a:t>Title/role</a:t>
             </a:r>
           </a:p>
@@ -7971,13 +7694,6 @@
   <p:clrMapOvr>
     <a:masterClrMapping/>
   </p:clrMapOvr>
-  <p:timing>
-    <p:tnLst>
-      <p:par>
-        <p:cTn id="1" dur="indefinite" restart="never" nodeType="tmRoot"/>
-      </p:par>
-    </p:tnLst>
-  </p:timing>
 </p:sldLayout>
 </file>
 
@@ -8016,13 +7732,6 @@
   <p:clrMapOvr>
     <a:masterClrMapping/>
   </p:clrMapOvr>
-  <p:timing>
-    <p:tnLst>
-      <p:par>
-        <p:cTn id="1" dur="indefinite" restart="never" nodeType="tmRoot"/>
-      </p:par>
-    </p:tnLst>
-  </p:timing>
 </p:sldLayout>
 </file>
 
@@ -8078,10 +7787,9 @@
           </a:lstStyle>
           <a:p>
             <a:r>
-              <a:rPr lang="en-US" smtClean="0"/>
+              <a:rPr lang="en-US"/>
               <a:t>Click to edit Master title style</a:t>
             </a:r>
-            <a:endParaRPr lang="en-US"/>
           </a:p>
         </p:txBody>
       </p:sp>
@@ -8145,38 +7853,37 @@
           <a:p>
             <a:pPr lvl="0"/>
             <a:r>
-              <a:rPr lang="en-US" smtClean="0"/>
+              <a:rPr lang="en-US"/>
               <a:t>Click to edit Master text styles</a:t>
             </a:r>
           </a:p>
           <a:p>
             <a:pPr lvl="1"/>
             <a:r>
-              <a:rPr lang="en-US" smtClean="0"/>
+              <a:rPr lang="en-US"/>
               <a:t>Second level</a:t>
             </a:r>
           </a:p>
           <a:p>
             <a:pPr lvl="2"/>
             <a:r>
-              <a:rPr lang="en-US" smtClean="0"/>
+              <a:rPr lang="en-US"/>
               <a:t>Third level</a:t>
             </a:r>
           </a:p>
           <a:p>
             <a:pPr lvl="3"/>
             <a:r>
-              <a:rPr lang="en-US" smtClean="0"/>
+              <a:rPr lang="en-US"/>
               <a:t>Fourth level</a:t>
             </a:r>
           </a:p>
           <a:p>
             <a:pPr lvl="4"/>
             <a:r>
-              <a:rPr lang="en-US" smtClean="0"/>
+              <a:rPr lang="en-US"/>
               <a:t>Fifth level</a:t>
             </a:r>
-            <a:endParaRPr lang="en-US"/>
           </a:p>
         </p:txBody>
       </p:sp>
@@ -8241,7 +7948,7 @@
           <a:p>
             <a:pPr lvl="0"/>
             <a:r>
-              <a:rPr lang="en-US" smtClean="0"/>
+              <a:rPr lang="en-US"/>
               <a:t>Click to edit Master text styles</a:t>
             </a:r>
           </a:p>
@@ -8257,13 +7964,6 @@
   <p:clrMapOvr>
     <a:masterClrMapping/>
   </p:clrMapOvr>
-  <p:timing>
-    <p:tnLst>
-      <p:par>
-        <p:cTn id="1" dur="indefinite" restart="never" nodeType="tmRoot"/>
-      </p:par>
-    </p:tnLst>
-  </p:timing>
 </p:sldLayout>
 </file>
 
@@ -8317,7 +8017,7 @@
           </a:lstStyle>
           <a:p>
             <a:r>
-              <a:rPr lang="en-US" smtClean="0"/>
+              <a:rPr lang="en-US"/>
               <a:t>Click to edit Master title style</a:t>
             </a:r>
             <a:endParaRPr lang="en-US" dirty="0"/>
@@ -8384,7 +8084,7 @@
           </a:lstStyle>
           <a:p>
             <a:r>
-              <a:rPr lang="en-US" smtClean="0"/>
+              <a:rPr lang="en-US"/>
               <a:t>Click to edit Master subtitle style</a:t>
             </a:r>
             <a:endParaRPr lang="en-US" dirty="0"/>
@@ -8401,13 +8101,6 @@
   <p:clrMapOvr>
     <a:masterClrMapping/>
   </p:clrMapOvr>
-  <p:timing>
-    <p:tnLst>
-      <p:par>
-        <p:cTn id="1" dur="indefinite" restart="never" nodeType="tmRoot"/>
-      </p:par>
-    </p:tnLst>
-  </p:timing>
 </p:sldLayout>
 </file>
 
@@ -8452,10 +8145,9 @@
           <a:lstStyle/>
           <a:p>
             <a:r>
-              <a:rPr lang="en-US" smtClean="0"/>
+              <a:rPr lang="en-US"/>
               <a:t>Click to edit Master title style</a:t>
             </a:r>
-            <a:endParaRPr lang="en-US"/>
           </a:p>
         </p:txBody>
       </p:sp>
@@ -8476,38 +8168,37 @@
           <a:p>
             <a:pPr lvl="0"/>
             <a:r>
-              <a:rPr lang="en-US" smtClean="0"/>
+              <a:rPr lang="en-US"/>
               <a:t>Click to edit Master text styles</a:t>
             </a:r>
           </a:p>
           <a:p>
             <a:pPr lvl="1"/>
             <a:r>
-              <a:rPr lang="en-US" smtClean="0"/>
+              <a:rPr lang="en-US"/>
               <a:t>Second level</a:t>
             </a:r>
           </a:p>
           <a:p>
             <a:pPr lvl="2"/>
             <a:r>
-              <a:rPr lang="en-US" smtClean="0"/>
+              <a:rPr lang="en-US"/>
               <a:t>Third level</a:t>
             </a:r>
           </a:p>
           <a:p>
             <a:pPr lvl="3"/>
             <a:r>
-              <a:rPr lang="en-US" smtClean="0"/>
+              <a:rPr lang="en-US"/>
               <a:t>Fourth level</a:t>
             </a:r>
           </a:p>
           <a:p>
             <a:pPr lvl="4"/>
             <a:r>
-              <a:rPr lang="en-US" smtClean="0"/>
+              <a:rPr lang="en-US"/>
               <a:t>Fifth level</a:t>
             </a:r>
-            <a:endParaRPr lang="en-US"/>
           </a:p>
         </p:txBody>
       </p:sp>
@@ -8521,13 +8212,6 @@
   <p:clrMapOvr>
     <a:masterClrMapping/>
   </p:clrMapOvr>
-  <p:timing>
-    <p:tnLst>
-      <p:par>
-        <p:cTn id="1" dur="indefinite" restart="never" nodeType="tmRoot"/>
-      </p:par>
-    </p:tnLst>
-  </p:timing>
 </p:sldLayout>
 </file>
 
@@ -8564,10 +8248,9 @@
           <a:lstStyle/>
           <a:p>
             <a:r>
-              <a:rPr lang="en-US" smtClean="0"/>
+              <a:rPr lang="en-US"/>
               <a:t>Click to edit Master title style</a:t>
             </a:r>
-            <a:endParaRPr lang="en-US"/>
           </a:p>
         </p:txBody>
       </p:sp>
@@ -8593,38 +8276,37 @@
           <a:p>
             <a:pPr lvl="0"/>
             <a:r>
-              <a:rPr lang="en-US" smtClean="0"/>
+              <a:rPr lang="en-US"/>
               <a:t>Click to edit Master text styles</a:t>
             </a:r>
           </a:p>
           <a:p>
             <a:pPr lvl="1"/>
             <a:r>
-              <a:rPr lang="en-US" smtClean="0"/>
+              <a:rPr lang="en-US"/>
               <a:t>Second level</a:t>
             </a:r>
           </a:p>
           <a:p>
             <a:pPr lvl="2"/>
             <a:r>
-              <a:rPr lang="en-US" smtClean="0"/>
+              <a:rPr lang="en-US"/>
               <a:t>Third level</a:t>
             </a:r>
           </a:p>
           <a:p>
             <a:pPr lvl="3"/>
             <a:r>
-              <a:rPr lang="en-US" smtClean="0"/>
+              <a:rPr lang="en-US"/>
               <a:t>Fourth level</a:t>
             </a:r>
           </a:p>
           <a:p>
             <a:pPr lvl="4"/>
             <a:r>
-              <a:rPr lang="en-US" smtClean="0"/>
+              <a:rPr lang="en-US"/>
               <a:t>Fifth level</a:t>
             </a:r>
-            <a:endParaRPr lang="en-US"/>
           </a:p>
         </p:txBody>
       </p:sp>
@@ -8661,10 +8343,9 @@
           <a:p>
             <a:pPr lvl="0"/>
             <a:r>
-              <a:rPr lang="en-US" dirty="0" smtClean="0"/>
+              <a:rPr lang="en-US" dirty="0"/>
               <a:t>Secondary refining headline</a:t>
             </a:r>
-            <a:endParaRPr lang="en-US" dirty="0"/>
           </a:p>
         </p:txBody>
       </p:sp>
@@ -8678,13 +8359,6 @@
   <p:clrMapOvr>
     <a:masterClrMapping/>
   </p:clrMapOvr>
-  <p:timing>
-    <p:tnLst>
-      <p:par>
-        <p:cTn id="1" dur="indefinite" restart="never" nodeType="tmRoot"/>
-      </p:par>
-    </p:tnLst>
-  </p:timing>
 </p:sldLayout>
 </file>
 
@@ -8729,10 +8403,9 @@
           <a:lstStyle/>
           <a:p>
             <a:r>
-              <a:rPr lang="en-US" smtClean="0"/>
+              <a:rPr lang="en-US"/>
               <a:t>Click to edit Master title style</a:t>
             </a:r>
-            <a:endParaRPr lang="en-US"/>
           </a:p>
         </p:txBody>
       </p:sp>
@@ -8746,13 +8419,6 @@
   <p:clrMapOvr>
     <a:masterClrMapping/>
   </p:clrMapOvr>
-  <p:timing>
-    <p:tnLst>
-      <p:par>
-        <p:cTn id="1" dur="indefinite" restart="never" nodeType="tmRoot"/>
-      </p:par>
-    </p:tnLst>
-  </p:timing>
 </p:sldLayout>
 </file>
 
@@ -8800,10 +8466,9 @@
           </a:lstStyle>
           <a:p>
             <a:r>
-              <a:rPr lang="en-US" smtClean="0"/>
+              <a:rPr lang="en-US"/>
               <a:t>Click to edit Master title style</a:t>
             </a:r>
-            <a:endParaRPr lang="en-US"/>
           </a:p>
         </p:txBody>
       </p:sp>
@@ -8862,18 +8527,13 @@
                     <a:lstStyle/>
                     <a:p>
                       <a:r>
-                        <a:rPr lang="en-US" sz="2000" dirty="0" smtClean="0">
+                        <a:rPr lang="en-US" sz="2000" dirty="0">
                           <a:solidFill>
                             <a:schemeClr val="bg1"/>
                           </a:solidFill>
                         </a:rPr>
                         <a:t>Heading</a:t>
                       </a:r>
-                      <a:endParaRPr lang="en-US" sz="2000" dirty="0">
-                        <a:solidFill>
-                          <a:schemeClr val="bg1"/>
-                        </a:solidFill>
-                      </a:endParaRPr>
                     </a:p>
                   </a:txBody>
                   <a:tcPr marL="137160" marR="137160" marT="137160" marB="137160" anchor="ctr">
@@ -8905,18 +8565,13 @@
                     <a:lstStyle/>
                     <a:p>
                       <a:r>
-                        <a:rPr lang="en-US" sz="2000" dirty="0" smtClean="0">
+                        <a:rPr lang="en-US" sz="2000" dirty="0">
                           <a:solidFill>
                             <a:schemeClr val="bg1"/>
                           </a:solidFill>
                         </a:rPr>
                         <a:t>Heading</a:t>
                       </a:r>
-                      <a:endParaRPr lang="en-US" sz="2000" dirty="0">
-                        <a:solidFill>
-                          <a:schemeClr val="bg1"/>
-                        </a:solidFill>
-                      </a:endParaRPr>
                     </a:p>
                   </a:txBody>
                   <a:tcPr marL="137160" marR="137160" marT="137160" marB="137160" anchor="ctr">
@@ -8948,18 +8603,13 @@
                     <a:lstStyle/>
                     <a:p>
                       <a:r>
-                        <a:rPr lang="en-US" sz="2000" dirty="0" smtClean="0">
+                        <a:rPr lang="en-US" sz="2000" dirty="0">
                           <a:solidFill>
                             <a:schemeClr val="bg1"/>
                           </a:solidFill>
                         </a:rPr>
                         <a:t>Heading</a:t>
                       </a:r>
-                      <a:endParaRPr lang="en-US" sz="2000" dirty="0">
-                        <a:solidFill>
-                          <a:schemeClr val="bg1"/>
-                        </a:solidFill>
-                      </a:endParaRPr>
                     </a:p>
                   </a:txBody>
                   <a:tcPr marL="137160" marR="137160" marT="137160" marB="137160" anchor="ctr">
@@ -8991,18 +8641,13 @@
                     <a:lstStyle/>
                     <a:p>
                       <a:r>
-                        <a:rPr lang="en-US" sz="2000" dirty="0" smtClean="0">
+                        <a:rPr lang="en-US" sz="2000" dirty="0">
                           <a:solidFill>
                             <a:schemeClr val="bg1"/>
                           </a:solidFill>
                         </a:rPr>
                         <a:t>Heading</a:t>
                       </a:r>
-                      <a:endParaRPr lang="en-US" sz="2000" dirty="0">
-                        <a:solidFill>
-                          <a:schemeClr val="bg1"/>
-                        </a:solidFill>
-                      </a:endParaRPr>
                     </a:p>
                   </a:txBody>
                   <a:tcPr marL="137160" marR="137160" marT="137160" marB="137160" anchor="ctr">
@@ -9041,18 +8686,13 @@
                     <a:lstStyle/>
                     <a:p>
                       <a:r>
-                        <a:rPr lang="en-US" sz="1600" dirty="0" smtClean="0">
+                        <a:rPr lang="en-US" sz="1600" dirty="0">
                           <a:solidFill>
                             <a:srgbClr val="3C454F"/>
                           </a:solidFill>
                         </a:rPr>
                         <a:t>Content</a:t>
                       </a:r>
-                      <a:endParaRPr lang="en-US" sz="1600" dirty="0">
-                        <a:solidFill>
-                          <a:srgbClr val="3C454F"/>
-                        </a:solidFill>
-                      </a:endParaRPr>
                     </a:p>
                   </a:txBody>
                   <a:tcPr marL="137160" marR="137160" marT="137160" marB="137160">
@@ -9101,7 +8741,7 @@
                         <a:defRPr/>
                       </a:pPr>
                       <a:r>
-                        <a:rPr lang="en-US" sz="1600" dirty="0" smtClean="0">
+                        <a:rPr lang="en-US" sz="1600" dirty="0">
                           <a:solidFill>
                             <a:srgbClr val="3C454F"/>
                           </a:solidFill>
@@ -9163,7 +8803,7 @@
                         <a:defRPr/>
                       </a:pPr>
                       <a:r>
-                        <a:rPr lang="en-US" sz="1600" dirty="0" smtClean="0">
+                        <a:rPr lang="en-US" sz="1600" dirty="0">
                           <a:solidFill>
                             <a:srgbClr val="3C454F"/>
                           </a:solidFill>
@@ -9225,7 +8865,7 @@
                         <a:defRPr/>
                       </a:pPr>
                       <a:r>
-                        <a:rPr lang="en-US" sz="1600" dirty="0" smtClean="0">
+                        <a:rPr lang="en-US" sz="1600" dirty="0">
                           <a:solidFill>
                             <a:srgbClr val="3C454F"/>
                           </a:solidFill>
@@ -9294,7 +8934,7 @@
                         <a:defRPr/>
                       </a:pPr>
                       <a:r>
-                        <a:rPr lang="en-US" sz="1600" dirty="0" smtClean="0">
+                        <a:rPr lang="en-US" sz="1600" dirty="0">
                           <a:solidFill>
                             <a:srgbClr val="3C454F"/>
                           </a:solidFill>
@@ -9356,7 +8996,7 @@
                         <a:defRPr/>
                       </a:pPr>
                       <a:r>
-                        <a:rPr lang="en-US" sz="1600" dirty="0" smtClean="0">
+                        <a:rPr lang="en-US" sz="1600" dirty="0">
                           <a:solidFill>
                             <a:srgbClr val="3C454F"/>
                           </a:solidFill>
@@ -9418,7 +9058,7 @@
                         <a:defRPr/>
                       </a:pPr>
                       <a:r>
-                        <a:rPr lang="en-US" sz="1600" dirty="0" smtClean="0">
+                        <a:rPr lang="en-US" sz="1600" dirty="0">
                           <a:solidFill>
                             <a:srgbClr val="3C454F"/>
                           </a:solidFill>
@@ -9480,7 +9120,7 @@
                         <a:defRPr/>
                       </a:pPr>
                       <a:r>
-                        <a:rPr lang="en-US" sz="1600" dirty="0" smtClean="0">
+                        <a:rPr lang="en-US" sz="1600" dirty="0">
                           <a:solidFill>
                             <a:srgbClr val="3C454F"/>
                           </a:solidFill>
@@ -9549,7 +9189,7 @@
                         <a:defRPr/>
                       </a:pPr>
                       <a:r>
-                        <a:rPr lang="en-US" sz="1600" dirty="0" smtClean="0">
+                        <a:rPr lang="en-US" sz="1600" dirty="0">
                           <a:solidFill>
                             <a:srgbClr val="3C454F"/>
                           </a:solidFill>
@@ -9611,7 +9251,7 @@
                         <a:defRPr/>
                       </a:pPr>
                       <a:r>
-                        <a:rPr lang="en-US" sz="1600" dirty="0" smtClean="0">
+                        <a:rPr lang="en-US" sz="1600" dirty="0">
                           <a:solidFill>
                             <a:srgbClr val="3C454F"/>
                           </a:solidFill>
@@ -9673,7 +9313,7 @@
                         <a:defRPr/>
                       </a:pPr>
                       <a:r>
-                        <a:rPr lang="en-US" sz="1600" dirty="0" smtClean="0">
+                        <a:rPr lang="en-US" sz="1600" dirty="0">
                           <a:solidFill>
                             <a:srgbClr val="3C454F"/>
                           </a:solidFill>
@@ -9735,7 +9375,7 @@
                         <a:defRPr/>
                       </a:pPr>
                       <a:r>
-                        <a:rPr lang="en-US" sz="1600" dirty="0" smtClean="0">
+                        <a:rPr lang="en-US" sz="1600" dirty="0">
                           <a:solidFill>
                             <a:srgbClr val="3C454F"/>
                           </a:solidFill>
@@ -9794,13 +9434,6 @@
   <p:clrMapOvr>
     <a:masterClrMapping/>
   </p:clrMapOvr>
-  <p:timing>
-    <p:tnLst>
-      <p:par>
-        <p:cTn id="1" dur="indefinite" restart="never" nodeType="tmRoot"/>
-      </p:par>
-    </p:tnLst>
-  </p:timing>
 </p:sldLayout>
 </file>
 
@@ -9839,13 +9472,6 @@
   <p:clrMapOvr>
     <a:masterClrMapping/>
   </p:clrMapOvr>
-  <p:timing>
-    <p:tnLst>
-      <p:par>
-        <p:cTn id="1" dur="indefinite" restart="never" nodeType="tmRoot"/>
-      </p:par>
-    </p:tnLst>
-  </p:timing>
 </p:sldLayout>
 </file>
 
@@ -9901,10 +9527,9 @@
           </a:lstStyle>
           <a:p>
             <a:r>
-              <a:rPr lang="en-US" smtClean="0"/>
+              <a:rPr lang="en-US"/>
               <a:t>Click to edit Master title style</a:t>
             </a:r>
-            <a:endParaRPr lang="en-US"/>
           </a:p>
         </p:txBody>
       </p:sp>
@@ -9968,38 +9593,37 @@
           <a:p>
             <a:pPr lvl="0"/>
             <a:r>
-              <a:rPr lang="en-US" smtClean="0"/>
+              <a:rPr lang="en-US"/>
               <a:t>Click to edit Master text styles</a:t>
             </a:r>
           </a:p>
           <a:p>
             <a:pPr lvl="1"/>
             <a:r>
-              <a:rPr lang="en-US" smtClean="0"/>
+              <a:rPr lang="en-US"/>
               <a:t>Second level</a:t>
             </a:r>
           </a:p>
           <a:p>
             <a:pPr lvl="2"/>
             <a:r>
-              <a:rPr lang="en-US" smtClean="0"/>
+              <a:rPr lang="en-US"/>
               <a:t>Third level</a:t>
             </a:r>
           </a:p>
           <a:p>
             <a:pPr lvl="3"/>
             <a:r>
-              <a:rPr lang="en-US" smtClean="0"/>
+              <a:rPr lang="en-US"/>
               <a:t>Fourth level</a:t>
             </a:r>
           </a:p>
           <a:p>
             <a:pPr lvl="4"/>
             <a:r>
-              <a:rPr lang="en-US" smtClean="0"/>
+              <a:rPr lang="en-US"/>
               <a:t>Fifth level</a:t>
             </a:r>
-            <a:endParaRPr lang="en-US"/>
           </a:p>
         </p:txBody>
       </p:sp>
@@ -10064,7 +9688,7 @@
           <a:p>
             <a:pPr lvl="0"/>
             <a:r>
-              <a:rPr lang="en-US" smtClean="0"/>
+              <a:rPr lang="en-US"/>
               <a:t>Click to edit Master text styles</a:t>
             </a:r>
           </a:p>
@@ -10080,13 +9704,6 @@
   <p:clrMapOvr>
     <a:masterClrMapping/>
   </p:clrMapOvr>
-  <p:timing>
-    <p:tnLst>
-      <p:par>
-        <p:cTn id="1" dur="indefinite" restart="never" nodeType="tmRoot"/>
-      </p:par>
-    </p:tnLst>
-  </p:timing>
 </p:sldLayout>
 </file>
 
@@ -10140,7 +9757,7 @@
           </a:lstStyle>
           <a:p>
             <a:r>
-              <a:rPr lang="en-US" smtClean="0"/>
+              <a:rPr lang="en-US"/>
               <a:t>Click to edit Master title style</a:t>
             </a:r>
             <a:endParaRPr lang="en-US" dirty="0"/>
@@ -10207,7 +9824,7 @@
           </a:lstStyle>
           <a:p>
             <a:r>
-              <a:rPr lang="en-US" smtClean="0"/>
+              <a:rPr lang="en-US"/>
               <a:t>Click to edit Master subtitle style</a:t>
             </a:r>
             <a:endParaRPr lang="en-US" dirty="0"/>
@@ -10224,13 +9841,6 @@
   <p:clrMapOvr>
     <a:masterClrMapping/>
   </p:clrMapOvr>
-  <p:timing>
-    <p:tnLst>
-      <p:par>
-        <p:cTn id="1" dur="indefinite" restart="never" nodeType="tmRoot"/>
-      </p:par>
-    </p:tnLst>
-  </p:timing>
 </p:sldLayout>
 </file>
 
@@ -10275,10 +9885,9 @@
           <a:lstStyle/>
           <a:p>
             <a:r>
-              <a:rPr lang="en-US" smtClean="0"/>
+              <a:rPr lang="en-US"/>
               <a:t>Click to edit Master title style</a:t>
             </a:r>
-            <a:endParaRPr lang="en-US"/>
           </a:p>
         </p:txBody>
       </p:sp>
@@ -10312,14 +9921,14 @@
           <a:p>
             <a:pPr lvl="0"/>
             <a:r>
-              <a:rPr lang="en-US" dirty="0" smtClean="0"/>
+              <a:rPr lang="en-US" dirty="0"/>
               <a:t>Presenter Name</a:t>
             </a:r>
           </a:p>
           <a:p>
             <a:pPr lvl="0"/>
             <a:r>
-              <a:rPr lang="en-US" dirty="0" smtClean="0"/>
+              <a:rPr lang="en-US" dirty="0"/>
               <a:t>Title/role</a:t>
             </a:r>
           </a:p>
@@ -10335,13 +9944,6 @@
   <p:clrMapOvr>
     <a:masterClrMapping/>
   </p:clrMapOvr>
-  <p:timing>
-    <p:tnLst>
-      <p:par>
-        <p:cTn id="1" dur="indefinite" restart="never" nodeType="tmRoot"/>
-      </p:par>
-    </p:tnLst>
-  </p:timing>
 </p:sldLayout>
 </file>
 
@@ -10386,10 +9988,9 @@
           <a:lstStyle/>
           <a:p>
             <a:r>
-              <a:rPr lang="en-US" smtClean="0"/>
+              <a:rPr lang="en-US"/>
               <a:t>Click to edit Master title style</a:t>
             </a:r>
-            <a:endParaRPr lang="en-US"/>
           </a:p>
         </p:txBody>
       </p:sp>
@@ -10410,38 +10011,37 @@
           <a:p>
             <a:pPr lvl="0"/>
             <a:r>
-              <a:rPr lang="en-US" smtClean="0"/>
+              <a:rPr lang="en-US"/>
               <a:t>Click to edit Master text styles</a:t>
             </a:r>
           </a:p>
           <a:p>
             <a:pPr lvl="1"/>
             <a:r>
-              <a:rPr lang="en-US" smtClean="0"/>
+              <a:rPr lang="en-US"/>
               <a:t>Second level</a:t>
             </a:r>
           </a:p>
           <a:p>
             <a:pPr lvl="2"/>
             <a:r>
-              <a:rPr lang="en-US" smtClean="0"/>
+              <a:rPr lang="en-US"/>
               <a:t>Third level</a:t>
             </a:r>
           </a:p>
           <a:p>
             <a:pPr lvl="3"/>
             <a:r>
-              <a:rPr lang="en-US" smtClean="0"/>
+              <a:rPr lang="en-US"/>
               <a:t>Fourth level</a:t>
             </a:r>
           </a:p>
           <a:p>
             <a:pPr lvl="4"/>
             <a:r>
-              <a:rPr lang="en-US" smtClean="0"/>
+              <a:rPr lang="en-US"/>
               <a:t>Fifth level</a:t>
             </a:r>
-            <a:endParaRPr lang="en-US"/>
           </a:p>
         </p:txBody>
       </p:sp>
@@ -10455,13 +10055,6 @@
   <p:clrMapOvr>
     <a:masterClrMapping/>
   </p:clrMapOvr>
-  <p:timing>
-    <p:tnLst>
-      <p:par>
-        <p:cTn id="1" dur="indefinite" restart="never" nodeType="tmRoot"/>
-      </p:par>
-    </p:tnLst>
-  </p:timing>
 </p:sldLayout>
 </file>
 
@@ -10498,10 +10091,9 @@
           <a:lstStyle/>
           <a:p>
             <a:r>
-              <a:rPr lang="en-US" smtClean="0"/>
+              <a:rPr lang="en-US"/>
               <a:t>Click to edit Master title style</a:t>
             </a:r>
-            <a:endParaRPr lang="en-US"/>
           </a:p>
         </p:txBody>
       </p:sp>
@@ -10527,38 +10119,37 @@
           <a:p>
             <a:pPr lvl="0"/>
             <a:r>
-              <a:rPr lang="en-US" smtClean="0"/>
+              <a:rPr lang="en-US"/>
               <a:t>Click to edit Master text styles</a:t>
             </a:r>
           </a:p>
           <a:p>
             <a:pPr lvl="1"/>
             <a:r>
-              <a:rPr lang="en-US" smtClean="0"/>
+              <a:rPr lang="en-US"/>
               <a:t>Second level</a:t>
             </a:r>
           </a:p>
           <a:p>
             <a:pPr lvl="2"/>
             <a:r>
-              <a:rPr lang="en-US" smtClean="0"/>
+              <a:rPr lang="en-US"/>
               <a:t>Third level</a:t>
             </a:r>
           </a:p>
           <a:p>
             <a:pPr lvl="3"/>
             <a:r>
-              <a:rPr lang="en-US" smtClean="0"/>
+              <a:rPr lang="en-US"/>
               <a:t>Fourth level</a:t>
             </a:r>
           </a:p>
           <a:p>
             <a:pPr lvl="4"/>
             <a:r>
-              <a:rPr lang="en-US" smtClean="0"/>
+              <a:rPr lang="en-US"/>
               <a:t>Fifth level</a:t>
             </a:r>
-            <a:endParaRPr lang="en-US"/>
           </a:p>
         </p:txBody>
       </p:sp>
@@ -10595,10 +10186,9 @@
           <a:p>
             <a:pPr lvl="0"/>
             <a:r>
-              <a:rPr lang="en-US" dirty="0" smtClean="0"/>
+              <a:rPr lang="en-US" dirty="0"/>
               <a:t>Secondary refining headline</a:t>
             </a:r>
-            <a:endParaRPr lang="en-US" dirty="0"/>
           </a:p>
         </p:txBody>
       </p:sp>
@@ -10612,13 +10202,6 @@
   <p:clrMapOvr>
     <a:masterClrMapping/>
   </p:clrMapOvr>
-  <p:timing>
-    <p:tnLst>
-      <p:par>
-        <p:cTn id="1" dur="indefinite" restart="never" nodeType="tmRoot"/>
-      </p:par>
-    </p:tnLst>
-  </p:timing>
 </p:sldLayout>
 </file>
 
@@ -10663,10 +10246,9 @@
           <a:lstStyle/>
           <a:p>
             <a:r>
-              <a:rPr lang="en-US" smtClean="0"/>
+              <a:rPr lang="en-US"/>
               <a:t>Click to edit Master title style</a:t>
             </a:r>
-            <a:endParaRPr lang="en-US"/>
           </a:p>
         </p:txBody>
       </p:sp>
@@ -10680,13 +10262,6 @@
   <p:clrMapOvr>
     <a:masterClrMapping/>
   </p:clrMapOvr>
-  <p:timing>
-    <p:tnLst>
-      <p:par>
-        <p:cTn id="1" dur="indefinite" restart="never" nodeType="tmRoot"/>
-      </p:par>
-    </p:tnLst>
-  </p:timing>
 </p:sldLayout>
 </file>
 
@@ -10734,10 +10309,9 @@
           </a:lstStyle>
           <a:p>
             <a:r>
-              <a:rPr lang="en-US" smtClean="0"/>
+              <a:rPr lang="en-US"/>
               <a:t>Click to edit Master title style</a:t>
             </a:r>
-            <a:endParaRPr lang="en-US"/>
           </a:p>
         </p:txBody>
       </p:sp>
@@ -10796,18 +10370,13 @@
                     <a:lstStyle/>
                     <a:p>
                       <a:r>
-                        <a:rPr lang="en-US" sz="2000" dirty="0" smtClean="0">
+                        <a:rPr lang="en-US" sz="2000" dirty="0">
                           <a:solidFill>
                             <a:schemeClr val="bg1"/>
                           </a:solidFill>
                         </a:rPr>
                         <a:t>Heading</a:t>
                       </a:r>
-                      <a:endParaRPr lang="en-US" sz="2000" dirty="0">
-                        <a:solidFill>
-                          <a:schemeClr val="bg1"/>
-                        </a:solidFill>
-                      </a:endParaRPr>
                     </a:p>
                   </a:txBody>
                   <a:tcPr marL="137160" marR="137160" marT="137160" marB="137160" anchor="ctr">
@@ -10839,18 +10408,13 @@
                     <a:lstStyle/>
                     <a:p>
                       <a:r>
-                        <a:rPr lang="en-US" sz="2000" dirty="0" smtClean="0">
+                        <a:rPr lang="en-US" sz="2000" dirty="0">
                           <a:solidFill>
                             <a:schemeClr val="bg1"/>
                           </a:solidFill>
                         </a:rPr>
                         <a:t>Heading</a:t>
                       </a:r>
-                      <a:endParaRPr lang="en-US" sz="2000" dirty="0">
-                        <a:solidFill>
-                          <a:schemeClr val="bg1"/>
-                        </a:solidFill>
-                      </a:endParaRPr>
                     </a:p>
                   </a:txBody>
                   <a:tcPr marL="137160" marR="137160" marT="137160" marB="137160" anchor="ctr">
@@ -10882,18 +10446,13 @@
                     <a:lstStyle/>
                     <a:p>
                       <a:r>
-                        <a:rPr lang="en-US" sz="2000" dirty="0" smtClean="0">
+                        <a:rPr lang="en-US" sz="2000" dirty="0">
                           <a:solidFill>
                             <a:schemeClr val="bg1"/>
                           </a:solidFill>
                         </a:rPr>
                         <a:t>Heading</a:t>
                       </a:r>
-                      <a:endParaRPr lang="en-US" sz="2000" dirty="0">
-                        <a:solidFill>
-                          <a:schemeClr val="bg1"/>
-                        </a:solidFill>
-                      </a:endParaRPr>
                     </a:p>
                   </a:txBody>
                   <a:tcPr marL="137160" marR="137160" marT="137160" marB="137160" anchor="ctr">
@@ -10925,18 +10484,13 @@
                     <a:lstStyle/>
                     <a:p>
                       <a:r>
-                        <a:rPr lang="en-US" sz="2000" dirty="0" smtClean="0">
+                        <a:rPr lang="en-US" sz="2000" dirty="0">
                           <a:solidFill>
                             <a:schemeClr val="bg1"/>
                           </a:solidFill>
                         </a:rPr>
                         <a:t>Heading</a:t>
                       </a:r>
-                      <a:endParaRPr lang="en-US" sz="2000" dirty="0">
-                        <a:solidFill>
-                          <a:schemeClr val="bg1"/>
-                        </a:solidFill>
-                      </a:endParaRPr>
                     </a:p>
                   </a:txBody>
                   <a:tcPr marL="137160" marR="137160" marT="137160" marB="137160" anchor="ctr">
@@ -10975,18 +10529,13 @@
                     <a:lstStyle/>
                     <a:p>
                       <a:r>
-                        <a:rPr lang="en-US" sz="1600" dirty="0" smtClean="0">
+                        <a:rPr lang="en-US" sz="1600" dirty="0">
                           <a:solidFill>
                             <a:srgbClr val="3C454F"/>
                           </a:solidFill>
                         </a:rPr>
                         <a:t>Content</a:t>
                       </a:r>
-                      <a:endParaRPr lang="en-US" sz="1600" dirty="0">
-                        <a:solidFill>
-                          <a:srgbClr val="3C454F"/>
-                        </a:solidFill>
-                      </a:endParaRPr>
                     </a:p>
                   </a:txBody>
                   <a:tcPr marL="137160" marR="137160" marT="137160" marB="137160">
@@ -11035,7 +10584,7 @@
                         <a:defRPr/>
                       </a:pPr>
                       <a:r>
-                        <a:rPr lang="en-US" sz="1600" dirty="0" smtClean="0">
+                        <a:rPr lang="en-US" sz="1600" dirty="0">
                           <a:solidFill>
                             <a:srgbClr val="3C454F"/>
                           </a:solidFill>
@@ -11097,7 +10646,7 @@
                         <a:defRPr/>
                       </a:pPr>
                       <a:r>
-                        <a:rPr lang="en-US" sz="1600" dirty="0" smtClean="0">
+                        <a:rPr lang="en-US" sz="1600" dirty="0">
                           <a:solidFill>
                             <a:srgbClr val="3C454F"/>
                           </a:solidFill>
@@ -11159,7 +10708,7 @@
                         <a:defRPr/>
                       </a:pPr>
                       <a:r>
-                        <a:rPr lang="en-US" sz="1600" dirty="0" smtClean="0">
+                        <a:rPr lang="en-US" sz="1600" dirty="0">
                           <a:solidFill>
                             <a:srgbClr val="3C454F"/>
                           </a:solidFill>
@@ -11228,7 +10777,7 @@
                         <a:defRPr/>
                       </a:pPr>
                       <a:r>
-                        <a:rPr lang="en-US" sz="1600" dirty="0" smtClean="0">
+                        <a:rPr lang="en-US" sz="1600" dirty="0">
                           <a:solidFill>
                             <a:srgbClr val="3C454F"/>
                           </a:solidFill>
@@ -11290,7 +10839,7 @@
                         <a:defRPr/>
                       </a:pPr>
                       <a:r>
-                        <a:rPr lang="en-US" sz="1600" dirty="0" smtClean="0">
+                        <a:rPr lang="en-US" sz="1600" dirty="0">
                           <a:solidFill>
                             <a:srgbClr val="3C454F"/>
                           </a:solidFill>
@@ -11352,7 +10901,7 @@
                         <a:defRPr/>
                       </a:pPr>
                       <a:r>
-                        <a:rPr lang="en-US" sz="1600" dirty="0" smtClean="0">
+                        <a:rPr lang="en-US" sz="1600" dirty="0">
                           <a:solidFill>
                             <a:srgbClr val="3C454F"/>
                           </a:solidFill>
@@ -11414,7 +10963,7 @@
                         <a:defRPr/>
                       </a:pPr>
                       <a:r>
-                        <a:rPr lang="en-US" sz="1600" dirty="0" smtClean="0">
+                        <a:rPr lang="en-US" sz="1600" dirty="0">
                           <a:solidFill>
                             <a:srgbClr val="3C454F"/>
                           </a:solidFill>
@@ -11483,7 +11032,7 @@
                         <a:defRPr/>
                       </a:pPr>
                       <a:r>
-                        <a:rPr lang="en-US" sz="1600" dirty="0" smtClean="0">
+                        <a:rPr lang="en-US" sz="1600" dirty="0">
                           <a:solidFill>
                             <a:srgbClr val="3C454F"/>
                           </a:solidFill>
@@ -11545,7 +11094,7 @@
                         <a:defRPr/>
                       </a:pPr>
                       <a:r>
-                        <a:rPr lang="en-US" sz="1600" dirty="0" smtClean="0">
+                        <a:rPr lang="en-US" sz="1600" dirty="0">
                           <a:solidFill>
                             <a:srgbClr val="3C454F"/>
                           </a:solidFill>
@@ -11607,7 +11156,7 @@
                         <a:defRPr/>
                       </a:pPr>
                       <a:r>
-                        <a:rPr lang="en-US" sz="1600" dirty="0" smtClean="0">
+                        <a:rPr lang="en-US" sz="1600" dirty="0">
                           <a:solidFill>
                             <a:srgbClr val="3C454F"/>
                           </a:solidFill>
@@ -11669,7 +11218,7 @@
                         <a:defRPr/>
                       </a:pPr>
                       <a:r>
-                        <a:rPr lang="en-US" sz="1600" dirty="0" smtClean="0">
+                        <a:rPr lang="en-US" sz="1600" dirty="0">
                           <a:solidFill>
                             <a:srgbClr val="3C454F"/>
                           </a:solidFill>
@@ -11728,13 +11277,6 @@
   <p:clrMapOvr>
     <a:masterClrMapping/>
   </p:clrMapOvr>
-  <p:timing>
-    <p:tnLst>
-      <p:par>
-        <p:cTn id="1" dur="indefinite" restart="never" nodeType="tmRoot"/>
-      </p:par>
-    </p:tnLst>
-  </p:timing>
 </p:sldLayout>
 </file>
 
@@ -11773,13 +11315,6 @@
   <p:clrMapOvr>
     <a:masterClrMapping/>
   </p:clrMapOvr>
-  <p:timing>
-    <p:tnLst>
-      <p:par>
-        <p:cTn id="1" dur="indefinite" restart="never" nodeType="tmRoot"/>
-      </p:par>
-    </p:tnLst>
-  </p:timing>
 </p:sldLayout>
 </file>
 
@@ -11835,10 +11370,9 @@
           </a:lstStyle>
           <a:p>
             <a:r>
-              <a:rPr lang="en-US" smtClean="0"/>
+              <a:rPr lang="en-US"/>
               <a:t>Click to edit Master title style</a:t>
             </a:r>
-            <a:endParaRPr lang="en-US"/>
           </a:p>
         </p:txBody>
       </p:sp>
@@ -11902,38 +11436,37 @@
           <a:p>
             <a:pPr lvl="0"/>
             <a:r>
-              <a:rPr lang="en-US" smtClean="0"/>
+              <a:rPr lang="en-US"/>
               <a:t>Click to edit Master text styles</a:t>
             </a:r>
           </a:p>
           <a:p>
             <a:pPr lvl="1"/>
             <a:r>
-              <a:rPr lang="en-US" smtClean="0"/>
+              <a:rPr lang="en-US"/>
               <a:t>Second level</a:t>
             </a:r>
           </a:p>
           <a:p>
             <a:pPr lvl="2"/>
             <a:r>
-              <a:rPr lang="en-US" smtClean="0"/>
+              <a:rPr lang="en-US"/>
               <a:t>Third level</a:t>
             </a:r>
           </a:p>
           <a:p>
             <a:pPr lvl="3"/>
             <a:r>
-              <a:rPr lang="en-US" smtClean="0"/>
+              <a:rPr lang="en-US"/>
               <a:t>Fourth level</a:t>
             </a:r>
           </a:p>
           <a:p>
             <a:pPr lvl="4"/>
             <a:r>
-              <a:rPr lang="en-US" smtClean="0"/>
+              <a:rPr lang="en-US"/>
               <a:t>Fifth level</a:t>
             </a:r>
-            <a:endParaRPr lang="en-US"/>
           </a:p>
         </p:txBody>
       </p:sp>
@@ -11998,7 +11531,7 @@
           <a:p>
             <a:pPr lvl="0"/>
             <a:r>
-              <a:rPr lang="en-US" smtClean="0"/>
+              <a:rPr lang="en-US"/>
               <a:t>Click to edit Master text styles</a:t>
             </a:r>
           </a:p>
@@ -12014,13 +11547,6 @@
   <p:clrMapOvr>
     <a:masterClrMapping/>
   </p:clrMapOvr>
-  <p:timing>
-    <p:tnLst>
-      <p:par>
-        <p:cTn id="1" dur="indefinite" restart="never" nodeType="tmRoot"/>
-      </p:par>
-    </p:tnLst>
-  </p:timing>
 </p:sldLayout>
 </file>
 
@@ -12074,7 +11600,7 @@
           </a:lstStyle>
           <a:p>
             <a:r>
-              <a:rPr lang="en-US" smtClean="0"/>
+              <a:rPr lang="en-US"/>
               <a:t>Click to edit Master title style</a:t>
             </a:r>
             <a:endParaRPr lang="en-US" dirty="0"/>
@@ -12141,7 +11667,7 @@
           </a:lstStyle>
           <a:p>
             <a:r>
-              <a:rPr lang="en-US" smtClean="0"/>
+              <a:rPr lang="en-US"/>
               <a:t>Click to edit Master subtitle style</a:t>
             </a:r>
             <a:endParaRPr lang="en-US" dirty="0"/>
@@ -12158,13 +11684,6 @@
   <p:clrMapOvr>
     <a:masterClrMapping/>
   </p:clrMapOvr>
-  <p:timing>
-    <p:tnLst>
-      <p:par>
-        <p:cTn id="1" dur="indefinite" restart="never" nodeType="tmRoot"/>
-      </p:par>
-    </p:tnLst>
-  </p:timing>
 </p:sldLayout>
 </file>
 
@@ -12209,10 +11728,9 @@
           <a:lstStyle/>
           <a:p>
             <a:r>
-              <a:rPr lang="en-US" smtClean="0"/>
+              <a:rPr lang="en-US"/>
               <a:t>Click to edit Master title style</a:t>
             </a:r>
-            <a:endParaRPr lang="en-US"/>
           </a:p>
         </p:txBody>
       </p:sp>
@@ -12233,38 +11751,37 @@
           <a:p>
             <a:pPr lvl="0"/>
             <a:r>
-              <a:rPr lang="en-US" smtClean="0"/>
+              <a:rPr lang="en-US"/>
               <a:t>Click to edit Master text styles</a:t>
             </a:r>
           </a:p>
           <a:p>
             <a:pPr lvl="1"/>
             <a:r>
-              <a:rPr lang="en-US" smtClean="0"/>
+              <a:rPr lang="en-US"/>
               <a:t>Second level</a:t>
             </a:r>
           </a:p>
           <a:p>
             <a:pPr lvl="2"/>
             <a:r>
-              <a:rPr lang="en-US" smtClean="0"/>
+              <a:rPr lang="en-US"/>
               <a:t>Third level</a:t>
             </a:r>
           </a:p>
           <a:p>
             <a:pPr lvl="3"/>
             <a:r>
-              <a:rPr lang="en-US" smtClean="0"/>
+              <a:rPr lang="en-US"/>
               <a:t>Fourth level</a:t>
             </a:r>
           </a:p>
           <a:p>
             <a:pPr lvl="4"/>
             <a:r>
-              <a:rPr lang="en-US" smtClean="0"/>
+              <a:rPr lang="en-US"/>
               <a:t>Fifth level</a:t>
             </a:r>
-            <a:endParaRPr lang="en-US"/>
           </a:p>
         </p:txBody>
       </p:sp>
@@ -12278,13 +11795,6 @@
   <p:clrMapOvr>
     <a:masterClrMapping/>
   </p:clrMapOvr>
-  <p:timing>
-    <p:tnLst>
-      <p:par>
-        <p:cTn id="1" dur="indefinite" restart="never" nodeType="tmRoot"/>
-      </p:par>
-    </p:tnLst>
-  </p:timing>
 </p:sldLayout>
 </file>
 
@@ -12321,10 +11831,9 @@
           <a:lstStyle/>
           <a:p>
             <a:r>
-              <a:rPr lang="en-US" smtClean="0"/>
+              <a:rPr lang="en-US"/>
               <a:t>Click to edit Master title style</a:t>
             </a:r>
-            <a:endParaRPr lang="en-US"/>
           </a:p>
         </p:txBody>
       </p:sp>
@@ -12350,38 +11859,37 @@
           <a:p>
             <a:pPr lvl="0"/>
             <a:r>
-              <a:rPr lang="en-US" smtClean="0"/>
+              <a:rPr lang="en-US"/>
               <a:t>Click to edit Master text styles</a:t>
             </a:r>
           </a:p>
           <a:p>
             <a:pPr lvl="1"/>
             <a:r>
-              <a:rPr lang="en-US" smtClean="0"/>
+              <a:rPr lang="en-US"/>
               <a:t>Second level</a:t>
             </a:r>
           </a:p>
           <a:p>
             <a:pPr lvl="2"/>
             <a:r>
-              <a:rPr lang="en-US" smtClean="0"/>
+              <a:rPr lang="en-US"/>
               <a:t>Third level</a:t>
             </a:r>
           </a:p>
           <a:p>
             <a:pPr lvl="3"/>
             <a:r>
-              <a:rPr lang="en-US" smtClean="0"/>
+              <a:rPr lang="en-US"/>
               <a:t>Fourth level</a:t>
             </a:r>
           </a:p>
           <a:p>
             <a:pPr lvl="4"/>
             <a:r>
-              <a:rPr lang="en-US" smtClean="0"/>
+              <a:rPr lang="en-US"/>
               <a:t>Fifth level</a:t>
             </a:r>
-            <a:endParaRPr lang="en-US"/>
           </a:p>
         </p:txBody>
       </p:sp>
@@ -12449,10 +11957,9 @@
           <a:p>
             <a:pPr lvl="0"/>
             <a:r>
-              <a:rPr lang="en-US" dirty="0" smtClean="0"/>
+              <a:rPr lang="en-US" dirty="0"/>
               <a:t>Secondary refining headline</a:t>
             </a:r>
-            <a:endParaRPr lang="en-US" dirty="0"/>
           </a:p>
         </p:txBody>
       </p:sp>
@@ -12466,13 +11973,6 @@
   <p:clrMapOvr>
     <a:masterClrMapping/>
   </p:clrMapOvr>
-  <p:timing>
-    <p:tnLst>
-      <p:par>
-        <p:cTn id="1" dur="indefinite" restart="never" nodeType="tmRoot"/>
-      </p:par>
-    </p:tnLst>
-  </p:timing>
 </p:sldLayout>
 </file>
 
@@ -12517,10 +12017,9 @@
           <a:lstStyle/>
           <a:p>
             <a:r>
-              <a:rPr lang="en-US" smtClean="0"/>
+              <a:rPr lang="en-US"/>
               <a:t>Click to edit Master title style</a:t>
             </a:r>
-            <a:endParaRPr lang="en-US"/>
           </a:p>
         </p:txBody>
       </p:sp>
@@ -12534,13 +12033,6 @@
   <p:clrMapOvr>
     <a:masterClrMapping/>
   </p:clrMapOvr>
-  <p:timing>
-    <p:tnLst>
-      <p:par>
-        <p:cTn id="1" dur="indefinite" restart="never" nodeType="tmRoot"/>
-      </p:par>
-    </p:tnLst>
-  </p:timing>
 </p:sldLayout>
 </file>
 
@@ -12593,7 +12085,7 @@
           </a:lstStyle>
           <a:p>
             <a:r>
-              <a:rPr lang="en-US" smtClean="0"/>
+              <a:rPr lang="en-US"/>
               <a:t>Click to edit Master title style</a:t>
             </a:r>
             <a:endParaRPr lang="en-US" dirty="0"/>
@@ -12630,14 +12122,14 @@
           <a:p>
             <a:pPr lvl="0"/>
             <a:r>
-              <a:rPr lang="en-US" dirty="0" smtClean="0"/>
+              <a:rPr lang="en-US" dirty="0"/>
               <a:t>Presenter Name</a:t>
             </a:r>
           </a:p>
           <a:p>
             <a:pPr lvl="0"/>
             <a:r>
-              <a:rPr lang="en-US" dirty="0" smtClean="0"/>
+              <a:rPr lang="en-US" dirty="0"/>
               <a:t>Title/role</a:t>
             </a:r>
           </a:p>
@@ -12653,13 +12145,6 @@
   <p:clrMapOvr>
     <a:masterClrMapping/>
   </p:clrMapOvr>
-  <p:timing>
-    <p:tnLst>
-      <p:par>
-        <p:cTn id="1" dur="indefinite" restart="never" nodeType="tmRoot"/>
-      </p:par>
-    </p:tnLst>
-  </p:timing>
 </p:sldLayout>
 </file>
 
@@ -12698,13 +12183,6 @@
   <p:clrMapOvr>
     <a:masterClrMapping/>
   </p:clrMapOvr>
-  <p:timing>
-    <p:tnLst>
-      <p:par>
-        <p:cTn id="1" dur="indefinite" restart="never" nodeType="tmRoot"/>
-      </p:par>
-    </p:tnLst>
-  </p:timing>
 </p:sldLayout>
 </file>
 
@@ -12743,13 +12221,6 @@
   <p:clrMapOvr>
     <a:masterClrMapping/>
   </p:clrMapOvr>
-  <p:timing>
-    <p:tnLst>
-      <p:par>
-        <p:cTn id="1" dur="indefinite" restart="never" nodeType="tmRoot"/>
-      </p:par>
-    </p:tnLst>
-  </p:timing>
 </p:sldLayout>
 </file>
 
@@ -12805,10 +12276,9 @@
           </a:lstStyle>
           <a:p>
             <a:r>
-              <a:rPr lang="en-US" smtClean="0"/>
+              <a:rPr lang="en-US"/>
               <a:t>Click to edit Master title style</a:t>
             </a:r>
-            <a:endParaRPr lang="en-US"/>
           </a:p>
         </p:txBody>
       </p:sp>
@@ -12872,38 +12342,37 @@
           <a:p>
             <a:pPr lvl="0"/>
             <a:r>
-              <a:rPr lang="en-US" smtClean="0"/>
+              <a:rPr lang="en-US"/>
               <a:t>Click to edit Master text styles</a:t>
             </a:r>
           </a:p>
           <a:p>
             <a:pPr lvl="1"/>
             <a:r>
-              <a:rPr lang="en-US" smtClean="0"/>
+              <a:rPr lang="en-US"/>
               <a:t>Second level</a:t>
             </a:r>
           </a:p>
           <a:p>
             <a:pPr lvl="2"/>
             <a:r>
-              <a:rPr lang="en-US" smtClean="0"/>
+              <a:rPr lang="en-US"/>
               <a:t>Third level</a:t>
             </a:r>
           </a:p>
           <a:p>
             <a:pPr lvl="3"/>
             <a:r>
-              <a:rPr lang="en-US" smtClean="0"/>
+              <a:rPr lang="en-US"/>
               <a:t>Fourth level</a:t>
             </a:r>
           </a:p>
           <a:p>
             <a:pPr lvl="4"/>
             <a:r>
-              <a:rPr lang="en-US" smtClean="0"/>
+              <a:rPr lang="en-US"/>
               <a:t>Fifth level</a:t>
             </a:r>
-            <a:endParaRPr lang="en-US"/>
           </a:p>
         </p:txBody>
       </p:sp>
@@ -12968,7 +12437,7 @@
           <a:p>
             <a:pPr lvl="0"/>
             <a:r>
-              <a:rPr lang="en-US" smtClean="0"/>
+              <a:rPr lang="en-US"/>
               <a:t>Click to edit Master text styles</a:t>
             </a:r>
           </a:p>
@@ -12984,13 +12453,6 @@
   <p:clrMapOvr>
     <a:masterClrMapping/>
   </p:clrMapOvr>
-  <p:timing>
-    <p:tnLst>
-      <p:par>
-        <p:cTn id="1" dur="indefinite" restart="never" nodeType="tmRoot"/>
-      </p:par>
-    </p:tnLst>
-  </p:timing>
 </p:sldLayout>
 </file>
 
@@ -13036,7 +12498,7 @@
           </a:lstStyle>
           <a:p>
             <a:r>
-              <a:rPr lang="en-US" smtClean="0"/>
+              <a:rPr lang="en-US"/>
               <a:t>Click to edit Master title style</a:t>
             </a:r>
             <a:endParaRPr lang="en-US" dirty="0"/>
@@ -13103,7 +12565,7 @@
           </a:lstStyle>
           <a:p>
             <a:r>
-              <a:rPr lang="en-US" smtClean="0"/>
+              <a:rPr lang="en-US"/>
               <a:t>Click to edit Master subtitle style</a:t>
             </a:r>
             <a:endParaRPr lang="en-US" dirty="0"/>
@@ -13120,13 +12582,6 @@
   <p:clrMapOvr>
     <a:masterClrMapping/>
   </p:clrMapOvr>
-  <p:timing>
-    <p:tnLst>
-      <p:par>
-        <p:cTn id="1" dur="indefinite" restart="never" nodeType="tmRoot"/>
-      </p:par>
-    </p:tnLst>
-  </p:timing>
 </p:sldLayout>
 </file>
 
@@ -13163,10 +12618,9 @@
           <a:lstStyle/>
           <a:p>
             <a:r>
-              <a:rPr lang="en-US" smtClean="0"/>
+              <a:rPr lang="en-US"/>
               <a:t>Click to edit Master title style</a:t>
             </a:r>
-            <a:endParaRPr lang="en-US"/>
           </a:p>
         </p:txBody>
       </p:sp>
@@ -13187,38 +12641,37 @@
           <a:p>
             <a:pPr lvl="0"/>
             <a:r>
-              <a:rPr lang="en-US" smtClean="0"/>
+              <a:rPr lang="en-US"/>
               <a:t>Click to edit Master text styles</a:t>
             </a:r>
           </a:p>
           <a:p>
             <a:pPr lvl="1"/>
             <a:r>
-              <a:rPr lang="en-US" smtClean="0"/>
+              <a:rPr lang="en-US"/>
               <a:t>Second level</a:t>
             </a:r>
           </a:p>
           <a:p>
             <a:pPr lvl="2"/>
             <a:r>
-              <a:rPr lang="en-US" smtClean="0"/>
+              <a:rPr lang="en-US"/>
               <a:t>Third level</a:t>
             </a:r>
           </a:p>
           <a:p>
             <a:pPr lvl="3"/>
             <a:r>
-              <a:rPr lang="en-US" smtClean="0"/>
+              <a:rPr lang="en-US"/>
               <a:t>Fourth level</a:t>
             </a:r>
           </a:p>
           <a:p>
             <a:pPr lvl="4"/>
             <a:r>
-              <a:rPr lang="en-US" smtClean="0"/>
+              <a:rPr lang="en-US"/>
               <a:t>Fifth level</a:t>
             </a:r>
-            <a:endParaRPr lang="en-US"/>
           </a:p>
         </p:txBody>
       </p:sp>
@@ -13232,13 +12685,6 @@
   <p:clrMapOvr>
     <a:masterClrMapping/>
   </p:clrMapOvr>
-  <p:timing>
-    <p:tnLst>
-      <p:par>
-        <p:cTn id="1" dur="indefinite" restart="never" nodeType="tmRoot"/>
-      </p:par>
-    </p:tnLst>
-  </p:timing>
 </p:sldLayout>
 </file>
 
@@ -13275,10 +12721,9 @@
           <a:lstStyle/>
           <a:p>
             <a:r>
-              <a:rPr lang="en-US" smtClean="0"/>
+              <a:rPr lang="en-US"/>
               <a:t>Click to edit Master title style</a:t>
             </a:r>
-            <a:endParaRPr lang="en-US"/>
           </a:p>
         </p:txBody>
       </p:sp>
@@ -13304,38 +12749,37 @@
           <a:p>
             <a:pPr lvl="0"/>
             <a:r>
-              <a:rPr lang="en-US" smtClean="0"/>
+              <a:rPr lang="en-US"/>
               <a:t>Click to edit Master text styles</a:t>
             </a:r>
           </a:p>
           <a:p>
             <a:pPr lvl="1"/>
             <a:r>
-              <a:rPr lang="en-US" smtClean="0"/>
+              <a:rPr lang="en-US"/>
               <a:t>Second level</a:t>
             </a:r>
           </a:p>
           <a:p>
             <a:pPr lvl="2"/>
             <a:r>
-              <a:rPr lang="en-US" smtClean="0"/>
+              <a:rPr lang="en-US"/>
               <a:t>Third level</a:t>
             </a:r>
           </a:p>
           <a:p>
             <a:pPr lvl="3"/>
             <a:r>
-              <a:rPr lang="en-US" smtClean="0"/>
+              <a:rPr lang="en-US"/>
               <a:t>Fourth level</a:t>
             </a:r>
           </a:p>
           <a:p>
             <a:pPr lvl="4"/>
             <a:r>
-              <a:rPr lang="en-US" smtClean="0"/>
+              <a:rPr lang="en-US"/>
               <a:t>Fifth level</a:t>
             </a:r>
-            <a:endParaRPr lang="en-US"/>
           </a:p>
         </p:txBody>
       </p:sp>
@@ -13372,10 +12816,9 @@
           <a:p>
             <a:pPr lvl="0"/>
             <a:r>
-              <a:rPr lang="en-US" dirty="0" smtClean="0"/>
+              <a:rPr lang="en-US" dirty="0"/>
               <a:t>Secondary refining headline</a:t>
             </a:r>
-            <a:endParaRPr lang="en-US" dirty="0"/>
           </a:p>
         </p:txBody>
       </p:sp>
@@ -13389,13 +12832,6 @@
   <p:clrMapOvr>
     <a:masterClrMapping/>
   </p:clrMapOvr>
-  <p:timing>
-    <p:tnLst>
-      <p:par>
-        <p:cTn id="1" dur="indefinite" restart="never" nodeType="tmRoot"/>
-      </p:par>
-    </p:tnLst>
-  </p:timing>
 </p:sldLayout>
 </file>
 
@@ -13432,10 +12868,9 @@
           <a:lstStyle/>
           <a:p>
             <a:r>
-              <a:rPr lang="en-US" smtClean="0"/>
+              <a:rPr lang="en-US"/>
               <a:t>Click to edit Master title style</a:t>
             </a:r>
-            <a:endParaRPr lang="en-US"/>
           </a:p>
         </p:txBody>
       </p:sp>
@@ -13449,13 +12884,6 @@
   <p:clrMapOvr>
     <a:masterClrMapping/>
   </p:clrMapOvr>
-  <p:timing>
-    <p:tnLst>
-      <p:par>
-        <p:cTn id="1" dur="indefinite" restart="never" nodeType="tmRoot"/>
-      </p:par>
-    </p:tnLst>
-  </p:timing>
 </p:sldLayout>
 </file>
 
@@ -13510,10 +12938,9 @@
           <a:lstStyle/>
           <a:p>
             <a:r>
-              <a:rPr lang="en-US" dirty="0" smtClean="0"/>
+              <a:rPr lang="en-US" dirty="0"/>
               <a:t>Topic/Title</a:t>
             </a:r>
-            <a:endParaRPr lang="en-US" dirty="0"/>
           </a:p>
         </p:txBody>
       </p:sp>
@@ -13544,17 +12971,16 @@
           <a:p>
             <a:pPr lvl="0"/>
             <a:r>
-              <a:rPr lang="en-US" dirty="0" smtClean="0"/>
+              <a:rPr lang="en-US" dirty="0"/>
               <a:t>Presenter Name</a:t>
             </a:r>
           </a:p>
           <a:p>
             <a:pPr lvl="0"/>
             <a:r>
-              <a:rPr lang="en-US" dirty="0" smtClean="0"/>
+              <a:rPr lang="en-US" dirty="0"/>
               <a:t>Title</a:t>
             </a:r>
-            <a:endParaRPr lang="en-US" dirty="0"/>
           </a:p>
         </p:txBody>
       </p:sp>
@@ -13573,13 +12999,6 @@
     <p:sldLayoutId id="2147483676" r:id="rId4"/>
     <p:sldLayoutId id="2147483677" r:id="rId5"/>
   </p:sldLayoutIdLst>
-  <p:timing>
-    <p:tnLst>
-      <p:par>
-        <p:cTn id="1" dur="indefinite" restart="never" nodeType="tmRoot"/>
-      </p:par>
-    </p:tnLst>
-  </p:timing>
   <p:txStyles>
     <p:titleStyle>
       <a:lvl1pPr algn="r" defTabSz="914400" rtl="0" eaLnBrk="1" latinLnBrk="0" hangingPunct="1">
@@ -13914,7 +13333,7 @@
           <a:lstStyle/>
           <a:p>
             <a:r>
-              <a:rPr lang="en-US" smtClean="0"/>
+              <a:rPr lang="en-US"/>
               <a:t>Click to edit Master title style</a:t>
             </a:r>
             <a:endParaRPr lang="en-US" dirty="0"/>
@@ -13948,35 +13367,35 @@
           <a:p>
             <a:pPr lvl="0"/>
             <a:r>
-              <a:rPr lang="en-US" smtClean="0"/>
+              <a:rPr lang="en-US"/>
               <a:t>Click to edit Master text styles</a:t>
             </a:r>
           </a:p>
           <a:p>
             <a:pPr lvl="1"/>
             <a:r>
-              <a:rPr lang="en-US" smtClean="0"/>
+              <a:rPr lang="en-US"/>
               <a:t>Second level</a:t>
             </a:r>
           </a:p>
           <a:p>
             <a:pPr lvl="2"/>
             <a:r>
-              <a:rPr lang="en-US" smtClean="0"/>
+              <a:rPr lang="en-US"/>
               <a:t>Third level</a:t>
             </a:r>
           </a:p>
           <a:p>
             <a:pPr lvl="3"/>
             <a:r>
-              <a:rPr lang="en-US" smtClean="0"/>
+              <a:rPr lang="en-US"/>
               <a:t>Fourth level</a:t>
             </a:r>
           </a:p>
           <a:p>
             <a:pPr lvl="4"/>
             <a:r>
-              <a:rPr lang="en-US" smtClean="0"/>
+              <a:rPr lang="en-US"/>
               <a:t>Fifth level</a:t>
             </a:r>
             <a:endParaRPr lang="en-US" dirty="0"/>
@@ -14351,13 +13770,6 @@
     <p:sldLayoutId id="2147483693" r:id="rId11"/>
     <p:sldLayoutId id="2147483694" r:id="rId12"/>
   </p:sldLayoutIdLst>
-  <p:timing>
-    <p:tnLst>
-      <p:par>
-        <p:cTn id="1" dur="indefinite" restart="never" nodeType="tmRoot"/>
-      </p:par>
-    </p:tnLst>
-  </p:timing>
   <p:hf hdr="0" ftr="0" dt="0"/>
   <p:txStyles>
     <p:titleStyle>
@@ -14693,7 +14105,7 @@
           <a:lstStyle/>
           <a:p>
             <a:r>
-              <a:rPr lang="en-US" smtClean="0"/>
+              <a:rPr lang="en-US"/>
               <a:t>Click to edit Master title style</a:t>
             </a:r>
             <a:endParaRPr lang="en-US" dirty="0"/>
@@ -14727,35 +14139,35 @@
           <a:p>
             <a:pPr lvl="0"/>
             <a:r>
-              <a:rPr lang="en-US" smtClean="0"/>
+              <a:rPr lang="en-US"/>
               <a:t>Click to edit Master text styles</a:t>
             </a:r>
           </a:p>
           <a:p>
             <a:pPr lvl="1"/>
             <a:r>
-              <a:rPr lang="en-US" smtClean="0"/>
+              <a:rPr lang="en-US"/>
               <a:t>Second level</a:t>
             </a:r>
           </a:p>
           <a:p>
             <a:pPr lvl="2"/>
             <a:r>
-              <a:rPr lang="en-US" smtClean="0"/>
+              <a:rPr lang="en-US"/>
               <a:t>Third level</a:t>
             </a:r>
           </a:p>
           <a:p>
             <a:pPr lvl="3"/>
             <a:r>
-              <a:rPr lang="en-US" smtClean="0"/>
+              <a:rPr lang="en-US"/>
               <a:t>Fourth level</a:t>
             </a:r>
           </a:p>
           <a:p>
             <a:pPr lvl="4"/>
             <a:r>
-              <a:rPr lang="en-US" smtClean="0"/>
+              <a:rPr lang="en-US"/>
               <a:t>Fifth level</a:t>
             </a:r>
             <a:endParaRPr lang="en-US" dirty="0"/>
@@ -15125,13 +14537,6 @@
     <p:sldLayoutId id="2147483701" r:id="rId6"/>
     <p:sldLayoutId id="2147483702" r:id="rId7"/>
   </p:sldLayoutIdLst>
-  <p:timing>
-    <p:tnLst>
-      <p:par>
-        <p:cTn id="1" dur="indefinite" restart="never" nodeType="tmRoot"/>
-      </p:par>
-    </p:tnLst>
-  </p:timing>
   <p:hf hdr="0" ftr="0" dt="0"/>
   <p:txStyles>
     <p:titleStyle>
@@ -15467,7 +14872,7 @@
           <a:lstStyle/>
           <a:p>
             <a:r>
-              <a:rPr lang="en-US" smtClean="0"/>
+              <a:rPr lang="en-US"/>
               <a:t>Click to edit Master title style</a:t>
             </a:r>
             <a:endParaRPr lang="en-US" dirty="0"/>
@@ -15501,35 +14906,35 @@
           <a:p>
             <a:pPr lvl="0"/>
             <a:r>
-              <a:rPr lang="en-US" smtClean="0"/>
+              <a:rPr lang="en-US"/>
               <a:t>Click to edit Master text styles</a:t>
             </a:r>
           </a:p>
           <a:p>
             <a:pPr lvl="1"/>
             <a:r>
-              <a:rPr lang="en-US" smtClean="0"/>
+              <a:rPr lang="en-US"/>
               <a:t>Second level</a:t>
             </a:r>
           </a:p>
           <a:p>
             <a:pPr lvl="2"/>
             <a:r>
-              <a:rPr lang="en-US" smtClean="0"/>
+              <a:rPr lang="en-US"/>
               <a:t>Third level</a:t>
             </a:r>
           </a:p>
           <a:p>
             <a:pPr lvl="3"/>
             <a:r>
-              <a:rPr lang="en-US" smtClean="0"/>
+              <a:rPr lang="en-US"/>
               <a:t>Fourth level</a:t>
             </a:r>
           </a:p>
           <a:p>
             <a:pPr lvl="4"/>
             <a:r>
-              <a:rPr lang="en-US" smtClean="0"/>
+              <a:rPr lang="en-US"/>
               <a:t>Fifth level</a:t>
             </a:r>
             <a:endParaRPr lang="en-US" dirty="0"/>
@@ -15899,13 +15304,6 @@
     <p:sldLayoutId id="2147483709" r:id="rId6"/>
     <p:sldLayoutId id="2147483710" r:id="rId7"/>
   </p:sldLayoutIdLst>
-  <p:timing>
-    <p:tnLst>
-      <p:par>
-        <p:cTn id="1" dur="indefinite" restart="never" nodeType="tmRoot"/>
-      </p:par>
-    </p:tnLst>
-  </p:timing>
   <p:hf hdr="0" ftr="0" dt="0"/>
   <p:txStyles>
     <p:titleStyle>
@@ -16241,7 +15639,7 @@
           <a:lstStyle/>
           <a:p>
             <a:r>
-              <a:rPr lang="en-US" smtClean="0"/>
+              <a:rPr lang="en-US"/>
               <a:t>Click to edit Master title style</a:t>
             </a:r>
             <a:endParaRPr lang="en-US" dirty="0"/>
@@ -16275,35 +15673,35 @@
           <a:p>
             <a:pPr lvl="0"/>
             <a:r>
-              <a:rPr lang="en-US" smtClean="0"/>
+              <a:rPr lang="en-US"/>
               <a:t>Click to edit Master text styles</a:t>
             </a:r>
           </a:p>
           <a:p>
             <a:pPr lvl="1"/>
             <a:r>
-              <a:rPr lang="en-US" smtClean="0"/>
+              <a:rPr lang="en-US"/>
               <a:t>Second level</a:t>
             </a:r>
           </a:p>
           <a:p>
             <a:pPr lvl="2"/>
             <a:r>
-              <a:rPr lang="en-US" smtClean="0"/>
+              <a:rPr lang="en-US"/>
               <a:t>Third level</a:t>
             </a:r>
           </a:p>
           <a:p>
             <a:pPr lvl="3"/>
             <a:r>
-              <a:rPr lang="en-US" smtClean="0"/>
+              <a:rPr lang="en-US"/>
               <a:t>Fourth level</a:t>
             </a:r>
           </a:p>
           <a:p>
             <a:pPr lvl="4"/>
             <a:r>
-              <a:rPr lang="en-US" smtClean="0"/>
+              <a:rPr lang="en-US"/>
               <a:t>Fifth level</a:t>
             </a:r>
             <a:endParaRPr lang="en-US" dirty="0"/>
@@ -16673,13 +16071,6 @@
     <p:sldLayoutId id="2147483717" r:id="rId6"/>
     <p:sldLayoutId id="2147483718" r:id="rId7"/>
   </p:sldLayoutIdLst>
-  <p:timing>
-    <p:tnLst>
-      <p:par>
-        <p:cTn id="1" dur="indefinite" restart="never" nodeType="tmRoot"/>
-      </p:par>
-    </p:tnLst>
-  </p:timing>
   <p:hf hdr="0" ftr="0" dt="0"/>
   <p:txStyles>
     <p:titleStyle>
@@ -17015,7 +16406,7 @@
           <a:lstStyle/>
           <a:p>
             <a:r>
-              <a:rPr lang="en-US" smtClean="0"/>
+              <a:rPr lang="en-US"/>
               <a:t>Click to edit Master title style</a:t>
             </a:r>
             <a:endParaRPr lang="en-US" dirty="0"/>
@@ -17049,35 +16440,35 @@
           <a:p>
             <a:pPr lvl="0"/>
             <a:r>
-              <a:rPr lang="en-US" smtClean="0"/>
+              <a:rPr lang="en-US"/>
               <a:t>Click to edit Master text styles</a:t>
             </a:r>
           </a:p>
           <a:p>
             <a:pPr lvl="1"/>
             <a:r>
-              <a:rPr lang="en-US" smtClean="0"/>
+              <a:rPr lang="en-US"/>
               <a:t>Second level</a:t>
             </a:r>
           </a:p>
           <a:p>
             <a:pPr lvl="2"/>
             <a:r>
-              <a:rPr lang="en-US" smtClean="0"/>
+              <a:rPr lang="en-US"/>
               <a:t>Third level</a:t>
             </a:r>
           </a:p>
           <a:p>
             <a:pPr lvl="3"/>
             <a:r>
-              <a:rPr lang="en-US" smtClean="0"/>
+              <a:rPr lang="en-US"/>
               <a:t>Fourth level</a:t>
             </a:r>
           </a:p>
           <a:p>
             <a:pPr lvl="4"/>
             <a:r>
-              <a:rPr lang="en-US" smtClean="0"/>
+              <a:rPr lang="en-US"/>
               <a:t>Fifth level</a:t>
             </a:r>
             <a:endParaRPr lang="en-US" dirty="0"/>
@@ -17447,13 +16838,6 @@
     <p:sldLayoutId id="2147483725" r:id="rId6"/>
     <p:sldLayoutId id="2147483726" r:id="rId7"/>
   </p:sldLayoutIdLst>
-  <p:timing>
-    <p:tnLst>
-      <p:par>
-        <p:cTn id="1" dur="indefinite" restart="never" nodeType="tmRoot"/>
-      </p:par>
-    </p:tnLst>
-  </p:timing>
   <p:hf hdr="0" ftr="0" dt="0"/>
   <p:txStyles>
     <p:titleStyle>
@@ -17789,7 +17173,7 @@
           <a:lstStyle/>
           <a:p>
             <a:r>
-              <a:rPr lang="en-US" smtClean="0"/>
+              <a:rPr lang="en-US"/>
               <a:t>Click to edit Master title style</a:t>
             </a:r>
             <a:endParaRPr lang="en-US" dirty="0"/>
@@ -17823,35 +17207,35 @@
           <a:p>
             <a:pPr lvl="0"/>
             <a:r>
-              <a:rPr lang="en-US" smtClean="0"/>
+              <a:rPr lang="en-US"/>
               <a:t>Click to edit Master text styles</a:t>
             </a:r>
           </a:p>
           <a:p>
             <a:pPr lvl="1"/>
             <a:r>
-              <a:rPr lang="en-US" smtClean="0"/>
+              <a:rPr lang="en-US"/>
               <a:t>Second level</a:t>
             </a:r>
           </a:p>
           <a:p>
             <a:pPr lvl="2"/>
             <a:r>
-              <a:rPr lang="en-US" smtClean="0"/>
+              <a:rPr lang="en-US"/>
               <a:t>Third level</a:t>
             </a:r>
           </a:p>
           <a:p>
             <a:pPr lvl="3"/>
             <a:r>
-              <a:rPr lang="en-US" smtClean="0"/>
+              <a:rPr lang="en-US"/>
               <a:t>Fourth level</a:t>
             </a:r>
           </a:p>
           <a:p>
             <a:pPr lvl="4"/>
             <a:r>
-              <a:rPr lang="en-US" smtClean="0"/>
+              <a:rPr lang="en-US"/>
               <a:t>Fifth level</a:t>
             </a:r>
             <a:endParaRPr lang="en-US" dirty="0"/>
@@ -18221,13 +17605,6 @@
     <p:sldLayoutId id="2147483733" r:id="rId6"/>
     <p:sldLayoutId id="2147483734" r:id="rId7"/>
   </p:sldLayoutIdLst>
-  <p:timing>
-    <p:tnLst>
-      <p:par>
-        <p:cTn id="1" dur="indefinite" restart="never" nodeType="tmRoot"/>
-      </p:par>
-    </p:tnLst>
-  </p:timing>
   <p:hf hdr="0" ftr="0" dt="0"/>
   <p:txStyles>
     <p:titleStyle>
@@ -18551,10 +17928,9 @@
           <a:p>
             <a:pPr marL="914400" indent="-914400"/>
             <a:r>
-              <a:rPr lang="en-US" sz="7200" dirty="0" smtClean="0"/>
+              <a:rPr lang="en-US" sz="7200" dirty="0"/>
               <a:t>Building the Backend</a:t>
             </a:r>
-            <a:endParaRPr lang="en-US" sz="7200" dirty="0"/>
           </a:p>
         </p:txBody>
       </p:sp>
@@ -18662,13 +18038,6 @@
       </p:transition>
     </mc:Fallback>
   </mc:AlternateContent>
-  <p:timing>
-    <p:tnLst>
-      <p:par>
-        <p:cTn id="1" dur="indefinite" restart="never" nodeType="tmRoot"/>
-      </p:par>
-    </p:tnLst>
-  </p:timing>
 </p:sld>
 </file>
 
@@ -18705,10 +18074,9 @@
           <a:lstStyle/>
           <a:p>
             <a:r>
-              <a:rPr lang="en-US" dirty="0" smtClean="0"/>
+              <a:rPr lang="en-US" dirty="0"/>
               <a:t>About NoSQL databases</a:t>
             </a:r>
-            <a:endParaRPr lang="en-US" dirty="0"/>
           </a:p>
         </p:txBody>
       </p:sp>
@@ -18728,75 +18096,51 @@
           <a:lstStyle/>
           <a:p>
             <a:r>
-              <a:rPr lang="en-US" dirty="0" smtClean="0"/>
+              <a:rPr lang="en-US" dirty="0"/>
               <a:t>Not only SQL</a:t>
             </a:r>
           </a:p>
           <a:p>
             <a:r>
-              <a:rPr lang="en-US" dirty="0" smtClean="0"/>
-              <a:t>Different types: document based, graph </a:t>
-            </a:r>
-            <a:r>
-              <a:rPr lang="en-US" dirty="0" smtClean="0"/>
-              <a:t>databases</a:t>
+              <a:rPr lang="en-US" dirty="0"/>
+              <a:t>Different types: document based, graph databases, key-value stores, etc.</a:t>
+            </a:r>
+          </a:p>
+          <a:p>
+            <a:r>
+              <a:rPr lang="en-US" dirty="0" err="1"/>
+              <a:t>DocumentDB</a:t>
+            </a:r>
+            <a:r>
+              <a:rPr lang="en-US" dirty="0"/>
+              <a:t>, MongoDB, </a:t>
+            </a:r>
+            <a:r>
+              <a:rPr lang="en-US" dirty="0" err="1"/>
+              <a:t>Couchbase</a:t>
             </a:r>
             <a:r>
               <a:rPr lang="en-US" dirty="0"/>
               <a:t>, </a:t>
             </a:r>
             <a:r>
-              <a:rPr lang="en-US" dirty="0" smtClean="0"/>
-              <a:t>key-value stores, </a:t>
-            </a:r>
-            <a:r>
-              <a:rPr lang="en-US" dirty="0" smtClean="0"/>
-              <a:t>etc.</a:t>
-            </a:r>
-          </a:p>
-          <a:p>
-            <a:r>
-              <a:rPr lang="en-US" dirty="0" err="1" smtClean="0"/>
-              <a:t>DocumentDB</a:t>
-            </a:r>
-            <a:r>
-              <a:rPr lang="en-US" dirty="0" smtClean="0"/>
-              <a:t>, </a:t>
-            </a:r>
-            <a:r>
-              <a:rPr lang="en-US" dirty="0" smtClean="0"/>
-              <a:t>MongoDB</a:t>
-            </a:r>
-            <a:r>
-              <a:rPr lang="en-US" dirty="0" smtClean="0"/>
-              <a:t>, </a:t>
-            </a:r>
-            <a:r>
-              <a:rPr lang="en-US" dirty="0" err="1" smtClean="0"/>
-              <a:t>Couchbase</a:t>
-            </a:r>
-            <a:r>
-              <a:rPr lang="en-US" dirty="0" smtClean="0"/>
-              <a:t>, </a:t>
-            </a:r>
-            <a:r>
-              <a:rPr lang="en-US" dirty="0" err="1" smtClean="0"/>
+              <a:rPr lang="en-US" dirty="0" err="1"/>
               <a:t>HBase</a:t>
             </a:r>
             <a:r>
-              <a:rPr lang="en-US" dirty="0" smtClean="0"/>
+              <a:rPr lang="en-US" dirty="0"/>
               <a:t>, Cassandra</a:t>
             </a:r>
           </a:p>
           <a:p>
             <a:r>
-              <a:rPr lang="en-US" dirty="0" smtClean="0"/>
+              <a:rPr lang="en-US" dirty="0"/>
               <a:t>Object oriented APIs</a:t>
             </a:r>
           </a:p>
           <a:p>
             <a:r>
-              <a:rPr lang="en-US" dirty="0" smtClean="0"/>
+              <a:rPr lang="en-US" dirty="0"/>
               <a:t>Good for large amounts of data, can be scaled</a:t>
             </a:r>
           </a:p>
@@ -18830,13 +18174,6 @@
       </p:transition>
     </mc:Fallback>
   </mc:AlternateContent>
-  <p:timing>
-    <p:tnLst>
-      <p:par>
-        <p:cTn id="1" dur="indefinite" restart="never" nodeType="tmRoot"/>
-      </p:par>
-    </p:tnLst>
-  </p:timing>
 </p:sld>
 </file>
 
@@ -18880,7 +18217,7 @@
           <a:lstStyle/>
           <a:p>
             <a:r>
-              <a:rPr lang="en-US" sz="4800" dirty="0" smtClean="0">
+              <a:rPr lang="en-US" sz="4800" dirty="0">
                 <a:solidFill>
                   <a:schemeClr val="bg1"/>
                 </a:solidFill>
@@ -18888,14 +18225,14 @@
               <a:t>DocumentDB</a:t>
             </a:r>
             <a:br>
-              <a:rPr lang="en-US" sz="4800" dirty="0" smtClean="0">
+              <a:rPr lang="en-US" sz="4800" dirty="0">
                 <a:solidFill>
                   <a:schemeClr val="bg1"/>
                 </a:solidFill>
               </a:rPr>
             </a:br>
             <a:r>
-              <a:rPr lang="en-US" sz="4800" dirty="0" smtClean="0">
+              <a:rPr lang="en-US" sz="4800" dirty="0">
                 <a:solidFill>
                   <a:schemeClr val="bg1"/>
                 </a:solidFill>
@@ -18903,14 +18240,14 @@
               <a:t>is particularly</a:t>
             </a:r>
             <a:br>
-              <a:rPr lang="en-US" sz="4800" dirty="0" smtClean="0">
+              <a:rPr lang="en-US" sz="4800" dirty="0">
                 <a:solidFill>
                   <a:schemeClr val="bg1"/>
                 </a:solidFill>
               </a:rPr>
             </a:br>
             <a:r>
-              <a:rPr lang="en-US" sz="4800" dirty="0" smtClean="0">
+              <a:rPr lang="en-US" sz="4800" dirty="0">
                 <a:solidFill>
                   <a:schemeClr val="bg1"/>
                 </a:solidFill>
@@ -18918,56 +18255,35 @@
               <a:t>suited for web </a:t>
             </a:r>
             <a:br>
-              <a:rPr lang="en-US" sz="4800" dirty="0" smtClean="0">
+              <a:rPr lang="en-US" sz="4800" dirty="0">
                 <a:solidFill>
                   <a:schemeClr val="bg1"/>
                 </a:solidFill>
               </a:rPr>
             </a:br>
             <a:r>
-              <a:rPr lang="en-US" sz="4800" dirty="0" smtClean="0">
-                <a:solidFill>
-                  <a:schemeClr val="bg1"/>
-                </a:solidFill>
-              </a:rPr>
-              <a:t>and</a:t>
-            </a:r>
-            <a:r>
               <a:rPr lang="en-US" sz="4800" dirty="0">
                 <a:solidFill>
                   <a:schemeClr val="bg1"/>
                 </a:solidFill>
               </a:rPr>
-              <a:t> </a:t>
-            </a:r>
-            <a:r>
-              <a:rPr lang="en-US" sz="4800" dirty="0" smtClean="0">
-                <a:solidFill>
-                  <a:schemeClr val="bg1"/>
-                </a:solidFill>
-              </a:rPr>
-              <a:t>mobile </a:t>
+              <a:t>and mobile </a:t>
             </a:r>
             <a:br>
-              <a:rPr lang="en-US" sz="4800" dirty="0" smtClean="0">
+              <a:rPr lang="en-US" sz="4800" dirty="0">
                 <a:solidFill>
                   <a:schemeClr val="bg1"/>
                 </a:solidFill>
               </a:rPr>
             </a:br>
             <a:r>
-              <a:rPr lang="en-US" sz="4800" dirty="0" smtClean="0">
+              <a:rPr lang="en-US" sz="4800" dirty="0">
                 <a:solidFill>
                   <a:schemeClr val="bg1"/>
                 </a:solidFill>
               </a:rPr>
               <a:t>applications</a:t>
             </a:r>
-            <a:endParaRPr lang="en-US" sz="4800" dirty="0">
-              <a:solidFill>
-                <a:schemeClr val="bg1"/>
-              </a:solidFill>
-            </a:endParaRPr>
           </a:p>
         </p:txBody>
       </p:sp>
@@ -19952,20 +19268,12 @@
               <a:buChar char="•"/>
             </a:pPr>
             <a:r>
-              <a:rPr lang="en-US" sz="2800" dirty="0" smtClean="0">
-                <a:solidFill>
-                  <a:srgbClr val="0071BC"/>
-                </a:solidFill>
-              </a:rPr>
-              <a:t>Schema-less</a:t>
-            </a:r>
-            <a:r>
               <a:rPr lang="en-US" sz="2800" dirty="0">
                 <a:solidFill>
                   <a:srgbClr val="0071BC"/>
                 </a:solidFill>
               </a:rPr>
-              <a:t>, NoSQL document database </a:t>
+              <a:t>Schema-less, NoSQL document database </a:t>
             </a:r>
           </a:p>
           <a:p>
@@ -19980,28 +19288,12 @@
               <a:buChar char="•"/>
             </a:pPr>
             <a:r>
-              <a:rPr lang="en-US" sz="2800" dirty="0" smtClean="0">
-                <a:solidFill>
-                  <a:srgbClr val="0071BC"/>
-                </a:solidFill>
-              </a:rPr>
-              <a:t>Fully </a:t>
-            </a:r>
-            <a:r>
               <a:rPr lang="en-US" sz="2800" dirty="0">
                 <a:solidFill>
                   <a:srgbClr val="0071BC"/>
                 </a:solidFill>
               </a:rPr>
-              <a:t>managed, with provisioned capacity </a:t>
-            </a:r>
-            <a:r>
-              <a:rPr lang="en-US" sz="2800" dirty="0" smtClean="0">
-                <a:solidFill>
-                  <a:srgbClr val="0071BC"/>
-                </a:solidFill>
-              </a:rPr>
-              <a:t> </a:t>
+              <a:t>Fully managed, with provisioned capacity  </a:t>
             </a:r>
           </a:p>
           <a:p>
@@ -20016,26 +19308,13 @@
               <a:buChar char="•"/>
             </a:pPr>
             <a:r>
-              <a:rPr lang="en-US" sz="2800" dirty="0" smtClean="0">
-                <a:solidFill>
-                  <a:srgbClr val="0071BC"/>
-                </a:solidFill>
-              </a:rPr>
-              <a:t>Stored </a:t>
-            </a:r>
-            <a:r>
               <a:rPr lang="en-US" sz="2800" dirty="0">
                 <a:solidFill>
                   <a:srgbClr val="0071BC"/>
                 </a:solidFill>
               </a:rPr>
-              <a:t>entities are JSON documents </a:t>
-            </a:r>
-            <a:endParaRPr lang="en-US" sz="2800" dirty="0" smtClean="0">
-              <a:solidFill>
-                <a:srgbClr val="0071BC"/>
-              </a:solidFill>
-            </a:endParaRPr>
+              <a:t>Stored entities are JSON documents </a:t>
+            </a:r>
           </a:p>
           <a:p>
             <a:pPr marL="457200" indent="-457200">
@@ -20049,28 +19328,12 @@
               <a:buChar char="•"/>
             </a:pPr>
             <a:r>
-              <a:rPr lang="en-US" sz="2800" dirty="0" smtClean="0">
-                <a:solidFill>
-                  <a:srgbClr val="0071BC"/>
-                </a:solidFill>
-              </a:rPr>
-              <a:t>Tunable </a:t>
-            </a:r>
-            <a:r>
               <a:rPr lang="en-US" sz="2800" dirty="0">
                 <a:solidFill>
                   <a:srgbClr val="0071BC"/>
                 </a:solidFill>
               </a:rPr>
-              <a:t>consistency </a:t>
-            </a:r>
-            <a:r>
-              <a:rPr lang="en-US" sz="2800" dirty="0" smtClean="0">
-                <a:solidFill>
-                  <a:srgbClr val="0071BC"/>
-                </a:solidFill>
-              </a:rPr>
-              <a:t> </a:t>
+              <a:t>Tunable consistency  </a:t>
             </a:r>
           </a:p>
           <a:p>
@@ -20085,28 +19348,12 @@
               <a:buChar char="•"/>
             </a:pPr>
             <a:r>
-              <a:rPr lang="en-US" sz="2800" dirty="0" smtClean="0">
-                <a:solidFill>
-                  <a:srgbClr val="0071BC"/>
-                </a:solidFill>
-              </a:rPr>
-              <a:t>Designed </a:t>
-            </a:r>
-            <a:r>
               <a:rPr lang="en-US" sz="2800" dirty="0">
                 <a:solidFill>
                   <a:srgbClr val="0071BC"/>
                 </a:solidFill>
               </a:rPr>
-              <a:t>to </a:t>
-            </a:r>
-            <a:r>
-              <a:rPr lang="en-US" sz="2800" dirty="0" smtClean="0">
-                <a:solidFill>
-                  <a:srgbClr val="0071BC"/>
-                </a:solidFill>
-              </a:rPr>
-              <a:t>scale</a:t>
+              <a:t>Designed to scale</a:t>
             </a:r>
           </a:p>
         </p:txBody>
@@ -20121,14 +19368,6 @@
   <p:clrMapOvr>
     <a:masterClrMapping/>
   </p:clrMapOvr>
-  <mc:AlternateContent xmlns:mc="http://schemas.openxmlformats.org/markup-compatibility/2006" xmlns:p14="http://schemas.microsoft.com/office/powerpoint/2010/main">
-    <mc:Choice Requires="p14">
-      <p:transition p14:dur="0"/>
-    </mc:Choice>
-    <mc:Fallback xmlns="">
-      <p:transition/>
-    </mc:Fallback>
-  </mc:AlternateContent>
   <p:timing>
     <p:tnLst>
       <p:par>
@@ -20527,21 +19766,8 @@
                   <a:schemeClr val="tx1"/>
                 </a:solidFill>
               </a:rPr>
-              <a:t>Tunable </a:t>
-            </a:r>
-            <a:r>
-              <a:rPr lang="en-US" sz="1800" dirty="0" smtClean="0">
-                <a:solidFill>
-                  <a:schemeClr val="tx1"/>
-                </a:solidFill>
-              </a:rPr>
-              <a:t>consistency</a:t>
-            </a:r>
-            <a:endParaRPr lang="en-US" sz="1800" dirty="0">
-              <a:solidFill>
-                <a:schemeClr val="tx1"/>
-              </a:solidFill>
-            </a:endParaRPr>
+              <a:t>Tunable consistency</a:t>
+            </a:r>
           </a:p>
           <a:p>
             <a:pPr>
@@ -20550,18 +19776,13 @@
               </a:lnSpc>
             </a:pPr>
             <a:r>
-              <a:rPr lang="en-US" sz="1800" dirty="0" smtClean="0">
+              <a:rPr lang="en-US" sz="1800" dirty="0">
                 <a:solidFill>
                   <a:schemeClr val="tx1"/>
                 </a:solidFill>
               </a:rPr>
               <a:t>Elastic scale</a:t>
             </a:r>
-            <a:endParaRPr lang="en-US" sz="1800" dirty="0">
-              <a:solidFill>
-                <a:schemeClr val="tx1"/>
-              </a:solidFill>
-            </a:endParaRPr>
           </a:p>
         </p:txBody>
       </p:sp>
@@ -20586,10 +19807,9 @@
           <a:lstStyle/>
           <a:p>
             <a:r>
-              <a:rPr lang="en-US" dirty="0" smtClean="0"/>
+              <a:rPr lang="en-US" dirty="0"/>
               <a:t>DocumentDB</a:t>
             </a:r>
-            <a:endParaRPr lang="en-US" dirty="0"/>
           </a:p>
         </p:txBody>
       </p:sp>
@@ -20620,17 +19840,6 @@
               </a:spcAft>
             </a:pPr>
             <a:r>
-              <a:rPr lang="en-US" sz="2800" dirty="0" smtClean="0">
-                <a:solidFill>
-                  <a:schemeClr val="bg1"/>
-                </a:solidFill>
-                <a:latin typeface="+mj-lt"/>
-                <a:ea typeface="Calibri" panose="020F0502020204030204" pitchFamily="34" charset="0"/>
-                <a:cs typeface="Segoe UI Semibold" panose="020B0702040204020203" pitchFamily="34" charset="0"/>
-              </a:rPr>
-              <a:t>NoSQL </a:t>
-            </a:r>
-            <a:r>
               <a:rPr lang="en-US" sz="2800" dirty="0">
                 <a:solidFill>
                   <a:schemeClr val="bg1"/>
@@ -20639,18 +19848,7 @@
                 <a:ea typeface="Calibri" panose="020F0502020204030204" pitchFamily="34" charset="0"/>
                 <a:cs typeface="Segoe UI Semibold" panose="020B0702040204020203" pitchFamily="34" charset="0"/>
               </a:rPr>
-              <a:t>document </a:t>
-            </a:r>
-            <a:r>
-              <a:rPr lang="en-US" sz="2800" dirty="0" smtClean="0">
-                <a:solidFill>
-                  <a:schemeClr val="bg1"/>
-                </a:solidFill>
-                <a:latin typeface="+mj-lt"/>
-                <a:ea typeface="Calibri" panose="020F0502020204030204" pitchFamily="34" charset="0"/>
-                <a:cs typeface="Segoe UI Semibold" panose="020B0702040204020203" pitchFamily="34" charset="0"/>
-              </a:rPr>
-              <a:t>database-as-a-service</a:t>
+              <a:t>NoSQL document database-as-a-service</a:t>
             </a:r>
             <a:endParaRPr lang="en-US" sz="2800" dirty="0">
               <a:solidFill>
@@ -20668,65 +19866,14 @@
               </a:spcAft>
             </a:pPr>
             <a:r>
-              <a:rPr lang="en-US" sz="2800" dirty="0" smtClean="0">
-                <a:solidFill>
-                  <a:schemeClr val="bg1"/>
-                </a:solidFill>
-                <a:latin typeface="+mj-lt"/>
-              </a:rPr>
-              <a:t>First of its kind database service to offer native support for JavaScript, SQL query </a:t>
-            </a:r>
-            <a:r>
               <a:rPr lang="en-US" sz="2800" dirty="0">
                 <a:solidFill>
                   <a:schemeClr val="bg1"/>
                 </a:solidFill>
                 <a:latin typeface="+mj-lt"/>
               </a:rPr>
-              <a:t>and </a:t>
-            </a:r>
-            <a:r>
-              <a:rPr lang="en-US" sz="2800" dirty="0" smtClean="0">
-                <a:solidFill>
-                  <a:schemeClr val="bg1"/>
-                </a:solidFill>
-                <a:latin typeface="+mj-lt"/>
-              </a:rPr>
-              <a:t>transactions </a:t>
-            </a:r>
-            <a:r>
-              <a:rPr lang="en-US" sz="2800" dirty="0">
-                <a:solidFill>
-                  <a:schemeClr val="bg1"/>
-                </a:solidFill>
-                <a:latin typeface="+mj-lt"/>
-              </a:rPr>
-              <a:t>over </a:t>
-            </a:r>
-            <a:r>
-              <a:rPr lang="en-US" sz="2800" dirty="0" smtClean="0">
-                <a:solidFill>
-                  <a:schemeClr val="bg1"/>
-                </a:solidFill>
-                <a:latin typeface="+mj-lt"/>
-              </a:rPr>
-              <a:t>JSON </a:t>
-            </a:r>
-            <a:r>
-              <a:rPr lang="en-US" sz="2800" dirty="0" smtClean="0">
-                <a:solidFill>
-                  <a:schemeClr val="bg1"/>
-                </a:solidFill>
-                <a:latin typeface="+mj-lt"/>
-              </a:rPr>
-              <a:t>documents</a:t>
-            </a:r>
-            <a:endParaRPr lang="en-US" sz="2800" dirty="0">
-              <a:solidFill>
-                <a:schemeClr val="bg1"/>
-              </a:solidFill>
-              <a:latin typeface="+mj-lt"/>
-            </a:endParaRPr>
+              <a:t>First of its kind database service to offer native support for JavaScript, SQL query and transactions over JSON documents</a:t>
+            </a:r>
           </a:p>
         </p:txBody>
       </p:sp>
@@ -20784,21 +19931,8 @@
                   <a:schemeClr val="tx1"/>
                 </a:solidFill>
               </a:rPr>
-              <a:t>Q</a:t>
-            </a:r>
-            <a:r>
-              <a:rPr lang="en-US" sz="1800" dirty="0" smtClean="0">
-                <a:solidFill>
-                  <a:schemeClr val="tx1"/>
-                </a:solidFill>
-              </a:rPr>
-              <a:t>uery JSON data with no secondary indices</a:t>
-            </a:r>
-            <a:endParaRPr lang="en-US" sz="1800" dirty="0">
-              <a:solidFill>
-                <a:schemeClr val="tx1"/>
-              </a:solidFill>
-            </a:endParaRPr>
+              <a:t>Query JSON data with no secondary indices</a:t>
+            </a:r>
           </a:p>
           <a:p>
             <a:pPr>
@@ -20812,44 +19946,23 @@
                   <a:schemeClr val="tx1"/>
                 </a:solidFill>
               </a:rPr>
-              <a:t>Native </a:t>
-            </a:r>
-            <a:r>
-              <a:rPr lang="en-US" sz="1800" dirty="0" smtClean="0">
-                <a:solidFill>
-                  <a:schemeClr val="tx1"/>
-                </a:solidFill>
-              </a:rPr>
-              <a:t>JavaScript transactional </a:t>
-            </a:r>
+              <a:t>Native JavaScript transactional processing</a:t>
+            </a:r>
+          </a:p>
+          <a:p>
+            <a:pPr>
+              <a:lnSpc>
+                <a:spcPct val="90000"/>
+              </a:lnSpc>
+            </a:pPr>
             <a:r>
               <a:rPr lang="en-US" sz="1800" dirty="0">
                 <a:solidFill>
                   <a:schemeClr val="tx1"/>
                 </a:solidFill>
               </a:rPr>
-              <a:t>processing</a:t>
-            </a:r>
-          </a:p>
-          <a:p>
-            <a:pPr>
-              <a:lnSpc>
-                <a:spcPct val="90000"/>
-              </a:lnSpc>
-            </a:pPr>
-            <a:r>
-              <a:rPr lang="en-US" sz="1800" dirty="0" smtClean="0">
-                <a:solidFill>
-                  <a:schemeClr val="tx1"/>
-                </a:solidFill>
-              </a:rPr>
               <a:t>Familiar SQL-based query language</a:t>
             </a:r>
-            <a:endParaRPr lang="en-US" sz="1800" dirty="0">
-              <a:solidFill>
-                <a:schemeClr val="tx1"/>
-              </a:solidFill>
-            </a:endParaRPr>
           </a:p>
         </p:txBody>
       </p:sp>
@@ -20902,21 +20015,8 @@
                   <a:schemeClr val="tx1"/>
                 </a:solidFill>
               </a:rPr>
-              <a:t>Build with familiar </a:t>
-            </a:r>
-            <a:r>
-              <a:rPr lang="en-US" sz="1800" dirty="0" smtClean="0">
-                <a:solidFill>
-                  <a:schemeClr val="tx1"/>
-                </a:solidFill>
-              </a:rPr>
-              <a:t>tools – REST, JSON, JavaScript</a:t>
-            </a:r>
-            <a:endParaRPr lang="en-US" sz="1800" dirty="0">
-              <a:solidFill>
-                <a:schemeClr val="tx1"/>
-              </a:solidFill>
-            </a:endParaRPr>
+              <a:t>Build with familiar tools – REST, JSON, JavaScript</a:t>
+            </a:r>
           </a:p>
           <a:p>
             <a:r>
@@ -20925,21 +20025,8 @@
                   <a:schemeClr val="tx1"/>
                 </a:solidFill>
               </a:rPr>
-              <a:t>Easy to start and </a:t>
-            </a:r>
-            <a:r>
-              <a:rPr lang="en-US" sz="1800" dirty="0" smtClean="0">
-                <a:solidFill>
-                  <a:schemeClr val="tx1"/>
-                </a:solidFill>
-              </a:rPr>
-              <a:t>fully-managed</a:t>
-            </a:r>
-            <a:endParaRPr lang="en-US" sz="1800" dirty="0">
-              <a:solidFill>
-                <a:schemeClr val="tx1"/>
-              </a:solidFill>
-            </a:endParaRPr>
+              <a:t>Easy to start and fully-managed</a:t>
+            </a:r>
           </a:p>
           <a:p>
             <a:r>
@@ -20999,26 +20086,16 @@
                 <a:latin typeface="+mj-lt"/>
                 <a:cs typeface="Segoe UI" panose="020B0502040204020203" pitchFamily="34" charset="0"/>
               </a:rPr>
-              <a:t>Rich </a:t>
-            </a:r>
-            <a:r>
-              <a:rPr lang="en-US" b="1" kern="0" dirty="0" smtClean="0">
-                <a:gradFill>
-                  <a:gsLst>
-                    <a:gs pos="0">
-                      <a:srgbClr val="FFFFFF"/>
-                    </a:gs>
-                    <a:gs pos="100000">
-                      <a:srgbClr val="FFFFFF"/>
-                    </a:gs>
-                  </a:gsLst>
-                  <a:lin ang="5400000" scaled="1"/>
-                </a:gradFill>
-                <a:latin typeface="+mj-lt"/>
-                <a:cs typeface="Segoe UI" panose="020B0502040204020203" pitchFamily="34" charset="0"/>
-              </a:rPr>
-              <a:t>Query </a:t>
-            </a:r>
+              <a:t>Rich Query and Transactions </a:t>
+            </a:r>
+          </a:p>
+          <a:p>
+            <a:pPr defTabSz="913675">
+              <a:lnSpc>
+                <a:spcPct val="90000"/>
+              </a:lnSpc>
+              <a:defRPr/>
+            </a:pPr>
             <a:r>
               <a:rPr lang="en-US" b="1" kern="0" dirty="0">
                 <a:gradFill>
@@ -21035,69 +20112,7 @@
                 <a:latin typeface="+mj-lt"/>
                 <a:cs typeface="Segoe UI" panose="020B0502040204020203" pitchFamily="34" charset="0"/>
               </a:rPr>
-              <a:t>and Transactions </a:t>
-            </a:r>
-          </a:p>
-          <a:p>
-            <a:pPr defTabSz="913675">
-              <a:lnSpc>
-                <a:spcPct val="90000"/>
-              </a:lnSpc>
-              <a:defRPr/>
-            </a:pPr>
-            <a:r>
-              <a:rPr lang="en-US" b="1" kern="0" dirty="0">
-                <a:gradFill>
-                  <a:gsLst>
-                    <a:gs pos="0">
-                      <a:srgbClr val="FFFFFF"/>
-                    </a:gs>
-                    <a:gs pos="100000">
-                      <a:srgbClr val="FFFFFF"/>
-                    </a:gs>
-                  </a:gsLst>
-                  <a:lin ang="5400000" scaled="1"/>
-                </a:gradFill>
-                <a:latin typeface="+mj-lt"/>
-                <a:cs typeface="Segoe UI" panose="020B0502040204020203" pitchFamily="34" charset="0"/>
-              </a:rPr>
-              <a:t>over </a:t>
-            </a:r>
-            <a:r>
-              <a:rPr lang="en-US" b="1" kern="0" dirty="0" smtClean="0">
-                <a:gradFill>
-                  <a:gsLst>
-                    <a:gs pos="0">
-                      <a:srgbClr val="FFFFFF"/>
-                    </a:gs>
-                    <a:gs pos="100000">
-                      <a:srgbClr val="FFFFFF"/>
-                    </a:gs>
-                  </a:gsLst>
-                  <a:lin ang="5400000" scaled="1"/>
-                </a:gradFill>
-                <a:latin typeface="+mj-lt"/>
-                <a:cs typeface="Segoe UI" panose="020B0502040204020203" pitchFamily="34" charset="0"/>
-              </a:rPr>
-              <a:t>JSON </a:t>
-            </a:r>
-            <a:r>
-              <a:rPr lang="en-US" b="1" kern="0" dirty="0">
-                <a:gradFill>
-                  <a:gsLst>
-                    <a:gs pos="0">
-                      <a:srgbClr val="FFFFFF"/>
-                    </a:gs>
-                    <a:gs pos="100000">
-                      <a:srgbClr val="FFFFFF"/>
-                    </a:gs>
-                  </a:gsLst>
-                  <a:lin ang="5400000" scaled="1"/>
-                </a:gradFill>
-                <a:latin typeface="+mj-lt"/>
-                <a:cs typeface="Segoe UI" panose="020B0502040204020203" pitchFamily="34" charset="0"/>
-              </a:rPr>
-              <a:t>Data</a:t>
+              <a:t>over JSON Data</a:t>
             </a:r>
           </a:p>
         </p:txBody>
@@ -21180,21 +20195,6 @@
   <p:clrMapOvr>
     <a:masterClrMapping/>
   </p:clrMapOvr>
-  <mc:AlternateContent xmlns:mc="http://schemas.openxmlformats.org/markup-compatibility/2006" xmlns:p14="http://schemas.microsoft.com/office/powerpoint/2010/main">
-    <mc:Choice Requires="p14">
-      <p:transition p14:dur="0"/>
-    </mc:Choice>
-    <mc:Fallback xmlns="">
-      <p:transition/>
-    </mc:Fallback>
-  </mc:AlternateContent>
-  <p:timing>
-    <p:tnLst>
-      <p:par>
-        <p:cTn id="1" dur="indefinite" restart="never" nodeType="tmRoot"/>
-      </p:par>
-    </p:tnLst>
-  </p:timing>
 </p:sld>
 </file>
 
@@ -21231,10 +20231,9 @@
           <a:lstStyle/>
           <a:p>
             <a:r>
-              <a:rPr lang="en-US" dirty="0" smtClean="0"/>
+              <a:rPr lang="en-US" dirty="0"/>
               <a:t>DocumentDB: A Document Store</a:t>
             </a:r>
-            <a:endParaRPr lang="en-US" dirty="0"/>
           </a:p>
         </p:txBody>
       </p:sp>
@@ -21677,7 +20676,7 @@
               </a:spcAft>
             </a:pPr>
             <a:r>
-              <a:rPr lang="en-US" sz="2000" dirty="0" smtClean="0">
+              <a:rPr lang="en-US" sz="2000" dirty="0">
                 <a:solidFill>
                   <a:schemeClr val="bg2"/>
                 </a:solidFill>
@@ -21729,7 +20728,7 @@
                 </a:lnSpc>
               </a:pPr>
               <a:r>
-                <a:rPr lang="en-US" sz="2000" dirty="0" smtClean="0">
+                <a:rPr lang="en-US" sz="2000" dirty="0">
                   <a:solidFill>
                     <a:schemeClr val="bg2"/>
                   </a:solidFill>
@@ -21910,7 +20909,7 @@
           <a:p>
             <a:pPr defTabSz="274320"/>
             <a:r>
-              <a:rPr lang="en-US" sz="1400" dirty="0" smtClean="0">
+              <a:rPr lang="en-US" sz="1400" dirty="0">
                 <a:solidFill>
                   <a:schemeClr val="accent1"/>
                 </a:solidFill>
@@ -21919,13 +20918,6 @@
               </a:rPr>
               <a:t>}</a:t>
             </a:r>
-            <a:endParaRPr lang="en-US" sz="1400" dirty="0">
-              <a:solidFill>
-                <a:schemeClr val="accent1"/>
-              </a:solidFill>
-              <a:latin typeface="Consolas" panose="020B0609020204030204" pitchFamily="49" charset="0"/>
-              <a:cs typeface="Consolas" panose="020B0609020204030204" pitchFamily="49" charset="0"/>
-            </a:endParaRPr>
           </a:p>
         </p:txBody>
       </p:sp>
@@ -21960,7 +20952,7 @@
           <a:p>
             <a:pPr defTabSz="274320"/>
             <a:r>
-              <a:rPr lang="en-US" sz="1400" dirty="0" smtClean="0">
+              <a:rPr lang="en-US" sz="1400" dirty="0">
                 <a:solidFill>
                   <a:schemeClr val="accent1"/>
                 </a:solidFill>
@@ -21973,7 +20965,7 @@
           <a:p>
             <a:pPr defTabSz="274320"/>
             <a:r>
-              <a:rPr lang="en-US" sz="1400" dirty="0" smtClean="0">
+              <a:rPr lang="en-US" sz="1400" dirty="0">
                 <a:solidFill>
                   <a:schemeClr val="accent1"/>
                 </a:solidFill>
@@ -21986,7 +20978,7 @@
           <a:p>
             <a:pPr defTabSz="274320"/>
             <a:r>
-              <a:rPr lang="en-US" sz="1400" dirty="0" smtClean="0">
+              <a:rPr lang="en-US" sz="1400" dirty="0">
                 <a:solidFill>
                   <a:schemeClr val="accent1"/>
                 </a:solidFill>
@@ -21999,7 +20991,7 @@
           <a:p>
             <a:pPr defTabSz="274320"/>
             <a:r>
-              <a:rPr lang="en-US" sz="1400" dirty="0" smtClean="0">
+              <a:rPr lang="en-US" sz="1400" dirty="0">
                 <a:solidFill>
                   <a:schemeClr val="accent1"/>
                 </a:solidFill>
@@ -22012,7 +21004,7 @@
           <a:p>
             <a:pPr defTabSz="274320"/>
             <a:r>
-              <a:rPr lang="en-US" sz="1400" dirty="0" smtClean="0">
+              <a:rPr lang="en-US" sz="1400" dirty="0">
                 <a:solidFill>
                   <a:schemeClr val="accent1"/>
                 </a:solidFill>
@@ -22025,7 +21017,7 @@
           <a:p>
             <a:pPr defTabSz="274320"/>
             <a:r>
-              <a:rPr lang="en-US" sz="1400" dirty="0" smtClean="0">
+              <a:rPr lang="en-US" sz="1400" dirty="0">
                 <a:solidFill>
                   <a:schemeClr val="accent1"/>
                 </a:solidFill>
@@ -22034,13 +21026,6 @@
               </a:rPr>
               <a:t>}</a:t>
             </a:r>
-            <a:endParaRPr lang="en-US" sz="1400" dirty="0">
-              <a:solidFill>
-                <a:schemeClr val="accent1"/>
-              </a:solidFill>
-              <a:latin typeface="Consolas" panose="020B0609020204030204" pitchFamily="49" charset="0"/>
-              <a:cs typeface="Consolas" panose="020B0609020204030204" pitchFamily="49" charset="0"/>
-            </a:endParaRPr>
           </a:p>
         </p:txBody>
       </p:sp>
@@ -22292,7 +21277,7 @@
                 </a:spcAft>
               </a:pPr>
               <a:r>
-                <a:rPr lang="en-US" sz="1600" dirty="0" smtClean="0">
+                <a:rPr lang="en-US" sz="1600" dirty="0">
                   <a:solidFill>
                     <a:schemeClr val="bg2"/>
                   </a:solidFill>
@@ -22380,21 +21365,6 @@
   <p:clrMapOvr>
     <a:masterClrMapping/>
   </p:clrMapOvr>
-  <mc:AlternateContent xmlns:mc="http://schemas.openxmlformats.org/markup-compatibility/2006" xmlns:p14="http://schemas.microsoft.com/office/powerpoint/2010/main">
-    <mc:Choice Requires="p14">
-      <p:transition p14:dur="0"/>
-    </mc:Choice>
-    <mc:Fallback xmlns="">
-      <p:transition/>
-    </mc:Fallback>
-  </mc:AlternateContent>
-  <p:timing>
-    <p:tnLst>
-      <p:par>
-        <p:cTn id="1" dur="indefinite" restart="never" nodeType="tmRoot"/>
-      </p:par>
-    </p:tnLst>
-  </p:timing>
 </p:sld>
 </file>
 
@@ -22467,14 +21437,9 @@
           <a:lstStyle/>
           <a:p>
             <a:r>
-              <a:rPr lang="en-US" dirty="0" smtClean="0"/>
-              <a:t>DocumentDB: </a:t>
-            </a:r>
-            <a:r>
-              <a:rPr lang="en-US" dirty="0" smtClean="0"/>
-              <a:t>The Basics</a:t>
-            </a:r>
-            <a:endParaRPr lang="en-US" dirty="0"/>
+              <a:rPr lang="en-US" dirty="0"/>
+              <a:t>DocumentDB: The Basics</a:t>
+            </a:r>
           </a:p>
         </p:txBody>
       </p:sp>
@@ -22488,13 +21453,6 @@
   <p:clrMapOvr>
     <a:masterClrMapping/>
   </p:clrMapOvr>
-  <p:timing>
-    <p:tnLst>
-      <p:par>
-        <p:cTn id="1" dur="indefinite" restart="never" nodeType="tmRoot"/>
-      </p:par>
-    </p:tnLst>
-  </p:timing>
 </p:sld>
 </file>
 
@@ -22532,14 +21490,10 @@
           <a:p>
             <a:r>
               <a:rPr lang="en-US" dirty="0"/>
-              <a:t>Saving messages to </a:t>
-            </a:r>
-            <a:r>
-              <a:rPr lang="en-US" dirty="0" smtClean="0"/>
-              <a:t>Azure </a:t>
-            </a:r>
-            <a:r>
-              <a:rPr lang="en-US" dirty="0" err="1" smtClean="0"/>
+              <a:t>Saving messages to Azure </a:t>
+            </a:r>
+            <a:r>
+              <a:rPr lang="en-US" dirty="0" err="1"/>
               <a:t>DocumentDB</a:t>
             </a:r>
             <a:endParaRPr lang="en-US" dirty="0"/>
@@ -22568,13 +21522,6 @@
       </p:transition>
     </mc:Fallback>
   </mc:AlternateContent>
-  <p:timing>
-    <p:tnLst>
-      <p:par>
-        <p:cTn id="1" dur="indefinite" restart="never" nodeType="tmRoot"/>
-      </p:par>
-    </p:tnLst>
-  </p:timing>
 </p:sld>
 </file>
 
@@ -22639,13 +21586,6 @@
       </p:transition>
     </mc:Fallback>
   </mc:AlternateContent>
-  <p:timing>
-    <p:tnLst>
-      <p:par>
-        <p:cTn id="1" dur="indefinite" restart="never" nodeType="tmRoot"/>
-      </p:par>
-    </p:tnLst>
-  </p:timing>
 </p:sld>
 </file>
 
@@ -22682,14 +21622,9 @@
           <a:lstStyle/>
           <a:p>
             <a:r>
-              <a:rPr lang="en-US" dirty="0" smtClean="0"/>
-              <a:t>Using </a:t>
-            </a:r>
-            <a:r>
-              <a:rPr lang="en-US" dirty="0" err="1" smtClean="0"/>
-              <a:t>MongoDB</a:t>
-            </a:r>
-            <a:endParaRPr lang="en-US" dirty="0"/>
+              <a:rPr lang="en-US" dirty="0"/>
+              <a:t>Using MongoDB</a:t>
+            </a:r>
           </a:p>
         </p:txBody>
       </p:sp>
@@ -22705,34 +21640,38 @@
         </p:nvSpPr>
         <p:spPr/>
         <p:txBody>
-          <a:bodyPr/>
+          <a:bodyPr>
+            <a:normAutofit lnSpcReduction="10000"/>
+          </a:bodyPr>
           <a:lstStyle/>
           <a:p>
             <a:r>
-              <a:rPr lang="en-US" dirty="0" smtClean="0"/>
-              <a:t>Need to create a </a:t>
-            </a:r>
-            <a:r>
-              <a:rPr lang="en-US" dirty="0" err="1" smtClean="0"/>
-              <a:t>mongodb</a:t>
-            </a:r>
-            <a:r>
-              <a:rPr lang="en-US" dirty="0" smtClean="0"/>
-              <a:t> </a:t>
-            </a:r>
-          </a:p>
-          <a:p>
-            <a:r>
-              <a:rPr lang="en-US" dirty="0" smtClean="0"/>
-              <a:t>3</a:t>
-            </a:r>
-            <a:r>
-              <a:rPr lang="en-US" baseline="30000" dirty="0" smtClean="0"/>
+              <a:rPr lang="en-US" dirty="0"/>
+              <a:t>Many developers build Node apps with MongoDB</a:t>
+            </a:r>
+          </a:p>
+          <a:p>
+            <a:r>
+              <a:rPr lang="en-US" dirty="0" err="1"/>
+              <a:t>DocumentDB</a:t>
+            </a:r>
+            <a:r>
+              <a:rPr lang="en-US" dirty="0"/>
+              <a:t> databases can now be used as the data store for apps written for MongoDB using the existing drivers by simply changing a connection string</a:t>
+            </a:r>
+          </a:p>
+          <a:p>
+            <a:r>
+              <a:rPr lang="en-US" dirty="0"/>
+              <a:t>Alternatively, you can connect to 3</a:t>
+            </a:r>
+            <a:r>
+              <a:rPr lang="en-US" baseline="30000" dirty="0"/>
               <a:t>rd</a:t>
             </a:r>
             <a:r>
-              <a:rPr lang="en-US" dirty="0" smtClean="0"/>
-              <a:t> party sources like </a:t>
+              <a:rPr lang="en-US" dirty="0"/>
+              <a:t> party services like </a:t>
             </a:r>
             <a:r>
               <a:rPr lang="en-US" dirty="0" err="1"/>
@@ -22743,44 +21682,18 @@
               <a:t> or </a:t>
             </a:r>
             <a:r>
-              <a:rPr lang="en-US" dirty="0" err="1" smtClean="0"/>
+              <a:rPr lang="en-US" dirty="0" err="1"/>
               <a:t>MongoLab</a:t>
             </a:r>
-            <a:endParaRPr lang="en-US" dirty="0" smtClean="0"/>
-          </a:p>
-          <a:p>
-            <a:r>
-              <a:rPr lang="en-US" dirty="0" smtClean="0"/>
-              <a:t>Use the </a:t>
-            </a:r>
-            <a:r>
-              <a:rPr lang="en-US" dirty="0" err="1" smtClean="0"/>
-              <a:t>MongoLab</a:t>
-            </a:r>
-            <a:r>
-              <a:rPr lang="en-US" dirty="0" smtClean="0"/>
-              <a:t> add on in Azure</a:t>
-            </a:r>
-          </a:p>
-          <a:p>
-            <a:r>
-              <a:rPr lang="en-US" dirty="0" smtClean="0"/>
-              <a:t>Can customize and manually use via VM</a:t>
-            </a:r>
-          </a:p>
-          <a:p>
-            <a:r>
-              <a:rPr lang="en-US" dirty="0" smtClean="0"/>
-              <a:t>Need the </a:t>
-            </a:r>
-            <a:r>
-              <a:rPr lang="en-US" dirty="0" err="1" smtClean="0"/>
-              <a:t>mongodb</a:t>
-            </a:r>
-            <a:r>
-              <a:rPr lang="en-US" dirty="0" smtClean="0"/>
-              <a:t> URI for connection</a:t>
-            </a:r>
+            <a:r>
+              <a:rPr lang="en-US" dirty="0"/>
+              <a:t> or run MongoDB in </a:t>
+            </a:r>
+            <a:r>
+              <a:rPr lang="en-US"/>
+              <a:t>a VM</a:t>
+            </a:r>
+            <a:endParaRPr lang="en-US" dirty="0"/>
           </a:p>
           <a:p>
             <a:pPr marL="0" indent="0">
@@ -22812,13 +21725,6 @@
       </p:transition>
     </mc:Fallback>
   </mc:AlternateContent>
-  <p:timing>
-    <p:tnLst>
-      <p:par>
-        <p:cTn id="1" dur="indefinite" restart="never" nodeType="tmRoot"/>
-      </p:par>
-    </p:tnLst>
-  </p:timing>
 </p:sld>
 </file>
 
@@ -22855,11 +21761,11 @@
           <a:lstStyle/>
           <a:p>
             <a:r>
-              <a:rPr lang="en-US" dirty="0" smtClean="0"/>
+              <a:rPr lang="en-US" dirty="0"/>
               <a:t>Add Support for </a:t>
             </a:r>
             <a:r>
-              <a:rPr lang="en-US" dirty="0" err="1" smtClean="0"/>
+              <a:rPr lang="en-US" dirty="0" err="1"/>
               <a:t>MongoDB</a:t>
             </a:r>
             <a:endParaRPr lang="en-US" dirty="0"/>
@@ -22939,18 +21845,18 @@
           <a:lstStyle/>
           <a:p>
             <a:r>
-              <a:rPr lang="en-US" dirty="0" smtClean="0"/>
+              <a:rPr lang="en-US" dirty="0"/>
               <a:t>Add it to the </a:t>
             </a:r>
             <a:r>
-              <a:rPr lang="en-US" dirty="0" err="1" smtClean="0"/>
+              <a:rPr lang="en-US" dirty="0" err="1"/>
               <a:t>package.json</a:t>
             </a:r>
-            <a:endParaRPr lang="en-US" dirty="0" smtClean="0"/>
-          </a:p>
-          <a:p>
-            <a:r>
-              <a:rPr lang="en-US" dirty="0" smtClean="0"/>
+            <a:endParaRPr lang="en-US" dirty="0"/>
+          </a:p>
+          <a:p>
+            <a:r>
+              <a:rPr lang="en-US" dirty="0"/>
               <a:t>In Visual Studio &gt; right click NPM to add module</a:t>
             </a:r>
           </a:p>
@@ -22959,7 +21865,6 @@
               <a:rPr lang="en-US" dirty="0"/>
               <a:t>Or from the command prompt : </a:t>
             </a:r>
-            <a:endParaRPr lang="en-US" dirty="0" smtClean="0"/>
           </a:p>
           <a:p>
             <a:pPr marL="0" indent="0">
@@ -22977,39 +21882,28 @@
                 <a:latin typeface="Courier New" panose="02070309020205020404" pitchFamily="49" charset="0"/>
                 <a:cs typeface="Courier New" panose="02070309020205020404" pitchFamily="49" charset="0"/>
               </a:rPr>
-              <a:t> install </a:t>
-            </a:r>
-            <a:r>
-              <a:rPr lang="en-US" sz="2000" dirty="0" smtClean="0">
-                <a:latin typeface="Courier New" panose="02070309020205020404" pitchFamily="49" charset="0"/>
-                <a:cs typeface="Courier New" panose="02070309020205020404" pitchFamily="49" charset="0"/>
-              </a:rPr>
-              <a:t>--save </a:t>
-            </a:r>
-            <a:r>
-              <a:rPr lang="en-US" sz="2000" dirty="0" err="1" smtClean="0">
+              <a:t> install --save </a:t>
+            </a:r>
+            <a:r>
+              <a:rPr lang="en-US" sz="2000" dirty="0" err="1">
                 <a:latin typeface="Courier New" panose="02070309020205020404" pitchFamily="49" charset="0"/>
                 <a:cs typeface="Courier New" panose="02070309020205020404" pitchFamily="49" charset="0"/>
               </a:rPr>
               <a:t>mongodb</a:t>
             </a:r>
             <a:r>
-              <a:rPr lang="en-US" sz="2000" dirty="0" smtClean="0">
+              <a:rPr lang="en-US" sz="2000" dirty="0">
                 <a:latin typeface="Courier New" panose="02070309020205020404" pitchFamily="49" charset="0"/>
                 <a:cs typeface="Courier New" panose="02070309020205020404" pitchFamily="49" charset="0"/>
               </a:rPr>
               <a:t> </a:t>
             </a:r>
-            <a:endParaRPr lang="en-US" sz="2000" dirty="0">
-              <a:latin typeface="Courier New" panose="02070309020205020404" pitchFamily="49" charset="0"/>
-              <a:cs typeface="Courier New" panose="02070309020205020404" pitchFamily="49" charset="0"/>
-            </a:endParaRPr>
           </a:p>
           <a:p>
             <a:pPr marL="0" indent="0">
               <a:buNone/>
             </a:pPr>
-            <a:endParaRPr lang="en-US" dirty="0" smtClean="0"/>
+            <a:endParaRPr lang="en-US" dirty="0"/>
           </a:p>
         </p:txBody>
       </p:sp>
@@ -23035,13 +21929,6 @@
       </p:transition>
     </mc:Fallback>
   </mc:AlternateContent>
-  <p:timing>
-    <p:tnLst>
-      <p:par>
-        <p:cTn id="1" dur="indefinite" restart="never" nodeType="tmRoot"/>
-      </p:par>
-    </p:tnLst>
-  </p:timing>
 </p:sld>
 </file>
 
@@ -23084,13 +21971,6 @@
       </p:transition>
     </mc:Fallback>
   </mc:AlternateContent>
-  <p:timing>
-    <p:tnLst>
-      <p:par>
-        <p:cTn id="1" dur="indefinite" restart="never" nodeType="tmRoot"/>
-      </p:par>
-    </p:tnLst>
-  </p:timing>
 </p:sld>
 </file>
 
@@ -23127,10 +22007,9 @@
           <a:lstStyle/>
           <a:p>
             <a:r>
-              <a:rPr lang="en-US" dirty="0" smtClean="0"/>
+              <a:rPr lang="en-US" dirty="0"/>
               <a:t>Agenda</a:t>
             </a:r>
-            <a:endParaRPr lang="en-US" dirty="0"/>
           </a:p>
         </p:txBody>
       </p:sp>
@@ -23167,13 +22046,8 @@
             </a:pPr>
             <a:r>
               <a:rPr lang="en-GB" dirty="0"/>
-              <a:t>Using Socket.IO to connect users, broadcast and receive </a:t>
-            </a:r>
-            <a:r>
-              <a:rPr lang="en-GB" dirty="0" smtClean="0"/>
-              <a:t>messages</a:t>
-            </a:r>
-            <a:endParaRPr lang="en-GB" dirty="0"/>
+              <a:t>Using Socket.IO to connect users, broadcast and receive messages</a:t>
+            </a:r>
           </a:p>
           <a:p>
             <a:pPr marL="742950" indent="-742950">
@@ -23184,7 +22058,6 @@
               <a:rPr lang="en-GB" dirty="0"/>
               <a:t>Using a NoSQL Database</a:t>
             </a:r>
-            <a:endParaRPr lang="en-GB" dirty="0" smtClean="0"/>
           </a:p>
         </p:txBody>
       </p:sp>
@@ -23210,13 +22083,6 @@
       </p:transition>
     </mc:Fallback>
   </mc:AlternateContent>
-  <p:timing>
-    <p:tnLst>
-      <p:par>
-        <p:cTn id="1" dur="indefinite" restart="never" nodeType="tmRoot"/>
-      </p:par>
-    </p:tnLst>
-  </p:timing>
 </p:sld>
 </file>
 
@@ -23281,13 +22147,6 @@
       </p:transition>
     </mc:Fallback>
   </mc:AlternateContent>
-  <p:timing>
-    <p:tnLst>
-      <p:par>
-        <p:cTn id="1" dur="indefinite" restart="never" nodeType="tmRoot"/>
-      </p:par>
-    </p:tnLst>
-  </p:timing>
 </p:sld>
 </file>
 
@@ -23324,10 +22183,9 @@
           <a:lstStyle/>
           <a:p>
             <a:r>
-              <a:rPr lang="en-US" dirty="0" smtClean="0"/>
+              <a:rPr lang="en-US" dirty="0"/>
               <a:t>What are Web Sockets</a:t>
             </a:r>
-            <a:endParaRPr lang="en-US" dirty="0"/>
           </a:p>
         </p:txBody>
       </p:sp>
@@ -23349,88 +22207,39 @@
           <a:lstStyle/>
           <a:p>
             <a:r>
-              <a:rPr lang="en-US" dirty="0" smtClean="0"/>
+              <a:rPr lang="en-US" dirty="0"/>
               <a:t>A </a:t>
             </a:r>
             <a:r>
-              <a:rPr lang="en-US" dirty="0" err="1" smtClean="0"/>
+              <a:rPr lang="en-US" dirty="0" err="1"/>
               <a:t>Websocket</a:t>
             </a:r>
             <a:r>
-              <a:rPr lang="en-US" dirty="0" smtClean="0"/>
-              <a:t> is </a:t>
-            </a:r>
-            <a:r>
               <a:rPr lang="en-US" dirty="0"/>
-              <a:t>a protocol designed to allow web applications to create a full-duplex channel over TCP </a:t>
-            </a:r>
-            <a:r>
-              <a:rPr lang="en-US" dirty="0" smtClean="0"/>
-              <a:t>(</a:t>
-            </a:r>
+              <a:t> is a protocol designed to allow web applications to create a full-duplex channel over TCP (i.e. to have bi-directional communication) between the web browser and a web server</a:t>
+            </a:r>
+          </a:p>
+          <a:p>
             <a:r>
               <a:rPr lang="en-US" dirty="0"/>
-              <a:t>i.e. to have bi-directional communication) between the web browser and a web </a:t>
-            </a:r>
-            <a:r>
-              <a:rPr lang="en-US" dirty="0" smtClean="0"/>
-              <a:t>server</a:t>
-            </a:r>
-          </a:p>
-          <a:p>
-            <a:r>
-              <a:rPr lang="en-US" dirty="0" smtClean="0"/>
-              <a:t>It </a:t>
+              <a:t>It is fully compatible with HTTP and uses TCP port number 80</a:t>
+            </a:r>
+          </a:p>
+          <a:p>
+            <a:r>
+              <a:rPr lang="en-US" dirty="0" err="1"/>
+              <a:t>WebSockets</a:t>
             </a:r>
             <a:r>
               <a:rPr lang="en-US" dirty="0"/>
-              <a:t>is fully compatible with HTTP and uses TCP port number </a:t>
-            </a:r>
-            <a:r>
-              <a:rPr lang="en-US" dirty="0" smtClean="0"/>
-              <a:t>80</a:t>
-            </a:r>
-          </a:p>
-          <a:p>
-            <a:r>
-              <a:rPr lang="en-US" dirty="0" err="1" smtClean="0"/>
-              <a:t>WebSockets</a:t>
-            </a:r>
-            <a:r>
-              <a:rPr lang="en-US" dirty="0" smtClean="0"/>
-              <a:t> </a:t>
-            </a:r>
+              <a:t> allowed web applications to become real-time and support advanced interactions between the client and the server</a:t>
+            </a:r>
+          </a:p>
+          <a:p>
             <a:r>
               <a:rPr lang="en-US" dirty="0"/>
-              <a:t>allowed web applications to become real-time and support advanced interactions between the client and the </a:t>
-            </a:r>
-            <a:r>
-              <a:rPr lang="en-US" dirty="0" smtClean="0"/>
-              <a:t>server</a:t>
-            </a:r>
-          </a:p>
-          <a:p>
-            <a:r>
-              <a:rPr lang="en-US" dirty="0" smtClean="0"/>
-              <a:t>It </a:t>
-            </a:r>
-            <a:r>
-              <a:rPr lang="en-US" dirty="0"/>
-              <a:t>is supposed by several browsers including </a:t>
-            </a:r>
-            <a:r>
-              <a:rPr lang="en-US" dirty="0" smtClean="0"/>
-              <a:t>Microsoft Edge, Internet </a:t>
-            </a:r>
-            <a:r>
-              <a:rPr lang="en-US" dirty="0"/>
-              <a:t>Explorer, Google Chrome, Firefox, Safari and </a:t>
-            </a:r>
-            <a:r>
-              <a:rPr lang="en-US" dirty="0" smtClean="0"/>
-              <a:t>Opera</a:t>
-            </a:r>
-            <a:endParaRPr lang="en-US" dirty="0"/>
+              <a:t>It is supposed by several browsers including Microsoft Edge, Internet Explorer, Google Chrome, Firefox, Safari and Opera</a:t>
+            </a:r>
           </a:p>
         </p:txBody>
       </p:sp>
@@ -23456,13 +22265,6 @@
       </p:transition>
     </mc:Fallback>
   </mc:AlternateContent>
-  <p:timing>
-    <p:tnLst>
-      <p:par>
-        <p:cTn id="1" dur="indefinite" restart="never" nodeType="tmRoot"/>
-      </p:par>
-    </p:tnLst>
-  </p:timing>
 </p:sld>
 </file>
 
@@ -23499,10 +22301,9 @@
           <a:lstStyle/>
           <a:p>
             <a:r>
-              <a:rPr lang="en-US" dirty="0" smtClean="0"/>
+              <a:rPr lang="en-US" dirty="0"/>
               <a:t>What is Socket.IO</a:t>
             </a:r>
-            <a:endParaRPr lang="en-US" dirty="0"/>
           </a:p>
         </p:txBody>
       </p:sp>
@@ -23522,26 +22323,14 @@
           <a:lstStyle/>
           <a:p>
             <a:r>
-              <a:rPr lang="en-US" dirty="0" smtClean="0"/>
-              <a:t>Socket.IO is </a:t>
-            </a:r>
-            <a:r>
               <a:rPr lang="en-US" dirty="0"/>
-              <a:t>a simple JavaScript library and node.js module that allows you to create real-time bidirectional event-based communication apps simply and </a:t>
-            </a:r>
-            <a:r>
-              <a:rPr lang="en-US" dirty="0" smtClean="0"/>
-              <a:t>quickly</a:t>
-            </a:r>
-          </a:p>
-          <a:p>
-            <a:r>
-              <a:rPr lang="en-US" dirty="0" smtClean="0"/>
-              <a:t>It </a:t>
-            </a:r>
+              <a:t>Socket.IO is a simple JavaScript library and node.js module that allows you to create real-time bidirectional event-based communication apps simply and quickly</a:t>
+            </a:r>
+          </a:p>
+          <a:p>
             <a:r>
               <a:rPr lang="en-US" dirty="0"/>
-              <a:t>simplifies the process of using </a:t>
+              <a:t>It simplifies the process of using </a:t>
             </a:r>
             <a:r>
               <a:rPr lang="en-US" dirty="0" err="1"/>
@@ -23549,11 +22338,7 @@
             </a:r>
             <a:r>
               <a:rPr lang="en-US" dirty="0"/>
-              <a:t> significantly. We will be using Socket.IO v1.0 to make our chatroom </a:t>
-            </a:r>
-            <a:r>
-              <a:rPr lang="en-US" dirty="0" smtClean="0"/>
-              <a:t>app</a:t>
+              <a:t> significantly. We will be using Socket.IO v1.0 to make our chatroom app</a:t>
             </a:r>
           </a:p>
           <a:p>
@@ -23586,13 +22371,6 @@
       </p:transition>
     </mc:Fallback>
   </mc:AlternateContent>
-  <p:timing>
-    <p:tnLst>
-      <p:par>
-        <p:cTn id="1" dur="indefinite" restart="never" nodeType="tmRoot"/>
-      </p:par>
-    </p:tnLst>
-  </p:timing>
 </p:sld>
 </file>
 
@@ -23634,7 +22412,6 @@
               <a:rPr lang="en-US" dirty="0"/>
               <a:t>Using Socket.IO to connect users, broadcast and receive messages</a:t>
             </a:r>
-            <a:endParaRPr lang="en-US" dirty="0"/>
           </a:p>
         </p:txBody>
       </p:sp>
@@ -23660,13 +22437,6 @@
       </p:transition>
     </mc:Fallback>
   </mc:AlternateContent>
-  <p:timing>
-    <p:tnLst>
-      <p:par>
-        <p:cTn id="1" dur="indefinite" restart="never" nodeType="tmRoot"/>
-      </p:par>
-    </p:tnLst>
-  </p:timing>
 </p:sld>
 </file>
 
@@ -23703,10 +22473,9 @@
           <a:lstStyle/>
           <a:p>
             <a:r>
-              <a:rPr lang="en-US" dirty="0" smtClean="0"/>
+              <a:rPr lang="en-US" dirty="0"/>
               <a:t>Implementing Socket.IO</a:t>
             </a:r>
-            <a:endParaRPr lang="en-US" dirty="0"/>
           </a:p>
         </p:txBody>
       </p:sp>
@@ -23731,18 +22500,18 @@
           <a:lstStyle/>
           <a:p>
             <a:r>
-              <a:rPr lang="en-US" dirty="0" smtClean="0"/>
+              <a:rPr lang="en-US" dirty="0"/>
               <a:t>Add it to the </a:t>
             </a:r>
             <a:r>
-              <a:rPr lang="en-US" dirty="0" err="1" smtClean="0"/>
+              <a:rPr lang="en-US" dirty="0" err="1"/>
               <a:t>package.json</a:t>
             </a:r>
-            <a:endParaRPr lang="en-US" dirty="0" smtClean="0"/>
-          </a:p>
-          <a:p>
-            <a:r>
-              <a:rPr lang="en-US" dirty="0" smtClean="0"/>
+            <a:endParaRPr lang="en-US" dirty="0"/>
+          </a:p>
+          <a:p>
+            <a:r>
+              <a:rPr lang="en-US" dirty="0"/>
               <a:t>In Visual Studio &gt; right click NPM to add module</a:t>
             </a:r>
           </a:p>
@@ -23751,7 +22520,6 @@
               <a:rPr lang="en-US" dirty="0"/>
               <a:t>Or from the command prompt : </a:t>
             </a:r>
-            <a:endParaRPr lang="en-US" dirty="0" smtClean="0"/>
           </a:p>
           <a:p>
             <a:pPr marL="0" indent="0">
@@ -23769,25 +22537,14 @@
                 <a:latin typeface="Courier New" panose="02070309020205020404" pitchFamily="49" charset="0"/>
                 <a:cs typeface="Courier New" panose="02070309020205020404" pitchFamily="49" charset="0"/>
               </a:rPr>
-              <a:t> install </a:t>
-            </a:r>
-            <a:r>
-              <a:rPr lang="en-US" sz="2000" dirty="0" smtClean="0">
-                <a:latin typeface="Courier New" panose="02070309020205020404" pitchFamily="49" charset="0"/>
-                <a:cs typeface="Courier New" panose="02070309020205020404" pitchFamily="49" charset="0"/>
-              </a:rPr>
-              <a:t>--save socket.io </a:t>
-            </a:r>
-            <a:endParaRPr lang="en-US" sz="2000" dirty="0">
-              <a:latin typeface="Courier New" panose="02070309020205020404" pitchFamily="49" charset="0"/>
-              <a:cs typeface="Courier New" panose="02070309020205020404" pitchFamily="49" charset="0"/>
-            </a:endParaRPr>
+              <a:t> install --save socket.io </a:t>
+            </a:r>
           </a:p>
           <a:p>
             <a:pPr marL="0" indent="0">
               <a:buNone/>
             </a:pPr>
-            <a:endParaRPr lang="en-US" dirty="0" smtClean="0"/>
+            <a:endParaRPr lang="en-US" dirty="0"/>
           </a:p>
         </p:txBody>
       </p:sp>
@@ -23865,13 +22622,6 @@
       </p:transition>
     </mc:Fallback>
   </mc:AlternateContent>
-  <p:timing>
-    <p:tnLst>
-      <p:par>
-        <p:cTn id="1" dur="indefinite" restart="never" nodeType="tmRoot"/>
-      </p:par>
-    </p:tnLst>
-  </p:timing>
 </p:sld>
 </file>
 
@@ -23936,13 +22686,6 @@
       </p:transition>
     </mc:Fallback>
   </mc:AlternateContent>
-  <p:timing>
-    <p:tnLst>
-      <p:par>
-        <p:cTn id="1" dur="indefinite" restart="never" nodeType="tmRoot"/>
-      </p:par>
-    </p:tnLst>
-  </p:timing>
 </p:sld>
 </file>
 
@@ -24008,13 +22751,6 @@
       </p:transition>
     </mc:Fallback>
   </mc:AlternateContent>
-  <p:timing>
-    <p:tnLst>
-      <p:par>
-        <p:cTn id="1" dur="indefinite" restart="never" nodeType="tmRoot"/>
-      </p:par>
-    </p:tnLst>
-  </p:timing>
 </p:sld>
 </file>
 
@@ -26041,6 +24777,21 @@
 </file>
 
 <file path=customXml/item1.xml><?xml version="1.0" encoding="utf-8"?>
+<p:properties xmlns:p="http://schemas.microsoft.com/office/2006/metadata/properties" xmlns:xsi="http://www.w3.org/2001/XMLSchema-instance" xmlns:pc="http://schemas.microsoft.com/office/infopath/2007/PartnerControls">
+  <documentManagement/>
+</p:properties>
+</file>
+
+<file path=customXml/item2.xml><?xml version="1.0" encoding="utf-8"?>
+<?mso-contentType ?>
+<FormTemplates xmlns="http://schemas.microsoft.com/sharepoint/v3/contenttype/forms">
+  <Display>DocumentLibraryForm</Display>
+  <Edit>DocumentLibraryForm</Edit>
+  <New>DocumentLibraryForm</New>
+</FormTemplates>
+</file>
+
+<file path=customXml/item3.xml><?xml version="1.0" encoding="utf-8"?>
 <ct:contentTypeSchema xmlns:ct="http://schemas.microsoft.com/office/2006/metadata/contentType" xmlns:ma="http://schemas.microsoft.com/office/2006/metadata/properties/metaAttributes" ct:_="" ma:_="" ma:contentTypeName="Document" ma:contentTypeID="0x010100391E57C78B9F604FB8BAD296D1460E2A" ma:contentTypeVersion="1" ma:contentTypeDescription="Create a new document." ma:contentTypeScope="" ma:versionID="fb382fe2362acd2155f454904f478e4d">
   <xsd:schema xmlns:xsd="http://www.w3.org/2001/XMLSchema" xmlns:xs="http://www.w3.org/2001/XMLSchema" xmlns:p="http://schemas.microsoft.com/office/2006/metadata/properties" xmlns:ns3="636b0322-90fb-440c-9cbc-22749e7231e9" targetNamespace="http://schemas.microsoft.com/office/2006/metadata/properties" ma:root="true" ma:fieldsID="b9887c63ce4710c1aeb75a5f03aecb69" ns3:_="">
     <xsd:import namespace="636b0322-90fb-440c-9cbc-22749e7231e9"/>
@@ -26180,22 +24931,31 @@
 </ct:contentTypeSchema>
 </file>
 
-<file path=customXml/item2.xml><?xml version="1.0" encoding="utf-8"?>
-<?mso-contentType ?>
-<FormTemplates xmlns="http://schemas.microsoft.com/sharepoint/v3/contenttype/forms">
-  <Display>DocumentLibraryForm</Display>
-  <Edit>DocumentLibraryForm</Edit>
-  <New>DocumentLibraryForm</New>
-</FormTemplates>
+<file path=customXml/itemProps1.xml><?xml version="1.0" encoding="utf-8"?>
+<ds:datastoreItem xmlns:ds="http://schemas.openxmlformats.org/officeDocument/2006/customXml" ds:itemID="{7025FDD9-4C58-4084-9F89-0E6ADD6FFF55}">
+  <ds:schemaRefs>
+    <ds:schemaRef ds:uri="http://purl.org/dc/terms/"/>
+    <ds:schemaRef ds:uri="http://schemas.openxmlformats.org/package/2006/metadata/core-properties"/>
+    <ds:schemaRef ds:uri="http://schemas.microsoft.com/office/2006/documentManagement/types"/>
+    <ds:schemaRef ds:uri="http://schemas.microsoft.com/office/infopath/2007/PartnerControls"/>
+    <ds:schemaRef ds:uri="http://purl.org/dc/elements/1.1/"/>
+    <ds:schemaRef ds:uri="http://schemas.microsoft.com/office/2006/metadata/properties"/>
+    <ds:schemaRef ds:uri="636b0322-90fb-440c-9cbc-22749e7231e9"/>
+    <ds:schemaRef ds:uri="http://www.w3.org/XML/1998/namespace"/>
+    <ds:schemaRef ds:uri="http://purl.org/dc/dcmitype/"/>
+  </ds:schemaRefs>
+</ds:datastoreItem>
 </file>
 
-<file path=customXml/item3.xml><?xml version="1.0" encoding="utf-8"?>
-<p:properties xmlns:p="http://schemas.microsoft.com/office/2006/metadata/properties" xmlns:xsi="http://www.w3.org/2001/XMLSchema-instance" xmlns:pc="http://schemas.microsoft.com/office/infopath/2007/PartnerControls">
-  <documentManagement/>
-</p:properties>
+<file path=customXml/itemProps2.xml><?xml version="1.0" encoding="utf-8"?>
+<ds:datastoreItem xmlns:ds="http://schemas.openxmlformats.org/officeDocument/2006/customXml" ds:itemID="{B0CA13EC-1D3C-4D6F-8D1C-E8A452CFC79A}">
+  <ds:schemaRefs>
+    <ds:schemaRef ds:uri="http://schemas.microsoft.com/sharepoint/v3/contenttype/forms"/>
+  </ds:schemaRefs>
+</ds:datastoreItem>
 </file>
 
-<file path=customXml/itemProps1.xml><?xml version="1.0" encoding="utf-8"?>
+<file path=customXml/itemProps3.xml><?xml version="1.0" encoding="utf-8"?>
 <ds:datastoreItem xmlns:ds="http://schemas.openxmlformats.org/officeDocument/2006/customXml" ds:itemID="{7B70CE0C-0988-423A-BF66-B40F6A1061FF}">
   <ds:schemaRefs>
     <ds:schemaRef ds:uri="http://schemas.microsoft.com/office/2006/metadata/contentType"/>
@@ -26211,28 +24971,4 @@
     <ds:schemaRef ds:uri="http://schemas.microsoft.com/internal/obd"/>
   </ds:schemaRefs>
 </ds:datastoreItem>
-</file>
-
-<file path=customXml/itemProps2.xml><?xml version="1.0" encoding="utf-8"?>
-<ds:datastoreItem xmlns:ds="http://schemas.openxmlformats.org/officeDocument/2006/customXml" ds:itemID="{B0CA13EC-1D3C-4D6F-8D1C-E8A452CFC79A}">
-  <ds:schemaRefs>
-    <ds:schemaRef ds:uri="http://schemas.microsoft.com/sharepoint/v3/contenttype/forms"/>
-  </ds:schemaRefs>
-</ds:datastoreItem>
-</file>
-
-<file path=customXml/itemProps3.xml><?xml version="1.0" encoding="utf-8"?>
-<ds:datastoreItem xmlns:ds="http://schemas.openxmlformats.org/officeDocument/2006/customXml" ds:itemID="{7025FDD9-4C58-4084-9F89-0E6ADD6FFF55}">
-  <ds:schemaRefs>
-    <ds:schemaRef ds:uri="http://purl.org/dc/terms/"/>
-    <ds:schemaRef ds:uri="http://schemas.openxmlformats.org/package/2006/metadata/core-properties"/>
-    <ds:schemaRef ds:uri="http://schemas.microsoft.com/office/2006/documentManagement/types"/>
-    <ds:schemaRef ds:uri="http://schemas.microsoft.com/office/infopath/2007/PartnerControls"/>
-    <ds:schemaRef ds:uri="http://purl.org/dc/elements/1.1/"/>
-    <ds:schemaRef ds:uri="http://schemas.microsoft.com/office/2006/metadata/properties"/>
-    <ds:schemaRef ds:uri="636b0322-90fb-440c-9cbc-22749e7231e9"/>
-    <ds:schemaRef ds:uri="http://www.w3.org/XML/1998/namespace"/>
-    <ds:schemaRef ds:uri="http://purl.org/dc/dcmitype/"/>
-  </ds:schemaRefs>
-</ds:datastoreItem>
 </file>